--- a/Session2/Session2_Slides.pptx
+++ b/Session2/Session2_Slides.pptx
@@ -37,6 +37,17 @@
     <p:sldId id="282" r:id="rId34"/>
     <p:sldId id="283" r:id="rId35"/>
     <p:sldId id="284" r:id="rId36"/>
+    <p:sldId id="285" r:id="rId37"/>
+    <p:sldId id="286" r:id="rId38"/>
+    <p:sldId id="287" r:id="rId39"/>
+    <p:sldId id="288" r:id="rId40"/>
+    <p:sldId id="289" r:id="rId41"/>
+    <p:sldId id="290" r:id="rId42"/>
+    <p:sldId id="291" r:id="rId43"/>
+    <p:sldId id="292" r:id="rId44"/>
+    <p:sldId id="293" r:id="rId45"/>
+    <p:sldId id="294" r:id="rId46"/>
+    <p:sldId id="295" r:id="rId47"/>
   </p:sldIdLst>
   <p:sldSz cx="13004800" cy="9753600"/>
   <p:notesSz cx="6858000" cy="9144000"/>
@@ -6342,6 +6353,31 @@
           <a:chExt cx="0" cy="0"/>
         </a:xfrm>
       </p:grpSpPr>
+      <p:pic>
+        <p:nvPicPr>
+          <p:cNvPr id="216" name="pasted-image.jpeg"/>
+          <p:cNvPicPr>
+            <a:picLocks noChangeAspect="1"/>
+          </p:cNvPicPr>
+          <p:nvPr>
+            <p:ph type="pic" idx="13"/>
+          </p:nvPr>
+        </p:nvPicPr>
+        <p:blipFill>
+          <a:blip r:embed="rId2">
+            <a:extLst/>
+          </a:blip>
+          <a:srcRect l="29428" t="0" r="29428" b="0"/>
+          <a:stretch>
+            <a:fillRect/>
+          </a:stretch>
+        </p:blipFill>
+        <p:spPr>
+          <a:prstGeom prst="rect">
+            <a:avLst/>
+          </a:prstGeom>
+        </p:spPr>
+      </p:pic>
       <p:sp>
         <p:nvSpPr>
           <p:cNvPr id="217" name="Shape 217"/>
@@ -6351,10 +6387,6 @@
           </p:nvPr>
         </p:nvSpPr>
         <p:spPr>
-          <a:xfrm>
-            <a:off x="406400" y="1536700"/>
-            <a:ext cx="12192000" cy="1169260"/>
-          </a:xfrm>
           <a:prstGeom prst="rect">
             <a:avLst/>
           </a:prstGeom>
@@ -6362,17 +6394,14 @@
         <p:txBody>
           <a:bodyPr/>
           <a:lstStyle>
-            <a:lvl1pPr defTabSz="403097">
-              <a:spcBef>
-                <a:spcPts val="1900"/>
-              </a:spcBef>
-              <a:defRPr sz="8280"/>
+            <a:lvl1pPr>
+              <a:defRPr sz="9600"/>
             </a:lvl1pPr>
           </a:lstStyle>
           <a:p>
             <a:pPr/>
             <a:r>
-              <a:t>Learning curve</a:t>
+              <a:t>Yellowbrick</a:t>
             </a:r>
           </a:p>
         </p:txBody>
@@ -6382,14 +6411,10 @@
           <p:cNvPr id="218" name="Shape 218"/>
           <p:cNvSpPr/>
           <p:nvPr>
-            <p:ph type="body" idx="1"/>
+            <p:ph type="body" sz="quarter" idx="1"/>
           </p:nvPr>
         </p:nvSpPr>
         <p:spPr>
-          <a:xfrm>
-            <a:off x="406400" y="2558069"/>
-            <a:ext cx="12192000" cy="5784563"/>
-          </a:xfrm>
           <a:prstGeom prst="rect">
             <a:avLst/>
           </a:prstGeom>
@@ -6398,51 +6423,9 @@
           <a:bodyPr/>
           <a:lstStyle/>
           <a:p>
-            <a:pPr marL="642433" indent="-642433" defTabSz="531622">
-              <a:spcBef>
-                <a:spcPts val="2500"/>
-              </a:spcBef>
-              <a:buClrTx/>
-              <a:buSzPct val="40000"/>
-              <a:buFontTx/>
-              <a:buBlip>
-                <a:blip r:embed="rId2"/>
-              </a:buBlip>
-              <a:defRPr sz="5824"/>
-            </a:pPr>
-          </a:p>
-          <a:p>
-            <a:pPr marL="642433" indent="-642433" defTabSz="531622">
-              <a:spcBef>
-                <a:spcPts val="2500"/>
-              </a:spcBef>
-              <a:buClrTx/>
-              <a:buSzPct val="40000"/>
-              <a:buFontTx/>
-              <a:buBlip>
-                <a:blip r:embed="rId2"/>
-              </a:buBlip>
-              <a:defRPr sz="5824"/>
-            </a:pPr>
-            <a:r>
-              <a:t>Scores model as size of data increases</a:t>
-            </a:r>
-          </a:p>
-          <a:p>
-            <a:pPr marL="642433" indent="-642433" defTabSz="531622">
-              <a:spcBef>
-                <a:spcPts val="2500"/>
-              </a:spcBef>
-              <a:buClrTx/>
-              <a:buSzPct val="40000"/>
-              <a:buFontTx/>
-              <a:buBlip>
-                <a:blip r:embed="rId2"/>
-              </a:buBlip>
-              <a:defRPr sz="5824"/>
-            </a:pPr>
-            <a:r>
-              <a:t>Convergence means more data won’t help</a:t>
+            <a:pPr/>
+            <a:r>
+              <a:t>Introducing</a:t>
             </a:r>
           </a:p>
         </p:txBody>
@@ -6478,74 +6461,104 @@
           <p:cNvPr id="220" name="Shape 220"/>
           <p:cNvSpPr/>
           <p:nvPr>
-            <p:ph type="ctrTitle"/>
+            <p:ph type="title"/>
           </p:nvPr>
         </p:nvSpPr>
         <p:spPr>
+          <a:xfrm>
+            <a:off x="406400" y="1536700"/>
+            <a:ext cx="12192000" cy="1169261"/>
+          </a:xfrm>
           <a:prstGeom prst="rect">
             <a:avLst/>
           </a:prstGeom>
         </p:spPr>
         <p:txBody>
           <a:bodyPr/>
+          <a:lstStyle>
+            <a:lvl1pPr defTabSz="403097">
+              <a:spcBef>
+                <a:spcPts val="1900"/>
+              </a:spcBef>
+              <a:defRPr sz="8200"/>
+            </a:lvl1pPr>
+          </a:lstStyle>
+          <a:p>
+            <a:pPr/>
+            <a:r>
+              <a:t>Yellowbrick</a:t>
+            </a:r>
+          </a:p>
+        </p:txBody>
+      </p:sp>
+      <p:sp>
+        <p:nvSpPr>
+          <p:cNvPr id="221" name="Shape 221"/>
+          <p:cNvSpPr/>
+          <p:nvPr>
+            <p:ph type="body" sz="half" idx="1"/>
+          </p:nvPr>
+        </p:nvSpPr>
+        <p:spPr>
+          <a:xfrm>
+            <a:off x="406400" y="4538100"/>
+            <a:ext cx="12192000" cy="2531601"/>
+          </a:xfrm>
+          <a:prstGeom prst="rect">
+            <a:avLst/>
+          </a:prstGeom>
+        </p:spPr>
+        <p:txBody>
+          <a:bodyPr anchor="t"/>
           <a:lstStyle/>
           <a:p>
-            <a:pPr defTabSz="455675">
-              <a:defRPr sz="13259"/>
+            <a:pPr marL="550656" indent="-550656" defTabSz="455674">
+              <a:lnSpc>
+                <a:spcPct val="100000"/>
+              </a:lnSpc>
+              <a:spcBef>
+                <a:spcPts val="2100"/>
+              </a:spcBef>
+              <a:buSzPct val="40000"/>
+              <a:buBlip>
+                <a:blip r:embed="rId2"/>
+              </a:buBlip>
+              <a:defRPr cap="none" spc="0" sz="4900">
+                <a:latin typeface="Avenir Next Medium"/>
+                <a:ea typeface="Avenir Next Medium"/>
+                <a:cs typeface="Avenir Next Medium"/>
+                <a:sym typeface="Avenir Next Medium"/>
+              </a:defRPr>
             </a:pPr>
-          </a:p>
-        </p:txBody>
-      </p:sp>
-      <p:sp>
-        <p:nvSpPr>
-          <p:cNvPr id="221" name="Shape 221"/>
-          <p:cNvSpPr/>
-          <p:nvPr>
-            <p:ph type="subTitle" sz="quarter" idx="1"/>
-          </p:nvPr>
-        </p:nvSpPr>
-        <p:spPr>
-          <a:prstGeom prst="rect">
-            <a:avLst/>
-          </a:prstGeom>
-        </p:spPr>
-        <p:txBody>
-          <a:bodyPr/>
-          <a:lstStyle/>
-          <a:p>
-            <a:pPr/>
-          </a:p>
-        </p:txBody>
-      </p:sp>
-      <p:pic>
-        <p:nvPicPr>
-          <p:cNvPr id="222" name="learning_curve-2.png"/>
-          <p:cNvPicPr>
-            <a:picLocks noChangeAspect="1"/>
-          </p:cNvPicPr>
-          <p:nvPr/>
-        </p:nvPicPr>
-        <p:blipFill>
-          <a:blip r:embed="rId2">
-            <a:extLst/>
-          </a:blip>
-          <a:stretch>
-            <a:fillRect/>
-          </a:stretch>
-        </p:blipFill>
-        <p:spPr>
-          <a:xfrm>
-            <a:off x="-16934" y="406400"/>
-            <a:ext cx="13038667" cy="8964084"/>
-          </a:xfrm>
-          <a:prstGeom prst="rect">
-            <a:avLst/>
-          </a:prstGeom>
-          <a:ln w="12700">
-            <a:miter lim="400000"/>
-          </a:ln>
-        </p:spPr>
-      </p:pic>
+            <a:r>
+              <a:t>Diagnostic visualizations! Automatic!</a:t>
+            </a:r>
+          </a:p>
+          <a:p>
+            <a:pPr marL="550656" indent="-550656" defTabSz="455674">
+              <a:lnSpc>
+                <a:spcPct val="100000"/>
+              </a:lnSpc>
+              <a:spcBef>
+                <a:spcPts val="2100"/>
+              </a:spcBef>
+              <a:buSzPct val="40000"/>
+              <a:buBlip>
+                <a:blip r:embed="rId2"/>
+              </a:buBlip>
+              <a:defRPr cap="none" spc="0" sz="4900">
+                <a:latin typeface="Avenir Next Medium"/>
+                <a:ea typeface="Avenir Next Medium"/>
+                <a:cs typeface="Avenir Next Medium"/>
+                <a:sym typeface="Avenir Next Medium"/>
+              </a:defRPr>
+            </a:pPr>
+            <a:r>
+              <a:t>Built to integrate with scikit-learn</a:t>
+            </a:r>
+          </a:p>
+        </p:txBody>
+      </p:sp>
     </p:spTree>
   </p:cSld>
   <p:clrMapOvr>
@@ -6556,7 +6569,7 @@
 </file>
 
 <file path=ppt/slides/slide12.xml><?xml version="1.0" encoding="utf-8"?>
-<p:sld xmlns:a="http://schemas.openxmlformats.org/drawingml/2006/main" xmlns:r="http://schemas.openxmlformats.org/officeDocument/2006/relationships" xmlns:p="http://schemas.openxmlformats.org/presentationml/2006/main" showMasterSp="1" showMasterPhAnim="1">
+<p:sld xmlns:a="http://schemas.openxmlformats.org/drawingml/2006/main" xmlns:r="http://schemas.openxmlformats.org/officeDocument/2006/relationships" xmlns:p="http://schemas.openxmlformats.org/presentationml/2006/main" show="0" showMasterSp="1" showMasterPhAnim="1">
   <p:cSld>
     <p:spTree>
       <p:nvGrpSpPr>
@@ -6574,68 +6587,49 @@
       </p:grpSpPr>
       <p:sp>
         <p:nvSpPr>
+          <p:cNvPr id="223" name="Shape 223"/>
+          <p:cNvSpPr/>
+          <p:nvPr>
+            <p:ph type="title"/>
+          </p:nvPr>
+        </p:nvSpPr>
+        <p:spPr>
+          <a:xfrm>
+            <a:off x="406400" y="1536700"/>
+            <a:ext cx="12192000" cy="1169261"/>
+          </a:xfrm>
+          <a:prstGeom prst="rect">
+            <a:avLst/>
+          </a:prstGeom>
+        </p:spPr>
+        <p:txBody>
+          <a:bodyPr/>
+          <a:lstStyle>
+            <a:lvl1pPr defTabSz="403097">
+              <a:spcBef>
+                <a:spcPts val="1900"/>
+              </a:spcBef>
+              <a:defRPr sz="8200"/>
+            </a:lvl1pPr>
+          </a:lstStyle>
+          <a:p>
+            <a:pPr/>
+            <a:r>
+              <a:t>Example from data</a:t>
+            </a:r>
+          </a:p>
+        </p:txBody>
+      </p:sp>
+      <p:sp>
+        <p:nvSpPr>
           <p:cNvPr id="224" name="Shape 224"/>
           <p:cNvSpPr/>
-          <p:nvPr>
-            <p:ph type="ctrTitle"/>
-          </p:nvPr>
-        </p:nvSpPr>
-        <p:spPr>
-          <a:prstGeom prst="rect">
-            <a:avLst/>
-          </a:prstGeom>
-        </p:spPr>
-        <p:txBody>
-          <a:bodyPr/>
-          <a:lstStyle/>
-          <a:p>
-            <a:pPr defTabSz="455675">
-              <a:defRPr sz="13259"/>
-            </a:pPr>
-          </a:p>
-        </p:txBody>
-      </p:sp>
-      <p:sp>
-        <p:nvSpPr>
-          <p:cNvPr id="225" name="Shape 225"/>
-          <p:cNvSpPr/>
-          <p:nvPr>
-            <p:ph type="subTitle" sz="quarter" idx="1"/>
-          </p:nvPr>
-        </p:nvSpPr>
-        <p:spPr>
-          <a:prstGeom prst="rect">
-            <a:avLst/>
-          </a:prstGeom>
-        </p:spPr>
-        <p:txBody>
-          <a:bodyPr/>
-          <a:lstStyle/>
-          <a:p>
-            <a:pPr/>
-          </a:p>
-        </p:txBody>
-      </p:sp>
-      <p:pic>
-        <p:nvPicPr>
-          <p:cNvPr id="226" name="learning_curve-1.png"/>
-          <p:cNvPicPr>
-            <a:picLocks noChangeAspect="1"/>
-          </p:cNvPicPr>
           <p:nvPr/>
-        </p:nvPicPr>
-        <p:blipFill>
-          <a:blip r:embed="rId2">
-            <a:extLst/>
-          </a:blip>
-          <a:stretch>
-            <a:fillRect/>
-          </a:stretch>
-        </p:blipFill>
+        </p:nvSpPr>
         <p:spPr>
           <a:xfrm>
-            <a:off x="-16934" y="457200"/>
-            <a:ext cx="13038667" cy="8964084"/>
+            <a:off x="443705" y="3236536"/>
+            <a:ext cx="11650664" cy="5295901"/>
           </a:xfrm>
           <a:prstGeom prst="rect">
             <a:avLst/>
@@ -6643,8 +6637,80 @@
           <a:ln w="12700">
             <a:miter lim="400000"/>
           </a:ln>
-        </p:spPr>
-      </p:pic>
+          <a:extLst>
+            <a:ext uri="{C572A759-6A51-4108-AA02-DFA0A04FC94B}">
+              <ma14:wrappingTextBoxFlag xmlns:ma14="http://schemas.microsoft.com/office/mac/drawingml/2011/main" val="1"/>
+            </a:ext>
+          </a:extLst>
+        </p:spPr>
+        <p:txBody>
+          <a:bodyPr wrap="none" lIns="50800" tIns="50800" rIns="50800" bIns="50800" anchor="ctr">
+            <a:spAutoFit/>
+          </a:bodyPr>
+          <a:lstStyle/>
+          <a:p>
+            <a:pPr>
+              <a:defRPr sz="6400">
+                <a:solidFill>
+                  <a:srgbClr val="838787"/>
+                </a:solidFill>
+                <a:latin typeface="Anonymous Pro for Powerline"/>
+                <a:ea typeface="Anonymous Pro for Powerline"/>
+                <a:cs typeface="Anonymous Pro for Powerline"/>
+                <a:sym typeface="Anonymous Pro for Powerline"/>
+              </a:defRPr>
+            </a:pPr>
+            <a:r>
+              <a:t>from yellowbrick.features import rank2d</a:t>
+            </a:r>
+          </a:p>
+          <a:p>
+            <a:pPr>
+              <a:defRPr sz="2400">
+                <a:solidFill>
+                  <a:srgbClr val="838787"/>
+                </a:solidFill>
+                <a:latin typeface="Anonymous Pro for Powerline"/>
+                <a:ea typeface="Anonymous Pro for Powerline"/>
+                <a:cs typeface="Anonymous Pro for Powerline"/>
+                <a:sym typeface="Anonymous Pro for Powerline"/>
+              </a:defRPr>
+            </a:pPr>
+          </a:p>
+          <a:p>
+            <a:pPr lvl="1">
+              <a:defRPr sz="6400">
+                <a:solidFill>
+                  <a:srgbClr val="838787"/>
+                </a:solidFill>
+                <a:latin typeface="Anonymous Pro for Powerline"/>
+                <a:ea typeface="Anonymous Pro for Powerline"/>
+                <a:cs typeface="Anonymous Pro for Powerline"/>
+                <a:sym typeface="Anonymous Pro for Powerline"/>
+              </a:defRPr>
+            </a:pPr>
+            <a:r>
+              <a:t>visualizer = rank2D(X)</a:t>
+            </a:r>
+          </a:p>
+          <a:p>
+            <a:pPr>
+              <a:defRPr sz="6400">
+                <a:solidFill>
+                  <a:srgbClr val="838787"/>
+                </a:solidFill>
+                <a:latin typeface="Anonymous Pro for Powerline"/>
+                <a:ea typeface="Anonymous Pro for Powerline"/>
+                <a:cs typeface="Anonymous Pro for Powerline"/>
+                <a:sym typeface="Anonymous Pro for Powerline"/>
+              </a:defRPr>
+            </a:pPr>
+            <a:r>
+              <a:t>visualizer.poof()</a:t>
+            </a:r>
+          </a:p>
+        </p:txBody>
+      </p:sp>
     </p:spTree>
   </p:cSld>
   <p:clrMapOvr>
@@ -6655,7 +6721,7 @@
 </file>
 
 <file path=ppt/slides/slide13.xml><?xml version="1.0" encoding="utf-8"?>
-<p:sld xmlns:a="http://schemas.openxmlformats.org/drawingml/2006/main" xmlns:r="http://schemas.openxmlformats.org/officeDocument/2006/relationships" xmlns:p="http://schemas.openxmlformats.org/presentationml/2006/main" showMasterSp="1" showMasterPhAnim="1">
+<p:sld xmlns:a="http://schemas.openxmlformats.org/drawingml/2006/main" xmlns:r="http://schemas.openxmlformats.org/officeDocument/2006/relationships" xmlns:p="http://schemas.openxmlformats.org/presentationml/2006/main" show="0" showMasterSp="1" showMasterPhAnim="1">
   <p:cSld>
     <p:spTree>
       <p:nvGrpSpPr>
@@ -6671,34 +6737,35 @@
           <a:chExt cx="0" cy="0"/>
         </a:xfrm>
       </p:grpSpPr>
-      <p:sp>
-        <p:nvSpPr>
-          <p:cNvPr id="228" name="Shape 228"/>
-          <p:cNvSpPr/>
-          <p:nvPr>
-            <p:ph type="title"/>
-          </p:nvPr>
-        </p:nvSpPr>
+      <p:pic>
+        <p:nvPicPr>
+          <p:cNvPr id="226" name="correlation.png"/>
+          <p:cNvPicPr>
+            <a:picLocks noChangeAspect="1"/>
+          </p:cNvPicPr>
+          <p:nvPr/>
+        </p:nvPicPr>
+        <p:blipFill>
+          <a:blip r:embed="rId2">
+            <a:extLst/>
+          </a:blip>
+          <a:stretch>
+            <a:fillRect/>
+          </a:stretch>
+        </p:blipFill>
         <p:spPr>
           <a:xfrm>
-            <a:off x="2802101" y="4038600"/>
-            <a:ext cx="7400598" cy="4521200"/>
-          </a:xfrm>
-          <a:prstGeom prst="rect">
-            <a:avLst/>
-          </a:prstGeom>
-        </p:spPr>
-        <p:txBody>
-          <a:bodyPr/>
-          <a:lstStyle/>
-          <a:p>
-            <a:pPr/>
-            <a:r>
-              <a:t>Exercises</a:t>
-            </a:r>
-          </a:p>
-        </p:txBody>
-      </p:sp>
+            <a:off x="372533" y="609600"/>
+            <a:ext cx="12259734" cy="8428567"/>
+          </a:xfrm>
+          <a:prstGeom prst="rect">
+            <a:avLst/>
+          </a:prstGeom>
+          <a:ln w="12700">
+            <a:miter lim="400000"/>
+          </a:ln>
+        </p:spPr>
+      </p:pic>
     </p:spTree>
   </p:cSld>
   <p:clrMapOvr>
@@ -6727,7 +6794,7 @@
       </p:grpSpPr>
       <p:sp>
         <p:nvSpPr>
-          <p:cNvPr id="230" name="Shape 230"/>
+          <p:cNvPr id="228" name="Shape 228"/>
           <p:cNvSpPr/>
           <p:nvPr>
             <p:ph type="title"/>
@@ -6735,8 +6802,8 @@
         </p:nvSpPr>
         <p:spPr>
           <a:xfrm>
-            <a:off x="2015066" y="3056466"/>
-            <a:ext cx="12192001" cy="4521201"/>
+            <a:off x="406400" y="1536700"/>
+            <a:ext cx="12192000" cy="1169261"/>
           </a:xfrm>
           <a:prstGeom prst="rect">
             <a:avLst/>
@@ -6744,11 +6811,80 @@
         </p:spPr>
         <p:txBody>
           <a:bodyPr/>
+          <a:lstStyle>
+            <a:lvl1pPr defTabSz="403097">
+              <a:spcBef>
+                <a:spcPts val="1900"/>
+              </a:spcBef>
+              <a:defRPr sz="8200"/>
+            </a:lvl1pPr>
+          </a:lstStyle>
+          <a:p>
+            <a:pPr/>
+            <a:r>
+              <a:t>Example</a:t>
+            </a:r>
+          </a:p>
+        </p:txBody>
+      </p:sp>
+      <p:sp>
+        <p:nvSpPr>
+          <p:cNvPr id="229" name="Shape 229"/>
+          <p:cNvSpPr/>
+          <p:nvPr/>
+        </p:nvSpPr>
+        <p:spPr>
+          <a:xfrm>
+            <a:off x="426772" y="4991253"/>
+            <a:ext cx="12843124" cy="2057401"/>
+          </a:xfrm>
+          <a:prstGeom prst="rect">
+            <a:avLst/>
+          </a:prstGeom>
+          <a:ln w="12700">
+            <a:miter lim="400000"/>
+          </a:ln>
+          <a:extLst>
+            <a:ext uri="{C572A759-6A51-4108-AA02-DFA0A04FC94B}">
+              <ma14:wrappingTextBoxFlag xmlns:ma14="http://schemas.microsoft.com/office/mac/drawingml/2011/main" val="1"/>
+            </a:ext>
+          </a:extLst>
+        </p:spPr>
+        <p:txBody>
+          <a:bodyPr wrap="none" lIns="50800" tIns="50800" rIns="50800" bIns="50800" anchor="ctr">
+            <a:spAutoFit/>
+          </a:bodyPr>
           <a:lstStyle/>
           <a:p>
-            <a:pPr/>
-            <a:r>
-              <a:t>Polynomial regression</a:t>
+            <a:pPr>
+              <a:defRPr sz="5400">
+                <a:solidFill>
+                  <a:srgbClr val="838787"/>
+                </a:solidFill>
+                <a:latin typeface="Anonymous Pro for Powerline"/>
+                <a:ea typeface="Anonymous Pro for Powerline"/>
+                <a:cs typeface="Anonymous Pro for Powerline"/>
+                <a:sym typeface="Anonymous Pro for Powerline"/>
+              </a:defRPr>
+            </a:pPr>
+            <a:r>
+              <a:rPr>
+                <a:solidFill>
+                  <a:schemeClr val="accent3"/>
+                </a:solidFill>
+              </a:rPr>
+              <a:t>ResidualsPlot(</a:t>
+            </a:r>
+            <a:r>
+              <a:t>LinearRegression()</a:t>
+            </a:r>
+            <a:r>
+              <a:rPr>
+                <a:solidFill>
+                  <a:schemeClr val="accent3"/>
+                </a:solidFill>
+              </a:rPr>
+              <a:t>)</a:t>
             </a:r>
           </a:p>
         </p:txBody>
@@ -6781,13 +6917,52 @@
       </p:grpSpPr>
       <p:sp>
         <p:nvSpPr>
+          <p:cNvPr id="231" name="Shape 231"/>
+          <p:cNvSpPr/>
+          <p:nvPr>
+            <p:ph type="title"/>
+          </p:nvPr>
+        </p:nvSpPr>
+        <p:spPr>
+          <a:xfrm>
+            <a:off x="406400" y="1536700"/>
+            <a:ext cx="12192000" cy="1169260"/>
+          </a:xfrm>
+          <a:prstGeom prst="rect">
+            <a:avLst/>
+          </a:prstGeom>
+        </p:spPr>
+        <p:txBody>
+          <a:bodyPr/>
+          <a:lstStyle>
+            <a:lvl1pPr defTabSz="403097">
+              <a:spcBef>
+                <a:spcPts val="1900"/>
+              </a:spcBef>
+              <a:defRPr sz="8280"/>
+            </a:lvl1pPr>
+          </a:lstStyle>
+          <a:p>
+            <a:pPr/>
+            <a:r>
+              <a:t>ResidualS Plot</a:t>
+            </a:r>
+          </a:p>
+        </p:txBody>
+      </p:sp>
+      <p:sp>
+        <p:nvSpPr>
           <p:cNvPr id="232" name="Shape 232"/>
           <p:cNvSpPr/>
           <p:nvPr>
-            <p:ph type="ctrTitle"/>
+            <p:ph type="body" idx="1"/>
           </p:nvPr>
         </p:nvSpPr>
         <p:spPr>
+          <a:xfrm>
+            <a:off x="406400" y="2558069"/>
+            <a:ext cx="12192000" cy="5784563"/>
+          </a:xfrm>
           <a:prstGeom prst="rect">
             <a:avLst/>
           </a:prstGeom>
@@ -6796,62 +6971,55 @@
           <a:bodyPr/>
           <a:lstStyle/>
           <a:p>
-            <a:pPr defTabSz="455675">
-              <a:defRPr sz="13259"/>
+            <a:pPr marL="642433" indent="-642433" defTabSz="531622">
+              <a:spcBef>
+                <a:spcPts val="2500"/>
+              </a:spcBef>
+              <a:buClrTx/>
+              <a:buSzPct val="40000"/>
+              <a:buFontTx/>
+              <a:buBlip>
+                <a:blip r:embed="rId2"/>
+              </a:buBlip>
+              <a:defRPr sz="5824"/>
             </a:pPr>
           </a:p>
-        </p:txBody>
-      </p:sp>
-      <p:sp>
-        <p:nvSpPr>
-          <p:cNvPr id="233" name="Shape 233"/>
-          <p:cNvSpPr/>
-          <p:nvPr>
-            <p:ph type="subTitle" sz="quarter" idx="1"/>
-          </p:nvPr>
-        </p:nvSpPr>
-        <p:spPr>
-          <a:prstGeom prst="rect">
-            <a:avLst/>
-          </a:prstGeom>
-        </p:spPr>
-        <p:txBody>
-          <a:bodyPr/>
-          <a:lstStyle/>
-          <a:p>
-            <a:pPr/>
-          </a:p>
-        </p:txBody>
-      </p:sp>
-      <p:pic>
-        <p:nvPicPr>
-          <p:cNvPr id="234" name="7thorder.png"/>
-          <p:cNvPicPr>
-            <a:picLocks noChangeAspect="1"/>
-          </p:cNvPicPr>
-          <p:nvPr/>
-        </p:nvPicPr>
-        <p:blipFill>
-          <a:blip r:embed="rId2">
-            <a:extLst/>
-          </a:blip>
-          <a:stretch>
-            <a:fillRect/>
-          </a:stretch>
-        </p:blipFill>
-        <p:spPr>
-          <a:xfrm>
-            <a:off x="-31750" y="306916"/>
-            <a:ext cx="13068300" cy="9039129"/>
-          </a:xfrm>
-          <a:prstGeom prst="rect">
-            <a:avLst/>
-          </a:prstGeom>
-          <a:ln w="12700">
-            <a:miter lim="400000"/>
-          </a:ln>
-        </p:spPr>
-      </p:pic>
+          <a:p>
+            <a:pPr marL="642433" indent="-642433" defTabSz="531622">
+              <a:spcBef>
+                <a:spcPts val="2500"/>
+              </a:spcBef>
+              <a:buClrTx/>
+              <a:buSzPct val="40000"/>
+              <a:buFontTx/>
+              <a:buBlip>
+                <a:blip r:embed="rId2"/>
+              </a:buBlip>
+              <a:defRPr sz="5824"/>
+            </a:pPr>
+            <a:r>
+              <a:t>See where your model does well or poorly</a:t>
+            </a:r>
+          </a:p>
+          <a:p>
+            <a:pPr marL="642433" indent="-642433" defTabSz="531622">
+              <a:spcBef>
+                <a:spcPts val="2500"/>
+              </a:spcBef>
+              <a:buClrTx/>
+              <a:buSzPct val="40000"/>
+              <a:buFontTx/>
+              <a:buBlip>
+                <a:blip r:embed="rId2"/>
+              </a:buBlip>
+              <a:defRPr sz="5824"/>
+            </a:pPr>
+            <a:r>
+              <a:t>Target vector is X axis, amount of error is Y axis</a:t>
+            </a:r>
+          </a:p>
+        </p:txBody>
+      </p:sp>
     </p:spTree>
   </p:cSld>
   <p:clrMapOvr>
@@ -6878,102 +7046,64 @@
           <a:chExt cx="0" cy="0"/>
         </a:xfrm>
       </p:grpSpPr>
-      <p:sp>
-        <p:nvSpPr>
-          <p:cNvPr id="236" name="Shape 236"/>
-          <p:cNvSpPr/>
-          <p:nvPr>
-            <p:ph type="title"/>
-          </p:nvPr>
-        </p:nvSpPr>
+      <p:pic>
+        <p:nvPicPr>
+          <p:cNvPr id="234" name="residuals.png"/>
+          <p:cNvPicPr>
+            <a:picLocks noChangeAspect="1"/>
+          </p:cNvPicPr>
+          <p:nvPr/>
+        </p:nvPicPr>
+        <p:blipFill>
+          <a:blip r:embed="rId2">
+            <a:extLst/>
+          </a:blip>
+          <a:stretch>
+            <a:fillRect/>
+          </a:stretch>
+        </p:blipFill>
         <p:spPr>
           <a:xfrm>
-            <a:off x="406400" y="1536700"/>
-            <a:ext cx="12192000" cy="1169260"/>
-          </a:xfrm>
-          <a:prstGeom prst="rect">
-            <a:avLst/>
-          </a:prstGeom>
-        </p:spPr>
-        <p:txBody>
-          <a:bodyPr/>
-          <a:lstStyle>
-            <a:lvl1pPr defTabSz="403097">
-              <a:spcBef>
-                <a:spcPts val="1900"/>
-              </a:spcBef>
-              <a:defRPr sz="8280"/>
-            </a:lvl1pPr>
-          </a:lstStyle>
-          <a:p>
-            <a:pPr/>
-            <a:r>
-              <a:t>Use fewer degrees</a:t>
-            </a:r>
-          </a:p>
-        </p:txBody>
-      </p:sp>
-      <p:sp>
-        <p:nvSpPr>
-          <p:cNvPr id="237" name="Shape 237"/>
-          <p:cNvSpPr/>
-          <p:nvPr>
-            <p:ph type="body" idx="1"/>
-          </p:nvPr>
-        </p:nvSpPr>
+            <a:off x="423333" y="581024"/>
+            <a:ext cx="12192002" cy="8382002"/>
+          </a:xfrm>
+          <a:prstGeom prst="rect">
+            <a:avLst/>
+          </a:prstGeom>
+          <a:ln w="12700">
+            <a:miter lim="400000"/>
+          </a:ln>
+        </p:spPr>
+      </p:pic>
+      <p:pic>
+        <p:nvPicPr>
+          <p:cNvPr id="235" name="residuals.png"/>
+          <p:cNvPicPr>
+            <a:picLocks noChangeAspect="1"/>
+          </p:cNvPicPr>
+          <p:nvPr/>
+        </p:nvPicPr>
+        <p:blipFill>
+          <a:blip r:embed="rId3">
+            <a:extLst/>
+          </a:blip>
+          <a:stretch>
+            <a:fillRect/>
+          </a:stretch>
+        </p:blipFill>
         <p:spPr>
           <a:xfrm>
-            <a:off x="406400" y="2570901"/>
-            <a:ext cx="12192000" cy="6465998"/>
-          </a:xfrm>
-          <a:prstGeom prst="rect">
-            <a:avLst/>
-          </a:prstGeom>
-        </p:spPr>
-        <p:txBody>
-          <a:bodyPr/>
-          <a:lstStyle/>
-          <a:p>
-            <a:pPr marL="705970" indent="-705970">
-              <a:buClrTx/>
-              <a:buSzPct val="40000"/>
-              <a:buFontTx/>
-              <a:buBlip>
-                <a:blip r:embed="rId2"/>
-              </a:buBlip>
-              <a:defRPr sz="6400"/>
-            </a:pPr>
-          </a:p>
-          <a:p>
-            <a:pPr marL="705970" indent="-705970">
-              <a:buClrTx/>
-              <a:buSzPct val="40000"/>
-              <a:buFontTx/>
-              <a:buBlip>
-                <a:blip r:embed="rId2"/>
-              </a:buBlip>
-              <a:defRPr sz="6400"/>
-            </a:pPr>
-            <a:r>
-              <a:t>Features matrix grows FAST!</a:t>
-            </a:r>
-          </a:p>
-          <a:p>
-            <a:pPr marL="705970" indent="-705970">
-              <a:buClrTx/>
-              <a:buSzPct val="40000"/>
-              <a:buFontTx/>
-              <a:buBlip>
-                <a:blip r:embed="rId2"/>
-              </a:buBlip>
-              <a:defRPr sz="6400"/>
-            </a:pPr>
-            <a:r>
-              <a:t>Complex models overfit data</a:t>
-            </a:r>
-          </a:p>
-        </p:txBody>
-      </p:sp>
+            <a:off x="471685" y="592203"/>
+            <a:ext cx="12061430" cy="8292233"/>
+          </a:xfrm>
+          <a:prstGeom prst="rect">
+            <a:avLst/>
+          </a:prstGeom>
+          <a:ln w="12700">
+            <a:miter lim="400000"/>
+          </a:ln>
+        </p:spPr>
+      </p:pic>
     </p:spTree>
   </p:cSld>
   <p:clrMapOvr>
@@ -6984,7 +7114,7 @@
 </file>
 
 <file path=ppt/slides/slide17.xml><?xml version="1.0" encoding="utf-8"?>
-<p:sld xmlns:a="http://schemas.openxmlformats.org/drawingml/2006/main" xmlns:r="http://schemas.openxmlformats.org/officeDocument/2006/relationships" xmlns:p="http://schemas.openxmlformats.org/presentationml/2006/main" showMasterSp="1" showMasterPhAnim="1">
+<p:sld xmlns:a="http://schemas.openxmlformats.org/drawingml/2006/main" xmlns:r="http://schemas.openxmlformats.org/officeDocument/2006/relationships" xmlns:p="http://schemas.openxmlformats.org/presentationml/2006/main" show="0" showMasterSp="1" showMasterPhAnim="1">
   <p:cSld>
     <p:spTree>
       <p:nvGrpSpPr>
@@ -7002,17 +7132,13 @@
       </p:grpSpPr>
       <p:sp>
         <p:nvSpPr>
-          <p:cNvPr id="239" name="Shape 239"/>
+          <p:cNvPr id="237" name="Shape 237"/>
           <p:cNvSpPr/>
           <p:nvPr>
-            <p:ph type="title"/>
+            <p:ph type="ctrTitle"/>
           </p:nvPr>
         </p:nvSpPr>
         <p:spPr>
-          <a:xfrm>
-            <a:off x="880533" y="2988733"/>
-            <a:ext cx="12192001" cy="4521201"/>
-          </a:xfrm>
           <a:prstGeom prst="rect">
             <a:avLst/>
           </a:prstGeom>
@@ -7021,13 +7147,62 @@
           <a:bodyPr/>
           <a:lstStyle/>
           <a:p>
+            <a:pPr defTabSz="455675">
+              <a:defRPr sz="13259"/>
+            </a:pPr>
+          </a:p>
+        </p:txBody>
+      </p:sp>
+      <p:sp>
+        <p:nvSpPr>
+          <p:cNvPr id="238" name="Shape 238"/>
+          <p:cNvSpPr/>
+          <p:nvPr>
+            <p:ph type="subTitle" sz="quarter" idx="1"/>
+          </p:nvPr>
+        </p:nvSpPr>
+        <p:spPr>
+          <a:prstGeom prst="rect">
+            <a:avLst/>
+          </a:prstGeom>
+        </p:spPr>
+        <p:txBody>
+          <a:bodyPr/>
+          <a:lstStyle/>
+          <a:p>
             <a:pPr/>
-            <a:r>
-              <a:t>Bias-Variance Tradeoff</a:t>
-            </a:r>
-          </a:p>
-        </p:txBody>
-      </p:sp>
+          </a:p>
+        </p:txBody>
+      </p:sp>
+      <p:pic>
+        <p:nvPicPr>
+          <p:cNvPr id="239" name="predictionerror.png"/>
+          <p:cNvPicPr>
+            <a:picLocks noChangeAspect="1"/>
+          </p:cNvPicPr>
+          <p:nvPr/>
+        </p:nvPicPr>
+        <p:blipFill>
+          <a:blip r:embed="rId2">
+            <a:extLst/>
+          </a:blip>
+          <a:stretch>
+            <a:fillRect/>
+          </a:stretch>
+        </p:blipFill>
+        <p:spPr>
+          <a:xfrm>
+            <a:off x="-1" y="406400"/>
+            <a:ext cx="13004801" cy="8940800"/>
+          </a:xfrm>
+          <a:prstGeom prst="rect">
+            <a:avLst/>
+          </a:prstGeom>
+          <a:ln w="12700">
+            <a:miter lim="400000"/>
+          </a:ln>
+        </p:spPr>
+      </p:pic>
     </p:spTree>
   </p:cSld>
   <p:clrMapOvr>
@@ -7059,10 +7234,49 @@
           <p:cNvPr id="241" name="Shape 241"/>
           <p:cNvSpPr/>
           <p:nvPr>
-            <p:ph type="subTitle" sz="quarter" idx="1"/>
+            <p:ph type="title"/>
           </p:nvPr>
         </p:nvSpPr>
         <p:spPr>
+          <a:xfrm>
+            <a:off x="406400" y="1536700"/>
+            <a:ext cx="12192000" cy="1169260"/>
+          </a:xfrm>
+          <a:prstGeom prst="rect">
+            <a:avLst/>
+          </a:prstGeom>
+        </p:spPr>
+        <p:txBody>
+          <a:bodyPr/>
+          <a:lstStyle>
+            <a:lvl1pPr defTabSz="403097">
+              <a:spcBef>
+                <a:spcPts val="1900"/>
+              </a:spcBef>
+              <a:defRPr sz="8280"/>
+            </a:lvl1pPr>
+          </a:lstStyle>
+          <a:p>
+            <a:pPr/>
+            <a:r>
+              <a:t>Learning curve</a:t>
+            </a:r>
+          </a:p>
+        </p:txBody>
+      </p:sp>
+      <p:sp>
+        <p:nvSpPr>
+          <p:cNvPr id="242" name="Shape 242"/>
+          <p:cNvSpPr/>
+          <p:nvPr>
+            <p:ph type="body" idx="1"/>
+          </p:nvPr>
+        </p:nvSpPr>
+        <p:spPr>
+          <a:xfrm>
+            <a:off x="406400" y="2558069"/>
+            <a:ext cx="12192000" cy="5784563"/>
+          </a:xfrm>
           <a:prstGeom prst="rect">
             <a:avLst/>
           </a:prstGeom>
@@ -7071,40 +7285,55 @@
           <a:bodyPr/>
           <a:lstStyle/>
           <a:p>
-            <a:pPr/>
-          </a:p>
-        </p:txBody>
-      </p:sp>
-      <p:pic>
-        <p:nvPicPr>
-          <p:cNvPr id="242" name="bias-variance.png"/>
-          <p:cNvPicPr>
-            <a:picLocks noChangeAspect="1"/>
-          </p:cNvPicPr>
-          <p:nvPr/>
-        </p:nvPicPr>
-        <p:blipFill>
-          <a:blip r:embed="rId2">
-            <a:extLst/>
-          </a:blip>
-          <a:srcRect l="0" t="0" r="47299" b="0"/>
-          <a:stretch>
-            <a:fillRect/>
-          </a:stretch>
-        </p:blipFill>
-        <p:spPr>
-          <a:xfrm>
-            <a:off x="-68486" y="-106108"/>
-            <a:ext cx="13440104" cy="9563596"/>
-          </a:xfrm>
-          <a:prstGeom prst="rect">
-            <a:avLst/>
-          </a:prstGeom>
-          <a:ln w="12700">
-            <a:miter lim="400000"/>
-          </a:ln>
-        </p:spPr>
-      </p:pic>
+            <a:pPr marL="642433" indent="-642433" defTabSz="531622">
+              <a:spcBef>
+                <a:spcPts val="2500"/>
+              </a:spcBef>
+              <a:buClrTx/>
+              <a:buSzPct val="40000"/>
+              <a:buFontTx/>
+              <a:buBlip>
+                <a:blip r:embed="rId2"/>
+              </a:buBlip>
+              <a:defRPr sz="5824"/>
+            </a:pPr>
+          </a:p>
+          <a:p>
+            <a:pPr marL="642433" indent="-642433" defTabSz="531622">
+              <a:spcBef>
+                <a:spcPts val="2500"/>
+              </a:spcBef>
+              <a:buClrTx/>
+              <a:buSzPct val="40000"/>
+              <a:buFontTx/>
+              <a:buBlip>
+                <a:blip r:embed="rId2"/>
+              </a:buBlip>
+              <a:defRPr sz="5824"/>
+            </a:pPr>
+            <a:r>
+              <a:t>Scores model as size of data increases</a:t>
+            </a:r>
+          </a:p>
+          <a:p>
+            <a:pPr marL="642433" indent="-642433" defTabSz="531622">
+              <a:spcBef>
+                <a:spcPts val="2500"/>
+              </a:spcBef>
+              <a:buClrTx/>
+              <a:buSzPct val="40000"/>
+              <a:buFontTx/>
+              <a:buBlip>
+                <a:blip r:embed="rId2"/>
+              </a:buBlip>
+              <a:defRPr sz="5824"/>
+            </a:pPr>
+            <a:r>
+              <a:t>Convergence means more data won’t help</a:t>
+            </a:r>
+          </a:p>
+        </p:txBody>
+      </p:sp>
     </p:spTree>
   </p:cSld>
   <p:clrMapOvr>
@@ -7136,6 +7365,29 @@
           <p:cNvPr id="244" name="Shape 244"/>
           <p:cNvSpPr/>
           <p:nvPr>
+            <p:ph type="ctrTitle"/>
+          </p:nvPr>
+        </p:nvSpPr>
+        <p:spPr>
+          <a:prstGeom prst="rect">
+            <a:avLst/>
+          </a:prstGeom>
+        </p:spPr>
+        <p:txBody>
+          <a:bodyPr/>
+          <a:lstStyle/>
+          <a:p>
+            <a:pPr defTabSz="455675">
+              <a:defRPr sz="13259"/>
+            </a:pPr>
+          </a:p>
+        </p:txBody>
+      </p:sp>
+      <p:sp>
+        <p:nvSpPr>
+          <p:cNvPr id="245" name="Shape 245"/>
+          <p:cNvSpPr/>
+          <p:nvPr>
             <p:ph type="subTitle" sz="quarter" idx="1"/>
           </p:nvPr>
         </p:nvSpPr>
@@ -7154,7 +7406,7 @@
       </p:sp>
       <p:pic>
         <p:nvPicPr>
-          <p:cNvPr id="245" name="bias-variance.png"/>
+          <p:cNvPr id="246" name="learning_curve-2.png"/>
           <p:cNvPicPr>
             <a:picLocks noChangeAspect="1"/>
           </p:cNvPicPr>
@@ -7164,15 +7416,14 @@
           <a:blip r:embed="rId2">
             <a:extLst/>
           </a:blip>
-          <a:srcRect l="47566" t="0" r="0" b="0"/>
           <a:stretch>
             <a:fillRect/>
           </a:stretch>
         </p:blipFill>
         <p:spPr>
           <a:xfrm>
-            <a:off x="-366818" y="-55308"/>
-            <a:ext cx="13372183" cy="9563596"/>
+            <a:off x="-16934" y="406400"/>
+            <a:ext cx="13038667" cy="8964084"/>
           </a:xfrm>
           <a:prstGeom prst="rect">
             <a:avLst/>
@@ -7192,7 +7443,7 @@
 </file>
 
 <file path=ppt/slides/slide2.xml><?xml version="1.0" encoding="utf-8"?>
-<p:sld xmlns:a="http://schemas.openxmlformats.org/drawingml/2006/main" xmlns:r="http://schemas.openxmlformats.org/officeDocument/2006/relationships" xmlns:p="http://schemas.openxmlformats.org/presentationml/2006/main" show="0" showMasterSp="1" showMasterPhAnim="1">
+<p:sld xmlns:a="http://schemas.openxmlformats.org/drawingml/2006/main" xmlns:r="http://schemas.openxmlformats.org/officeDocument/2006/relationships" xmlns:p="http://schemas.openxmlformats.org/presentationml/2006/main" showMasterSp="1" showMasterPhAnim="1">
   <p:cSld>
     <p:spTree>
       <p:nvGrpSpPr>
@@ -7218,8 +7469,8 @@
         </p:nvSpPr>
         <p:spPr>
           <a:xfrm>
-            <a:off x="3845326" y="4244673"/>
-            <a:ext cx="5314148" cy="3602707"/>
+            <a:off x="3851968" y="4038600"/>
+            <a:ext cx="7400597" cy="4521200"/>
           </a:xfrm>
           <a:prstGeom prst="rect">
             <a:avLst/>
@@ -7264,52 +7515,13 @@
       </p:grpSpPr>
       <p:sp>
         <p:nvSpPr>
-          <p:cNvPr id="247" name="Shape 247"/>
+          <p:cNvPr id="248" name="Shape 248"/>
           <p:cNvSpPr/>
           <p:nvPr>
-            <p:ph type="title"/>
+            <p:ph type="ctrTitle"/>
           </p:nvPr>
         </p:nvSpPr>
         <p:spPr>
-          <a:xfrm>
-            <a:off x="406400" y="1536700"/>
-            <a:ext cx="12192000" cy="1169260"/>
-          </a:xfrm>
-          <a:prstGeom prst="rect">
-            <a:avLst/>
-          </a:prstGeom>
-        </p:spPr>
-        <p:txBody>
-          <a:bodyPr/>
-          <a:lstStyle>
-            <a:lvl1pPr defTabSz="403097">
-              <a:spcBef>
-                <a:spcPts val="1900"/>
-              </a:spcBef>
-              <a:defRPr sz="8280"/>
-            </a:lvl1pPr>
-          </a:lstStyle>
-          <a:p>
-            <a:pPr/>
-            <a:r>
-              <a:t>Overfitting</a:t>
-            </a:r>
-          </a:p>
-        </p:txBody>
-      </p:sp>
-      <p:sp>
-        <p:nvSpPr>
-          <p:cNvPr id="248" name="Shape 248"/>
-          <p:cNvSpPr/>
-          <p:nvPr>
-            <p:ph type="body" idx="1"/>
-          </p:nvPr>
-        </p:nvSpPr>
-        <p:spPr>
-          <a:xfrm>
-            <a:off x="406400" y="2570901"/>
-            <a:ext cx="12192000" cy="6465998"/>
-          </a:xfrm>
           <a:prstGeom prst="rect">
             <a:avLst/>
           </a:prstGeom>
@@ -7318,46 +7530,62 @@
           <a:bodyPr/>
           <a:lstStyle/>
           <a:p>
-            <a:pPr marL="705970" indent="-705970">
-              <a:buClrTx/>
-              <a:buSzPct val="40000"/>
-              <a:buFontTx/>
-              <a:buBlip>
-                <a:blip r:embed="rId2"/>
-              </a:buBlip>
-              <a:defRPr sz="6400"/>
+            <a:pPr defTabSz="455675">
+              <a:defRPr sz="13259"/>
             </a:pPr>
           </a:p>
-          <a:p>
-            <a:pPr marL="705970" indent="-705970">
-              <a:buClrTx/>
-              <a:buSzPct val="40000"/>
-              <a:buFontTx/>
-              <a:buBlip>
-                <a:blip r:embed="rId2"/>
-              </a:buBlip>
-              <a:defRPr sz="6400"/>
-            </a:pPr>
-            <a:r>
-              <a:t>Model fits training set </a:t>
-            </a:r>
-          </a:p>
-          <a:p>
-            <a:pPr marL="705970" indent="-705970">
-              <a:buClrTx/>
-              <a:buSzPct val="40000"/>
-              <a:buFontTx/>
-              <a:buBlip>
-                <a:blip r:embed="rId2"/>
-              </a:buBlip>
-              <a:defRPr sz="6400"/>
-            </a:pPr>
-            <a:r>
-              <a:t>Complex models overfit data</a:t>
-            </a:r>
-          </a:p>
-        </p:txBody>
-      </p:sp>
+        </p:txBody>
+      </p:sp>
+      <p:sp>
+        <p:nvSpPr>
+          <p:cNvPr id="249" name="Shape 249"/>
+          <p:cNvSpPr/>
+          <p:nvPr>
+            <p:ph type="subTitle" sz="quarter" idx="1"/>
+          </p:nvPr>
+        </p:nvSpPr>
+        <p:spPr>
+          <a:prstGeom prst="rect">
+            <a:avLst/>
+          </a:prstGeom>
+        </p:spPr>
+        <p:txBody>
+          <a:bodyPr/>
+          <a:lstStyle/>
+          <a:p>
+            <a:pPr/>
+          </a:p>
+        </p:txBody>
+      </p:sp>
+      <p:pic>
+        <p:nvPicPr>
+          <p:cNvPr id="250" name="learning_curve-1.png"/>
+          <p:cNvPicPr>
+            <a:picLocks noChangeAspect="1"/>
+          </p:cNvPicPr>
+          <p:nvPr/>
+        </p:nvPicPr>
+        <p:blipFill>
+          <a:blip r:embed="rId2">
+            <a:extLst/>
+          </a:blip>
+          <a:stretch>
+            <a:fillRect/>
+          </a:stretch>
+        </p:blipFill>
+        <p:spPr>
+          <a:xfrm>
+            <a:off x="-16934" y="457200"/>
+            <a:ext cx="13038667" cy="8964084"/>
+          </a:xfrm>
+          <a:prstGeom prst="rect">
+            <a:avLst/>
+          </a:prstGeom>
+          <a:ln w="12700">
+            <a:miter lim="400000"/>
+          </a:ln>
+        </p:spPr>
+      </p:pic>
     </p:spTree>
   </p:cSld>
   <p:clrMapOvr>
@@ -7386,7 +7614,7 @@
       </p:grpSpPr>
       <p:sp>
         <p:nvSpPr>
-          <p:cNvPr id="250" name="Shape 250"/>
+          <p:cNvPr id="252" name="Shape 252"/>
           <p:cNvSpPr/>
           <p:nvPr>
             <p:ph type="title"/>
@@ -7394,43 +7622,8 @@
         </p:nvSpPr>
         <p:spPr>
           <a:xfrm>
-            <a:off x="406400" y="1536700"/>
-            <a:ext cx="12192000" cy="1169260"/>
-          </a:xfrm>
-          <a:prstGeom prst="rect">
-            <a:avLst/>
-          </a:prstGeom>
-        </p:spPr>
-        <p:txBody>
-          <a:bodyPr/>
-          <a:lstStyle>
-            <a:lvl1pPr defTabSz="403097">
-              <a:spcBef>
-                <a:spcPts val="1900"/>
-              </a:spcBef>
-              <a:defRPr sz="8280"/>
-            </a:lvl1pPr>
-          </a:lstStyle>
-          <a:p>
-            <a:pPr/>
-            <a:r>
-              <a:t>Validation curve</a:t>
-            </a:r>
-          </a:p>
-        </p:txBody>
-      </p:sp>
-      <p:sp>
-        <p:nvSpPr>
-          <p:cNvPr id="251" name="Shape 251"/>
-          <p:cNvSpPr/>
-          <p:nvPr>
-            <p:ph type="body" idx="1"/>
-          </p:nvPr>
-        </p:nvSpPr>
-        <p:spPr>
-          <a:xfrm>
-            <a:off x="406400" y="2558069"/>
-            <a:ext cx="12192000" cy="5784563"/>
+            <a:off x="2802101" y="4038600"/>
+            <a:ext cx="7400598" cy="4521200"/>
           </a:xfrm>
           <a:prstGeom prst="rect">
             <a:avLst/>
@@ -7440,42 +7633,9 @@
           <a:bodyPr/>
           <a:lstStyle/>
           <a:p>
-            <a:pPr marL="705970" indent="-705970">
-              <a:buClrTx/>
-              <a:buSzPct val="40000"/>
-              <a:buFontTx/>
-              <a:buBlip>
-                <a:blip r:embed="rId2"/>
-              </a:buBlip>
-              <a:defRPr sz="6400"/>
-            </a:pPr>
-          </a:p>
-          <a:p>
-            <a:pPr marL="705970" indent="-705970">
-              <a:buClrTx/>
-              <a:buSzPct val="40000"/>
-              <a:buFontTx/>
-              <a:buBlip>
-                <a:blip r:embed="rId2"/>
-              </a:buBlip>
-              <a:defRPr sz="6400"/>
-            </a:pPr>
-            <a:r>
-              <a:t>See if more complex model helps</a:t>
-            </a:r>
-          </a:p>
-          <a:p>
-            <a:pPr marL="705970" indent="-705970">
-              <a:buClrTx/>
-              <a:buSzPct val="40000"/>
-              <a:buFontTx/>
-              <a:buBlip>
-                <a:blip r:embed="rId2"/>
-              </a:buBlip>
-              <a:defRPr sz="6400"/>
-            </a:pPr>
-            <a:r>
-              <a:t>Look for sweet spot in middle</a:t>
+            <a:pPr/>
+            <a:r>
+              <a:t>Exercises</a:t>
             </a:r>
           </a:p>
         </p:txBody>
@@ -7508,13 +7668,52 @@
       </p:grpSpPr>
       <p:sp>
         <p:nvSpPr>
-          <p:cNvPr id="253" name="Shape 253"/>
+          <p:cNvPr id="254" name="Shape 254"/>
           <p:cNvSpPr/>
           <p:nvPr>
-            <p:ph type="ctrTitle"/>
+            <p:ph type="title"/>
           </p:nvPr>
         </p:nvSpPr>
         <p:spPr>
+          <a:xfrm>
+            <a:off x="406400" y="1536700"/>
+            <a:ext cx="12192000" cy="1169260"/>
+          </a:xfrm>
+          <a:prstGeom prst="rect">
+            <a:avLst/>
+          </a:prstGeom>
+        </p:spPr>
+        <p:txBody>
+          <a:bodyPr/>
+          <a:lstStyle>
+            <a:lvl1pPr defTabSz="403097">
+              <a:spcBef>
+                <a:spcPts val="1900"/>
+              </a:spcBef>
+              <a:defRPr sz="8280"/>
+            </a:lvl1pPr>
+          </a:lstStyle>
+          <a:p>
+            <a:pPr/>
+            <a:r>
+              <a:t>Polynomial Regression</a:t>
+            </a:r>
+          </a:p>
+        </p:txBody>
+      </p:sp>
+      <p:sp>
+        <p:nvSpPr>
+          <p:cNvPr id="255" name="Shape 255"/>
+          <p:cNvSpPr/>
+          <p:nvPr>
+            <p:ph type="body" idx="1"/>
+          </p:nvPr>
+        </p:nvSpPr>
+        <p:spPr>
+          <a:xfrm>
+            <a:off x="406400" y="2570901"/>
+            <a:ext cx="12192000" cy="6465998"/>
+          </a:xfrm>
           <a:prstGeom prst="rect">
             <a:avLst/>
           </a:prstGeom>
@@ -7523,62 +7722,74 @@
           <a:bodyPr/>
           <a:lstStyle/>
           <a:p>
-            <a:pPr defTabSz="455675">
-              <a:defRPr sz="13259"/>
+            <a:pPr marL="670672" indent="-670672" defTabSz="554990">
+              <a:spcBef>
+                <a:spcPts val="2600"/>
+              </a:spcBef>
+              <a:buClrTx/>
+              <a:buSzPct val="40000"/>
+              <a:buFontTx/>
+              <a:buBlip>
+                <a:blip r:embed="rId2"/>
+              </a:buBlip>
+              <a:defRPr sz="6080"/>
             </a:pPr>
           </a:p>
-        </p:txBody>
-      </p:sp>
-      <p:sp>
-        <p:nvSpPr>
-          <p:cNvPr id="254" name="Shape 254"/>
-          <p:cNvSpPr/>
-          <p:nvPr>
-            <p:ph type="subTitle" sz="quarter" idx="1"/>
-          </p:nvPr>
-        </p:nvSpPr>
-        <p:spPr>
-          <a:prstGeom prst="rect">
-            <a:avLst/>
-          </a:prstGeom>
-        </p:spPr>
-        <p:txBody>
-          <a:bodyPr/>
-          <a:lstStyle/>
-          <a:p>
-            <a:pPr/>
-          </a:p>
-        </p:txBody>
-      </p:sp>
-      <p:pic>
-        <p:nvPicPr>
-          <p:cNvPr id="255" name="validation-curve.png"/>
-          <p:cNvPicPr>
-            <a:picLocks noChangeAspect="1"/>
-          </p:cNvPicPr>
-          <p:nvPr/>
-        </p:nvPicPr>
-        <p:blipFill>
-          <a:blip r:embed="rId2">
-            <a:extLst/>
-          </a:blip>
-          <a:stretch>
-            <a:fillRect/>
-          </a:stretch>
-        </p:blipFill>
-        <p:spPr>
-          <a:xfrm>
-            <a:off x="0" y="406400"/>
-            <a:ext cx="13004801" cy="8940800"/>
-          </a:xfrm>
-          <a:prstGeom prst="rect">
-            <a:avLst/>
-          </a:prstGeom>
-          <a:ln w="12700">
-            <a:miter lim="400000"/>
-          </a:ln>
-        </p:spPr>
-      </p:pic>
+          <a:p>
+            <a:pPr marL="670672" indent="-670672" defTabSz="554990">
+              <a:spcBef>
+                <a:spcPts val="2600"/>
+              </a:spcBef>
+              <a:buClrTx/>
+              <a:buSzPct val="40000"/>
+              <a:buFontTx/>
+              <a:buBlip>
+                <a:blip r:embed="rId2"/>
+              </a:buBlip>
+              <a:defRPr sz="6080"/>
+            </a:pPr>
+            <a:r>
+              <a:rPr>
+                <a:solidFill>
+                  <a:srgbClr val="A7A7A7"/>
+                </a:solidFill>
+              </a:rPr>
+              <a:t>Feature engineering</a:t>
+            </a:r>
+            <a:r>
+              <a:t>: </a:t>
+            </a:r>
+            <a:r>
+              <a:rPr>
+                <a:solidFill>
+                  <a:schemeClr val="accent3"/>
+                </a:solidFill>
+              </a:rPr>
+              <a:t>data is modified</a:t>
+            </a:r>
+            <a:r>
+              <a:t>, not the model</a:t>
+            </a:r>
+          </a:p>
+          <a:p>
+            <a:pPr marL="670672" indent="-670672" defTabSz="554990">
+              <a:spcBef>
+                <a:spcPts val="2600"/>
+              </a:spcBef>
+              <a:buClrTx/>
+              <a:buSzPct val="40000"/>
+              <a:buFontTx/>
+              <a:buBlip>
+                <a:blip r:embed="rId2"/>
+              </a:buBlip>
+              <a:defRPr sz="6080"/>
+            </a:pPr>
+            <a:r>
+              <a:t>New column is the square of the original column (or cube, etc)</a:t>
+            </a:r>
+          </a:p>
+        </p:txBody>
+      </p:sp>
     </p:spTree>
   </p:cSld>
   <p:clrMapOvr>
@@ -7615,8 +7826,8 @@
         </p:nvSpPr>
         <p:spPr>
           <a:xfrm>
-            <a:off x="2802101" y="4038600"/>
-            <a:ext cx="7400598" cy="4521200"/>
+            <a:off x="406400" y="1536700"/>
+            <a:ext cx="12192000" cy="1169260"/>
           </a:xfrm>
           <a:prstGeom prst="rect">
             <a:avLst/>
@@ -7624,11 +7835,110 @@
         </p:spPr>
         <p:txBody>
           <a:bodyPr/>
+          <a:lstStyle>
+            <a:lvl1pPr defTabSz="403097">
+              <a:spcBef>
+                <a:spcPts val="1900"/>
+              </a:spcBef>
+              <a:defRPr sz="8280"/>
+            </a:lvl1pPr>
+          </a:lstStyle>
+          <a:p>
+            <a:pPr/>
+            <a:r>
+              <a:t>Linear Regression</a:t>
+            </a:r>
+          </a:p>
+        </p:txBody>
+      </p:sp>
+      <p:sp>
+        <p:nvSpPr>
+          <p:cNvPr id="258" name="Shape 258"/>
+          <p:cNvSpPr/>
+          <p:nvPr/>
+        </p:nvSpPr>
+        <p:spPr>
+          <a:xfrm>
+            <a:off x="656526" y="4571724"/>
+            <a:ext cx="12136011" cy="1333501"/>
+          </a:xfrm>
+          <a:prstGeom prst="rect">
+            <a:avLst/>
+          </a:prstGeom>
+          <a:ln w="12700">
+            <a:miter lim="400000"/>
+          </a:ln>
+          <a:extLst>
+            <a:ext uri="{C572A759-6A51-4108-AA02-DFA0A04FC94B}">
+              <ma14:wrappingTextBoxFlag xmlns:ma14="http://schemas.microsoft.com/office/mac/drawingml/2011/main" val="1"/>
+            </a:ext>
+          </a:extLst>
+        </p:spPr>
+        <p:txBody>
+          <a:bodyPr lIns="50800" tIns="50800" rIns="50800" bIns="50800" anchor="ctr">
+            <a:spAutoFit/>
+          </a:bodyPr>
           <a:lstStyle/>
           <a:p>
-            <a:pPr/>
-            <a:r>
-              <a:t>Exercises</a:t>
+            <a:pPr>
+              <a:defRPr sz="8100">
+                <a:solidFill>
+                  <a:srgbClr val="838787"/>
+                </a:solidFill>
+                <a:latin typeface="Anonymous Pro for Powerline"/>
+                <a:ea typeface="Anonymous Pro for Powerline"/>
+                <a:cs typeface="Anonymous Pro for Powerline"/>
+                <a:sym typeface="Anonymous Pro for Powerline"/>
+              </a:defRPr>
+            </a:pPr>
+            <a:r>
+              <a:rPr>
+                <a:solidFill>
+                  <a:schemeClr val="accent5"/>
+                </a:solidFill>
+              </a:rPr>
+              <a:t>y</a:t>
+            </a:r>
+            <a:r>
+              <a:t> = 2</a:t>
+            </a:r>
+            <a:r>
+              <a:rPr>
+                <a:solidFill>
+                  <a:schemeClr val="accent3"/>
+                </a:solidFill>
+              </a:rPr>
+              <a:t>x</a:t>
+            </a:r>
+            <a:r>
+              <a:rPr baseline="-5999">
+                <a:solidFill>
+                  <a:schemeClr val="accent3"/>
+                </a:solidFill>
+              </a:rPr>
+              <a:t>0</a:t>
+            </a:r>
+            <a:r>
+              <a:t> + 3</a:t>
+            </a:r>
+            <a:r>
+              <a:rPr>
+                <a:solidFill>
+                  <a:schemeClr val="accent3"/>
+                </a:solidFill>
+              </a:rPr>
+              <a:t>x</a:t>
+            </a:r>
+            <a:r>
+              <a:rPr baseline="-5999">
+                <a:solidFill>
+                  <a:schemeClr val="accent3"/>
+                </a:solidFill>
+              </a:rPr>
+              <a:t>1 </a:t>
+            </a:r>
+            <a:r>
+              <a:t>+ … + 1</a:t>
             </a:r>
           </a:p>
         </p:txBody>
@@ -7661,7 +7971,7 @@
       </p:grpSpPr>
       <p:sp>
         <p:nvSpPr>
-          <p:cNvPr id="259" name="Shape 259"/>
+          <p:cNvPr id="260" name="Shape 260"/>
           <p:cNvSpPr/>
           <p:nvPr>
             <p:ph type="title"/>
@@ -7669,8 +7979,8 @@
         </p:nvSpPr>
         <p:spPr>
           <a:xfrm>
-            <a:off x="795866" y="3886200"/>
-            <a:ext cx="12192001" cy="4521200"/>
+            <a:off x="406400" y="1536700"/>
+            <a:ext cx="12192000" cy="1169260"/>
           </a:xfrm>
           <a:prstGeom prst="rect">
             <a:avLst/>
@@ -7678,11 +7988,218 @@
         </p:spPr>
         <p:txBody>
           <a:bodyPr/>
+          <a:lstStyle>
+            <a:lvl1pPr defTabSz="403097">
+              <a:spcBef>
+                <a:spcPts val="1900"/>
+              </a:spcBef>
+              <a:defRPr sz="8280"/>
+            </a:lvl1pPr>
+          </a:lstStyle>
+          <a:p>
+            <a:pPr/>
+            <a:r>
+              <a:t>Polynomial Regression</a:t>
+            </a:r>
+          </a:p>
+        </p:txBody>
+      </p:sp>
+      <p:sp>
+        <p:nvSpPr>
+          <p:cNvPr id="261" name="Shape 261"/>
+          <p:cNvSpPr/>
+          <p:nvPr/>
+        </p:nvSpPr>
+        <p:spPr>
+          <a:xfrm>
+            <a:off x="656526" y="4571724"/>
+            <a:ext cx="12136011" cy="1333501"/>
+          </a:xfrm>
+          <a:prstGeom prst="rect">
+            <a:avLst/>
+          </a:prstGeom>
+          <a:ln w="12700">
+            <a:miter lim="400000"/>
+          </a:ln>
+          <a:extLst>
+            <a:ext uri="{C572A759-6A51-4108-AA02-DFA0A04FC94B}">
+              <ma14:wrappingTextBoxFlag xmlns:ma14="http://schemas.microsoft.com/office/mac/drawingml/2011/main" val="1"/>
+            </a:ext>
+          </a:extLst>
+        </p:spPr>
+        <p:txBody>
+          <a:bodyPr lIns="50800" tIns="50800" rIns="50800" bIns="50800" anchor="ctr">
+            <a:spAutoFit/>
+          </a:bodyPr>
           <a:lstStyle/>
           <a:p>
-            <a:pPr/>
-            <a:r>
-              <a:t>Regularization</a:t>
+            <a:pPr>
+              <a:defRPr sz="8100">
+                <a:solidFill>
+                  <a:srgbClr val="838787"/>
+                </a:solidFill>
+                <a:latin typeface="Anonymous Pro for Powerline"/>
+                <a:ea typeface="Anonymous Pro for Powerline"/>
+                <a:cs typeface="Anonymous Pro for Powerline"/>
+                <a:sym typeface="Anonymous Pro for Powerline"/>
+              </a:defRPr>
+            </a:pPr>
+            <a:r>
+              <a:rPr>
+                <a:solidFill>
+                  <a:schemeClr val="accent5"/>
+                </a:solidFill>
+              </a:rPr>
+              <a:t>y</a:t>
+            </a:r>
+            <a:r>
+              <a:t> = 2</a:t>
+            </a:r>
+            <a:r>
+              <a:rPr>
+                <a:solidFill>
+                  <a:schemeClr val="accent3"/>
+                </a:solidFill>
+              </a:rPr>
+              <a:t>x</a:t>
+            </a:r>
+            <a:r>
+              <a:rPr baseline="-5999">
+                <a:solidFill>
+                  <a:schemeClr val="accent3"/>
+                </a:solidFill>
+              </a:rPr>
+              <a:t>0</a:t>
+            </a:r>
+            <a:r>
+              <a:t> + 3</a:t>
+            </a:r>
+            <a:r>
+              <a:rPr>
+                <a:solidFill>
+                  <a:schemeClr val="accent3"/>
+                </a:solidFill>
+              </a:rPr>
+              <a:t>x</a:t>
+            </a:r>
+            <a:r>
+              <a:rPr baseline="-5999">
+                <a:solidFill>
+                  <a:schemeClr val="accent3"/>
+                </a:solidFill>
+              </a:rPr>
+              <a:t>1 </a:t>
+            </a:r>
+            <a:r>
+              <a:t>+ … + 1</a:t>
+            </a:r>
+          </a:p>
+        </p:txBody>
+      </p:sp>
+      <p:sp>
+        <p:nvSpPr>
+          <p:cNvPr id="262" name="Shape 262"/>
+          <p:cNvSpPr/>
+          <p:nvPr/>
+        </p:nvSpPr>
+        <p:spPr>
+          <a:xfrm>
+            <a:off x="1838187" y="6004983"/>
+            <a:ext cx="10483889" cy="1333501"/>
+          </a:xfrm>
+          <a:prstGeom prst="rect">
+            <a:avLst/>
+          </a:prstGeom>
+          <a:ln w="12700">
+            <a:miter lim="400000"/>
+          </a:ln>
+          <a:extLst>
+            <a:ext uri="{C572A759-6A51-4108-AA02-DFA0A04FC94B}">
+              <ma14:wrappingTextBoxFlag xmlns:ma14="http://schemas.microsoft.com/office/mac/drawingml/2011/main" val="1"/>
+            </a:ext>
+          </a:extLst>
+        </p:spPr>
+        <p:txBody>
+          <a:bodyPr lIns="50800" tIns="50800" rIns="50800" bIns="50800" anchor="ctr">
+            <a:spAutoFit/>
+          </a:bodyPr>
+          <a:lstStyle/>
+          <a:p>
+            <a:pPr>
+              <a:defRPr sz="8100">
+                <a:solidFill>
+                  <a:srgbClr val="838787"/>
+                </a:solidFill>
+                <a:latin typeface="Anonymous Pro for Powerline"/>
+                <a:ea typeface="Anonymous Pro for Powerline"/>
+                <a:cs typeface="Anonymous Pro for Powerline"/>
+                <a:sym typeface="Anonymous Pro for Powerline"/>
+              </a:defRPr>
+            </a:pPr>
+            <a:r>
+              <a:t>+ 1</a:t>
+            </a:r>
+            <a:r>
+              <a:rPr>
+                <a:solidFill>
+                  <a:schemeClr val="accent3"/>
+                </a:solidFill>
+              </a:rPr>
+              <a:t>x</a:t>
+            </a:r>
+            <a:r>
+              <a:rPr baseline="-5999">
+                <a:solidFill>
+                  <a:schemeClr val="accent3"/>
+                </a:solidFill>
+              </a:rPr>
+              <a:t>0</a:t>
+            </a:r>
+            <a:r>
+              <a:rPr baseline="31999">
+                <a:solidFill>
+                  <a:schemeClr val="accent3"/>
+                </a:solidFill>
+              </a:rPr>
+              <a:t>2</a:t>
+            </a:r>
+            <a:r>
+              <a:t> + 2</a:t>
+            </a:r>
+            <a:r>
+              <a:rPr>
+                <a:solidFill>
+                  <a:schemeClr val="accent3"/>
+                </a:solidFill>
+              </a:rPr>
+              <a:t>x</a:t>
+            </a:r>
+            <a:r>
+              <a:rPr baseline="-5999">
+                <a:solidFill>
+                  <a:schemeClr val="accent3"/>
+                </a:solidFill>
+              </a:rPr>
+              <a:t>1</a:t>
+            </a:r>
+            <a:r>
+              <a:rPr baseline="31999">
+                <a:solidFill>
+                  <a:schemeClr val="accent3"/>
+                </a:solidFill>
+              </a:rPr>
+              <a:t>2</a:t>
+            </a:r>
+            <a:r>
+              <a:rPr baseline="-5999">
+                <a:solidFill>
+                  <a:schemeClr val="accent3"/>
+                </a:solidFill>
+              </a:rPr>
+              <a:t> </a:t>
+            </a:r>
+            <a:r>
+              <a:t>+ …</a:t>
             </a:r>
           </a:p>
         </p:txBody>
@@ -7715,7 +8232,7 @@
       </p:grpSpPr>
       <p:sp>
         <p:nvSpPr>
-          <p:cNvPr id="261" name="Shape 261"/>
+          <p:cNvPr id="264" name="Shape 264"/>
           <p:cNvSpPr/>
           <p:nvPr>
             <p:ph type="title"/>
@@ -7724,7 +8241,7 @@
         <p:spPr>
           <a:xfrm>
             <a:off x="406400" y="1536700"/>
-            <a:ext cx="12192000" cy="1169261"/>
+            <a:ext cx="12192000" cy="1169260"/>
           </a:xfrm>
           <a:prstGeom prst="rect">
             <a:avLst/>
@@ -7737,81 +8254,321 @@
               <a:spcBef>
                 <a:spcPts val="1900"/>
               </a:spcBef>
-              <a:defRPr sz="8200"/>
+              <a:defRPr sz="8280"/>
             </a:lvl1pPr>
           </a:lstStyle>
           <a:p>
             <a:pPr/>
             <a:r>
-              <a:t>regularization</a:t>
-            </a:r>
-          </a:p>
-        </p:txBody>
-      </p:sp>
-      <p:sp>
-        <p:nvSpPr>
-          <p:cNvPr id="262" name="Shape 262"/>
-          <p:cNvSpPr/>
-          <p:nvPr>
-            <p:ph type="body" sz="half" idx="1"/>
-          </p:nvPr>
+              <a:t>Polynomial Regression</a:t>
+            </a:r>
+          </a:p>
+        </p:txBody>
+      </p:sp>
+      <p:sp>
+        <p:nvSpPr>
+          <p:cNvPr id="265" name="Shape 265"/>
+          <p:cNvSpPr/>
+          <p:nvPr/>
         </p:nvSpPr>
         <p:spPr>
           <a:xfrm>
-            <a:off x="406400" y="3953767"/>
-            <a:ext cx="12192000" cy="2531602"/>
-          </a:xfrm>
-          <a:prstGeom prst="rect">
-            <a:avLst/>
-          </a:prstGeom>
-        </p:spPr>
-        <p:txBody>
-          <a:bodyPr anchor="t"/>
+            <a:off x="656526" y="4571724"/>
+            <a:ext cx="12136011" cy="1333501"/>
+          </a:xfrm>
+          <a:prstGeom prst="rect">
+            <a:avLst/>
+          </a:prstGeom>
+          <a:ln w="12700">
+            <a:miter lim="400000"/>
+          </a:ln>
+          <a:extLst>
+            <a:ext uri="{C572A759-6A51-4108-AA02-DFA0A04FC94B}">
+              <ma14:wrappingTextBoxFlag xmlns:ma14="http://schemas.microsoft.com/office/mac/drawingml/2011/main" val="1"/>
+            </a:ext>
+          </a:extLst>
+        </p:spPr>
+        <p:txBody>
+          <a:bodyPr lIns="50800" tIns="50800" rIns="50800" bIns="50800" anchor="ctr">
+            <a:spAutoFit/>
+          </a:bodyPr>
           <a:lstStyle/>
           <a:p>
-            <a:pPr marL="656975" indent="-656975" defTabSz="543656">
-              <a:lnSpc>
-                <a:spcPct val="100000"/>
-              </a:lnSpc>
-              <a:spcBef>
-                <a:spcPts val="2500"/>
-              </a:spcBef>
-              <a:buSzPct val="40000"/>
-              <a:buBlip>
-                <a:blip r:embed="rId2"/>
-              </a:buBlip>
-              <a:defRPr cap="none" spc="0" sz="5940">
-                <a:latin typeface="Avenir Next Medium"/>
-                <a:ea typeface="Avenir Next Medium"/>
-                <a:cs typeface="Avenir Next Medium"/>
-                <a:sym typeface="Avenir Next Medium"/>
+            <a:pPr>
+              <a:defRPr sz="8100">
+                <a:solidFill>
+                  <a:srgbClr val="838787"/>
+                </a:solidFill>
+                <a:latin typeface="Anonymous Pro for Powerline"/>
+                <a:ea typeface="Anonymous Pro for Powerline"/>
+                <a:cs typeface="Anonymous Pro for Powerline"/>
+                <a:sym typeface="Anonymous Pro for Powerline"/>
               </a:defRPr>
             </a:pPr>
             <a:r>
-              <a:t>Fix what “best-fit” means </a:t>
-            </a:r>
-          </a:p>
-          <a:p>
-            <a:pPr marL="656975" indent="-656975" defTabSz="543656">
-              <a:lnSpc>
-                <a:spcPct val="200000"/>
-              </a:lnSpc>
-              <a:spcBef>
-                <a:spcPts val="2500"/>
-              </a:spcBef>
-              <a:buSzPct val="40000"/>
-              <a:buBlip>
-                <a:blip r:embed="rId2"/>
-              </a:buBlip>
-              <a:defRPr cap="none" spc="0" sz="5940">
-                <a:latin typeface="Avenir Next Medium"/>
-                <a:ea typeface="Avenir Next Medium"/>
-                <a:cs typeface="Avenir Next Medium"/>
-                <a:sym typeface="Avenir Next Medium"/>
+              <a:rPr>
+                <a:solidFill>
+                  <a:schemeClr val="accent5"/>
+                </a:solidFill>
+              </a:rPr>
+              <a:t>y</a:t>
+            </a:r>
+            <a:r>
+              <a:t> = 2</a:t>
+            </a:r>
+            <a:r>
+              <a:rPr>
+                <a:solidFill>
+                  <a:schemeClr val="accent3"/>
+                </a:solidFill>
+              </a:rPr>
+              <a:t>x</a:t>
+            </a:r>
+            <a:r>
+              <a:rPr baseline="-5999">
+                <a:solidFill>
+                  <a:schemeClr val="accent3"/>
+                </a:solidFill>
+              </a:rPr>
+              <a:t>0</a:t>
+            </a:r>
+            <a:r>
+              <a:t> + 3</a:t>
+            </a:r>
+            <a:r>
+              <a:rPr>
+                <a:solidFill>
+                  <a:schemeClr val="accent3"/>
+                </a:solidFill>
+              </a:rPr>
+              <a:t>x</a:t>
+            </a:r>
+            <a:r>
+              <a:rPr baseline="-5999">
+                <a:solidFill>
+                  <a:schemeClr val="accent3"/>
+                </a:solidFill>
+              </a:rPr>
+              <a:t>1 </a:t>
+            </a:r>
+            <a:r>
+              <a:t>+ … + 1</a:t>
+            </a:r>
+          </a:p>
+        </p:txBody>
+      </p:sp>
+      <p:sp>
+        <p:nvSpPr>
+          <p:cNvPr id="266" name="Shape 266"/>
+          <p:cNvSpPr/>
+          <p:nvPr/>
+        </p:nvSpPr>
+        <p:spPr>
+          <a:xfrm>
+            <a:off x="1838187" y="6055783"/>
+            <a:ext cx="10483889" cy="1333501"/>
+          </a:xfrm>
+          <a:prstGeom prst="rect">
+            <a:avLst/>
+          </a:prstGeom>
+          <a:ln w="12700">
+            <a:miter lim="400000"/>
+          </a:ln>
+          <a:extLst>
+            <a:ext uri="{C572A759-6A51-4108-AA02-DFA0A04FC94B}">
+              <ma14:wrappingTextBoxFlag xmlns:ma14="http://schemas.microsoft.com/office/mac/drawingml/2011/main" val="1"/>
+            </a:ext>
+          </a:extLst>
+        </p:spPr>
+        <p:txBody>
+          <a:bodyPr lIns="50800" tIns="50800" rIns="50800" bIns="50800" anchor="ctr">
+            <a:spAutoFit/>
+          </a:bodyPr>
+          <a:lstStyle/>
+          <a:p>
+            <a:pPr>
+              <a:defRPr sz="8100">
+                <a:solidFill>
+                  <a:srgbClr val="838787"/>
+                </a:solidFill>
+                <a:latin typeface="Anonymous Pro for Powerline"/>
+                <a:ea typeface="Anonymous Pro for Powerline"/>
+                <a:cs typeface="Anonymous Pro for Powerline"/>
+                <a:sym typeface="Anonymous Pro for Powerline"/>
               </a:defRPr>
             </a:pPr>
             <a:r>
-              <a:t>Add penalty for complex models</a:t>
+              <a:t>+ 1</a:t>
+            </a:r>
+            <a:r>
+              <a:rPr>
+                <a:solidFill>
+                  <a:schemeClr val="accent3"/>
+                </a:solidFill>
+              </a:rPr>
+              <a:t>x</a:t>
+            </a:r>
+            <a:r>
+              <a:rPr baseline="-5999">
+                <a:solidFill>
+                  <a:schemeClr val="accent3"/>
+                </a:solidFill>
+              </a:rPr>
+              <a:t>0</a:t>
+            </a:r>
+            <a:r>
+              <a:rPr baseline="31999">
+                <a:solidFill>
+                  <a:schemeClr val="accent3"/>
+                </a:solidFill>
+              </a:rPr>
+              <a:t>2</a:t>
+            </a:r>
+            <a:r>
+              <a:t> + 2</a:t>
+            </a:r>
+            <a:r>
+              <a:rPr>
+                <a:solidFill>
+                  <a:schemeClr val="accent3"/>
+                </a:solidFill>
+              </a:rPr>
+              <a:t>x</a:t>
+            </a:r>
+            <a:r>
+              <a:rPr baseline="-5999">
+                <a:solidFill>
+                  <a:schemeClr val="accent3"/>
+                </a:solidFill>
+              </a:rPr>
+              <a:t>1</a:t>
+            </a:r>
+            <a:r>
+              <a:rPr baseline="31999">
+                <a:solidFill>
+                  <a:schemeClr val="accent3"/>
+                </a:solidFill>
+              </a:rPr>
+              <a:t>2</a:t>
+            </a:r>
+            <a:r>
+              <a:rPr baseline="-5999">
+                <a:solidFill>
+                  <a:schemeClr val="accent3"/>
+                </a:solidFill>
+              </a:rPr>
+              <a:t> </a:t>
+            </a:r>
+            <a:r>
+              <a:t>+ …</a:t>
+            </a:r>
+          </a:p>
+        </p:txBody>
+      </p:sp>
+      <p:sp>
+        <p:nvSpPr>
+          <p:cNvPr id="267" name="Shape 267"/>
+          <p:cNvSpPr/>
+          <p:nvPr/>
+        </p:nvSpPr>
+        <p:spPr>
+          <a:xfrm>
+            <a:off x="1838187" y="7466188"/>
+            <a:ext cx="10483889" cy="1333501"/>
+          </a:xfrm>
+          <a:prstGeom prst="rect">
+            <a:avLst/>
+          </a:prstGeom>
+          <a:ln w="12700">
+            <a:miter lim="400000"/>
+          </a:ln>
+          <a:extLst>
+            <a:ext uri="{C572A759-6A51-4108-AA02-DFA0A04FC94B}">
+              <ma14:wrappingTextBoxFlag xmlns:ma14="http://schemas.microsoft.com/office/mac/drawingml/2011/main" val="1"/>
+            </a:ext>
+          </a:extLst>
+        </p:spPr>
+        <p:txBody>
+          <a:bodyPr lIns="50800" tIns="50800" rIns="50800" bIns="50800" anchor="ctr">
+            <a:spAutoFit/>
+          </a:bodyPr>
+          <a:lstStyle/>
+          <a:p>
+            <a:pPr>
+              <a:defRPr sz="8100">
+                <a:solidFill>
+                  <a:srgbClr val="838787"/>
+                </a:solidFill>
+                <a:latin typeface="Anonymous Pro for Powerline"/>
+                <a:ea typeface="Anonymous Pro for Powerline"/>
+                <a:cs typeface="Anonymous Pro for Powerline"/>
+                <a:sym typeface="Anonymous Pro for Powerline"/>
+              </a:defRPr>
+            </a:pPr>
+            <a:r>
+              <a:t>+ 3</a:t>
+            </a:r>
+            <a:r>
+              <a:rPr>
+                <a:solidFill>
+                  <a:schemeClr val="accent3"/>
+                </a:solidFill>
+              </a:rPr>
+              <a:t>x</a:t>
+            </a:r>
+            <a:r>
+              <a:rPr baseline="-5999">
+                <a:solidFill>
+                  <a:schemeClr val="accent3"/>
+                </a:solidFill>
+              </a:rPr>
+              <a:t>0</a:t>
+            </a:r>
+            <a:r>
+              <a:rPr baseline="31999">
+                <a:solidFill>
+                  <a:schemeClr val="accent3"/>
+                </a:solidFill>
+              </a:rPr>
+              <a:t>3</a:t>
+            </a:r>
+            <a:r>
+              <a:t> + 1</a:t>
+            </a:r>
+            <a:r>
+              <a:rPr>
+                <a:solidFill>
+                  <a:schemeClr val="accent3"/>
+                </a:solidFill>
+              </a:rPr>
+              <a:t>x</a:t>
+            </a:r>
+            <a:r>
+              <a:rPr baseline="-5999">
+                <a:solidFill>
+                  <a:schemeClr val="accent3"/>
+                </a:solidFill>
+              </a:rPr>
+              <a:t>1</a:t>
+            </a:r>
+            <a:r>
+              <a:rPr baseline="31999">
+                <a:solidFill>
+                  <a:schemeClr val="accent3"/>
+                </a:solidFill>
+              </a:rPr>
+              <a:t>3</a:t>
+            </a:r>
+            <a:r>
+              <a:rPr baseline="-5999">
+                <a:solidFill>
+                  <a:schemeClr val="accent3"/>
+                </a:solidFill>
+              </a:rPr>
+              <a:t> </a:t>
+            </a:r>
+            <a:r>
+              <a:t>+ …</a:t>
             </a:r>
           </a:p>
         </p:txBody>
@@ -7844,52 +8601,13 @@
       </p:grpSpPr>
       <p:sp>
         <p:nvSpPr>
-          <p:cNvPr id="264" name="Shape 264"/>
+          <p:cNvPr id="269" name="Shape 269"/>
           <p:cNvSpPr/>
           <p:nvPr>
-            <p:ph type="title"/>
+            <p:ph type="ctrTitle"/>
           </p:nvPr>
         </p:nvSpPr>
         <p:spPr>
-          <a:xfrm>
-            <a:off x="406400" y="1536700"/>
-            <a:ext cx="12192000" cy="1169260"/>
-          </a:xfrm>
-          <a:prstGeom prst="rect">
-            <a:avLst/>
-          </a:prstGeom>
-        </p:spPr>
-        <p:txBody>
-          <a:bodyPr/>
-          <a:lstStyle>
-            <a:lvl1pPr defTabSz="403097">
-              <a:spcBef>
-                <a:spcPts val="1900"/>
-              </a:spcBef>
-              <a:defRPr sz="8280"/>
-            </a:lvl1pPr>
-          </a:lstStyle>
-          <a:p>
-            <a:pPr/>
-            <a:r>
-              <a:t>Ridge Regression (L2)</a:t>
-            </a:r>
-          </a:p>
-        </p:txBody>
-      </p:sp>
-      <p:sp>
-        <p:nvSpPr>
-          <p:cNvPr id="265" name="Shape 265"/>
-          <p:cNvSpPr/>
-          <p:nvPr>
-            <p:ph type="body" idx="1"/>
-          </p:nvPr>
-        </p:nvSpPr>
-        <p:spPr>
-          <a:xfrm>
-            <a:off x="406400" y="2558069"/>
-            <a:ext cx="12192000" cy="5784563"/>
-          </a:xfrm>
           <a:prstGeom prst="rect">
             <a:avLst/>
           </a:prstGeom>
@@ -7898,55 +8616,62 @@
           <a:bodyPr/>
           <a:lstStyle/>
           <a:p>
-            <a:pPr marL="684791" indent="-684791" defTabSz="566674">
-              <a:spcBef>
-                <a:spcPts val="2700"/>
-              </a:spcBef>
-              <a:buClrTx/>
-              <a:buSzPct val="40000"/>
-              <a:buFontTx/>
-              <a:buBlip>
-                <a:blip r:embed="rId2"/>
-              </a:buBlip>
-              <a:defRPr sz="6208"/>
+            <a:pPr defTabSz="455675">
+              <a:defRPr sz="13259"/>
             </a:pPr>
           </a:p>
-          <a:p>
-            <a:pPr marL="684791" indent="-684791" defTabSz="566674">
-              <a:spcBef>
-                <a:spcPts val="2700"/>
-              </a:spcBef>
-              <a:buClrTx/>
-              <a:buSzPct val="40000"/>
-              <a:buFontTx/>
-              <a:buBlip>
-                <a:blip r:embed="rId2"/>
-              </a:buBlip>
-              <a:defRPr sz="6208"/>
-            </a:pPr>
-            <a:r>
-              <a:t>sum(model.coef_**2)</a:t>
-            </a:r>
-          </a:p>
-          <a:p>
-            <a:pPr marL="684791" indent="-684791" defTabSz="566674">
-              <a:spcBef>
-                <a:spcPts val="2700"/>
-              </a:spcBef>
-              <a:buClrTx/>
-              <a:buSzPct val="40000"/>
-              <a:buFontTx/>
-              <a:buBlip>
-                <a:blip r:embed="rId2"/>
-              </a:buBlip>
-              <a:defRPr sz="6208"/>
-            </a:pPr>
-            <a:r>
-              <a:t>Low-signal features will have smaller and smaller coefficients</a:t>
-            </a:r>
-          </a:p>
-        </p:txBody>
-      </p:sp>
+        </p:txBody>
+      </p:sp>
+      <p:sp>
+        <p:nvSpPr>
+          <p:cNvPr id="270" name="Shape 270"/>
+          <p:cNvSpPr/>
+          <p:nvPr>
+            <p:ph type="subTitle" sz="quarter" idx="1"/>
+          </p:nvPr>
+        </p:nvSpPr>
+        <p:spPr>
+          <a:prstGeom prst="rect">
+            <a:avLst/>
+          </a:prstGeom>
+        </p:spPr>
+        <p:txBody>
+          <a:bodyPr/>
+          <a:lstStyle/>
+          <a:p>
+            <a:pPr/>
+          </a:p>
+        </p:txBody>
+      </p:sp>
+      <p:pic>
+        <p:nvPicPr>
+          <p:cNvPr id="271" name="7thorder.png"/>
+          <p:cNvPicPr>
+            <a:picLocks noChangeAspect="1"/>
+          </p:cNvPicPr>
+          <p:nvPr/>
+        </p:nvPicPr>
+        <p:blipFill>
+          <a:blip r:embed="rId2">
+            <a:extLst/>
+          </a:blip>
+          <a:stretch>
+            <a:fillRect/>
+          </a:stretch>
+        </p:blipFill>
+        <p:spPr>
+          <a:xfrm>
+            <a:off x="-31750" y="306916"/>
+            <a:ext cx="13068300" cy="9039129"/>
+          </a:xfrm>
+          <a:prstGeom prst="rect">
+            <a:avLst/>
+          </a:prstGeom>
+          <a:ln w="12700">
+            <a:miter lim="400000"/>
+          </a:ln>
+        </p:spPr>
+      </p:pic>
     </p:spTree>
   </p:cSld>
   <p:clrMapOvr>
@@ -7975,7 +8700,7 @@
       </p:grpSpPr>
       <p:sp>
         <p:nvSpPr>
-          <p:cNvPr id="267" name="Shape 267"/>
+          <p:cNvPr id="273" name="Shape 273"/>
           <p:cNvSpPr/>
           <p:nvPr>
             <p:ph type="title"/>
@@ -8003,14 +8728,14 @@
           <a:p>
             <a:pPr/>
             <a:r>
-              <a:t>Lasso Regression (L1)</a:t>
-            </a:r>
-          </a:p>
-        </p:txBody>
-      </p:sp>
-      <p:sp>
-        <p:nvSpPr>
-          <p:cNvPr id="268" name="Shape 268"/>
+              <a:t>Downsides</a:t>
+            </a:r>
+          </a:p>
+        </p:txBody>
+      </p:sp>
+      <p:sp>
+        <p:nvSpPr>
+          <p:cNvPr id="274" name="Shape 274"/>
           <p:cNvSpPr/>
           <p:nvPr>
             <p:ph type="body" idx="1"/>
@@ -8018,8 +8743,8 @@
         </p:nvSpPr>
         <p:spPr>
           <a:xfrm>
-            <a:off x="406400" y="2558069"/>
-            <a:ext cx="12192000" cy="5784563"/>
+            <a:off x="406400" y="2570901"/>
+            <a:ext cx="12192000" cy="6465998"/>
           </a:xfrm>
           <a:prstGeom prst="rect">
             <a:avLst/>
@@ -8050,7 +8775,7 @@
               <a:defRPr sz="6400"/>
             </a:pPr>
             <a:r>
-              <a:t>sum(abs(model.coef_))</a:t>
+              <a:t>Features matrix grows FAST!</a:t>
             </a:r>
           </a:p>
           <a:p>
@@ -8064,7 +8789,7 @@
               <a:defRPr sz="6400"/>
             </a:pPr>
             <a:r>
-              <a:t>Low-signal features will end up with coefficients of 0</a:t>
+              <a:t>Complex models overfit data</a:t>
             </a:r>
           </a:p>
         </p:txBody>
@@ -8097,7 +8822,7 @@
       </p:grpSpPr>
       <p:sp>
         <p:nvSpPr>
-          <p:cNvPr id="270" name="Shape 270"/>
+          <p:cNvPr id="276" name="Shape 276"/>
           <p:cNvSpPr/>
           <p:nvPr>
             <p:ph type="title"/>
@@ -8105,8 +8830,8 @@
         </p:nvSpPr>
         <p:spPr>
           <a:xfrm>
-            <a:off x="406400" y="1536700"/>
-            <a:ext cx="12192000" cy="1169261"/>
+            <a:off x="880533" y="2988733"/>
+            <a:ext cx="12192001" cy="4521201"/>
           </a:xfrm>
           <a:prstGeom prst="rect">
             <a:avLst/>
@@ -8114,89 +8839,11 @@
         </p:spPr>
         <p:txBody>
           <a:bodyPr/>
-          <a:lstStyle>
-            <a:lvl1pPr defTabSz="403097">
-              <a:spcBef>
-                <a:spcPts val="1900"/>
-              </a:spcBef>
-              <a:defRPr sz="8200"/>
-            </a:lvl1pPr>
-          </a:lstStyle>
+          <a:lstStyle/>
           <a:p>
             <a:pPr/>
             <a:r>
-              <a:t>Alpha parameter</a:t>
-            </a:r>
-          </a:p>
-        </p:txBody>
-      </p:sp>
-      <p:sp>
-        <p:nvSpPr>
-          <p:cNvPr id="271" name="Shape 271"/>
-          <p:cNvSpPr/>
-          <p:nvPr>
-            <p:ph type="body" idx="1"/>
-          </p:nvPr>
-        </p:nvSpPr>
-        <p:spPr>
-          <a:xfrm>
-            <a:off x="406400" y="3953767"/>
-            <a:ext cx="12192000" cy="4437065"/>
-          </a:xfrm>
-          <a:prstGeom prst="rect">
-            <a:avLst/>
-          </a:prstGeom>
-        </p:spPr>
-        <p:txBody>
-          <a:bodyPr anchor="t"/>
-          <a:lstStyle/>
-          <a:p>
-            <a:pPr marL="637067" indent="-637067" defTabSz="527182">
-              <a:lnSpc>
-                <a:spcPct val="100000"/>
-              </a:lnSpc>
-              <a:spcBef>
-                <a:spcPts val="2400"/>
-              </a:spcBef>
-              <a:buSzPct val="40000"/>
-              <a:buBlip>
-                <a:blip r:embed="rId2"/>
-              </a:buBlip>
-              <a:defRPr cap="none" spc="0" sz="5760">
-                <a:latin typeface="Avenir Next Medium"/>
-                <a:ea typeface="Avenir Next Medium"/>
-                <a:cs typeface="Avenir Next Medium"/>
-                <a:sym typeface="Avenir Next Medium"/>
-              </a:defRPr>
-            </a:pPr>
-            <a:r>
-              <a:t>Changes how heavily we weight regularization</a:t>
-            </a:r>
-          </a:p>
-          <a:p>
-            <a:pPr marL="637067" indent="-637067" defTabSz="527182">
-              <a:lnSpc>
-                <a:spcPct val="100000"/>
-              </a:lnSpc>
-              <a:spcBef>
-                <a:spcPts val="2400"/>
-              </a:spcBef>
-              <a:buSzPct val="40000"/>
-              <a:buBlip>
-                <a:blip r:embed="rId2"/>
-              </a:buBlip>
-              <a:defRPr cap="none" spc="0" sz="5760">
-                <a:latin typeface="Avenir Next Medium"/>
-                <a:ea typeface="Avenir Next Medium"/>
-                <a:cs typeface="Avenir Next Medium"/>
-                <a:sym typeface="Avenir Next Medium"/>
-              </a:defRPr>
-            </a:pPr>
-            <a:r>
-              <a:t>Can test different values </a:t>
-            </a:r>
-            <a:r>
-              <a:t>with validation curve!</a:t>
+              <a:t>Bias-Variance Tradeoff</a:t>
             </a:r>
           </a:p>
         </p:txBody>
@@ -8229,17 +8876,13 @@
       </p:grpSpPr>
       <p:sp>
         <p:nvSpPr>
-          <p:cNvPr id="273" name="Shape 273"/>
+          <p:cNvPr id="278" name="Shape 278"/>
           <p:cNvSpPr/>
           <p:nvPr>
-            <p:ph type="title"/>
+            <p:ph type="subTitle" sz="quarter" idx="1"/>
           </p:nvPr>
         </p:nvSpPr>
         <p:spPr>
-          <a:xfrm>
-            <a:off x="2802101" y="4038600"/>
-            <a:ext cx="7400598" cy="4521200"/>
-          </a:xfrm>
           <a:prstGeom prst="rect">
             <a:avLst/>
           </a:prstGeom>
@@ -8249,12 +8892,39 @@
           <a:lstStyle/>
           <a:p>
             <a:pPr/>
-            <a:r>
-              <a:t>Exercises</a:t>
-            </a:r>
-          </a:p>
-        </p:txBody>
-      </p:sp>
+          </a:p>
+        </p:txBody>
+      </p:sp>
+      <p:pic>
+        <p:nvPicPr>
+          <p:cNvPr id="279" name="bias-variance.png"/>
+          <p:cNvPicPr>
+            <a:picLocks noChangeAspect="1"/>
+          </p:cNvPicPr>
+          <p:nvPr/>
+        </p:nvPicPr>
+        <p:blipFill>
+          <a:blip r:embed="rId2">
+            <a:extLst/>
+          </a:blip>
+          <a:srcRect l="0" t="0" r="47299" b="0"/>
+          <a:stretch>
+            <a:fillRect/>
+          </a:stretch>
+        </p:blipFill>
+        <p:spPr>
+          <a:xfrm>
+            <a:off x="-68486" y="-106108"/>
+            <a:ext cx="13440104" cy="9563596"/>
+          </a:xfrm>
+          <a:prstGeom prst="rect">
+            <a:avLst/>
+          </a:prstGeom>
+          <a:ln w="12700">
+            <a:miter lim="400000"/>
+          </a:ln>
+        </p:spPr>
+      </p:pic>
     </p:spTree>
   </p:cSld>
   <p:clrMapOvr>
@@ -8281,40 +8951,207 @@
           <a:chExt cx="0" cy="0"/>
         </a:xfrm>
       </p:grpSpPr>
+      <p:sp>
+        <p:nvSpPr>
+          <p:cNvPr id="196" name="Shape 196"/>
+          <p:cNvSpPr/>
+          <p:nvPr>
+            <p:ph type="title"/>
+          </p:nvPr>
+        </p:nvSpPr>
+        <p:spPr>
+          <a:xfrm>
+            <a:off x="406400" y="1536700"/>
+            <a:ext cx="12192000" cy="1169260"/>
+          </a:xfrm>
+          <a:prstGeom prst="rect">
+            <a:avLst/>
+          </a:prstGeom>
+        </p:spPr>
+        <p:txBody>
+          <a:bodyPr/>
+          <a:lstStyle>
+            <a:lvl1pPr defTabSz="403097">
+              <a:spcBef>
+                <a:spcPts val="1900"/>
+              </a:spcBef>
+              <a:defRPr sz="8280"/>
+            </a:lvl1pPr>
+          </a:lstStyle>
+          <a:p>
+            <a:pPr/>
+            <a:r>
+              <a:t>Setting the Table</a:t>
+            </a:r>
+          </a:p>
+        </p:txBody>
+      </p:sp>
+      <p:sp>
+        <p:nvSpPr>
+          <p:cNvPr id="197" name="Shape 197"/>
+          <p:cNvSpPr/>
+          <p:nvPr>
+            <p:ph type="body" idx="1"/>
+          </p:nvPr>
+        </p:nvSpPr>
+        <p:spPr>
+          <a:xfrm>
+            <a:off x="224565" y="3362306"/>
+            <a:ext cx="12555671" cy="5610529"/>
+          </a:xfrm>
+          <a:prstGeom prst="rect">
+            <a:avLst/>
+          </a:prstGeom>
+        </p:spPr>
+        <p:txBody>
+          <a:bodyPr/>
+          <a:lstStyle/>
+          <a:p>
+            <a:pPr marL="705970" indent="-705970">
+              <a:buClrTx/>
+              <a:buSzPct val="40000"/>
+              <a:buFontTx/>
+              <a:buBlip>
+                <a:blip r:embed="rId2"/>
+              </a:buBlip>
+              <a:defRPr sz="6400"/>
+            </a:pPr>
+            <a:r>
+              <a:t>Feature Matrix, Target Vector</a:t>
+            </a:r>
+          </a:p>
+          <a:p>
+            <a:pPr marL="705970" indent="-705970">
+              <a:buClrTx/>
+              <a:buSzPct val="40000"/>
+              <a:buFontTx/>
+              <a:buBlip>
+                <a:blip r:embed="rId2"/>
+              </a:buBlip>
+              <a:defRPr sz="6400"/>
+            </a:pPr>
+            <a:r>
+              <a:t>Training Set, Test Set</a:t>
+            </a:r>
+          </a:p>
+        </p:txBody>
+      </p:sp>
+    </p:spTree>
+  </p:cSld>
+  <p:clrMapOvr>
+    <a:masterClrMapping/>
+  </p:clrMapOvr>
+  <p:transition xmlns:p14="http://schemas.microsoft.com/office/powerpoint/2010/main" spd="med" advClick="1"/>
+</p:sld>
+</file>
+
+<file path=ppt/slides/slide30.xml><?xml version="1.0" encoding="utf-8"?>
+<p:sld xmlns:a="http://schemas.openxmlformats.org/drawingml/2006/main" xmlns:r="http://schemas.openxmlformats.org/officeDocument/2006/relationships" xmlns:p="http://schemas.openxmlformats.org/presentationml/2006/main" showMasterSp="1" showMasterPhAnim="1">
+  <p:cSld>
+    <p:spTree>
+      <p:nvGrpSpPr>
+        <p:cNvPr id="1" name=""/>
+        <p:cNvGrpSpPr/>
+        <p:nvPr/>
+      </p:nvGrpSpPr>
+      <p:grpSpPr>
+        <a:xfrm>
+          <a:off x="0" y="0"/>
+          <a:ext cx="0" cy="0"/>
+          <a:chOff x="0" y="0"/>
+          <a:chExt cx="0" cy="0"/>
+        </a:xfrm>
+      </p:grpSpPr>
+      <p:sp>
+        <p:nvSpPr>
+          <p:cNvPr id="281" name="Shape 281"/>
+          <p:cNvSpPr/>
+          <p:nvPr>
+            <p:ph type="subTitle" sz="quarter" idx="1"/>
+          </p:nvPr>
+        </p:nvSpPr>
+        <p:spPr>
+          <a:prstGeom prst="rect">
+            <a:avLst/>
+          </a:prstGeom>
+        </p:spPr>
+        <p:txBody>
+          <a:bodyPr/>
+          <a:lstStyle/>
+          <a:p>
+            <a:pPr/>
+          </a:p>
+        </p:txBody>
+      </p:sp>
       <p:pic>
         <p:nvPicPr>
-          <p:cNvPr id="196" name="pasted-image.jpeg"/>
+          <p:cNvPr id="282" name="bias-variance.png"/>
           <p:cNvPicPr>
             <a:picLocks noChangeAspect="1"/>
           </p:cNvPicPr>
-          <p:nvPr>
-            <p:ph type="pic" idx="13"/>
-          </p:nvPr>
+          <p:nvPr/>
         </p:nvPicPr>
         <p:blipFill>
           <a:blip r:embed="rId2">
             <a:extLst/>
           </a:blip>
-          <a:srcRect l="29428" t="0" r="29428" b="0"/>
+          <a:srcRect l="47566" t="0" r="0" b="0"/>
           <a:stretch>
             <a:fillRect/>
           </a:stretch>
         </p:blipFill>
         <p:spPr>
-          <a:prstGeom prst="rect">
-            <a:avLst/>
-          </a:prstGeom>
+          <a:xfrm>
+            <a:off x="-366818" y="-55308"/>
+            <a:ext cx="13372183" cy="9563596"/>
+          </a:xfrm>
+          <a:prstGeom prst="rect">
+            <a:avLst/>
+          </a:prstGeom>
+          <a:ln w="12700">
+            <a:miter lim="400000"/>
+          </a:ln>
         </p:spPr>
       </p:pic>
-      <p:sp>
-        <p:nvSpPr>
-          <p:cNvPr id="197" name="Shape 197"/>
+    </p:spTree>
+  </p:cSld>
+  <p:clrMapOvr>
+    <a:masterClrMapping/>
+  </p:clrMapOvr>
+  <p:transition xmlns:p14="http://schemas.microsoft.com/office/powerpoint/2010/main" spd="med" advClick="1"/>
+</p:sld>
+</file>
+
+<file path=ppt/slides/slide31.xml><?xml version="1.0" encoding="utf-8"?>
+<p:sld xmlns:a="http://schemas.openxmlformats.org/drawingml/2006/main" xmlns:r="http://schemas.openxmlformats.org/officeDocument/2006/relationships" xmlns:p="http://schemas.openxmlformats.org/presentationml/2006/main" showMasterSp="1" showMasterPhAnim="1">
+  <p:cSld>
+    <p:spTree>
+      <p:nvGrpSpPr>
+        <p:cNvPr id="1" name=""/>
+        <p:cNvGrpSpPr/>
+        <p:nvPr/>
+      </p:nvGrpSpPr>
+      <p:grpSpPr>
+        <a:xfrm>
+          <a:off x="0" y="0"/>
+          <a:ext cx="0" cy="0"/>
+          <a:chOff x="0" y="0"/>
+          <a:chExt cx="0" cy="0"/>
+        </a:xfrm>
+      </p:grpSpPr>
+      <p:sp>
+        <p:nvSpPr>
+          <p:cNvPr id="284" name="Shape 284"/>
           <p:cNvSpPr/>
           <p:nvPr>
             <p:ph type="title"/>
           </p:nvPr>
         </p:nvSpPr>
         <p:spPr>
+          <a:xfrm>
+            <a:off x="406400" y="1536700"/>
+            <a:ext cx="12192000" cy="1169260"/>
+          </a:xfrm>
           <a:prstGeom prst="rect">
             <a:avLst/>
           </a:prstGeom>
@@ -8322,27 +9159,34 @@
         <p:txBody>
           <a:bodyPr/>
           <a:lstStyle>
-            <a:lvl1pPr>
-              <a:defRPr sz="9600"/>
+            <a:lvl1pPr defTabSz="403097">
+              <a:spcBef>
+                <a:spcPts val="1900"/>
+              </a:spcBef>
+              <a:defRPr sz="8280"/>
             </a:lvl1pPr>
           </a:lstStyle>
           <a:p>
             <a:pPr/>
             <a:r>
-              <a:t>Yellowbrick</a:t>
-            </a:r>
-          </a:p>
-        </p:txBody>
-      </p:sp>
-      <p:sp>
-        <p:nvSpPr>
-          <p:cNvPr id="198" name="Shape 198"/>
+              <a:t>Overfitting</a:t>
+            </a:r>
+          </a:p>
+        </p:txBody>
+      </p:sp>
+      <p:sp>
+        <p:nvSpPr>
+          <p:cNvPr id="285" name="Shape 285"/>
           <p:cNvSpPr/>
           <p:nvPr>
-            <p:ph type="body" sz="quarter" idx="1"/>
+            <p:ph type="body" idx="1"/>
           </p:nvPr>
         </p:nvSpPr>
         <p:spPr>
+          <a:xfrm>
+            <a:off x="406400" y="2570901"/>
+            <a:ext cx="12192000" cy="6465998"/>
+          </a:xfrm>
           <a:prstGeom prst="rect">
             <a:avLst/>
           </a:prstGeom>
@@ -8351,9 +9195,885 @@
           <a:bodyPr/>
           <a:lstStyle/>
           <a:p>
+            <a:pPr marL="705970" indent="-705970">
+              <a:buClrTx/>
+              <a:buSzPct val="40000"/>
+              <a:buFontTx/>
+              <a:buBlip>
+                <a:blip r:embed="rId2"/>
+              </a:buBlip>
+              <a:defRPr sz="6400"/>
+            </a:pPr>
+          </a:p>
+          <a:p>
+            <a:pPr marL="705970" indent="-705970">
+              <a:buClrTx/>
+              <a:buSzPct val="40000"/>
+              <a:buFontTx/>
+              <a:buBlip>
+                <a:blip r:embed="rId2"/>
+              </a:buBlip>
+              <a:defRPr sz="6400"/>
+            </a:pPr>
+            <a:r>
+              <a:t>Model fits training set </a:t>
+            </a:r>
+          </a:p>
+          <a:p>
+            <a:pPr marL="705970" indent="-705970">
+              <a:buClrTx/>
+              <a:buSzPct val="40000"/>
+              <a:buFontTx/>
+              <a:buBlip>
+                <a:blip r:embed="rId2"/>
+              </a:buBlip>
+              <a:defRPr sz="6400"/>
+            </a:pPr>
+            <a:r>
+              <a:t>Complex models overfit data</a:t>
+            </a:r>
+          </a:p>
+        </p:txBody>
+      </p:sp>
+    </p:spTree>
+  </p:cSld>
+  <p:clrMapOvr>
+    <a:masterClrMapping/>
+  </p:clrMapOvr>
+  <p:transition xmlns:p14="http://schemas.microsoft.com/office/powerpoint/2010/main" spd="med" advClick="1"/>
+</p:sld>
+</file>
+
+<file path=ppt/slides/slide32.xml><?xml version="1.0" encoding="utf-8"?>
+<p:sld xmlns:a="http://schemas.openxmlformats.org/drawingml/2006/main" xmlns:r="http://schemas.openxmlformats.org/officeDocument/2006/relationships" xmlns:p="http://schemas.openxmlformats.org/presentationml/2006/main" showMasterSp="1" showMasterPhAnim="1">
+  <p:cSld>
+    <p:spTree>
+      <p:nvGrpSpPr>
+        <p:cNvPr id="1" name=""/>
+        <p:cNvGrpSpPr/>
+        <p:nvPr/>
+      </p:nvGrpSpPr>
+      <p:grpSpPr>
+        <a:xfrm>
+          <a:off x="0" y="0"/>
+          <a:ext cx="0" cy="0"/>
+          <a:chOff x="0" y="0"/>
+          <a:chExt cx="0" cy="0"/>
+        </a:xfrm>
+      </p:grpSpPr>
+      <p:sp>
+        <p:nvSpPr>
+          <p:cNvPr id="287" name="Shape 287"/>
+          <p:cNvSpPr/>
+          <p:nvPr>
+            <p:ph type="title"/>
+          </p:nvPr>
+        </p:nvSpPr>
+        <p:spPr>
+          <a:xfrm>
+            <a:off x="406400" y="1536700"/>
+            <a:ext cx="12192000" cy="1169260"/>
+          </a:xfrm>
+          <a:prstGeom prst="rect">
+            <a:avLst/>
+          </a:prstGeom>
+        </p:spPr>
+        <p:txBody>
+          <a:bodyPr/>
+          <a:lstStyle>
+            <a:lvl1pPr defTabSz="403097">
+              <a:spcBef>
+                <a:spcPts val="1900"/>
+              </a:spcBef>
+              <a:defRPr sz="8280"/>
+            </a:lvl1pPr>
+          </a:lstStyle>
+          <a:p>
             <a:pPr/>
             <a:r>
-              <a:t>Introducing</a:t>
+              <a:t>Validation curve</a:t>
+            </a:r>
+          </a:p>
+        </p:txBody>
+      </p:sp>
+      <p:sp>
+        <p:nvSpPr>
+          <p:cNvPr id="288" name="Shape 288"/>
+          <p:cNvSpPr/>
+          <p:nvPr>
+            <p:ph type="body" idx="1"/>
+          </p:nvPr>
+        </p:nvSpPr>
+        <p:spPr>
+          <a:xfrm>
+            <a:off x="406400" y="2558069"/>
+            <a:ext cx="12192000" cy="5784563"/>
+          </a:xfrm>
+          <a:prstGeom prst="rect">
+            <a:avLst/>
+          </a:prstGeom>
+        </p:spPr>
+        <p:txBody>
+          <a:bodyPr/>
+          <a:lstStyle/>
+          <a:p>
+            <a:pPr marL="705970" indent="-705970">
+              <a:buClrTx/>
+              <a:buSzPct val="40000"/>
+              <a:buFontTx/>
+              <a:buBlip>
+                <a:blip r:embed="rId2"/>
+              </a:buBlip>
+              <a:defRPr sz="6400"/>
+            </a:pPr>
+          </a:p>
+          <a:p>
+            <a:pPr marL="705970" indent="-705970">
+              <a:buClrTx/>
+              <a:buSzPct val="40000"/>
+              <a:buFontTx/>
+              <a:buBlip>
+                <a:blip r:embed="rId2"/>
+              </a:buBlip>
+              <a:defRPr sz="6400"/>
+            </a:pPr>
+            <a:r>
+              <a:t>See if more complex model helps</a:t>
+            </a:r>
+          </a:p>
+          <a:p>
+            <a:pPr marL="705970" indent="-705970">
+              <a:buClrTx/>
+              <a:buSzPct val="40000"/>
+              <a:buFontTx/>
+              <a:buBlip>
+                <a:blip r:embed="rId2"/>
+              </a:buBlip>
+              <a:defRPr sz="6400"/>
+            </a:pPr>
+            <a:r>
+              <a:t>Look for sweet spot in middle</a:t>
+            </a:r>
+          </a:p>
+        </p:txBody>
+      </p:sp>
+    </p:spTree>
+  </p:cSld>
+  <p:clrMapOvr>
+    <a:masterClrMapping/>
+  </p:clrMapOvr>
+  <p:transition xmlns:p14="http://schemas.microsoft.com/office/powerpoint/2010/main" spd="med" advClick="1"/>
+</p:sld>
+</file>
+
+<file path=ppt/slides/slide33.xml><?xml version="1.0" encoding="utf-8"?>
+<p:sld xmlns:a="http://schemas.openxmlformats.org/drawingml/2006/main" xmlns:r="http://schemas.openxmlformats.org/officeDocument/2006/relationships" xmlns:p="http://schemas.openxmlformats.org/presentationml/2006/main" showMasterSp="1" showMasterPhAnim="1">
+  <p:cSld>
+    <p:spTree>
+      <p:nvGrpSpPr>
+        <p:cNvPr id="1" name=""/>
+        <p:cNvGrpSpPr/>
+        <p:nvPr/>
+      </p:nvGrpSpPr>
+      <p:grpSpPr>
+        <a:xfrm>
+          <a:off x="0" y="0"/>
+          <a:ext cx="0" cy="0"/>
+          <a:chOff x="0" y="0"/>
+          <a:chExt cx="0" cy="0"/>
+        </a:xfrm>
+      </p:grpSpPr>
+      <p:sp>
+        <p:nvSpPr>
+          <p:cNvPr id="290" name="Shape 290"/>
+          <p:cNvSpPr/>
+          <p:nvPr>
+            <p:ph type="ctrTitle"/>
+          </p:nvPr>
+        </p:nvSpPr>
+        <p:spPr>
+          <a:prstGeom prst="rect">
+            <a:avLst/>
+          </a:prstGeom>
+        </p:spPr>
+        <p:txBody>
+          <a:bodyPr/>
+          <a:lstStyle/>
+          <a:p>
+            <a:pPr defTabSz="455675">
+              <a:defRPr sz="13259"/>
+            </a:pPr>
+          </a:p>
+        </p:txBody>
+      </p:sp>
+      <p:sp>
+        <p:nvSpPr>
+          <p:cNvPr id="291" name="Shape 291"/>
+          <p:cNvSpPr/>
+          <p:nvPr>
+            <p:ph type="subTitle" sz="quarter" idx="1"/>
+          </p:nvPr>
+        </p:nvSpPr>
+        <p:spPr>
+          <a:prstGeom prst="rect">
+            <a:avLst/>
+          </a:prstGeom>
+        </p:spPr>
+        <p:txBody>
+          <a:bodyPr/>
+          <a:lstStyle/>
+          <a:p>
+            <a:pPr/>
+          </a:p>
+        </p:txBody>
+      </p:sp>
+      <p:pic>
+        <p:nvPicPr>
+          <p:cNvPr id="292" name="validation-curve.png"/>
+          <p:cNvPicPr>
+            <a:picLocks noChangeAspect="1"/>
+          </p:cNvPicPr>
+          <p:nvPr/>
+        </p:nvPicPr>
+        <p:blipFill>
+          <a:blip r:embed="rId2">
+            <a:extLst/>
+          </a:blip>
+          <a:stretch>
+            <a:fillRect/>
+          </a:stretch>
+        </p:blipFill>
+        <p:spPr>
+          <a:xfrm>
+            <a:off x="0" y="406400"/>
+            <a:ext cx="13004801" cy="8940800"/>
+          </a:xfrm>
+          <a:prstGeom prst="rect">
+            <a:avLst/>
+          </a:prstGeom>
+          <a:ln w="12700">
+            <a:miter lim="400000"/>
+          </a:ln>
+        </p:spPr>
+      </p:pic>
+    </p:spTree>
+  </p:cSld>
+  <p:clrMapOvr>
+    <a:masterClrMapping/>
+  </p:clrMapOvr>
+  <p:transition xmlns:p14="http://schemas.microsoft.com/office/powerpoint/2010/main" spd="med" advClick="1"/>
+</p:sld>
+</file>
+
+<file path=ppt/slides/slide34.xml><?xml version="1.0" encoding="utf-8"?>
+<p:sld xmlns:a="http://schemas.openxmlformats.org/drawingml/2006/main" xmlns:r="http://schemas.openxmlformats.org/officeDocument/2006/relationships" xmlns:p="http://schemas.openxmlformats.org/presentationml/2006/main" showMasterSp="1" showMasterPhAnim="1">
+  <p:cSld>
+    <p:spTree>
+      <p:nvGrpSpPr>
+        <p:cNvPr id="1" name=""/>
+        <p:cNvGrpSpPr/>
+        <p:nvPr/>
+      </p:nvGrpSpPr>
+      <p:grpSpPr>
+        <a:xfrm>
+          <a:off x="0" y="0"/>
+          <a:ext cx="0" cy="0"/>
+          <a:chOff x="0" y="0"/>
+          <a:chExt cx="0" cy="0"/>
+        </a:xfrm>
+      </p:grpSpPr>
+      <p:sp>
+        <p:nvSpPr>
+          <p:cNvPr id="294" name="Shape 294"/>
+          <p:cNvSpPr/>
+          <p:nvPr>
+            <p:ph type="title"/>
+          </p:nvPr>
+        </p:nvSpPr>
+        <p:spPr>
+          <a:xfrm>
+            <a:off x="2802101" y="4038600"/>
+            <a:ext cx="7400598" cy="4521200"/>
+          </a:xfrm>
+          <a:prstGeom prst="rect">
+            <a:avLst/>
+          </a:prstGeom>
+        </p:spPr>
+        <p:txBody>
+          <a:bodyPr/>
+          <a:lstStyle/>
+          <a:p>
+            <a:pPr/>
+            <a:r>
+              <a:t>Exercises</a:t>
+            </a:r>
+          </a:p>
+        </p:txBody>
+      </p:sp>
+    </p:spTree>
+  </p:cSld>
+  <p:clrMapOvr>
+    <a:masterClrMapping/>
+  </p:clrMapOvr>
+  <p:transition xmlns:p14="http://schemas.microsoft.com/office/powerpoint/2010/main" spd="med" advClick="1"/>
+</p:sld>
+</file>
+
+<file path=ppt/slides/slide35.xml><?xml version="1.0" encoding="utf-8"?>
+<p:sld xmlns:a="http://schemas.openxmlformats.org/drawingml/2006/main" xmlns:r="http://schemas.openxmlformats.org/officeDocument/2006/relationships" xmlns:p="http://schemas.openxmlformats.org/presentationml/2006/main" showMasterSp="1" showMasterPhAnim="1">
+  <p:cSld>
+    <p:spTree>
+      <p:nvGrpSpPr>
+        <p:cNvPr id="1" name=""/>
+        <p:cNvGrpSpPr/>
+        <p:nvPr/>
+      </p:nvGrpSpPr>
+      <p:grpSpPr>
+        <a:xfrm>
+          <a:off x="0" y="0"/>
+          <a:ext cx="0" cy="0"/>
+          <a:chOff x="0" y="0"/>
+          <a:chExt cx="0" cy="0"/>
+        </a:xfrm>
+      </p:grpSpPr>
+      <p:sp>
+        <p:nvSpPr>
+          <p:cNvPr id="296" name="Shape 296"/>
+          <p:cNvSpPr/>
+          <p:nvPr>
+            <p:ph type="title"/>
+          </p:nvPr>
+        </p:nvSpPr>
+        <p:spPr>
+          <a:xfrm>
+            <a:off x="795866" y="3886200"/>
+            <a:ext cx="12192001" cy="4521200"/>
+          </a:xfrm>
+          <a:prstGeom prst="rect">
+            <a:avLst/>
+          </a:prstGeom>
+        </p:spPr>
+        <p:txBody>
+          <a:bodyPr/>
+          <a:lstStyle/>
+          <a:p>
+            <a:pPr/>
+            <a:r>
+              <a:t>Regularization</a:t>
+            </a:r>
+          </a:p>
+        </p:txBody>
+      </p:sp>
+    </p:spTree>
+  </p:cSld>
+  <p:clrMapOvr>
+    <a:masterClrMapping/>
+  </p:clrMapOvr>
+  <p:transition xmlns:p14="http://schemas.microsoft.com/office/powerpoint/2010/main" spd="med" advClick="1"/>
+</p:sld>
+</file>
+
+<file path=ppt/slides/slide36.xml><?xml version="1.0" encoding="utf-8"?>
+<p:sld xmlns:a="http://schemas.openxmlformats.org/drawingml/2006/main" xmlns:r="http://schemas.openxmlformats.org/officeDocument/2006/relationships" xmlns:p="http://schemas.openxmlformats.org/presentationml/2006/main" showMasterSp="1" showMasterPhAnim="1">
+  <p:cSld>
+    <p:spTree>
+      <p:nvGrpSpPr>
+        <p:cNvPr id="1" name=""/>
+        <p:cNvGrpSpPr/>
+        <p:nvPr/>
+      </p:nvGrpSpPr>
+      <p:grpSpPr>
+        <a:xfrm>
+          <a:off x="0" y="0"/>
+          <a:ext cx="0" cy="0"/>
+          <a:chOff x="0" y="0"/>
+          <a:chExt cx="0" cy="0"/>
+        </a:xfrm>
+      </p:grpSpPr>
+      <p:sp>
+        <p:nvSpPr>
+          <p:cNvPr id="298" name="Shape 298"/>
+          <p:cNvSpPr/>
+          <p:nvPr>
+            <p:ph type="title"/>
+          </p:nvPr>
+        </p:nvSpPr>
+        <p:spPr>
+          <a:xfrm>
+            <a:off x="406400" y="1536700"/>
+            <a:ext cx="12192000" cy="1169261"/>
+          </a:xfrm>
+          <a:prstGeom prst="rect">
+            <a:avLst/>
+          </a:prstGeom>
+        </p:spPr>
+        <p:txBody>
+          <a:bodyPr/>
+          <a:lstStyle>
+            <a:lvl1pPr defTabSz="403097">
+              <a:spcBef>
+                <a:spcPts val="1900"/>
+              </a:spcBef>
+              <a:defRPr sz="8200"/>
+            </a:lvl1pPr>
+          </a:lstStyle>
+          <a:p>
+            <a:pPr/>
+            <a:r>
+              <a:t>regularization</a:t>
+            </a:r>
+          </a:p>
+        </p:txBody>
+      </p:sp>
+      <p:sp>
+        <p:nvSpPr>
+          <p:cNvPr id="299" name="Shape 299"/>
+          <p:cNvSpPr/>
+          <p:nvPr>
+            <p:ph type="body" sz="half" idx="1"/>
+          </p:nvPr>
+        </p:nvSpPr>
+        <p:spPr>
+          <a:xfrm>
+            <a:off x="406400" y="3953767"/>
+            <a:ext cx="12192000" cy="2531602"/>
+          </a:xfrm>
+          <a:prstGeom prst="rect">
+            <a:avLst/>
+          </a:prstGeom>
+        </p:spPr>
+        <p:txBody>
+          <a:bodyPr anchor="t"/>
+          <a:lstStyle/>
+          <a:p>
+            <a:pPr marL="656975" indent="-656975" defTabSz="543656">
+              <a:lnSpc>
+                <a:spcPct val="100000"/>
+              </a:lnSpc>
+              <a:spcBef>
+                <a:spcPts val="2500"/>
+              </a:spcBef>
+              <a:buSzPct val="40000"/>
+              <a:buBlip>
+                <a:blip r:embed="rId2"/>
+              </a:buBlip>
+              <a:defRPr cap="none" spc="0" sz="5940">
+                <a:latin typeface="Avenir Next Medium"/>
+                <a:ea typeface="Avenir Next Medium"/>
+                <a:cs typeface="Avenir Next Medium"/>
+                <a:sym typeface="Avenir Next Medium"/>
+              </a:defRPr>
+            </a:pPr>
+            <a:r>
+              <a:t>Fix what “best-fit” means </a:t>
+            </a:r>
+          </a:p>
+          <a:p>
+            <a:pPr marL="656975" indent="-656975" defTabSz="543656">
+              <a:lnSpc>
+                <a:spcPct val="200000"/>
+              </a:lnSpc>
+              <a:spcBef>
+                <a:spcPts val="2500"/>
+              </a:spcBef>
+              <a:buSzPct val="40000"/>
+              <a:buBlip>
+                <a:blip r:embed="rId2"/>
+              </a:buBlip>
+              <a:defRPr cap="none" spc="0" sz="5940">
+                <a:latin typeface="Avenir Next Medium"/>
+                <a:ea typeface="Avenir Next Medium"/>
+                <a:cs typeface="Avenir Next Medium"/>
+                <a:sym typeface="Avenir Next Medium"/>
+              </a:defRPr>
+            </a:pPr>
+            <a:r>
+              <a:t>Add penalty for complex models</a:t>
+            </a:r>
+          </a:p>
+        </p:txBody>
+      </p:sp>
+    </p:spTree>
+  </p:cSld>
+  <p:clrMapOvr>
+    <a:masterClrMapping/>
+  </p:clrMapOvr>
+  <p:transition xmlns:p14="http://schemas.microsoft.com/office/powerpoint/2010/main" spd="med" advClick="1"/>
+</p:sld>
+</file>
+
+<file path=ppt/slides/slide37.xml><?xml version="1.0" encoding="utf-8"?>
+<p:sld xmlns:a="http://schemas.openxmlformats.org/drawingml/2006/main" xmlns:r="http://schemas.openxmlformats.org/officeDocument/2006/relationships" xmlns:p="http://schemas.openxmlformats.org/presentationml/2006/main" showMasterSp="1" showMasterPhAnim="1">
+  <p:cSld>
+    <p:spTree>
+      <p:nvGrpSpPr>
+        <p:cNvPr id="1" name=""/>
+        <p:cNvGrpSpPr/>
+        <p:nvPr/>
+      </p:nvGrpSpPr>
+      <p:grpSpPr>
+        <a:xfrm>
+          <a:off x="0" y="0"/>
+          <a:ext cx="0" cy="0"/>
+          <a:chOff x="0" y="0"/>
+          <a:chExt cx="0" cy="0"/>
+        </a:xfrm>
+      </p:grpSpPr>
+      <p:sp>
+        <p:nvSpPr>
+          <p:cNvPr id="301" name="Shape 301"/>
+          <p:cNvSpPr/>
+          <p:nvPr>
+            <p:ph type="title"/>
+          </p:nvPr>
+        </p:nvSpPr>
+        <p:spPr>
+          <a:xfrm>
+            <a:off x="406400" y="1536700"/>
+            <a:ext cx="12192000" cy="1169260"/>
+          </a:xfrm>
+          <a:prstGeom prst="rect">
+            <a:avLst/>
+          </a:prstGeom>
+        </p:spPr>
+        <p:txBody>
+          <a:bodyPr/>
+          <a:lstStyle>
+            <a:lvl1pPr defTabSz="403097">
+              <a:spcBef>
+                <a:spcPts val="1900"/>
+              </a:spcBef>
+              <a:defRPr sz="8280"/>
+            </a:lvl1pPr>
+          </a:lstStyle>
+          <a:p>
+            <a:pPr/>
+            <a:r>
+              <a:t>Ridge Regression (L2)</a:t>
+            </a:r>
+          </a:p>
+        </p:txBody>
+      </p:sp>
+      <p:sp>
+        <p:nvSpPr>
+          <p:cNvPr id="302" name="Shape 302"/>
+          <p:cNvSpPr/>
+          <p:nvPr>
+            <p:ph type="body" idx="1"/>
+          </p:nvPr>
+        </p:nvSpPr>
+        <p:spPr>
+          <a:xfrm>
+            <a:off x="406400" y="2558069"/>
+            <a:ext cx="12192000" cy="5784563"/>
+          </a:xfrm>
+          <a:prstGeom prst="rect">
+            <a:avLst/>
+          </a:prstGeom>
+        </p:spPr>
+        <p:txBody>
+          <a:bodyPr/>
+          <a:lstStyle/>
+          <a:p>
+            <a:pPr marL="684791" indent="-684791" defTabSz="566674">
+              <a:spcBef>
+                <a:spcPts val="2700"/>
+              </a:spcBef>
+              <a:buClrTx/>
+              <a:buSzPct val="40000"/>
+              <a:buFontTx/>
+              <a:buBlip>
+                <a:blip r:embed="rId2"/>
+              </a:buBlip>
+              <a:defRPr sz="6208"/>
+            </a:pPr>
+          </a:p>
+          <a:p>
+            <a:pPr marL="684791" indent="-684791" defTabSz="566674">
+              <a:spcBef>
+                <a:spcPts val="2700"/>
+              </a:spcBef>
+              <a:buClrTx/>
+              <a:buSzPct val="40000"/>
+              <a:buFontTx/>
+              <a:buBlip>
+                <a:blip r:embed="rId2"/>
+              </a:buBlip>
+              <a:defRPr sz="6208"/>
+            </a:pPr>
+            <a:r>
+              <a:t>sum(model.coef_**2)</a:t>
+            </a:r>
+          </a:p>
+          <a:p>
+            <a:pPr marL="684791" indent="-684791" defTabSz="566674">
+              <a:spcBef>
+                <a:spcPts val="2700"/>
+              </a:spcBef>
+              <a:buClrTx/>
+              <a:buSzPct val="40000"/>
+              <a:buFontTx/>
+              <a:buBlip>
+                <a:blip r:embed="rId2"/>
+              </a:buBlip>
+              <a:defRPr sz="6208"/>
+            </a:pPr>
+            <a:r>
+              <a:t>Low-signal features will have smaller and smaller coefficients</a:t>
+            </a:r>
+          </a:p>
+        </p:txBody>
+      </p:sp>
+    </p:spTree>
+  </p:cSld>
+  <p:clrMapOvr>
+    <a:masterClrMapping/>
+  </p:clrMapOvr>
+  <p:transition xmlns:p14="http://schemas.microsoft.com/office/powerpoint/2010/main" spd="med" advClick="1"/>
+</p:sld>
+</file>
+
+<file path=ppt/slides/slide38.xml><?xml version="1.0" encoding="utf-8"?>
+<p:sld xmlns:a="http://schemas.openxmlformats.org/drawingml/2006/main" xmlns:r="http://schemas.openxmlformats.org/officeDocument/2006/relationships" xmlns:p="http://schemas.openxmlformats.org/presentationml/2006/main" showMasterSp="1" showMasterPhAnim="1">
+  <p:cSld>
+    <p:spTree>
+      <p:nvGrpSpPr>
+        <p:cNvPr id="1" name=""/>
+        <p:cNvGrpSpPr/>
+        <p:nvPr/>
+      </p:nvGrpSpPr>
+      <p:grpSpPr>
+        <a:xfrm>
+          <a:off x="0" y="0"/>
+          <a:ext cx="0" cy="0"/>
+          <a:chOff x="0" y="0"/>
+          <a:chExt cx="0" cy="0"/>
+        </a:xfrm>
+      </p:grpSpPr>
+      <p:sp>
+        <p:nvSpPr>
+          <p:cNvPr id="304" name="Shape 304"/>
+          <p:cNvSpPr/>
+          <p:nvPr>
+            <p:ph type="title"/>
+          </p:nvPr>
+        </p:nvSpPr>
+        <p:spPr>
+          <a:xfrm>
+            <a:off x="406400" y="1536700"/>
+            <a:ext cx="12192000" cy="1169260"/>
+          </a:xfrm>
+          <a:prstGeom prst="rect">
+            <a:avLst/>
+          </a:prstGeom>
+        </p:spPr>
+        <p:txBody>
+          <a:bodyPr/>
+          <a:lstStyle>
+            <a:lvl1pPr defTabSz="403097">
+              <a:spcBef>
+                <a:spcPts val="1900"/>
+              </a:spcBef>
+              <a:defRPr sz="8280"/>
+            </a:lvl1pPr>
+          </a:lstStyle>
+          <a:p>
+            <a:pPr/>
+            <a:r>
+              <a:t>Lasso Regression (L1)</a:t>
+            </a:r>
+          </a:p>
+        </p:txBody>
+      </p:sp>
+      <p:sp>
+        <p:nvSpPr>
+          <p:cNvPr id="305" name="Shape 305"/>
+          <p:cNvSpPr/>
+          <p:nvPr>
+            <p:ph type="body" idx="1"/>
+          </p:nvPr>
+        </p:nvSpPr>
+        <p:spPr>
+          <a:xfrm>
+            <a:off x="406400" y="2558069"/>
+            <a:ext cx="12192000" cy="5784563"/>
+          </a:xfrm>
+          <a:prstGeom prst="rect">
+            <a:avLst/>
+          </a:prstGeom>
+        </p:spPr>
+        <p:txBody>
+          <a:bodyPr/>
+          <a:lstStyle/>
+          <a:p>
+            <a:pPr marL="705970" indent="-705970">
+              <a:buClrTx/>
+              <a:buSzPct val="40000"/>
+              <a:buFontTx/>
+              <a:buBlip>
+                <a:blip r:embed="rId2"/>
+              </a:buBlip>
+              <a:defRPr sz="6400"/>
+            </a:pPr>
+          </a:p>
+          <a:p>
+            <a:pPr marL="705970" indent="-705970">
+              <a:buClrTx/>
+              <a:buSzPct val="40000"/>
+              <a:buFontTx/>
+              <a:buBlip>
+                <a:blip r:embed="rId2"/>
+              </a:buBlip>
+              <a:defRPr sz="6400"/>
+            </a:pPr>
+            <a:r>
+              <a:t>sum(abs(model.coef_))</a:t>
+            </a:r>
+          </a:p>
+          <a:p>
+            <a:pPr marL="705970" indent="-705970">
+              <a:buClrTx/>
+              <a:buSzPct val="40000"/>
+              <a:buFontTx/>
+              <a:buBlip>
+                <a:blip r:embed="rId2"/>
+              </a:buBlip>
+              <a:defRPr sz="6400"/>
+            </a:pPr>
+            <a:r>
+              <a:t>Low-signal features will end up with coefficients of 0</a:t>
+            </a:r>
+          </a:p>
+        </p:txBody>
+      </p:sp>
+    </p:spTree>
+  </p:cSld>
+  <p:clrMapOvr>
+    <a:masterClrMapping/>
+  </p:clrMapOvr>
+  <p:transition xmlns:p14="http://schemas.microsoft.com/office/powerpoint/2010/main" spd="med" advClick="1"/>
+</p:sld>
+</file>
+
+<file path=ppt/slides/slide39.xml><?xml version="1.0" encoding="utf-8"?>
+<p:sld xmlns:a="http://schemas.openxmlformats.org/drawingml/2006/main" xmlns:r="http://schemas.openxmlformats.org/officeDocument/2006/relationships" xmlns:p="http://schemas.openxmlformats.org/presentationml/2006/main" showMasterSp="1" showMasterPhAnim="1">
+  <p:cSld>
+    <p:spTree>
+      <p:nvGrpSpPr>
+        <p:cNvPr id="1" name=""/>
+        <p:cNvGrpSpPr/>
+        <p:nvPr/>
+      </p:nvGrpSpPr>
+      <p:grpSpPr>
+        <a:xfrm>
+          <a:off x="0" y="0"/>
+          <a:ext cx="0" cy="0"/>
+          <a:chOff x="0" y="0"/>
+          <a:chExt cx="0" cy="0"/>
+        </a:xfrm>
+      </p:grpSpPr>
+      <p:sp>
+        <p:nvSpPr>
+          <p:cNvPr id="307" name="Shape 307"/>
+          <p:cNvSpPr/>
+          <p:nvPr>
+            <p:ph type="title"/>
+          </p:nvPr>
+        </p:nvSpPr>
+        <p:spPr>
+          <a:xfrm>
+            <a:off x="406400" y="1536700"/>
+            <a:ext cx="12192000" cy="1169261"/>
+          </a:xfrm>
+          <a:prstGeom prst="rect">
+            <a:avLst/>
+          </a:prstGeom>
+        </p:spPr>
+        <p:txBody>
+          <a:bodyPr/>
+          <a:lstStyle>
+            <a:lvl1pPr defTabSz="403097">
+              <a:spcBef>
+                <a:spcPts val="1900"/>
+              </a:spcBef>
+              <a:defRPr sz="8200"/>
+            </a:lvl1pPr>
+          </a:lstStyle>
+          <a:p>
+            <a:pPr/>
+            <a:r>
+              <a:t>Alpha parameter</a:t>
+            </a:r>
+          </a:p>
+        </p:txBody>
+      </p:sp>
+      <p:sp>
+        <p:nvSpPr>
+          <p:cNvPr id="308" name="Shape 308"/>
+          <p:cNvSpPr/>
+          <p:nvPr>
+            <p:ph type="body" idx="1"/>
+          </p:nvPr>
+        </p:nvSpPr>
+        <p:spPr>
+          <a:xfrm>
+            <a:off x="406400" y="3953767"/>
+            <a:ext cx="12192000" cy="4437065"/>
+          </a:xfrm>
+          <a:prstGeom prst="rect">
+            <a:avLst/>
+          </a:prstGeom>
+        </p:spPr>
+        <p:txBody>
+          <a:bodyPr anchor="t"/>
+          <a:lstStyle/>
+          <a:p>
+            <a:pPr marL="637067" indent="-637067" defTabSz="527182">
+              <a:lnSpc>
+                <a:spcPct val="100000"/>
+              </a:lnSpc>
+              <a:spcBef>
+                <a:spcPts val="2400"/>
+              </a:spcBef>
+              <a:buSzPct val="40000"/>
+              <a:buBlip>
+                <a:blip r:embed="rId2"/>
+              </a:buBlip>
+              <a:defRPr cap="none" spc="0" sz="5760">
+                <a:latin typeface="Avenir Next Medium"/>
+                <a:ea typeface="Avenir Next Medium"/>
+                <a:cs typeface="Avenir Next Medium"/>
+                <a:sym typeface="Avenir Next Medium"/>
+              </a:defRPr>
+            </a:pPr>
+            <a:r>
+              <a:t>Changes how heavily we weight regularization</a:t>
+            </a:r>
+          </a:p>
+          <a:p>
+            <a:pPr marL="637067" indent="-637067" defTabSz="527182">
+              <a:lnSpc>
+                <a:spcPct val="100000"/>
+              </a:lnSpc>
+              <a:spcBef>
+                <a:spcPts val="2400"/>
+              </a:spcBef>
+              <a:buSzPct val="40000"/>
+              <a:buBlip>
+                <a:blip r:embed="rId2"/>
+              </a:buBlip>
+              <a:defRPr cap="none" spc="0" sz="5760">
+                <a:latin typeface="Avenir Next Medium"/>
+                <a:ea typeface="Avenir Next Medium"/>
+                <a:cs typeface="Avenir Next Medium"/>
+                <a:sym typeface="Avenir Next Medium"/>
+              </a:defRPr>
+            </a:pPr>
+            <a:r>
+              <a:t>Can test different values </a:t>
+            </a:r>
+            <a:r>
+              <a:t>with validation curve!</a:t>
             </a:r>
           </a:p>
         </p:txBody>
@@ -8386,7 +10106,7 @@
       </p:grpSpPr>
       <p:sp>
         <p:nvSpPr>
-          <p:cNvPr id="200" name="Shape 200"/>
+          <p:cNvPr id="199" name="Shape 199"/>
           <p:cNvSpPr/>
           <p:nvPr>
             <p:ph type="title"/>
@@ -8414,75 +10134,123 @@
           <a:p>
             <a:pPr/>
             <a:r>
-              <a:t>Yellowbrick</a:t>
-            </a:r>
-          </a:p>
-        </p:txBody>
-      </p:sp>
-      <p:sp>
-        <p:nvSpPr>
-          <p:cNvPr id="201" name="Shape 201"/>
-          <p:cNvSpPr/>
-          <p:nvPr>
-            <p:ph type="body" sz="half" idx="1"/>
-          </p:nvPr>
+              <a:t>Feature Matrix, Target Vector</a:t>
+            </a:r>
+          </a:p>
+        </p:txBody>
+      </p:sp>
+      <p:sp>
+        <p:nvSpPr>
+          <p:cNvPr id="200" name="Shape 200"/>
+          <p:cNvSpPr/>
+          <p:nvPr/>
         </p:nvSpPr>
         <p:spPr>
           <a:xfrm>
-            <a:off x="406400" y="4538100"/>
-            <a:ext cx="12192000" cy="2531601"/>
-          </a:xfrm>
-          <a:prstGeom prst="rect">
-            <a:avLst/>
-          </a:prstGeom>
-        </p:spPr>
-        <p:txBody>
-          <a:bodyPr anchor="t"/>
+            <a:off x="596105" y="4053570"/>
+            <a:ext cx="9848107" cy="3187701"/>
+          </a:xfrm>
+          <a:prstGeom prst="rect">
+            <a:avLst/>
+          </a:prstGeom>
+          <a:ln w="12700">
+            <a:miter lim="400000"/>
+          </a:ln>
+          <a:extLst>
+            <a:ext uri="{C572A759-6A51-4108-AA02-DFA0A04FC94B}">
+              <ma14:wrappingTextBoxFlag xmlns:ma14="http://schemas.microsoft.com/office/mac/drawingml/2011/main" val="1"/>
+            </a:ext>
+          </a:extLst>
+        </p:spPr>
+        <p:txBody>
+          <a:bodyPr wrap="none" lIns="50800" tIns="50800" rIns="50800" bIns="50800" anchor="ctr">
+            <a:spAutoFit/>
+          </a:bodyPr>
           <a:lstStyle/>
           <a:p>
-            <a:pPr marL="550656" indent="-550656" defTabSz="455674">
-              <a:lnSpc>
-                <a:spcPct val="100000"/>
-              </a:lnSpc>
-              <a:spcBef>
-                <a:spcPts val="2100"/>
-              </a:spcBef>
-              <a:buSzPct val="40000"/>
-              <a:buBlip>
-                <a:blip r:embed="rId2"/>
-              </a:buBlip>
-              <a:defRPr cap="none" spc="0" sz="4900">
-                <a:latin typeface="Avenir Next Medium"/>
-                <a:ea typeface="Avenir Next Medium"/>
-                <a:cs typeface="Avenir Next Medium"/>
-                <a:sym typeface="Avenir Next Medium"/>
+            <a:pPr>
+              <a:defRPr sz="5400">
+                <a:solidFill>
+                  <a:srgbClr val="838787"/>
+                </a:solidFill>
+                <a:latin typeface="Anonymous Pro for Powerline"/>
+                <a:ea typeface="Anonymous Pro for Powerline"/>
+                <a:cs typeface="Anonymous Pro for Powerline"/>
+                <a:sym typeface="Anonymous Pro for Powerline"/>
               </a:defRPr>
             </a:pPr>
             <a:r>
-              <a:t>Auto-generates visualizations!</a:t>
-            </a:r>
-          </a:p>
-          <a:p>
-            <a:pPr marL="550656" indent="-550656" defTabSz="455674">
-              <a:lnSpc>
-                <a:spcPct val="100000"/>
-              </a:lnSpc>
-              <a:spcBef>
-                <a:spcPts val="2100"/>
-              </a:spcBef>
-              <a:buSzPct val="40000"/>
-              <a:buBlip>
-                <a:blip r:embed="rId2"/>
-              </a:buBlip>
-              <a:defRPr cap="none" spc="0" sz="4900">
-                <a:latin typeface="Avenir Next Medium"/>
-                <a:ea typeface="Avenir Next Medium"/>
-                <a:cs typeface="Avenir Next Medium"/>
-                <a:sym typeface="Avenir Next Medium"/>
+              <a:t>X = df.drop(['price'], 1)</a:t>
+            </a:r>
+          </a:p>
+          <a:p>
+            <a:pPr>
+              <a:defRPr sz="5400">
+                <a:solidFill>
+                  <a:srgbClr val="838787"/>
+                </a:solidFill>
+                <a:latin typeface="Anonymous Pro for Powerline"/>
+                <a:ea typeface="Anonymous Pro for Powerline"/>
+                <a:cs typeface="Anonymous Pro for Powerline"/>
+                <a:sym typeface="Anonymous Pro for Powerline"/>
               </a:defRPr>
             </a:pPr>
             <a:r>
-              <a:t>Built to integrate with scikit-learn</a:t>
+              <a:t>y = df['price']</a:t>
+            </a:r>
+          </a:p>
+        </p:txBody>
+      </p:sp>
+    </p:spTree>
+  </p:cSld>
+  <p:clrMapOvr>
+    <a:masterClrMapping/>
+  </p:clrMapOvr>
+  <p:transition xmlns:p14="http://schemas.microsoft.com/office/powerpoint/2010/main" spd="med" advClick="1"/>
+</p:sld>
+</file>
+
+<file path=ppt/slides/slide40.xml><?xml version="1.0" encoding="utf-8"?>
+<p:sld xmlns:a="http://schemas.openxmlformats.org/drawingml/2006/main" xmlns:r="http://schemas.openxmlformats.org/officeDocument/2006/relationships" xmlns:p="http://schemas.openxmlformats.org/presentationml/2006/main" showMasterSp="1" showMasterPhAnim="1">
+  <p:cSld>
+    <p:spTree>
+      <p:nvGrpSpPr>
+        <p:cNvPr id="1" name=""/>
+        <p:cNvGrpSpPr/>
+        <p:nvPr/>
+      </p:nvGrpSpPr>
+      <p:grpSpPr>
+        <a:xfrm>
+          <a:off x="0" y="0"/>
+          <a:ext cx="0" cy="0"/>
+          <a:chOff x="0" y="0"/>
+          <a:chExt cx="0" cy="0"/>
+        </a:xfrm>
+      </p:grpSpPr>
+      <p:sp>
+        <p:nvSpPr>
+          <p:cNvPr id="310" name="Shape 310"/>
+          <p:cNvSpPr/>
+          <p:nvPr>
+            <p:ph type="title"/>
+          </p:nvPr>
+        </p:nvSpPr>
+        <p:spPr>
+          <a:xfrm>
+            <a:off x="2802101" y="4038600"/>
+            <a:ext cx="7400598" cy="4521200"/>
+          </a:xfrm>
+          <a:prstGeom prst="rect">
+            <a:avLst/>
+          </a:prstGeom>
+        </p:spPr>
+        <p:txBody>
+          <a:bodyPr/>
+          <a:lstStyle/>
+          <a:p>
+            <a:pPr/>
+            <a:r>
+              <a:t>Exercises</a:t>
             </a:r>
           </a:p>
         </p:txBody>
@@ -8515,7 +10283,7 @@
       </p:grpSpPr>
       <p:sp>
         <p:nvSpPr>
-          <p:cNvPr id="203" name="Shape 203"/>
+          <p:cNvPr id="202" name="Shape 202"/>
           <p:cNvSpPr/>
           <p:nvPr>
             <p:ph type="title"/>
@@ -8543,21 +10311,21 @@
           <a:p>
             <a:pPr/>
             <a:r>
-              <a:t>Example from data</a:t>
-            </a:r>
-          </a:p>
-        </p:txBody>
-      </p:sp>
-      <p:sp>
-        <p:nvSpPr>
-          <p:cNvPr id="204" name="Shape 204"/>
+              <a:t>Training Set, Test Set</a:t>
+            </a:r>
+          </a:p>
+        </p:txBody>
+      </p:sp>
+      <p:sp>
+        <p:nvSpPr>
+          <p:cNvPr id="203" name="Shape 203"/>
           <p:cNvSpPr/>
           <p:nvPr/>
         </p:nvSpPr>
         <p:spPr>
           <a:xfrm>
-            <a:off x="443705" y="3236536"/>
-            <a:ext cx="11650664" cy="5295901"/>
+            <a:off x="596105" y="4771119"/>
+            <a:ext cx="13055601" cy="1752601"/>
           </a:xfrm>
           <a:prstGeom prst="rect">
             <a:avLst/>
@@ -8578,7 +10346,7 @@
           <a:lstStyle/>
           <a:p>
             <a:pPr>
-              <a:defRPr sz="6400">
+              <a:defRPr sz="5400">
                 <a:solidFill>
                   <a:srgbClr val="838787"/>
                 </a:solidFill>
@@ -8589,52 +10357,15 @@
               </a:defRPr>
             </a:pPr>
             <a:r>
-              <a:t>from yellowbrick.features import rank2d</a:t>
-            </a:r>
-          </a:p>
-          <a:p>
-            <a:pPr>
-              <a:defRPr sz="2400">
-                <a:solidFill>
-                  <a:srgbClr val="838787"/>
-                </a:solidFill>
-                <a:latin typeface="Anonymous Pro for Powerline"/>
-                <a:ea typeface="Anonymous Pro for Powerline"/>
-                <a:cs typeface="Anonymous Pro for Powerline"/>
-                <a:sym typeface="Anonymous Pro for Powerline"/>
-              </a:defRPr>
-            </a:pPr>
-          </a:p>
-          <a:p>
-            <a:pPr lvl="1">
-              <a:defRPr sz="6400">
-                <a:solidFill>
-                  <a:srgbClr val="838787"/>
-                </a:solidFill>
-                <a:latin typeface="Anonymous Pro for Powerline"/>
-                <a:ea typeface="Anonymous Pro for Powerline"/>
-                <a:cs typeface="Anonymous Pro for Powerline"/>
-                <a:sym typeface="Anonymous Pro for Powerline"/>
-              </a:defRPr>
-            </a:pPr>
-            <a:r>
-              <a:t>visualizer = rank2D(X)</a:t>
-            </a:r>
-          </a:p>
-          <a:p>
-            <a:pPr>
-              <a:defRPr sz="6400">
-                <a:solidFill>
-                  <a:srgbClr val="838787"/>
-                </a:solidFill>
-                <a:latin typeface="Anonymous Pro for Powerline"/>
-                <a:ea typeface="Anonymous Pro for Powerline"/>
-                <a:cs typeface="Anonymous Pro for Powerline"/>
-                <a:sym typeface="Anonymous Pro for Powerline"/>
-              </a:defRPr>
-            </a:pPr>
-            <a:r>
-              <a:t>visualizer.poof()</a:t>
+              <a:t>X_train, X_test, y_train, y_test = = </a:t>
+            </a:r>
+            <a:r>
+              <a:rPr>
+                <a:solidFill>
+                  <a:schemeClr val="accent3"/>
+                </a:solidFill>
+              </a:rPr>
+              <a:t>train_test_split(X, y)</a:t>
             </a:r>
           </a:p>
         </p:txBody>
@@ -8665,35 +10396,119 @@
           <a:chExt cx="0" cy="0"/>
         </a:xfrm>
       </p:grpSpPr>
-      <p:pic>
-        <p:nvPicPr>
-          <p:cNvPr id="206" name="correlation.png"/>
-          <p:cNvPicPr>
-            <a:picLocks noChangeAspect="1"/>
-          </p:cNvPicPr>
-          <p:nvPr/>
-        </p:nvPicPr>
-        <p:blipFill>
-          <a:blip r:embed="rId2">
-            <a:extLst/>
-          </a:blip>
-          <a:stretch>
-            <a:fillRect/>
-          </a:stretch>
-        </p:blipFill>
+      <p:sp>
+        <p:nvSpPr>
+          <p:cNvPr id="205" name="Shape 205"/>
+          <p:cNvSpPr/>
+          <p:nvPr>
+            <p:ph type="title"/>
+          </p:nvPr>
+        </p:nvSpPr>
         <p:spPr>
           <a:xfrm>
-            <a:off x="372533" y="609600"/>
-            <a:ext cx="12259734" cy="8428567"/>
-          </a:xfrm>
-          <a:prstGeom prst="rect">
-            <a:avLst/>
-          </a:prstGeom>
-          <a:ln w="12700">
-            <a:miter lim="400000"/>
-          </a:ln>
-        </p:spPr>
-      </p:pic>
+            <a:off x="406400" y="1536700"/>
+            <a:ext cx="12192000" cy="1169260"/>
+          </a:xfrm>
+          <a:prstGeom prst="rect">
+            <a:avLst/>
+          </a:prstGeom>
+        </p:spPr>
+        <p:txBody>
+          <a:bodyPr/>
+          <a:lstStyle>
+            <a:lvl1pPr defTabSz="403097">
+              <a:spcBef>
+                <a:spcPts val="1900"/>
+              </a:spcBef>
+              <a:defRPr sz="8280"/>
+            </a:lvl1pPr>
+          </a:lstStyle>
+          <a:p>
+            <a:pPr/>
+            <a:r>
+              <a:t>One-hot encoding</a:t>
+            </a:r>
+          </a:p>
+        </p:txBody>
+      </p:sp>
+      <p:sp>
+        <p:nvSpPr>
+          <p:cNvPr id="206" name="Shape 206"/>
+          <p:cNvSpPr/>
+          <p:nvPr>
+            <p:ph type="body" idx="1"/>
+          </p:nvPr>
+        </p:nvSpPr>
+        <p:spPr>
+          <a:xfrm>
+            <a:off x="224565" y="3362306"/>
+            <a:ext cx="12555671" cy="5610529"/>
+          </a:xfrm>
+          <a:prstGeom prst="rect">
+            <a:avLst/>
+          </a:prstGeom>
+        </p:spPr>
+        <p:txBody>
+          <a:bodyPr/>
+          <a:lstStyle/>
+          <a:p>
+            <a:pPr marL="649492" indent="-649492" defTabSz="537463">
+              <a:spcBef>
+                <a:spcPts val="2500"/>
+              </a:spcBef>
+              <a:buClrTx/>
+              <a:buSzPct val="40000"/>
+              <a:buFontTx/>
+              <a:buBlip>
+                <a:blip r:embed="rId2"/>
+              </a:buBlip>
+              <a:defRPr sz="5888"/>
+            </a:pPr>
+            <a:r>
+              <a:t>Creates a 1-or-0 column for </a:t>
+            </a:r>
+            <a:r>
+              <a:rPr>
+                <a:solidFill>
+                  <a:schemeClr val="accent3"/>
+                </a:solidFill>
+              </a:rPr>
+              <a:t>each unique value</a:t>
+            </a:r>
+            <a:r>
+              <a:t> in categorical </a:t>
+            </a:r>
+          </a:p>
+          <a:p>
+            <a:pPr marL="649492" indent="-649492" defTabSz="537463">
+              <a:spcBef>
+                <a:spcPts val="2500"/>
+              </a:spcBef>
+              <a:buClrTx/>
+              <a:buSzPct val="40000"/>
+              <a:buFontTx/>
+              <a:buBlip>
+                <a:blip r:embed="rId2"/>
+              </a:buBlip>
+              <a:defRPr sz="5888"/>
+            </a:pPr>
+            <a:r>
+              <a:t>Per row, </a:t>
+            </a:r>
+            <a:r>
+              <a:rPr>
+                <a:solidFill>
+                  <a:schemeClr val="accent3"/>
+                </a:solidFill>
+              </a:rPr>
+              <a:t>only one</a:t>
+            </a:r>
+            <a:r>
+              <a:t> of the new columns will be positive, hence “one-hot”</a:t>
+            </a:r>
+          </a:p>
+        </p:txBody>
+      </p:sp>
     </p:spTree>
   </p:cSld>
   <p:clrMapOvr>
@@ -8750,7 +10565,7 @@
           <a:p>
             <a:pPr/>
             <a:r>
-              <a:t>Example from Model</a:t>
+              <a:t>Columns based on unique values</a:t>
             </a:r>
           </a:p>
         </p:txBody>
@@ -8763,8 +10578,8 @@
         </p:nvSpPr>
         <p:spPr>
           <a:xfrm>
-            <a:off x="426772" y="3448203"/>
-            <a:ext cx="12981782" cy="5143501"/>
+            <a:off x="426772" y="4991253"/>
+            <a:ext cx="7227467" cy="2057401"/>
           </a:xfrm>
           <a:prstGeom prst="rect">
             <a:avLst/>
@@ -8785,7 +10600,7 @@
           <a:lstStyle/>
           <a:p>
             <a:pPr>
-              <a:defRPr sz="6400">
+              <a:defRPr sz="5400">
                 <a:solidFill>
                   <a:srgbClr val="838787"/>
                 </a:solidFill>
@@ -8796,52 +10611,15 @@
               </a:defRPr>
             </a:pPr>
             <a:r>
-              <a:t>from yellowbrick.regressor import ResidualsPlot</a:t>
-            </a:r>
-          </a:p>
-          <a:p>
-            <a:pPr>
-              <a:defRPr sz="1400">
-                <a:solidFill>
-                  <a:srgbClr val="838787"/>
-                </a:solidFill>
-                <a:latin typeface="Anonymous Pro for Powerline"/>
-                <a:ea typeface="Anonymous Pro for Powerline"/>
-                <a:cs typeface="Anonymous Pro for Powerline"/>
-                <a:sym typeface="Anonymous Pro for Powerline"/>
-              </a:defRPr>
-            </a:pPr>
-          </a:p>
-          <a:p>
-            <a:pPr>
-              <a:defRPr sz="6400">
-                <a:solidFill>
-                  <a:srgbClr val="838787"/>
-                </a:solidFill>
-                <a:latin typeface="Anonymous Pro for Powerline"/>
-                <a:ea typeface="Anonymous Pro for Powerline"/>
-                <a:cs typeface="Anonymous Pro for Powerline"/>
-                <a:sym typeface="Anonymous Pro for Powerline"/>
-              </a:defRPr>
-            </a:pPr>
-            <a:r>
-              <a:t>model = ResidualsPlot(model)</a:t>
-            </a:r>
-          </a:p>
-          <a:p>
-            <a:pPr>
-              <a:defRPr sz="6400">
-                <a:solidFill>
-                  <a:srgbClr val="838787"/>
-                </a:solidFill>
-                <a:latin typeface="Anonymous Pro for Powerline"/>
-                <a:ea typeface="Anonymous Pro for Powerline"/>
-                <a:cs typeface="Anonymous Pro for Powerline"/>
-                <a:sym typeface="Anonymous Pro for Powerline"/>
-              </a:defRPr>
-            </a:pPr>
-            <a:r>
-              <a:t>...</a:t>
+              <a:t>transformer</a:t>
+            </a:r>
+            <a:r>
+              <a:rPr>
+                <a:solidFill>
+                  <a:schemeClr val="accent3"/>
+                </a:solidFill>
+              </a:rPr>
+              <a:t>.fit(X)</a:t>
             </a:r>
           </a:p>
         </p:txBody>
@@ -8872,26 +10650,51 @@
           <a:chExt cx="0" cy="0"/>
         </a:xfrm>
       </p:grpSpPr>
-      <p:pic>
-        <p:nvPicPr>
-          <p:cNvPr id="211" name="residuals.png"/>
-          <p:cNvPicPr>
-            <a:picLocks noChangeAspect="1"/>
-          </p:cNvPicPr>
+      <p:sp>
+        <p:nvSpPr>
+          <p:cNvPr id="211" name="Shape 211"/>
+          <p:cNvSpPr/>
+          <p:nvPr>
+            <p:ph type="title"/>
+          </p:nvPr>
+        </p:nvSpPr>
+        <p:spPr>
+          <a:xfrm>
+            <a:off x="406400" y="1536700"/>
+            <a:ext cx="12192000" cy="1169261"/>
+          </a:xfrm>
+          <a:prstGeom prst="rect">
+            <a:avLst/>
+          </a:prstGeom>
+        </p:spPr>
+        <p:txBody>
+          <a:bodyPr/>
+          <a:lstStyle>
+            <a:lvl1pPr defTabSz="403097">
+              <a:spcBef>
+                <a:spcPts val="1900"/>
+              </a:spcBef>
+              <a:defRPr sz="8200"/>
+            </a:lvl1pPr>
+          </a:lstStyle>
+          <a:p>
+            <a:pPr/>
+            <a:r>
+              <a:t>Map rows into new encoding</a:t>
+            </a:r>
+          </a:p>
+        </p:txBody>
+      </p:sp>
+      <p:sp>
+        <p:nvSpPr>
+          <p:cNvPr id="212" name="Shape 212"/>
+          <p:cNvSpPr/>
           <p:nvPr/>
-        </p:nvPicPr>
-        <p:blipFill>
-          <a:blip r:embed="rId2">
-            <a:extLst/>
-          </a:blip>
-          <a:stretch>
-            <a:fillRect/>
-          </a:stretch>
-        </p:blipFill>
+        </p:nvSpPr>
         <p:spPr>
           <a:xfrm>
-            <a:off x="423333" y="581024"/>
-            <a:ext cx="12192002" cy="8382002"/>
+            <a:off x="426772" y="4991253"/>
+            <a:ext cx="9473730" cy="2057401"/>
           </a:xfrm>
           <a:prstGeom prst="rect">
             <a:avLst/>
@@ -8899,8 +10702,43 @@
           <a:ln w="12700">
             <a:miter lim="400000"/>
           </a:ln>
-        </p:spPr>
-      </p:pic>
+          <a:extLst>
+            <a:ext uri="{C572A759-6A51-4108-AA02-DFA0A04FC94B}">
+              <ma14:wrappingTextBoxFlag xmlns:ma14="http://schemas.microsoft.com/office/mac/drawingml/2011/main" val="1"/>
+            </a:ext>
+          </a:extLst>
+        </p:spPr>
+        <p:txBody>
+          <a:bodyPr wrap="none" lIns="50800" tIns="50800" rIns="50800" bIns="50800" anchor="ctr">
+            <a:spAutoFit/>
+          </a:bodyPr>
+          <a:lstStyle/>
+          <a:p>
+            <a:pPr>
+              <a:defRPr sz="5400">
+                <a:solidFill>
+                  <a:srgbClr val="838787"/>
+                </a:solidFill>
+                <a:latin typeface="Anonymous Pro for Powerline"/>
+                <a:ea typeface="Anonymous Pro for Powerline"/>
+                <a:cs typeface="Anonymous Pro for Powerline"/>
+                <a:sym typeface="Anonymous Pro for Powerline"/>
+              </a:defRPr>
+            </a:pPr>
+            <a:r>
+              <a:t>transformer</a:t>
+            </a:r>
+            <a:r>
+              <a:rPr>
+                <a:solidFill>
+                  <a:schemeClr val="accent3"/>
+                </a:solidFill>
+              </a:rPr>
+              <a:t>.transform(X)</a:t>
+            </a:r>
+          </a:p>
+        </p:txBody>
+      </p:sp>
     </p:spTree>
   </p:cSld>
   <p:clrMapOvr>
@@ -8911,7 +10749,7 @@
 </file>
 
 <file path=ppt/slides/slide9.xml><?xml version="1.0" encoding="utf-8"?>
-<p:sld xmlns:a="http://schemas.openxmlformats.org/drawingml/2006/main" xmlns:r="http://schemas.openxmlformats.org/officeDocument/2006/relationships" xmlns:p="http://schemas.openxmlformats.org/presentationml/2006/main" showMasterSp="1" showMasterPhAnim="1">
+<p:sld xmlns:a="http://schemas.openxmlformats.org/drawingml/2006/main" xmlns:r="http://schemas.openxmlformats.org/officeDocument/2006/relationships" xmlns:p="http://schemas.openxmlformats.org/presentationml/2006/main" show="0" showMasterSp="1" showMasterPhAnim="1">
   <p:cSld>
     <p:spTree>
       <p:nvGrpSpPr>
@@ -8929,13 +10767,17 @@
       </p:grpSpPr>
       <p:sp>
         <p:nvSpPr>
-          <p:cNvPr id="213" name="Shape 213"/>
+          <p:cNvPr id="214" name="Shape 214"/>
           <p:cNvSpPr/>
           <p:nvPr>
-            <p:ph type="ctrTitle"/>
+            <p:ph type="title"/>
           </p:nvPr>
         </p:nvSpPr>
         <p:spPr>
+          <a:xfrm>
+            <a:off x="3845326" y="4244673"/>
+            <a:ext cx="5314148" cy="3602707"/>
+          </a:xfrm>
           <a:prstGeom prst="rect">
             <a:avLst/>
           </a:prstGeom>
@@ -8944,62 +10786,13 @@
           <a:bodyPr/>
           <a:lstStyle/>
           <a:p>
-            <a:pPr defTabSz="455675">
-              <a:defRPr sz="13259"/>
-            </a:pPr>
-          </a:p>
-        </p:txBody>
-      </p:sp>
-      <p:sp>
-        <p:nvSpPr>
-          <p:cNvPr id="214" name="Shape 214"/>
-          <p:cNvSpPr/>
-          <p:nvPr>
-            <p:ph type="subTitle" sz="quarter" idx="1"/>
-          </p:nvPr>
-        </p:nvSpPr>
-        <p:spPr>
-          <a:prstGeom prst="rect">
-            <a:avLst/>
-          </a:prstGeom>
-        </p:spPr>
-        <p:txBody>
-          <a:bodyPr/>
-          <a:lstStyle/>
-          <a:p>
             <a:pPr/>
-          </a:p>
-        </p:txBody>
-      </p:sp>
-      <p:pic>
-        <p:nvPicPr>
-          <p:cNvPr id="215" name="predictionerror.png"/>
-          <p:cNvPicPr>
-            <a:picLocks noChangeAspect="1"/>
-          </p:cNvPicPr>
-          <p:nvPr/>
-        </p:nvPicPr>
-        <p:blipFill>
-          <a:blip r:embed="rId2">
-            <a:extLst/>
-          </a:blip>
-          <a:stretch>
-            <a:fillRect/>
-          </a:stretch>
-        </p:blipFill>
-        <p:spPr>
-          <a:xfrm>
-            <a:off x="-1" y="406399"/>
-            <a:ext cx="13004802" cy="8940801"/>
-          </a:xfrm>
-          <a:prstGeom prst="rect">
-            <a:avLst/>
-          </a:prstGeom>
-          <a:ln w="12700">
-            <a:miter lim="400000"/>
-          </a:ln>
-        </p:spPr>
-      </p:pic>
+            <a:r>
+              <a:t>Review</a:t>
+            </a:r>
+          </a:p>
+        </p:txBody>
+      </p:sp>
     </p:spTree>
   </p:cSld>
   <p:clrMapOvr>

--- a/Session2/Session2_Slides.pptx
+++ b/Session2/Session2_Slides.pptx
@@ -48,6 +48,20 @@
     <p:sldId id="293" r:id="rId45"/>
     <p:sldId id="294" r:id="rId46"/>
     <p:sldId id="295" r:id="rId47"/>
+    <p:sldId id="296" r:id="rId48"/>
+    <p:sldId id="297" r:id="rId49"/>
+    <p:sldId id="298" r:id="rId50"/>
+    <p:sldId id="299" r:id="rId51"/>
+    <p:sldId id="300" r:id="rId52"/>
+    <p:sldId id="301" r:id="rId53"/>
+    <p:sldId id="302" r:id="rId54"/>
+    <p:sldId id="303" r:id="rId55"/>
+    <p:sldId id="304" r:id="rId56"/>
+    <p:sldId id="305" r:id="rId57"/>
+    <p:sldId id="306" r:id="rId58"/>
+    <p:sldId id="307" r:id="rId59"/>
+    <p:sldId id="308" r:id="rId60"/>
+    <p:sldId id="309" r:id="rId61"/>
   </p:sldIdLst>
   <p:sldSz cx="13004800" cy="9753600"/>
   <p:notesSz cx="6858000" cy="9144000"/>
@@ -6353,31 +6367,6 @@
           <a:chExt cx="0" cy="0"/>
         </a:xfrm>
       </p:grpSpPr>
-      <p:pic>
-        <p:nvPicPr>
-          <p:cNvPr id="216" name="pasted-image.jpeg"/>
-          <p:cNvPicPr>
-            <a:picLocks noChangeAspect="1"/>
-          </p:cNvPicPr>
-          <p:nvPr>
-            <p:ph type="pic" idx="13"/>
-          </p:nvPr>
-        </p:nvPicPr>
-        <p:blipFill>
-          <a:blip r:embed="rId2">
-            <a:extLst/>
-          </a:blip>
-          <a:srcRect l="29428" t="0" r="29428" b="0"/>
-          <a:stretch>
-            <a:fillRect/>
-          </a:stretch>
-        </p:blipFill>
-        <p:spPr>
-          <a:prstGeom prst="rect">
-            <a:avLst/>
-          </a:prstGeom>
-        </p:spPr>
-      </p:pic>
       <p:sp>
         <p:nvSpPr>
           <p:cNvPr id="217" name="Shape 217"/>
@@ -6387,6 +6376,10 @@
           </p:nvPr>
         </p:nvSpPr>
         <p:spPr>
+          <a:xfrm>
+            <a:off x="406400" y="1536700"/>
+            <a:ext cx="12192000" cy="1169261"/>
+          </a:xfrm>
           <a:prstGeom prst="rect">
             <a:avLst/>
           </a:prstGeom>
@@ -6394,14 +6387,17 @@
         <p:txBody>
           <a:bodyPr/>
           <a:lstStyle>
-            <a:lvl1pPr>
-              <a:defRPr sz="9600"/>
+            <a:lvl1pPr defTabSz="403097">
+              <a:spcBef>
+                <a:spcPts val="1900"/>
+              </a:spcBef>
+              <a:defRPr sz="8200"/>
             </a:lvl1pPr>
           </a:lstStyle>
           <a:p>
             <a:pPr/>
             <a:r>
-              <a:t>Yellowbrick</a:t>
+              <a:t>Training Set, Test Set</a:t>
             </a:r>
           </a:p>
         </p:txBody>
@@ -6410,22 +6406,52 @@
         <p:nvSpPr>
           <p:cNvPr id="218" name="Shape 218"/>
           <p:cNvSpPr/>
-          <p:nvPr>
-            <p:ph type="body" sz="quarter" idx="1"/>
-          </p:nvPr>
-        </p:nvSpPr>
-        <p:spPr>
-          <a:prstGeom prst="rect">
-            <a:avLst/>
-          </a:prstGeom>
-        </p:spPr>
-        <p:txBody>
-          <a:bodyPr/>
+          <p:nvPr/>
+        </p:nvSpPr>
+        <p:spPr>
+          <a:xfrm>
+            <a:off x="596105" y="4771119"/>
+            <a:ext cx="13055601" cy="1752601"/>
+          </a:xfrm>
+          <a:prstGeom prst="rect">
+            <a:avLst/>
+          </a:prstGeom>
+          <a:ln w="12700">
+            <a:miter lim="400000"/>
+          </a:ln>
+          <a:extLst>
+            <a:ext uri="{C572A759-6A51-4108-AA02-DFA0A04FC94B}">
+              <ma14:wrappingTextBoxFlag xmlns:ma14="http://schemas.microsoft.com/office/mac/drawingml/2011/main" val="1"/>
+            </a:ext>
+          </a:extLst>
+        </p:spPr>
+        <p:txBody>
+          <a:bodyPr wrap="none" lIns="50800" tIns="50800" rIns="50800" bIns="50800" anchor="ctr">
+            <a:spAutoFit/>
+          </a:bodyPr>
           <a:lstStyle/>
           <a:p>
-            <a:pPr/>
-            <a:r>
-              <a:t>Introducing</a:t>
+            <a:pPr>
+              <a:defRPr sz="5400">
+                <a:solidFill>
+                  <a:srgbClr val="838787"/>
+                </a:solidFill>
+                <a:latin typeface="Anonymous Pro for Powerline"/>
+                <a:ea typeface="Anonymous Pro for Powerline"/>
+                <a:cs typeface="Anonymous Pro for Powerline"/>
+                <a:sym typeface="Anonymous Pro for Powerline"/>
+              </a:defRPr>
+            </a:pPr>
+            <a:r>
+              <a:t>X_train, X_test, y_train, y_test = = </a:t>
+            </a:r>
+            <a:r>
+              <a:rPr>
+                <a:solidFill>
+                  <a:schemeClr val="accent3"/>
+                </a:solidFill>
+              </a:rPr>
+              <a:t>train_test_split(X, y)</a:t>
             </a:r>
           </a:p>
         </p:txBody>
@@ -6486,7 +6512,7 @@
           <a:p>
             <a:pPr/>
             <a:r>
-              <a:t>Yellowbrick</a:t>
+              <a:t>Training Set, Test Set</a:t>
             </a:r>
           </a:p>
         </p:txBody>
@@ -6495,66 +6521,52 @@
         <p:nvSpPr>
           <p:cNvPr id="221" name="Shape 221"/>
           <p:cNvSpPr/>
-          <p:nvPr>
-            <p:ph type="body" sz="half" idx="1"/>
-          </p:nvPr>
-        </p:nvSpPr>
-        <p:spPr>
-          <a:xfrm>
-            <a:off x="406400" y="4538100"/>
-            <a:ext cx="12192000" cy="2531601"/>
-          </a:xfrm>
-          <a:prstGeom prst="rect">
-            <a:avLst/>
-          </a:prstGeom>
-        </p:spPr>
-        <p:txBody>
-          <a:bodyPr anchor="t"/>
+          <p:nvPr/>
+        </p:nvSpPr>
+        <p:spPr>
+          <a:xfrm>
+            <a:off x="596105" y="4771119"/>
+            <a:ext cx="13055601" cy="1752601"/>
+          </a:xfrm>
+          <a:prstGeom prst="rect">
+            <a:avLst/>
+          </a:prstGeom>
+          <a:ln w="12700">
+            <a:miter lim="400000"/>
+          </a:ln>
+          <a:extLst>
+            <a:ext uri="{C572A759-6A51-4108-AA02-DFA0A04FC94B}">
+              <ma14:wrappingTextBoxFlag xmlns:ma14="http://schemas.microsoft.com/office/mac/drawingml/2011/main" val="1"/>
+            </a:ext>
+          </a:extLst>
+        </p:spPr>
+        <p:txBody>
+          <a:bodyPr wrap="none" lIns="50800" tIns="50800" rIns="50800" bIns="50800" anchor="ctr">
+            <a:spAutoFit/>
+          </a:bodyPr>
           <a:lstStyle/>
           <a:p>
-            <a:pPr marL="550656" indent="-550656" defTabSz="455674">
-              <a:lnSpc>
-                <a:spcPct val="100000"/>
-              </a:lnSpc>
-              <a:spcBef>
-                <a:spcPts val="2100"/>
-              </a:spcBef>
-              <a:buSzPct val="40000"/>
-              <a:buBlip>
-                <a:blip r:embed="rId2"/>
-              </a:buBlip>
-              <a:defRPr cap="none" spc="0" sz="4900">
-                <a:latin typeface="Avenir Next Medium"/>
-                <a:ea typeface="Avenir Next Medium"/>
-                <a:cs typeface="Avenir Next Medium"/>
-                <a:sym typeface="Avenir Next Medium"/>
+            <a:pPr>
+              <a:defRPr sz="5400">
+                <a:solidFill>
+                  <a:srgbClr val="838787"/>
+                </a:solidFill>
+                <a:latin typeface="Anonymous Pro for Powerline"/>
+                <a:ea typeface="Anonymous Pro for Powerline"/>
+                <a:cs typeface="Anonymous Pro for Powerline"/>
+                <a:sym typeface="Anonymous Pro for Powerline"/>
               </a:defRPr>
             </a:pPr>
             <a:r>
-              <a:t>Diagnostic visualizations! Automatic!</a:t>
-            </a:r>
-          </a:p>
-          <a:p>
-            <a:pPr marL="550656" indent="-550656" defTabSz="455674">
-              <a:lnSpc>
-                <a:spcPct val="100000"/>
-              </a:lnSpc>
-              <a:spcBef>
-                <a:spcPts val="2100"/>
-              </a:spcBef>
-              <a:buSzPct val="40000"/>
-              <a:buBlip>
-                <a:blip r:embed="rId2"/>
-              </a:buBlip>
-              <a:defRPr cap="none" spc="0" sz="4900">
-                <a:latin typeface="Avenir Next Medium"/>
-                <a:ea typeface="Avenir Next Medium"/>
-                <a:cs typeface="Avenir Next Medium"/>
-                <a:sym typeface="Avenir Next Medium"/>
-              </a:defRPr>
-            </a:pPr>
-            <a:r>
-              <a:t>Built to integrate with scikit-learn</a:t>
+              <a:t>X_train, X_test, y_train, y_test = = </a:t>
+            </a:r>
+            <a:r>
+              <a:rPr>
+                <a:solidFill>
+                  <a:schemeClr val="accent3"/>
+                </a:solidFill>
+              </a:rPr>
+              <a:t>train_test_split(X, y)</a:t>
             </a:r>
           </a:p>
         </p:txBody>
@@ -6569,7 +6581,7 @@
 </file>
 
 <file path=ppt/slides/slide12.xml><?xml version="1.0" encoding="utf-8"?>
-<p:sld xmlns:a="http://schemas.openxmlformats.org/drawingml/2006/main" xmlns:r="http://schemas.openxmlformats.org/officeDocument/2006/relationships" xmlns:p="http://schemas.openxmlformats.org/presentationml/2006/main" show="0" showMasterSp="1" showMasterPhAnim="1">
+<p:sld xmlns:a="http://schemas.openxmlformats.org/drawingml/2006/main" xmlns:r="http://schemas.openxmlformats.org/officeDocument/2006/relationships" xmlns:p="http://schemas.openxmlformats.org/presentationml/2006/main" showMasterSp="1" showMasterPhAnim="1">
   <p:cSld>
     <p:spTree>
       <p:nvGrpSpPr>
@@ -6596,7 +6608,7 @@
         <p:spPr>
           <a:xfrm>
             <a:off x="406400" y="1536700"/>
-            <a:ext cx="12192000" cy="1169261"/>
+            <a:ext cx="12192000" cy="1169260"/>
           </a:xfrm>
           <a:prstGeom prst="rect">
             <a:avLst/>
@@ -6609,13 +6621,13 @@
               <a:spcBef>
                 <a:spcPts val="1900"/>
               </a:spcBef>
-              <a:defRPr sz="8200"/>
+              <a:defRPr sz="8280"/>
             </a:lvl1pPr>
           </a:lstStyle>
           <a:p>
             <a:pPr/>
             <a:r>
-              <a:t>Example from data</a:t>
+              <a:t>Fitting Model</a:t>
             </a:r>
           </a:p>
         </p:txBody>
@@ -6628,8 +6640,8 @@
         </p:nvSpPr>
         <p:spPr>
           <a:xfrm>
-            <a:off x="443705" y="3236536"/>
-            <a:ext cx="11650664" cy="5295901"/>
+            <a:off x="434394" y="4826000"/>
+            <a:ext cx="12136011" cy="1955801"/>
           </a:xfrm>
           <a:prstGeom prst="rect">
             <a:avLst/>
@@ -6644,13 +6656,13 @@
           </a:extLst>
         </p:spPr>
         <p:txBody>
-          <a:bodyPr wrap="none" lIns="50800" tIns="50800" rIns="50800" bIns="50800" anchor="ctr">
+          <a:bodyPr lIns="50800" tIns="50800" rIns="50800" bIns="50800" anchor="ctr">
             <a:spAutoFit/>
           </a:bodyPr>
           <a:lstStyle/>
           <a:p>
             <a:pPr>
-              <a:defRPr sz="6400">
+              <a:defRPr sz="5100">
                 <a:solidFill>
                   <a:srgbClr val="838787"/>
                 </a:solidFill>
@@ -6661,12 +6673,12 @@
               </a:defRPr>
             </a:pPr>
             <a:r>
-              <a:t>from yellowbrick.features import rank2d</a:t>
+              <a:t>model = KNeighborsClassifier()</a:t>
             </a:r>
           </a:p>
           <a:p>
             <a:pPr>
-              <a:defRPr sz="2400">
+              <a:defRPr sz="5100">
                 <a:solidFill>
                   <a:srgbClr val="838787"/>
                 </a:solidFill>
@@ -6676,37 +6688,30 @@
                 <a:sym typeface="Anonymous Pro for Powerline"/>
               </a:defRPr>
             </a:pPr>
-          </a:p>
-          <a:p>
-            <a:pPr lvl="1">
-              <a:defRPr sz="6400">
-                <a:solidFill>
-                  <a:srgbClr val="838787"/>
-                </a:solidFill>
-                <a:latin typeface="Anonymous Pro for Powerline"/>
-                <a:ea typeface="Anonymous Pro for Powerline"/>
-                <a:cs typeface="Anonymous Pro for Powerline"/>
-                <a:sym typeface="Anonymous Pro for Powerline"/>
-              </a:defRPr>
-            </a:pPr>
-            <a:r>
-              <a:t>visualizer = rank2D(X)</a:t>
-            </a:r>
-          </a:p>
-          <a:p>
-            <a:pPr>
-              <a:defRPr sz="6400">
-                <a:solidFill>
-                  <a:srgbClr val="838787"/>
-                </a:solidFill>
-                <a:latin typeface="Anonymous Pro for Powerline"/>
-                <a:ea typeface="Anonymous Pro for Powerline"/>
-                <a:cs typeface="Anonymous Pro for Powerline"/>
-                <a:sym typeface="Anonymous Pro for Powerline"/>
-              </a:defRPr>
-            </a:pPr>
-            <a:r>
-              <a:t>visualizer.poof()</a:t>
+            <a:r>
+              <a:t>model.fit(</a:t>
+            </a:r>
+            <a:r>
+              <a:rPr>
+                <a:solidFill>
+                  <a:schemeClr val="accent3"/>
+                </a:solidFill>
+              </a:rPr>
+              <a:t>X_train</a:t>
+            </a:r>
+            <a:r>
+              <a:t>, </a:t>
+            </a:r>
+            <a:r>
+              <a:rPr>
+                <a:solidFill>
+                  <a:schemeClr val="accent5"/>
+                </a:solidFill>
+              </a:rPr>
+              <a:t>y_train</a:t>
+            </a:r>
+            <a:r>
+              <a:t>) </a:t>
             </a:r>
           </a:p>
         </p:txBody>
@@ -6721,7 +6726,7 @@
 </file>
 
 <file path=ppt/slides/slide13.xml><?xml version="1.0" encoding="utf-8"?>
-<p:sld xmlns:a="http://schemas.openxmlformats.org/drawingml/2006/main" xmlns:r="http://schemas.openxmlformats.org/officeDocument/2006/relationships" xmlns:p="http://schemas.openxmlformats.org/presentationml/2006/main" show="0" showMasterSp="1" showMasterPhAnim="1">
+<p:sld xmlns:a="http://schemas.openxmlformats.org/drawingml/2006/main" xmlns:r="http://schemas.openxmlformats.org/officeDocument/2006/relationships" xmlns:p="http://schemas.openxmlformats.org/presentationml/2006/main" showMasterSp="1" showMasterPhAnim="1">
   <p:cSld>
     <p:spTree>
       <p:nvGrpSpPr>
@@ -6737,35 +6742,40 @@
           <a:chExt cx="0" cy="0"/>
         </a:xfrm>
       </p:grpSpPr>
-      <p:pic>
-        <p:nvPicPr>
-          <p:cNvPr id="226" name="correlation.png"/>
-          <p:cNvPicPr>
-            <a:picLocks noChangeAspect="1"/>
-          </p:cNvPicPr>
-          <p:nvPr/>
-        </p:nvPicPr>
-        <p:blipFill>
-          <a:blip r:embed="rId2">
-            <a:extLst/>
-          </a:blip>
-          <a:stretch>
-            <a:fillRect/>
-          </a:stretch>
-        </p:blipFill>
-        <p:spPr>
-          <a:xfrm>
-            <a:off x="372533" y="609600"/>
-            <a:ext cx="12259734" cy="8428567"/>
-          </a:xfrm>
-          <a:prstGeom prst="rect">
-            <a:avLst/>
-          </a:prstGeom>
-          <a:ln w="12700">
-            <a:miter lim="400000"/>
-          </a:ln>
-        </p:spPr>
-      </p:pic>
+      <p:sp>
+        <p:nvSpPr>
+          <p:cNvPr id="226" name="Shape 226"/>
+          <p:cNvSpPr/>
+          <p:nvPr>
+            <p:ph type="title"/>
+          </p:nvPr>
+        </p:nvSpPr>
+        <p:spPr>
+          <a:xfrm>
+            <a:off x="2015066" y="3056466"/>
+            <a:ext cx="12192001" cy="4521201"/>
+          </a:xfrm>
+          <a:prstGeom prst="rect">
+            <a:avLst/>
+          </a:prstGeom>
+        </p:spPr>
+        <p:txBody>
+          <a:bodyPr/>
+          <a:lstStyle/>
+          <a:p>
+            <a:pPr/>
+            <a:r>
+              <a:t>Evaluating</a:t>
+            </a:r>
+          </a:p>
+          <a:p>
+            <a:pPr/>
+            <a:r>
+              <a:t>Classifiers</a:t>
+            </a:r>
+          </a:p>
+        </p:txBody>
+      </p:sp>
     </p:spTree>
   </p:cSld>
   <p:clrMapOvr>
@@ -6822,7 +6832,7 @@
           <a:p>
             <a:pPr/>
             <a:r>
-              <a:t>Example</a:t>
+              <a:t>Cannot use Regression metrics</a:t>
             </a:r>
           </a:p>
         </p:txBody>
@@ -6831,60 +6841,66 @@
         <p:nvSpPr>
           <p:cNvPr id="229" name="Shape 229"/>
           <p:cNvSpPr/>
-          <p:nvPr/>
-        </p:nvSpPr>
-        <p:spPr>
-          <a:xfrm>
-            <a:off x="426772" y="4991253"/>
-            <a:ext cx="12843124" cy="2057401"/>
-          </a:xfrm>
-          <a:prstGeom prst="rect">
-            <a:avLst/>
-          </a:prstGeom>
-          <a:ln w="12700">
-            <a:miter lim="400000"/>
-          </a:ln>
-          <a:extLst>
-            <a:ext uri="{C572A759-6A51-4108-AA02-DFA0A04FC94B}">
-              <ma14:wrappingTextBoxFlag xmlns:ma14="http://schemas.microsoft.com/office/mac/drawingml/2011/main" val="1"/>
-            </a:ext>
-          </a:extLst>
-        </p:spPr>
-        <p:txBody>
-          <a:bodyPr wrap="none" lIns="50800" tIns="50800" rIns="50800" bIns="50800" anchor="ctr">
-            <a:spAutoFit/>
-          </a:bodyPr>
+          <p:nvPr>
+            <p:ph type="body" sz="half" idx="1"/>
+          </p:nvPr>
+        </p:nvSpPr>
+        <p:spPr>
+          <a:xfrm>
+            <a:off x="406400" y="4237533"/>
+            <a:ext cx="12192000" cy="3462405"/>
+          </a:xfrm>
+          <a:prstGeom prst="rect">
+            <a:avLst/>
+          </a:prstGeom>
+        </p:spPr>
+        <p:txBody>
+          <a:bodyPr anchor="t"/>
           <a:lstStyle/>
           <a:p>
-            <a:pPr>
-              <a:defRPr sz="5400">
-                <a:solidFill>
-                  <a:srgbClr val="838787"/>
-                </a:solidFill>
-                <a:latin typeface="Anonymous Pro for Powerline"/>
-                <a:ea typeface="Anonymous Pro for Powerline"/>
-                <a:cs typeface="Anonymous Pro for Powerline"/>
-                <a:sym typeface="Anonymous Pro for Powerline"/>
+            <a:pPr marL="550656" indent="-550656" defTabSz="455674">
+              <a:lnSpc>
+                <a:spcPct val="100000"/>
+              </a:lnSpc>
+              <a:spcBef>
+                <a:spcPts val="2100"/>
+              </a:spcBef>
+              <a:buSzPct val="40000"/>
+              <a:buBlip>
+                <a:blip r:embed="rId2"/>
+              </a:buBlip>
+              <a:defRPr cap="none" spc="0" sz="4900">
+                <a:latin typeface="Avenir Next Medium"/>
+                <a:ea typeface="Avenir Next Medium"/>
+                <a:cs typeface="Avenir Next Medium"/>
+                <a:sym typeface="Avenir Next Medium"/>
               </a:defRPr>
             </a:pPr>
             <a:r>
-              <a:rPr>
-                <a:solidFill>
-                  <a:schemeClr val="accent3"/>
-                </a:solidFill>
-              </a:rPr>
-              <a:t>ResidualsPlot(</a:t>
-            </a:r>
-            <a:r>
-              <a:t>LinearRegression()</a:t>
-            </a:r>
-            <a:r>
-              <a:rPr>
-                <a:solidFill>
-                  <a:schemeClr val="accent3"/>
-                </a:solidFill>
-              </a:rPr>
-              <a:t>)</a:t>
+              <a:t>Outputs are classes, not numbers</a:t>
+            </a:r>
+          </a:p>
+          <a:p>
+            <a:pPr marL="550656" indent="-550656" defTabSz="455674">
+              <a:lnSpc>
+                <a:spcPct val="100000"/>
+              </a:lnSpc>
+              <a:spcBef>
+                <a:spcPts val="2100"/>
+              </a:spcBef>
+              <a:buSzPct val="40000"/>
+              <a:buBlip>
+                <a:blip r:embed="rId2"/>
+              </a:buBlip>
+              <a:defRPr cap="none" spc="0" sz="4900">
+                <a:latin typeface="Avenir Next Medium"/>
+                <a:ea typeface="Avenir Next Medium"/>
+                <a:cs typeface="Avenir Next Medium"/>
+                <a:sym typeface="Avenir Next Medium"/>
+              </a:defRPr>
+            </a:pPr>
+            <a:r>
+              <a:t>“Amount of error” is a bad fit</a:t>
             </a:r>
           </a:p>
         </p:txBody>
@@ -6926,7 +6942,7 @@
         <p:spPr>
           <a:xfrm>
             <a:off x="406400" y="1536700"/>
-            <a:ext cx="12192000" cy="1169260"/>
+            <a:ext cx="12192000" cy="1169261"/>
           </a:xfrm>
           <a:prstGeom prst="rect">
             <a:avLst/>
@@ -6939,13 +6955,13 @@
               <a:spcBef>
                 <a:spcPts val="1900"/>
               </a:spcBef>
-              <a:defRPr sz="8280"/>
+              <a:defRPr sz="8200"/>
             </a:lvl1pPr>
           </a:lstStyle>
           <a:p>
             <a:pPr/>
             <a:r>
-              <a:t>ResidualS Plot</a:t>
+              <a:t>Accuracy</a:t>
             </a:r>
           </a:p>
         </p:txBody>
@@ -6955,67 +6971,65 @@
           <p:cNvPr id="232" name="Shape 232"/>
           <p:cNvSpPr/>
           <p:nvPr>
-            <p:ph type="body" idx="1"/>
+            <p:ph type="body" sz="half" idx="1"/>
           </p:nvPr>
         </p:nvSpPr>
         <p:spPr>
           <a:xfrm>
-            <a:off x="406400" y="2558069"/>
-            <a:ext cx="12192000" cy="5784563"/>
-          </a:xfrm>
-          <a:prstGeom prst="rect">
-            <a:avLst/>
-          </a:prstGeom>
-        </p:spPr>
-        <p:txBody>
-          <a:bodyPr/>
+            <a:off x="406400" y="4237533"/>
+            <a:ext cx="12192000" cy="3462405"/>
+          </a:xfrm>
+          <a:prstGeom prst="rect">
+            <a:avLst/>
+          </a:prstGeom>
+        </p:spPr>
+        <p:txBody>
+          <a:bodyPr anchor="t"/>
           <a:lstStyle/>
           <a:p>
-            <a:pPr marL="642433" indent="-642433" defTabSz="531622">
+            <a:pPr marL="550656" indent="-550656" defTabSz="455674">
+              <a:lnSpc>
+                <a:spcPct val="100000"/>
+              </a:lnSpc>
               <a:spcBef>
-                <a:spcPts val="2500"/>
+                <a:spcPts val="2100"/>
               </a:spcBef>
-              <a:buClrTx/>
               <a:buSzPct val="40000"/>
-              <a:buFontTx/>
               <a:buBlip>
                 <a:blip r:embed="rId2"/>
               </a:buBlip>
-              <a:defRPr sz="5824"/>
+              <a:defRPr cap="none" spc="0" sz="4900">
+                <a:latin typeface="Avenir Next Medium"/>
+                <a:ea typeface="Avenir Next Medium"/>
+                <a:cs typeface="Avenir Next Medium"/>
+                <a:sym typeface="Avenir Next Medium"/>
+              </a:defRPr>
             </a:pPr>
-          </a:p>
-          <a:p>
-            <a:pPr marL="642433" indent="-642433" defTabSz="531622">
+            <a:r>
+              <a:t>% of samples correctly classified</a:t>
+            </a:r>
+          </a:p>
+          <a:p>
+            <a:pPr marL="550656" indent="-550656" defTabSz="455674">
+              <a:lnSpc>
+                <a:spcPct val="100000"/>
+              </a:lnSpc>
               <a:spcBef>
-                <a:spcPts val="2500"/>
+                <a:spcPts val="2100"/>
               </a:spcBef>
-              <a:buClrTx/>
               <a:buSzPct val="40000"/>
-              <a:buFontTx/>
               <a:buBlip>
                 <a:blip r:embed="rId2"/>
               </a:buBlip>
-              <a:defRPr sz="5824"/>
+              <a:defRPr cap="none" spc="0" sz="4900">
+                <a:latin typeface="Avenir Next Medium"/>
+                <a:ea typeface="Avenir Next Medium"/>
+                <a:cs typeface="Avenir Next Medium"/>
+                <a:sym typeface="Avenir Next Medium"/>
+              </a:defRPr>
             </a:pPr>
             <a:r>
-              <a:t>See where your model does well or poorly</a:t>
-            </a:r>
-          </a:p>
-          <a:p>
-            <a:pPr marL="642433" indent="-642433" defTabSz="531622">
-              <a:spcBef>
-                <a:spcPts val="2500"/>
-              </a:spcBef>
-              <a:buClrTx/>
-              <a:buSzPct val="40000"/>
-              <a:buFontTx/>
-              <a:buBlip>
-                <a:blip r:embed="rId2"/>
-              </a:buBlip>
-              <a:defRPr sz="5824"/>
-            </a:pPr>
-            <a:r>
-              <a:t>Target vector is X axis, amount of error is Y axis</a:t>
+              <a:t>Does not tell you WHERE error is</a:t>
             </a:r>
           </a:p>
         </p:txBody>
@@ -7046,64 +7060,132 @@
           <a:chExt cx="0" cy="0"/>
         </a:xfrm>
       </p:grpSpPr>
-      <p:pic>
-        <p:nvPicPr>
-          <p:cNvPr id="234" name="residuals.png"/>
-          <p:cNvPicPr>
-            <a:picLocks noChangeAspect="1"/>
-          </p:cNvPicPr>
-          <p:nvPr/>
-        </p:nvPicPr>
-        <p:blipFill>
-          <a:blip r:embed="rId2">
-            <a:extLst/>
-          </a:blip>
-          <a:stretch>
-            <a:fillRect/>
-          </a:stretch>
-        </p:blipFill>
-        <p:spPr>
-          <a:xfrm>
-            <a:off x="423333" y="581024"/>
-            <a:ext cx="12192002" cy="8382002"/>
-          </a:xfrm>
-          <a:prstGeom prst="rect">
-            <a:avLst/>
-          </a:prstGeom>
-          <a:ln w="12700">
-            <a:miter lim="400000"/>
-          </a:ln>
-        </p:spPr>
-      </p:pic>
-      <p:pic>
-        <p:nvPicPr>
-          <p:cNvPr id="235" name="residuals.png"/>
-          <p:cNvPicPr>
-            <a:picLocks noChangeAspect="1"/>
-          </p:cNvPicPr>
-          <p:nvPr/>
-        </p:nvPicPr>
-        <p:blipFill>
-          <a:blip r:embed="rId3">
-            <a:extLst/>
-          </a:blip>
-          <a:stretch>
-            <a:fillRect/>
-          </a:stretch>
-        </p:blipFill>
-        <p:spPr>
-          <a:xfrm>
-            <a:off x="471685" y="592203"/>
-            <a:ext cx="12061430" cy="8292233"/>
-          </a:xfrm>
-          <a:prstGeom prst="rect">
-            <a:avLst/>
-          </a:prstGeom>
-          <a:ln w="12700">
-            <a:miter lim="400000"/>
-          </a:ln>
-        </p:spPr>
-      </p:pic>
+      <p:sp>
+        <p:nvSpPr>
+          <p:cNvPr id="234" name="Shape 234"/>
+          <p:cNvSpPr/>
+          <p:nvPr>
+            <p:ph type="title"/>
+          </p:nvPr>
+        </p:nvSpPr>
+        <p:spPr>
+          <a:xfrm>
+            <a:off x="406400" y="1536700"/>
+            <a:ext cx="12192000" cy="1169261"/>
+          </a:xfrm>
+          <a:prstGeom prst="rect">
+            <a:avLst/>
+          </a:prstGeom>
+        </p:spPr>
+        <p:txBody>
+          <a:bodyPr/>
+          <a:lstStyle>
+            <a:lvl1pPr defTabSz="403097">
+              <a:spcBef>
+                <a:spcPts val="1900"/>
+              </a:spcBef>
+              <a:defRPr sz="8200"/>
+            </a:lvl1pPr>
+          </a:lstStyle>
+          <a:p>
+            <a:pPr/>
+            <a:r>
+              <a:t>Confusion Matrix</a:t>
+            </a:r>
+          </a:p>
+        </p:txBody>
+      </p:sp>
+      <p:sp>
+        <p:nvSpPr>
+          <p:cNvPr id="235" name="Shape 235"/>
+          <p:cNvSpPr/>
+          <p:nvPr>
+            <p:ph type="body" sz="half" idx="1"/>
+          </p:nvPr>
+        </p:nvSpPr>
+        <p:spPr>
+          <a:xfrm>
+            <a:off x="406400" y="4237533"/>
+            <a:ext cx="12192000" cy="3462405"/>
+          </a:xfrm>
+          <a:prstGeom prst="rect">
+            <a:avLst/>
+          </a:prstGeom>
+        </p:spPr>
+        <p:txBody>
+          <a:bodyPr anchor="t"/>
+          <a:lstStyle/>
+          <a:p>
+            <a:pPr marL="550656" indent="-550656" defTabSz="455674">
+              <a:lnSpc>
+                <a:spcPct val="100000"/>
+              </a:lnSpc>
+              <a:spcBef>
+                <a:spcPts val="2100"/>
+              </a:spcBef>
+              <a:buSzPct val="40000"/>
+              <a:buBlip>
+                <a:blip r:embed="rId2"/>
+              </a:buBlip>
+              <a:defRPr cap="none" spc="0" sz="4900">
+                <a:latin typeface="Avenir Next Medium"/>
+                <a:ea typeface="Avenir Next Medium"/>
+                <a:cs typeface="Avenir Next Medium"/>
+                <a:sym typeface="Avenir Next Medium"/>
+              </a:defRPr>
+            </a:pPr>
+            <a:r>
+              <a:t>Grid comparing predicted VS actual</a:t>
+            </a:r>
+          </a:p>
+          <a:p>
+            <a:pPr marL="550656" indent="-550656" defTabSz="455674">
+              <a:lnSpc>
+                <a:spcPct val="100000"/>
+              </a:lnSpc>
+              <a:spcBef>
+                <a:spcPts val="2100"/>
+              </a:spcBef>
+              <a:buSzPct val="40000"/>
+              <a:buBlip>
+                <a:blip r:embed="rId2"/>
+              </a:buBlip>
+              <a:defRPr cap="none" spc="0" sz="4900">
+                <a:latin typeface="Avenir Next Medium"/>
+                <a:ea typeface="Avenir Next Medium"/>
+                <a:cs typeface="Avenir Next Medium"/>
+                <a:sym typeface="Avenir Next Medium"/>
+              </a:defRPr>
+            </a:pPr>
+            <a:r>
+              <a:t>Shows where your errors lie</a:t>
+            </a:r>
+          </a:p>
+          <a:p>
+            <a:pPr marL="550656" indent="-550656" defTabSz="455674">
+              <a:lnSpc>
+                <a:spcPct val="100000"/>
+              </a:lnSpc>
+              <a:spcBef>
+                <a:spcPts val="2100"/>
+              </a:spcBef>
+              <a:buSzPct val="40000"/>
+              <a:buBlip>
+                <a:blip r:embed="rId2"/>
+              </a:buBlip>
+              <a:defRPr cap="none" spc="0" sz="4900">
+                <a:latin typeface="Avenir Next Medium"/>
+                <a:ea typeface="Avenir Next Medium"/>
+                <a:cs typeface="Avenir Next Medium"/>
+                <a:sym typeface="Avenir Next Medium"/>
+              </a:defRPr>
+            </a:pPr>
+            <a:r>
+              <a:t>Correction classification on diagonal</a:t>
+            </a:r>
+          </a:p>
+        </p:txBody>
+      </p:sp>
     </p:spTree>
   </p:cSld>
   <p:clrMapOvr>
@@ -7114,7 +7196,7 @@
 </file>
 
 <file path=ppt/slides/slide17.xml><?xml version="1.0" encoding="utf-8"?>
-<p:sld xmlns:a="http://schemas.openxmlformats.org/drawingml/2006/main" xmlns:r="http://schemas.openxmlformats.org/officeDocument/2006/relationships" xmlns:p="http://schemas.openxmlformats.org/presentationml/2006/main" show="0" showMasterSp="1" showMasterPhAnim="1">
+<p:sld xmlns:a="http://schemas.openxmlformats.org/drawingml/2006/main" xmlns:r="http://schemas.openxmlformats.org/officeDocument/2006/relationships" xmlns:p="http://schemas.openxmlformats.org/presentationml/2006/main" showMasterSp="1" showMasterPhAnim="1">
   <p:cSld>
     <p:spTree>
       <p:nvGrpSpPr>
@@ -7135,7 +7217,7 @@
           <p:cNvPr id="237" name="Shape 237"/>
           <p:cNvSpPr/>
           <p:nvPr>
-            <p:ph type="ctrTitle"/>
+            <p:ph type="subTitle" sz="quarter" idx="1"/>
           </p:nvPr>
         </p:nvSpPr>
         <p:spPr>
@@ -7147,36 +7229,13 @@
           <a:bodyPr/>
           <a:lstStyle/>
           <a:p>
-            <a:pPr defTabSz="455675">
-              <a:defRPr sz="13259"/>
-            </a:pPr>
-          </a:p>
-        </p:txBody>
-      </p:sp>
-      <p:sp>
-        <p:nvSpPr>
-          <p:cNvPr id="238" name="Shape 238"/>
-          <p:cNvSpPr/>
-          <p:nvPr>
-            <p:ph type="subTitle" sz="quarter" idx="1"/>
-          </p:nvPr>
-        </p:nvSpPr>
-        <p:spPr>
-          <a:prstGeom prst="rect">
-            <a:avLst/>
-          </a:prstGeom>
-        </p:spPr>
-        <p:txBody>
-          <a:bodyPr/>
-          <a:lstStyle/>
-          <a:p>
             <a:pPr/>
           </a:p>
         </p:txBody>
       </p:sp>
       <p:pic>
         <p:nvPicPr>
-          <p:cNvPr id="239" name="predictionerror.png"/>
+          <p:cNvPr id="238" name="pasted-image.png"/>
           <p:cNvPicPr>
             <a:picLocks noChangeAspect="1"/>
           </p:cNvPicPr>
@@ -7192,8 +7251,8 @@
         </p:blipFill>
         <p:spPr>
           <a:xfrm>
-            <a:off x="-1" y="406400"/>
-            <a:ext cx="13004801" cy="8940800"/>
+            <a:off x="0" y="1003607"/>
+            <a:ext cx="14671184" cy="7746386"/>
           </a:xfrm>
           <a:prstGeom prst="rect">
             <a:avLst/>
@@ -7231,7 +7290,7 @@
       </p:grpSpPr>
       <p:sp>
         <p:nvSpPr>
-          <p:cNvPr id="241" name="Shape 241"/>
+          <p:cNvPr id="240" name="Shape 240"/>
           <p:cNvSpPr/>
           <p:nvPr>
             <p:ph type="title"/>
@@ -7240,7 +7299,7 @@
         <p:spPr>
           <a:xfrm>
             <a:off x="406400" y="1536700"/>
-            <a:ext cx="12192000" cy="1169260"/>
+            <a:ext cx="12192000" cy="1169261"/>
           </a:xfrm>
           <a:prstGeom prst="rect">
             <a:avLst/>
@@ -7253,87 +7312,76 @@
               <a:spcBef>
                 <a:spcPts val="1900"/>
               </a:spcBef>
-              <a:defRPr sz="8280"/>
+              <a:defRPr sz="8200"/>
             </a:lvl1pPr>
           </a:lstStyle>
           <a:p>
             <a:pPr/>
             <a:r>
-              <a:t>Learning curve</a:t>
-            </a:r>
-          </a:p>
-        </p:txBody>
-      </p:sp>
-      <p:sp>
-        <p:nvSpPr>
-          <p:cNvPr id="242" name="Shape 242"/>
-          <p:cNvSpPr/>
-          <p:nvPr>
-            <p:ph type="body" idx="1"/>
-          </p:nvPr>
-        </p:nvSpPr>
-        <p:spPr>
-          <a:xfrm>
-            <a:off x="406400" y="2558069"/>
-            <a:ext cx="12192000" cy="5784563"/>
-          </a:xfrm>
-          <a:prstGeom prst="rect">
-            <a:avLst/>
-          </a:prstGeom>
-        </p:spPr>
-        <p:txBody>
-          <a:bodyPr/>
-          <a:lstStyle/>
-          <a:p>
-            <a:pPr marL="642433" indent="-642433" defTabSz="531622">
-              <a:spcBef>
-                <a:spcPts val="2500"/>
-              </a:spcBef>
-              <a:buClrTx/>
-              <a:buSzPct val="40000"/>
-              <a:buFontTx/>
-              <a:buBlip>
-                <a:blip r:embed="rId2"/>
-              </a:buBlip>
-              <a:defRPr sz="5824"/>
-            </a:pPr>
-          </a:p>
-          <a:p>
-            <a:pPr marL="642433" indent="-642433" defTabSz="531622">
-              <a:spcBef>
-                <a:spcPts val="2500"/>
-              </a:spcBef>
-              <a:buClrTx/>
-              <a:buSzPct val="40000"/>
-              <a:buFontTx/>
-              <a:buBlip>
-                <a:blip r:embed="rId2"/>
-              </a:buBlip>
-              <a:defRPr sz="5824"/>
-            </a:pPr>
-            <a:r>
-              <a:t>Scores model as size of data increases</a:t>
-            </a:r>
-          </a:p>
-          <a:p>
-            <a:pPr marL="642433" indent="-642433" defTabSz="531622">
-              <a:spcBef>
-                <a:spcPts val="2500"/>
-              </a:spcBef>
-              <a:buClrTx/>
-              <a:buSzPct val="40000"/>
-              <a:buFontTx/>
-              <a:buBlip>
-                <a:blip r:embed="rId2"/>
-              </a:buBlip>
-              <a:defRPr sz="5824"/>
-            </a:pPr>
-            <a:r>
-              <a:t>Convergence means more data won’t help</a:t>
-            </a:r>
-          </a:p>
-        </p:txBody>
-      </p:sp>
+              <a:t>Confusion Matrix</a:t>
+            </a:r>
+          </a:p>
+        </p:txBody>
+      </p:sp>
+      <p:pic>
+        <p:nvPicPr>
+          <p:cNvPr id="241" name="pasted-image.png"/>
+          <p:cNvPicPr>
+            <a:picLocks noChangeAspect="1"/>
+          </p:cNvPicPr>
+          <p:nvPr/>
+        </p:nvPicPr>
+        <p:blipFill>
+          <a:blip r:embed="rId2">
+            <a:extLst/>
+          </a:blip>
+          <a:stretch>
+            <a:fillRect/>
+          </a:stretch>
+        </p:blipFill>
+        <p:spPr>
+          <a:xfrm>
+            <a:off x="1122891" y="1870934"/>
+            <a:ext cx="4762501" cy="3454401"/>
+          </a:xfrm>
+          <a:prstGeom prst="rect">
+            <a:avLst/>
+          </a:prstGeom>
+          <a:ln w="12700">
+            <a:miter lim="400000"/>
+          </a:ln>
+        </p:spPr>
+      </p:pic>
+      <p:pic>
+        <p:nvPicPr>
+          <p:cNvPr id="242" name="pasted-image.png"/>
+          <p:cNvPicPr>
+            <a:picLocks noChangeAspect="1"/>
+          </p:cNvPicPr>
+          <p:nvPr/>
+        </p:nvPicPr>
+        <p:blipFill>
+          <a:blip r:embed="rId3">
+            <a:extLst/>
+          </a:blip>
+          <a:srcRect l="1243" t="0" r="0" b="0"/>
+          <a:stretch>
+            <a:fillRect/>
+          </a:stretch>
+        </p:blipFill>
+        <p:spPr>
+          <a:xfrm>
+            <a:off x="-91182" y="-153260"/>
+            <a:ext cx="13355285" cy="10547990"/>
+          </a:xfrm>
+          <a:prstGeom prst="rect">
+            <a:avLst/>
+          </a:prstGeom>
+          <a:ln w="12700">
+            <a:miter lim="400000"/>
+          </a:ln>
+        </p:spPr>
+      </p:pic>
     </p:spTree>
   </p:cSld>
   <p:clrMapOvr>
@@ -7365,74 +7413,104 @@
           <p:cNvPr id="244" name="Shape 244"/>
           <p:cNvSpPr/>
           <p:nvPr>
-            <p:ph type="ctrTitle"/>
+            <p:ph type="title"/>
           </p:nvPr>
         </p:nvSpPr>
         <p:spPr>
+          <a:xfrm>
+            <a:off x="406400" y="1536700"/>
+            <a:ext cx="12192000" cy="1169261"/>
+          </a:xfrm>
           <a:prstGeom prst="rect">
             <a:avLst/>
           </a:prstGeom>
         </p:spPr>
         <p:txBody>
           <a:bodyPr/>
+          <a:lstStyle>
+            <a:lvl1pPr defTabSz="403097">
+              <a:spcBef>
+                <a:spcPts val="1900"/>
+              </a:spcBef>
+              <a:defRPr sz="8200"/>
+            </a:lvl1pPr>
+          </a:lstStyle>
+          <a:p>
+            <a:pPr/>
+            <a:r>
+              <a:t>Sensitivity</a:t>
+            </a:r>
+          </a:p>
+        </p:txBody>
+      </p:sp>
+      <p:sp>
+        <p:nvSpPr>
+          <p:cNvPr id="245" name="Shape 245"/>
+          <p:cNvSpPr/>
+          <p:nvPr>
+            <p:ph type="body" sz="half" idx="1"/>
+          </p:nvPr>
+        </p:nvSpPr>
+        <p:spPr>
+          <a:xfrm>
+            <a:off x="237711" y="4237533"/>
+            <a:ext cx="14179236" cy="3462405"/>
+          </a:xfrm>
+          <a:prstGeom prst="rect">
+            <a:avLst/>
+          </a:prstGeom>
+        </p:spPr>
+        <p:txBody>
+          <a:bodyPr anchor="t"/>
           <a:lstStyle/>
           <a:p>
-            <a:pPr defTabSz="455675">
-              <a:defRPr sz="13259"/>
+            <a:pPr marL="550656" indent="-550656" defTabSz="455674">
+              <a:lnSpc>
+                <a:spcPct val="100000"/>
+              </a:lnSpc>
+              <a:spcBef>
+                <a:spcPts val="2100"/>
+              </a:spcBef>
+              <a:buSzPct val="40000"/>
+              <a:buBlip>
+                <a:blip r:embed="rId2"/>
+              </a:buBlip>
+              <a:defRPr cap="none" spc="0" sz="4000">
+                <a:latin typeface="Avenir Next Medium"/>
+                <a:ea typeface="Avenir Next Medium"/>
+                <a:cs typeface="Avenir Next Medium"/>
+                <a:sym typeface="Avenir Next Medium"/>
+              </a:defRPr>
             </a:pPr>
-          </a:p>
-        </p:txBody>
-      </p:sp>
-      <p:sp>
-        <p:nvSpPr>
-          <p:cNvPr id="245" name="Shape 245"/>
-          <p:cNvSpPr/>
-          <p:nvPr>
-            <p:ph type="subTitle" sz="quarter" idx="1"/>
-          </p:nvPr>
-        </p:nvSpPr>
-        <p:spPr>
-          <a:prstGeom prst="rect">
-            <a:avLst/>
-          </a:prstGeom>
-        </p:spPr>
-        <p:txBody>
-          <a:bodyPr/>
-          <a:lstStyle/>
-          <a:p>
-            <a:pPr/>
-          </a:p>
-        </p:txBody>
-      </p:sp>
-      <p:pic>
-        <p:nvPicPr>
-          <p:cNvPr id="246" name="learning_curve-2.png"/>
-          <p:cNvPicPr>
-            <a:picLocks noChangeAspect="1"/>
-          </p:cNvPicPr>
-          <p:nvPr/>
-        </p:nvPicPr>
-        <p:blipFill>
-          <a:blip r:embed="rId2">
-            <a:extLst/>
-          </a:blip>
-          <a:stretch>
-            <a:fillRect/>
-          </a:stretch>
-        </p:blipFill>
-        <p:spPr>
-          <a:xfrm>
-            <a:off x="-16934" y="406400"/>
-            <a:ext cx="13038667" cy="8964084"/>
-          </a:xfrm>
-          <a:prstGeom prst="rect">
-            <a:avLst/>
-          </a:prstGeom>
-          <a:ln w="12700">
-            <a:miter lim="400000"/>
-          </a:ln>
-        </p:spPr>
-      </p:pic>
+            <a:r>
+              <a:t>Success rate on samples that SHOULD be positive</a:t>
+            </a:r>
+          </a:p>
+          <a:p>
+            <a:pPr marL="550656" indent="-550656" defTabSz="455674">
+              <a:lnSpc>
+                <a:spcPct val="100000"/>
+              </a:lnSpc>
+              <a:spcBef>
+                <a:spcPts val="2100"/>
+              </a:spcBef>
+              <a:buSzPct val="40000"/>
+              <a:buBlip>
+                <a:blip r:embed="rId2"/>
+              </a:buBlip>
+              <a:defRPr cap="none" spc="0" sz="4000">
+                <a:latin typeface="Avenir Next Medium"/>
+                <a:ea typeface="Avenir Next Medium"/>
+                <a:cs typeface="Avenir Next Medium"/>
+                <a:sym typeface="Avenir Next Medium"/>
+              </a:defRPr>
+            </a:pPr>
+            <a:r>
+              <a:t>True Positive / False Negative + True Positive</a:t>
+            </a:r>
+          </a:p>
+        </p:txBody>
+      </p:sp>
     </p:spTree>
   </p:cSld>
   <p:clrMapOvr>
@@ -7515,77 +7593,107 @@
       </p:grpSpPr>
       <p:sp>
         <p:nvSpPr>
+          <p:cNvPr id="247" name="Shape 247"/>
+          <p:cNvSpPr/>
+          <p:nvPr>
+            <p:ph type="title"/>
+          </p:nvPr>
+        </p:nvSpPr>
+        <p:spPr>
+          <a:xfrm>
+            <a:off x="406400" y="1536700"/>
+            <a:ext cx="12192000" cy="1169261"/>
+          </a:xfrm>
+          <a:prstGeom prst="rect">
+            <a:avLst/>
+          </a:prstGeom>
+        </p:spPr>
+        <p:txBody>
+          <a:bodyPr/>
+          <a:lstStyle>
+            <a:lvl1pPr defTabSz="403097">
+              <a:spcBef>
+                <a:spcPts val="1900"/>
+              </a:spcBef>
+              <a:defRPr sz="8200"/>
+            </a:lvl1pPr>
+          </a:lstStyle>
+          <a:p>
+            <a:pPr/>
+            <a:r>
+              <a:t>Class prediction Error</a:t>
+            </a:r>
+          </a:p>
+        </p:txBody>
+      </p:sp>
+      <p:sp>
+        <p:nvSpPr>
           <p:cNvPr id="248" name="Shape 248"/>
           <p:cNvSpPr/>
           <p:nvPr>
-            <p:ph type="ctrTitle"/>
+            <p:ph type="body" sz="half" idx="1"/>
           </p:nvPr>
         </p:nvSpPr>
         <p:spPr>
-          <a:prstGeom prst="rect">
-            <a:avLst/>
-          </a:prstGeom>
-        </p:spPr>
-        <p:txBody>
-          <a:bodyPr/>
+          <a:xfrm>
+            <a:off x="406400" y="4237533"/>
+            <a:ext cx="12192000" cy="3462405"/>
+          </a:xfrm>
+          <a:prstGeom prst="rect">
+            <a:avLst/>
+          </a:prstGeom>
+        </p:spPr>
+        <p:txBody>
+          <a:bodyPr anchor="t"/>
           <a:lstStyle/>
           <a:p>
-            <a:pPr defTabSz="455675">
-              <a:defRPr sz="13259"/>
+            <a:pPr marL="550656" indent="-550656" defTabSz="455674">
+              <a:lnSpc>
+                <a:spcPct val="100000"/>
+              </a:lnSpc>
+              <a:spcBef>
+                <a:spcPts val="2100"/>
+              </a:spcBef>
+              <a:buSzPct val="40000"/>
+              <a:buBlip>
+                <a:blip r:embed="rId2"/>
+              </a:buBlip>
+              <a:defRPr cap="none" spc="0" sz="4900">
+                <a:latin typeface="Avenir Next Medium"/>
+                <a:ea typeface="Avenir Next Medium"/>
+                <a:cs typeface="Avenir Next Medium"/>
+                <a:sym typeface="Avenir Next Medium"/>
+              </a:defRPr>
             </a:pPr>
-          </a:p>
-        </p:txBody>
-      </p:sp>
-      <p:sp>
-        <p:nvSpPr>
-          <p:cNvPr id="249" name="Shape 249"/>
-          <p:cNvSpPr/>
-          <p:nvPr>
-            <p:ph type="subTitle" sz="quarter" idx="1"/>
-          </p:nvPr>
-        </p:nvSpPr>
-        <p:spPr>
-          <a:prstGeom prst="rect">
-            <a:avLst/>
-          </a:prstGeom>
-        </p:spPr>
-        <p:txBody>
-          <a:bodyPr/>
-          <a:lstStyle/>
-          <a:p>
-            <a:pPr/>
-          </a:p>
-        </p:txBody>
-      </p:sp>
-      <p:pic>
-        <p:nvPicPr>
-          <p:cNvPr id="250" name="learning_curve-1.png"/>
-          <p:cNvPicPr>
-            <a:picLocks noChangeAspect="1"/>
-          </p:cNvPicPr>
-          <p:nvPr/>
-        </p:nvPicPr>
-        <p:blipFill>
-          <a:blip r:embed="rId2">
-            <a:extLst/>
-          </a:blip>
-          <a:stretch>
-            <a:fillRect/>
-          </a:stretch>
-        </p:blipFill>
-        <p:spPr>
-          <a:xfrm>
-            <a:off x="-16934" y="457200"/>
-            <a:ext cx="13038667" cy="8964084"/>
-          </a:xfrm>
-          <a:prstGeom prst="rect">
-            <a:avLst/>
-          </a:prstGeom>
-          <a:ln w="12700">
-            <a:miter lim="400000"/>
-          </a:ln>
-        </p:spPr>
-      </p:pic>
+            <a:r>
+              <a:t>Derived from the confusion matrix</a:t>
+            </a:r>
+          </a:p>
+          <a:p>
+            <a:pPr marL="550656" indent="-550656" defTabSz="455674">
+              <a:lnSpc>
+                <a:spcPct val="100000"/>
+              </a:lnSpc>
+              <a:spcBef>
+                <a:spcPts val="2100"/>
+              </a:spcBef>
+              <a:buSzPct val="40000"/>
+              <a:buBlip>
+                <a:blip r:embed="rId2"/>
+              </a:buBlip>
+              <a:defRPr cap="none" spc="0" sz="4900">
+                <a:latin typeface="Avenir Next Medium"/>
+                <a:ea typeface="Avenir Next Medium"/>
+                <a:cs typeface="Avenir Next Medium"/>
+                <a:sym typeface="Avenir Next Medium"/>
+              </a:defRPr>
+            </a:pPr>
+            <a:r>
+              <a:t>Sometimes easier to interpret</a:t>
+            </a:r>
+          </a:p>
+        </p:txBody>
+      </p:sp>
     </p:spTree>
   </p:cSld>
   <p:clrMapOvr>
@@ -7614,17 +7722,13 @@
       </p:grpSpPr>
       <p:sp>
         <p:nvSpPr>
-          <p:cNvPr id="252" name="Shape 252"/>
+          <p:cNvPr id="250" name="Shape 250"/>
           <p:cNvSpPr/>
           <p:nvPr>
-            <p:ph type="title"/>
+            <p:ph type="ctrTitle"/>
           </p:nvPr>
         </p:nvSpPr>
         <p:spPr>
-          <a:xfrm>
-            <a:off x="2802101" y="4038600"/>
-            <a:ext cx="7400598" cy="4521200"/>
-          </a:xfrm>
           <a:prstGeom prst="rect">
             <a:avLst/>
           </a:prstGeom>
@@ -7633,13 +7737,62 @@
           <a:bodyPr/>
           <a:lstStyle/>
           <a:p>
+            <a:pPr defTabSz="455675">
+              <a:defRPr sz="13259"/>
+            </a:pPr>
+          </a:p>
+        </p:txBody>
+      </p:sp>
+      <p:sp>
+        <p:nvSpPr>
+          <p:cNvPr id="251" name="Shape 251"/>
+          <p:cNvSpPr/>
+          <p:nvPr>
+            <p:ph type="subTitle" sz="quarter" idx="1"/>
+          </p:nvPr>
+        </p:nvSpPr>
+        <p:spPr>
+          <a:prstGeom prst="rect">
+            <a:avLst/>
+          </a:prstGeom>
+        </p:spPr>
+        <p:txBody>
+          <a:bodyPr/>
+          <a:lstStyle/>
+          <a:p>
             <a:pPr/>
-            <a:r>
-              <a:t>Exercises</a:t>
-            </a:r>
-          </a:p>
-        </p:txBody>
-      </p:sp>
+          </a:p>
+        </p:txBody>
+      </p:sp>
+      <p:pic>
+        <p:nvPicPr>
+          <p:cNvPr id="252" name="pasted-image.png"/>
+          <p:cNvPicPr>
+            <a:picLocks noChangeAspect="1"/>
+          </p:cNvPicPr>
+          <p:nvPr/>
+        </p:nvPicPr>
+        <p:blipFill>
+          <a:blip r:embed="rId2">
+            <a:extLst/>
+          </a:blip>
+          <a:stretch>
+            <a:fillRect/>
+          </a:stretch>
+        </p:blipFill>
+        <p:spPr>
+          <a:xfrm>
+            <a:off x="152400" y="694266"/>
+            <a:ext cx="12527941" cy="8612961"/>
+          </a:xfrm>
+          <a:prstGeom prst="rect">
+            <a:avLst/>
+          </a:prstGeom>
+          <a:ln w="12700">
+            <a:miter lim="400000"/>
+          </a:ln>
+        </p:spPr>
+      </p:pic>
     </p:spTree>
   </p:cSld>
   <p:clrMapOvr>
@@ -7666,19 +7819,40 @@
           <a:chExt cx="0" cy="0"/>
         </a:xfrm>
       </p:grpSpPr>
-      <p:sp>
-        <p:nvSpPr>
-          <p:cNvPr id="254" name="Shape 254"/>
+      <p:pic>
+        <p:nvPicPr>
+          <p:cNvPr id="254" name="pasted-image.jpeg"/>
+          <p:cNvPicPr>
+            <a:picLocks noChangeAspect="1"/>
+          </p:cNvPicPr>
+          <p:nvPr>
+            <p:ph type="pic" idx="13"/>
+          </p:nvPr>
+        </p:nvPicPr>
+        <p:blipFill>
+          <a:blip r:embed="rId2">
+            <a:extLst/>
+          </a:blip>
+          <a:srcRect l="29428" t="0" r="29428" b="0"/>
+          <a:stretch>
+            <a:fillRect/>
+          </a:stretch>
+        </p:blipFill>
+        <p:spPr>
+          <a:prstGeom prst="rect">
+            <a:avLst/>
+          </a:prstGeom>
+        </p:spPr>
+      </p:pic>
+      <p:sp>
+        <p:nvSpPr>
+          <p:cNvPr id="255" name="Shape 255"/>
           <p:cNvSpPr/>
           <p:nvPr>
             <p:ph type="title"/>
           </p:nvPr>
         </p:nvSpPr>
         <p:spPr>
-          <a:xfrm>
-            <a:off x="406400" y="1536700"/>
-            <a:ext cx="12192000" cy="1169260"/>
-          </a:xfrm>
           <a:prstGeom prst="rect">
             <a:avLst/>
           </a:prstGeom>
@@ -7686,34 +7860,27 @@
         <p:txBody>
           <a:bodyPr/>
           <a:lstStyle>
-            <a:lvl1pPr defTabSz="403097">
-              <a:spcBef>
-                <a:spcPts val="1900"/>
-              </a:spcBef>
-              <a:defRPr sz="8280"/>
+            <a:lvl1pPr>
+              <a:defRPr sz="9600"/>
             </a:lvl1pPr>
           </a:lstStyle>
           <a:p>
             <a:pPr/>
             <a:r>
-              <a:t>Polynomial Regression</a:t>
-            </a:r>
-          </a:p>
-        </p:txBody>
-      </p:sp>
-      <p:sp>
-        <p:nvSpPr>
-          <p:cNvPr id="255" name="Shape 255"/>
+              <a:t>Yellowbrick</a:t>
+            </a:r>
+          </a:p>
+        </p:txBody>
+      </p:sp>
+      <p:sp>
+        <p:nvSpPr>
+          <p:cNvPr id="256" name="Shape 256"/>
           <p:cNvSpPr/>
           <p:nvPr>
-            <p:ph type="body" idx="1"/>
+            <p:ph type="body" sz="quarter" idx="1"/>
           </p:nvPr>
         </p:nvSpPr>
         <p:spPr>
-          <a:xfrm>
-            <a:off x="406400" y="2570901"/>
-            <a:ext cx="12192000" cy="6465998"/>
-          </a:xfrm>
           <a:prstGeom prst="rect">
             <a:avLst/>
           </a:prstGeom>
@@ -7722,70 +7889,9 @@
           <a:bodyPr/>
           <a:lstStyle/>
           <a:p>
-            <a:pPr marL="670672" indent="-670672" defTabSz="554990">
-              <a:spcBef>
-                <a:spcPts val="2600"/>
-              </a:spcBef>
-              <a:buClrTx/>
-              <a:buSzPct val="40000"/>
-              <a:buFontTx/>
-              <a:buBlip>
-                <a:blip r:embed="rId2"/>
-              </a:buBlip>
-              <a:defRPr sz="6080"/>
-            </a:pPr>
-          </a:p>
-          <a:p>
-            <a:pPr marL="670672" indent="-670672" defTabSz="554990">
-              <a:spcBef>
-                <a:spcPts val="2600"/>
-              </a:spcBef>
-              <a:buClrTx/>
-              <a:buSzPct val="40000"/>
-              <a:buFontTx/>
-              <a:buBlip>
-                <a:blip r:embed="rId2"/>
-              </a:buBlip>
-              <a:defRPr sz="6080"/>
-            </a:pPr>
-            <a:r>
-              <a:rPr>
-                <a:solidFill>
-                  <a:srgbClr val="A7A7A7"/>
-                </a:solidFill>
-              </a:rPr>
-              <a:t>Feature engineering</a:t>
-            </a:r>
-            <a:r>
-              <a:t>: </a:t>
-            </a:r>
-            <a:r>
-              <a:rPr>
-                <a:solidFill>
-                  <a:schemeClr val="accent3"/>
-                </a:solidFill>
-              </a:rPr>
-              <a:t>data is modified</a:t>
-            </a:r>
-            <a:r>
-              <a:t>, not the model</a:t>
-            </a:r>
-          </a:p>
-          <a:p>
-            <a:pPr marL="670672" indent="-670672" defTabSz="554990">
-              <a:spcBef>
-                <a:spcPts val="2600"/>
-              </a:spcBef>
-              <a:buClrTx/>
-              <a:buSzPct val="40000"/>
-              <a:buFontTx/>
-              <a:buBlip>
-                <a:blip r:embed="rId2"/>
-              </a:buBlip>
-              <a:defRPr sz="6080"/>
-            </a:pPr>
-            <a:r>
-              <a:t>New column is the square of the original column (or cube, etc)</a:t>
+            <a:pPr/>
+            <a:r>
+              <a:t>Introducing</a:t>
             </a:r>
           </a:p>
         </p:txBody>
@@ -7818,7 +7924,7 @@
       </p:grpSpPr>
       <p:sp>
         <p:nvSpPr>
-          <p:cNvPr id="257" name="Shape 257"/>
+          <p:cNvPr id="258" name="Shape 258"/>
           <p:cNvSpPr/>
           <p:nvPr>
             <p:ph type="title"/>
@@ -7827,7 +7933,7 @@
         <p:spPr>
           <a:xfrm>
             <a:off x="406400" y="1536700"/>
-            <a:ext cx="12192000" cy="1169260"/>
+            <a:ext cx="12192000" cy="1169261"/>
           </a:xfrm>
           <a:prstGeom prst="rect">
             <a:avLst/>
@@ -7840,105 +7946,81 @@
               <a:spcBef>
                 <a:spcPts val="1900"/>
               </a:spcBef>
-              <a:defRPr sz="8280"/>
+              <a:defRPr sz="8200"/>
             </a:lvl1pPr>
           </a:lstStyle>
           <a:p>
             <a:pPr/>
             <a:r>
-              <a:t>Linear Regression</a:t>
-            </a:r>
-          </a:p>
-        </p:txBody>
-      </p:sp>
-      <p:sp>
-        <p:nvSpPr>
-          <p:cNvPr id="258" name="Shape 258"/>
-          <p:cNvSpPr/>
-          <p:nvPr/>
-        </p:nvSpPr>
-        <p:spPr>
-          <a:xfrm>
-            <a:off x="656526" y="4571724"/>
-            <a:ext cx="12136011" cy="1333501"/>
-          </a:xfrm>
-          <a:prstGeom prst="rect">
-            <a:avLst/>
-          </a:prstGeom>
-          <a:ln w="12700">
-            <a:miter lim="400000"/>
-          </a:ln>
-          <a:extLst>
-            <a:ext uri="{C572A759-6A51-4108-AA02-DFA0A04FC94B}">
-              <ma14:wrappingTextBoxFlag xmlns:ma14="http://schemas.microsoft.com/office/mac/drawingml/2011/main" val="1"/>
-            </a:ext>
-          </a:extLst>
-        </p:spPr>
-        <p:txBody>
-          <a:bodyPr lIns="50800" tIns="50800" rIns="50800" bIns="50800" anchor="ctr">
-            <a:spAutoFit/>
-          </a:bodyPr>
+              <a:t>Yellowbrick</a:t>
+            </a:r>
+          </a:p>
+        </p:txBody>
+      </p:sp>
+      <p:sp>
+        <p:nvSpPr>
+          <p:cNvPr id="259" name="Shape 259"/>
+          <p:cNvSpPr/>
+          <p:nvPr>
+            <p:ph type="body" sz="half" idx="1"/>
+          </p:nvPr>
+        </p:nvSpPr>
+        <p:spPr>
+          <a:xfrm>
+            <a:off x="406400" y="4538100"/>
+            <a:ext cx="12192000" cy="2531601"/>
+          </a:xfrm>
+          <a:prstGeom prst="rect">
+            <a:avLst/>
+          </a:prstGeom>
+        </p:spPr>
+        <p:txBody>
+          <a:bodyPr anchor="t"/>
           <a:lstStyle/>
           <a:p>
-            <a:pPr>
-              <a:defRPr sz="8100">
-                <a:solidFill>
-                  <a:srgbClr val="838787"/>
-                </a:solidFill>
-                <a:latin typeface="Anonymous Pro for Powerline"/>
-                <a:ea typeface="Anonymous Pro for Powerline"/>
-                <a:cs typeface="Anonymous Pro for Powerline"/>
-                <a:sym typeface="Anonymous Pro for Powerline"/>
+            <a:pPr marL="550656" indent="-550656" defTabSz="455674">
+              <a:lnSpc>
+                <a:spcPct val="100000"/>
+              </a:lnSpc>
+              <a:spcBef>
+                <a:spcPts val="2100"/>
+              </a:spcBef>
+              <a:buSzPct val="40000"/>
+              <a:buBlip>
+                <a:blip r:embed="rId2"/>
+              </a:buBlip>
+              <a:defRPr cap="none" spc="0" sz="4900">
+                <a:latin typeface="Avenir Next Medium"/>
+                <a:ea typeface="Avenir Next Medium"/>
+                <a:cs typeface="Avenir Next Medium"/>
+                <a:sym typeface="Avenir Next Medium"/>
               </a:defRPr>
             </a:pPr>
             <a:r>
-              <a:rPr>
-                <a:solidFill>
-                  <a:schemeClr val="accent5"/>
-                </a:solidFill>
-              </a:rPr>
-              <a:t>y</a:t>
-            </a:r>
-            <a:r>
-              <a:t> = 2</a:t>
-            </a:r>
-            <a:r>
-              <a:rPr>
-                <a:solidFill>
-                  <a:schemeClr val="accent3"/>
-                </a:solidFill>
-              </a:rPr>
-              <a:t>x</a:t>
-            </a:r>
-            <a:r>
-              <a:rPr baseline="-5999">
-                <a:solidFill>
-                  <a:schemeClr val="accent3"/>
-                </a:solidFill>
-              </a:rPr>
-              <a:t>0</a:t>
-            </a:r>
-            <a:r>
-              <a:t> + 3</a:t>
-            </a:r>
-            <a:r>
-              <a:rPr>
-                <a:solidFill>
-                  <a:schemeClr val="accent3"/>
-                </a:solidFill>
-              </a:rPr>
-              <a:t>x</a:t>
-            </a:r>
-            <a:r>
-              <a:rPr baseline="-5999">
-                <a:solidFill>
-                  <a:schemeClr val="accent3"/>
-                </a:solidFill>
-              </a:rPr>
-              <a:t>1 </a:t>
-            </a:r>
-            <a:r>
-              <a:t>+ … + 1</a:t>
+              <a:t>Diagnostic visualizations! Automatic!</a:t>
+            </a:r>
+          </a:p>
+          <a:p>
+            <a:pPr marL="550656" indent="-550656" defTabSz="455674">
+              <a:lnSpc>
+                <a:spcPct val="100000"/>
+              </a:lnSpc>
+              <a:spcBef>
+                <a:spcPts val="2100"/>
+              </a:spcBef>
+              <a:buSzPct val="40000"/>
+              <a:buBlip>
+                <a:blip r:embed="rId2"/>
+              </a:buBlip>
+              <a:defRPr cap="none" spc="0" sz="4900">
+                <a:latin typeface="Avenir Next Medium"/>
+                <a:ea typeface="Avenir Next Medium"/>
+                <a:cs typeface="Avenir Next Medium"/>
+                <a:sym typeface="Avenir Next Medium"/>
+              </a:defRPr>
+            </a:pPr>
+            <a:r>
+              <a:t>Built to integrate with scikit-learn</a:t>
             </a:r>
           </a:p>
         </p:txBody>
@@ -7971,7 +8053,7 @@
       </p:grpSpPr>
       <p:sp>
         <p:nvSpPr>
-          <p:cNvPr id="260" name="Shape 260"/>
+          <p:cNvPr id="261" name="Shape 261"/>
           <p:cNvSpPr/>
           <p:nvPr>
             <p:ph type="title"/>
@@ -7980,7 +8062,7 @@
         <p:spPr>
           <a:xfrm>
             <a:off x="406400" y="1536700"/>
-            <a:ext cx="12192000" cy="1169260"/>
+            <a:ext cx="12192000" cy="1169261"/>
           </a:xfrm>
           <a:prstGeom prst="rect">
             <a:avLst/>
@@ -7993,27 +8075,27 @@
               <a:spcBef>
                 <a:spcPts val="1900"/>
               </a:spcBef>
-              <a:defRPr sz="8280"/>
+              <a:defRPr sz="8200"/>
             </a:lvl1pPr>
           </a:lstStyle>
           <a:p>
             <a:pPr/>
             <a:r>
-              <a:t>Polynomial Regression</a:t>
-            </a:r>
-          </a:p>
-        </p:txBody>
-      </p:sp>
-      <p:sp>
-        <p:nvSpPr>
-          <p:cNvPr id="261" name="Shape 261"/>
+              <a:t>Example</a:t>
+            </a:r>
+          </a:p>
+        </p:txBody>
+      </p:sp>
+      <p:sp>
+        <p:nvSpPr>
+          <p:cNvPr id="262" name="Shape 262"/>
           <p:cNvSpPr/>
           <p:nvPr/>
         </p:nvSpPr>
         <p:spPr>
           <a:xfrm>
-            <a:off x="656526" y="4571724"/>
-            <a:ext cx="12136011" cy="1333501"/>
+            <a:off x="341871" y="3502687"/>
+            <a:ext cx="12776829" cy="4673601"/>
           </a:xfrm>
           <a:prstGeom prst="rect">
             <a:avLst/>
@@ -8034,7 +8116,7 @@
           <a:lstStyle/>
           <a:p>
             <a:pPr>
-              <a:defRPr sz="8100">
+              <a:defRPr sz="6000">
                 <a:solidFill>
                   <a:srgbClr val="838787"/>
                 </a:solidFill>
@@ -8045,88 +8127,12 @@
               </a:defRPr>
             </a:pPr>
             <a:r>
-              <a:rPr>
-                <a:solidFill>
-                  <a:schemeClr val="accent5"/>
-                </a:solidFill>
-              </a:rPr>
-              <a:t>y</a:t>
-            </a:r>
-            <a:r>
-              <a:t> = 2</a:t>
-            </a:r>
-            <a:r>
-              <a:rPr>
-                <a:solidFill>
-                  <a:schemeClr val="accent3"/>
-                </a:solidFill>
-              </a:rPr>
-              <a:t>x</a:t>
-            </a:r>
-            <a:r>
-              <a:rPr baseline="-5999">
-                <a:solidFill>
-                  <a:schemeClr val="accent3"/>
-                </a:solidFill>
-              </a:rPr>
-              <a:t>0</a:t>
-            </a:r>
-            <a:r>
-              <a:t> + 3</a:t>
-            </a:r>
-            <a:r>
-              <a:rPr>
-                <a:solidFill>
-                  <a:schemeClr val="accent3"/>
-                </a:solidFill>
-              </a:rPr>
-              <a:t>x</a:t>
-            </a:r>
-            <a:r>
-              <a:rPr baseline="-5999">
-                <a:solidFill>
-                  <a:schemeClr val="accent3"/>
-                </a:solidFill>
-              </a:rPr>
-              <a:t>1 </a:t>
-            </a:r>
-            <a:r>
-              <a:t>+ … + 1</a:t>
-            </a:r>
-          </a:p>
-        </p:txBody>
-      </p:sp>
-      <p:sp>
-        <p:nvSpPr>
-          <p:cNvPr id="262" name="Shape 262"/>
-          <p:cNvSpPr/>
-          <p:nvPr/>
-        </p:nvSpPr>
-        <p:spPr>
-          <a:xfrm>
-            <a:off x="1838187" y="6004983"/>
-            <a:ext cx="10483889" cy="1333501"/>
-          </a:xfrm>
-          <a:prstGeom prst="rect">
-            <a:avLst/>
-          </a:prstGeom>
-          <a:ln w="12700">
-            <a:miter lim="400000"/>
-          </a:ln>
-          <a:extLst>
-            <a:ext uri="{C572A759-6A51-4108-AA02-DFA0A04FC94B}">
-              <ma14:wrappingTextBoxFlag xmlns:ma14="http://schemas.microsoft.com/office/mac/drawingml/2011/main" val="1"/>
-            </a:ext>
-          </a:extLst>
-        </p:spPr>
-        <p:txBody>
-          <a:bodyPr lIns="50800" tIns="50800" rIns="50800" bIns="50800" anchor="ctr">
-            <a:spAutoFit/>
-          </a:bodyPr>
-          <a:lstStyle/>
+              <a:t>cm = ConfusionMatrix(model)</a:t>
+            </a:r>
+          </a:p>
           <a:p>
             <a:pPr>
-              <a:defRPr sz="8100">
+              <a:defRPr sz="6000">
                 <a:solidFill>
                   <a:srgbClr val="838787"/>
                 </a:solidFill>
@@ -8137,69 +8143,39 @@
               </a:defRPr>
             </a:pPr>
             <a:r>
-              <a:t>+ 1</a:t>
-            </a:r>
-            <a:r>
-              <a:rPr>
-                <a:solidFill>
-                  <a:schemeClr val="accent3"/>
-                </a:solidFill>
-              </a:rPr>
-              <a:t>x</a:t>
-            </a:r>
-            <a:r>
-              <a:rPr baseline="-5999">
-                <a:solidFill>
-                  <a:schemeClr val="accent3"/>
-                </a:solidFill>
-              </a:rPr>
-              <a:t>0</a:t>
-            </a:r>
-            <a:r>
-              <a:rPr baseline="31999">
-                <a:solidFill>
-                  <a:schemeClr val="accent3"/>
-                </a:solidFill>
-              </a:rPr>
-              <a:t>2</a:t>
-            </a:r>
-            <a:r>
-              <a:t> + 2</a:t>
-            </a:r>
-            <a:r>
-              <a:rPr>
-                <a:solidFill>
-                  <a:schemeClr val="accent3"/>
-                </a:solidFill>
-              </a:rPr>
-              <a:t>x</a:t>
-            </a:r>
-            <a:r>
-              <a:rPr baseline="-5999">
-                <a:solidFill>
-                  <a:schemeClr val="accent3"/>
-                </a:solidFill>
-              </a:rPr>
-              <a:t>1</a:t>
-            </a:r>
-            <a:r>
-              <a:rPr baseline="31999">
-                <a:solidFill>
-                  <a:schemeClr val="accent3"/>
-                </a:solidFill>
-              </a:rPr>
-              <a:t>2</a:t>
-            </a:r>
-            <a:r>
-              <a:rPr baseline="-5999">
-                <a:solidFill>
-                  <a:schemeClr val="accent3"/>
-                </a:solidFill>
-              </a:rPr>
-              <a:t> </a:t>
-            </a:r>
-            <a:r>
-              <a:t>+ …</a:t>
+              <a:t>cm.fit(X_train, y_train)</a:t>
+            </a:r>
+          </a:p>
+          <a:p>
+            <a:pPr>
+              <a:defRPr sz="6000">
+                <a:solidFill>
+                  <a:srgbClr val="838787"/>
+                </a:solidFill>
+                <a:latin typeface="Anonymous Pro for Powerline"/>
+                <a:ea typeface="Anonymous Pro for Powerline"/>
+                <a:cs typeface="Anonymous Pro for Powerline"/>
+                <a:sym typeface="Anonymous Pro for Powerline"/>
+              </a:defRPr>
+            </a:pPr>
+            <a:r>
+              <a:t>cm.score(X_test, y_test)</a:t>
+            </a:r>
+          </a:p>
+          <a:p>
+            <a:pPr>
+              <a:defRPr sz="6000">
+                <a:solidFill>
+                  <a:srgbClr val="838787"/>
+                </a:solidFill>
+                <a:latin typeface="Anonymous Pro for Powerline"/>
+                <a:ea typeface="Anonymous Pro for Powerline"/>
+                <a:cs typeface="Anonymous Pro for Powerline"/>
+                <a:sym typeface="Anonymous Pro for Powerline"/>
+              </a:defRPr>
+            </a:pPr>
+            <a:r>
+              <a:t>cm.finalize()</a:t>
             </a:r>
           </a:p>
         </p:txBody>
@@ -8240,8 +8216,8 @@
         </p:nvSpPr>
         <p:spPr>
           <a:xfrm>
-            <a:off x="406400" y="1536700"/>
-            <a:ext cx="12192000" cy="1169260"/>
+            <a:off x="2802101" y="4038600"/>
+            <a:ext cx="7400598" cy="4521200"/>
           </a:xfrm>
           <a:prstGeom prst="rect">
             <a:avLst/>
@@ -8249,326 +8225,11 @@
         </p:spPr>
         <p:txBody>
           <a:bodyPr/>
-          <a:lstStyle>
-            <a:lvl1pPr defTabSz="403097">
-              <a:spcBef>
-                <a:spcPts val="1900"/>
-              </a:spcBef>
-              <a:defRPr sz="8280"/>
-            </a:lvl1pPr>
-          </a:lstStyle>
+          <a:lstStyle/>
           <a:p>
             <a:pPr/>
             <a:r>
-              <a:t>Polynomial Regression</a:t>
-            </a:r>
-          </a:p>
-        </p:txBody>
-      </p:sp>
-      <p:sp>
-        <p:nvSpPr>
-          <p:cNvPr id="265" name="Shape 265"/>
-          <p:cNvSpPr/>
-          <p:nvPr/>
-        </p:nvSpPr>
-        <p:spPr>
-          <a:xfrm>
-            <a:off x="656526" y="4571724"/>
-            <a:ext cx="12136011" cy="1333501"/>
-          </a:xfrm>
-          <a:prstGeom prst="rect">
-            <a:avLst/>
-          </a:prstGeom>
-          <a:ln w="12700">
-            <a:miter lim="400000"/>
-          </a:ln>
-          <a:extLst>
-            <a:ext uri="{C572A759-6A51-4108-AA02-DFA0A04FC94B}">
-              <ma14:wrappingTextBoxFlag xmlns:ma14="http://schemas.microsoft.com/office/mac/drawingml/2011/main" val="1"/>
-            </a:ext>
-          </a:extLst>
-        </p:spPr>
-        <p:txBody>
-          <a:bodyPr lIns="50800" tIns="50800" rIns="50800" bIns="50800" anchor="ctr">
-            <a:spAutoFit/>
-          </a:bodyPr>
-          <a:lstStyle/>
-          <a:p>
-            <a:pPr>
-              <a:defRPr sz="8100">
-                <a:solidFill>
-                  <a:srgbClr val="838787"/>
-                </a:solidFill>
-                <a:latin typeface="Anonymous Pro for Powerline"/>
-                <a:ea typeface="Anonymous Pro for Powerline"/>
-                <a:cs typeface="Anonymous Pro for Powerline"/>
-                <a:sym typeface="Anonymous Pro for Powerline"/>
-              </a:defRPr>
-            </a:pPr>
-            <a:r>
-              <a:rPr>
-                <a:solidFill>
-                  <a:schemeClr val="accent5"/>
-                </a:solidFill>
-              </a:rPr>
-              <a:t>y</a:t>
-            </a:r>
-            <a:r>
-              <a:t> = 2</a:t>
-            </a:r>
-            <a:r>
-              <a:rPr>
-                <a:solidFill>
-                  <a:schemeClr val="accent3"/>
-                </a:solidFill>
-              </a:rPr>
-              <a:t>x</a:t>
-            </a:r>
-            <a:r>
-              <a:rPr baseline="-5999">
-                <a:solidFill>
-                  <a:schemeClr val="accent3"/>
-                </a:solidFill>
-              </a:rPr>
-              <a:t>0</a:t>
-            </a:r>
-            <a:r>
-              <a:t> + 3</a:t>
-            </a:r>
-            <a:r>
-              <a:rPr>
-                <a:solidFill>
-                  <a:schemeClr val="accent3"/>
-                </a:solidFill>
-              </a:rPr>
-              <a:t>x</a:t>
-            </a:r>
-            <a:r>
-              <a:rPr baseline="-5999">
-                <a:solidFill>
-                  <a:schemeClr val="accent3"/>
-                </a:solidFill>
-              </a:rPr>
-              <a:t>1 </a:t>
-            </a:r>
-            <a:r>
-              <a:t>+ … + 1</a:t>
-            </a:r>
-          </a:p>
-        </p:txBody>
-      </p:sp>
-      <p:sp>
-        <p:nvSpPr>
-          <p:cNvPr id="266" name="Shape 266"/>
-          <p:cNvSpPr/>
-          <p:nvPr/>
-        </p:nvSpPr>
-        <p:spPr>
-          <a:xfrm>
-            <a:off x="1838187" y="6055783"/>
-            <a:ext cx="10483889" cy="1333501"/>
-          </a:xfrm>
-          <a:prstGeom prst="rect">
-            <a:avLst/>
-          </a:prstGeom>
-          <a:ln w="12700">
-            <a:miter lim="400000"/>
-          </a:ln>
-          <a:extLst>
-            <a:ext uri="{C572A759-6A51-4108-AA02-DFA0A04FC94B}">
-              <ma14:wrappingTextBoxFlag xmlns:ma14="http://schemas.microsoft.com/office/mac/drawingml/2011/main" val="1"/>
-            </a:ext>
-          </a:extLst>
-        </p:spPr>
-        <p:txBody>
-          <a:bodyPr lIns="50800" tIns="50800" rIns="50800" bIns="50800" anchor="ctr">
-            <a:spAutoFit/>
-          </a:bodyPr>
-          <a:lstStyle/>
-          <a:p>
-            <a:pPr>
-              <a:defRPr sz="8100">
-                <a:solidFill>
-                  <a:srgbClr val="838787"/>
-                </a:solidFill>
-                <a:latin typeface="Anonymous Pro for Powerline"/>
-                <a:ea typeface="Anonymous Pro for Powerline"/>
-                <a:cs typeface="Anonymous Pro for Powerline"/>
-                <a:sym typeface="Anonymous Pro for Powerline"/>
-              </a:defRPr>
-            </a:pPr>
-            <a:r>
-              <a:t>+ 1</a:t>
-            </a:r>
-            <a:r>
-              <a:rPr>
-                <a:solidFill>
-                  <a:schemeClr val="accent3"/>
-                </a:solidFill>
-              </a:rPr>
-              <a:t>x</a:t>
-            </a:r>
-            <a:r>
-              <a:rPr baseline="-5999">
-                <a:solidFill>
-                  <a:schemeClr val="accent3"/>
-                </a:solidFill>
-              </a:rPr>
-              <a:t>0</a:t>
-            </a:r>
-            <a:r>
-              <a:rPr baseline="31999">
-                <a:solidFill>
-                  <a:schemeClr val="accent3"/>
-                </a:solidFill>
-              </a:rPr>
-              <a:t>2</a:t>
-            </a:r>
-            <a:r>
-              <a:t> + 2</a:t>
-            </a:r>
-            <a:r>
-              <a:rPr>
-                <a:solidFill>
-                  <a:schemeClr val="accent3"/>
-                </a:solidFill>
-              </a:rPr>
-              <a:t>x</a:t>
-            </a:r>
-            <a:r>
-              <a:rPr baseline="-5999">
-                <a:solidFill>
-                  <a:schemeClr val="accent3"/>
-                </a:solidFill>
-              </a:rPr>
-              <a:t>1</a:t>
-            </a:r>
-            <a:r>
-              <a:rPr baseline="31999">
-                <a:solidFill>
-                  <a:schemeClr val="accent3"/>
-                </a:solidFill>
-              </a:rPr>
-              <a:t>2</a:t>
-            </a:r>
-            <a:r>
-              <a:rPr baseline="-5999">
-                <a:solidFill>
-                  <a:schemeClr val="accent3"/>
-                </a:solidFill>
-              </a:rPr>
-              <a:t> </a:t>
-            </a:r>
-            <a:r>
-              <a:t>+ …</a:t>
-            </a:r>
-          </a:p>
-        </p:txBody>
-      </p:sp>
-      <p:sp>
-        <p:nvSpPr>
-          <p:cNvPr id="267" name="Shape 267"/>
-          <p:cNvSpPr/>
-          <p:nvPr/>
-        </p:nvSpPr>
-        <p:spPr>
-          <a:xfrm>
-            <a:off x="1838187" y="7466188"/>
-            <a:ext cx="10483889" cy="1333501"/>
-          </a:xfrm>
-          <a:prstGeom prst="rect">
-            <a:avLst/>
-          </a:prstGeom>
-          <a:ln w="12700">
-            <a:miter lim="400000"/>
-          </a:ln>
-          <a:extLst>
-            <a:ext uri="{C572A759-6A51-4108-AA02-DFA0A04FC94B}">
-              <ma14:wrappingTextBoxFlag xmlns:ma14="http://schemas.microsoft.com/office/mac/drawingml/2011/main" val="1"/>
-            </a:ext>
-          </a:extLst>
-        </p:spPr>
-        <p:txBody>
-          <a:bodyPr lIns="50800" tIns="50800" rIns="50800" bIns="50800" anchor="ctr">
-            <a:spAutoFit/>
-          </a:bodyPr>
-          <a:lstStyle/>
-          <a:p>
-            <a:pPr>
-              <a:defRPr sz="8100">
-                <a:solidFill>
-                  <a:srgbClr val="838787"/>
-                </a:solidFill>
-                <a:latin typeface="Anonymous Pro for Powerline"/>
-                <a:ea typeface="Anonymous Pro for Powerline"/>
-                <a:cs typeface="Anonymous Pro for Powerline"/>
-                <a:sym typeface="Anonymous Pro for Powerline"/>
-              </a:defRPr>
-            </a:pPr>
-            <a:r>
-              <a:t>+ 3</a:t>
-            </a:r>
-            <a:r>
-              <a:rPr>
-                <a:solidFill>
-                  <a:schemeClr val="accent3"/>
-                </a:solidFill>
-              </a:rPr>
-              <a:t>x</a:t>
-            </a:r>
-            <a:r>
-              <a:rPr baseline="-5999">
-                <a:solidFill>
-                  <a:schemeClr val="accent3"/>
-                </a:solidFill>
-              </a:rPr>
-              <a:t>0</a:t>
-            </a:r>
-            <a:r>
-              <a:rPr baseline="31999">
-                <a:solidFill>
-                  <a:schemeClr val="accent3"/>
-                </a:solidFill>
-              </a:rPr>
-              <a:t>3</a:t>
-            </a:r>
-            <a:r>
-              <a:t> + 1</a:t>
-            </a:r>
-            <a:r>
-              <a:rPr>
-                <a:solidFill>
-                  <a:schemeClr val="accent3"/>
-                </a:solidFill>
-              </a:rPr>
-              <a:t>x</a:t>
-            </a:r>
-            <a:r>
-              <a:rPr baseline="-5999">
-                <a:solidFill>
-                  <a:schemeClr val="accent3"/>
-                </a:solidFill>
-              </a:rPr>
-              <a:t>1</a:t>
-            </a:r>
-            <a:r>
-              <a:rPr baseline="31999">
-                <a:solidFill>
-                  <a:schemeClr val="accent3"/>
-                </a:solidFill>
-              </a:rPr>
-              <a:t>3</a:t>
-            </a:r>
-            <a:r>
-              <a:rPr baseline="-5999">
-                <a:solidFill>
-                  <a:schemeClr val="accent3"/>
-                </a:solidFill>
-              </a:rPr>
-              <a:t> </a:t>
-            </a:r>
-            <a:r>
-              <a:t>+ …</a:t>
+              <a:t>Exercises</a:t>
             </a:r>
           </a:p>
         </p:txBody>
@@ -8601,13 +8262,17 @@
       </p:grpSpPr>
       <p:sp>
         <p:nvSpPr>
-          <p:cNvPr id="269" name="Shape 269"/>
+          <p:cNvPr id="266" name="Shape 266"/>
           <p:cNvSpPr/>
           <p:nvPr>
-            <p:ph type="ctrTitle"/>
+            <p:ph type="title"/>
           </p:nvPr>
         </p:nvSpPr>
         <p:spPr>
+          <a:xfrm>
+            <a:off x="2846259" y="3431873"/>
+            <a:ext cx="11678304" cy="3602707"/>
+          </a:xfrm>
           <a:prstGeom prst="rect">
             <a:avLst/>
           </a:prstGeom>
@@ -8616,62 +8281,23 @@
           <a:bodyPr/>
           <a:lstStyle/>
           <a:p>
-            <a:pPr defTabSz="455675">
-              <a:defRPr sz="13259"/>
+            <a:pPr defTabSz="467359">
+              <a:defRPr sz="13600"/>
             </a:pPr>
-          </a:p>
-        </p:txBody>
-      </p:sp>
-      <p:sp>
-        <p:nvSpPr>
-          <p:cNvPr id="270" name="Shape 270"/>
-          <p:cNvSpPr/>
-          <p:nvPr>
-            <p:ph type="subTitle" sz="quarter" idx="1"/>
-          </p:nvPr>
-        </p:nvSpPr>
-        <p:spPr>
-          <a:prstGeom prst="rect">
-            <a:avLst/>
-          </a:prstGeom>
-        </p:spPr>
-        <p:txBody>
-          <a:bodyPr/>
-          <a:lstStyle/>
-          <a:p>
-            <a:pPr/>
-          </a:p>
-        </p:txBody>
-      </p:sp>
-      <p:pic>
-        <p:nvPicPr>
-          <p:cNvPr id="271" name="7thorder.png"/>
-          <p:cNvPicPr>
-            <a:picLocks noChangeAspect="1"/>
-          </p:cNvPicPr>
-          <p:nvPr/>
-        </p:nvPicPr>
-        <p:blipFill>
-          <a:blip r:embed="rId2">
-            <a:extLst/>
-          </a:blip>
-          <a:stretch>
-            <a:fillRect/>
-          </a:stretch>
-        </p:blipFill>
-        <p:spPr>
-          <a:xfrm>
-            <a:off x="-31750" y="306916"/>
-            <a:ext cx="13068300" cy="9039129"/>
-          </a:xfrm>
-          <a:prstGeom prst="rect">
-            <a:avLst/>
-          </a:prstGeom>
-          <a:ln w="12700">
-            <a:miter lim="400000"/>
-          </a:ln>
-        </p:spPr>
-      </p:pic>
+            <a:r>
+              <a:t>Handling </a:t>
+            </a:r>
+          </a:p>
+          <a:p>
+            <a:pPr defTabSz="467359">
+              <a:defRPr sz="13600"/>
+            </a:pPr>
+            <a:r>
+              <a:t>Missing Data</a:t>
+            </a:r>
+          </a:p>
+        </p:txBody>
+      </p:sp>
     </p:spTree>
   </p:cSld>
   <p:clrMapOvr>
@@ -8700,7 +8326,7 @@
       </p:grpSpPr>
       <p:sp>
         <p:nvSpPr>
-          <p:cNvPr id="273" name="Shape 273"/>
+          <p:cNvPr id="268" name="Shape 268"/>
           <p:cNvSpPr/>
           <p:nvPr>
             <p:ph type="title"/>
@@ -8709,7 +8335,7 @@
         <p:spPr>
           <a:xfrm>
             <a:off x="406400" y="1536700"/>
-            <a:ext cx="12192000" cy="1169260"/>
+            <a:ext cx="12192000" cy="1169261"/>
           </a:xfrm>
           <a:prstGeom prst="rect">
             <a:avLst/>
@@ -8722,74 +8348,61 @@
               <a:spcBef>
                 <a:spcPts val="1900"/>
               </a:spcBef>
-              <a:defRPr sz="8280"/>
+              <a:defRPr sz="8200"/>
             </a:lvl1pPr>
           </a:lstStyle>
           <a:p>
             <a:pPr/>
             <a:r>
-              <a:t>Downsides</a:t>
-            </a:r>
-          </a:p>
-        </p:txBody>
-      </p:sp>
-      <p:sp>
-        <p:nvSpPr>
-          <p:cNvPr id="274" name="Shape 274"/>
-          <p:cNvSpPr/>
-          <p:nvPr>
-            <p:ph type="body" idx="1"/>
-          </p:nvPr>
-        </p:nvSpPr>
-        <p:spPr>
-          <a:xfrm>
-            <a:off x="406400" y="2570901"/>
-            <a:ext cx="12192000" cy="6465998"/>
-          </a:xfrm>
-          <a:prstGeom prst="rect">
-            <a:avLst/>
-          </a:prstGeom>
-        </p:spPr>
-        <p:txBody>
-          <a:bodyPr/>
-          <a:lstStyle/>
-          <a:p>
-            <a:pPr marL="705970" indent="-705970">
-              <a:buClrTx/>
-              <a:buSzPct val="40000"/>
-              <a:buFontTx/>
-              <a:buBlip>
-                <a:blip r:embed="rId2"/>
-              </a:buBlip>
-              <a:defRPr sz="6400"/>
-            </a:pPr>
-          </a:p>
-          <a:p>
-            <a:pPr marL="705970" indent="-705970">
-              <a:buClrTx/>
-              <a:buSzPct val="40000"/>
-              <a:buFontTx/>
-              <a:buBlip>
-                <a:blip r:embed="rId2"/>
-              </a:buBlip>
-              <a:defRPr sz="6400"/>
-            </a:pPr>
-            <a:r>
-              <a:t>Features matrix grows FAST!</a:t>
-            </a:r>
-          </a:p>
-          <a:p>
-            <a:pPr marL="705970" indent="-705970">
-              <a:buClrTx/>
-              <a:buSzPct val="40000"/>
-              <a:buFontTx/>
-              <a:buBlip>
-                <a:blip r:embed="rId2"/>
-              </a:buBlip>
-              <a:defRPr sz="6400"/>
-            </a:pPr>
-            <a:r>
-              <a:t>Complex models overfit data</a:t>
+              <a:t>Finding Nulls</a:t>
+            </a:r>
+          </a:p>
+        </p:txBody>
+      </p:sp>
+      <p:sp>
+        <p:nvSpPr>
+          <p:cNvPr id="269" name="Shape 269"/>
+          <p:cNvSpPr/>
+          <p:nvPr/>
+        </p:nvSpPr>
+        <p:spPr>
+          <a:xfrm>
+            <a:off x="596105" y="4618719"/>
+            <a:ext cx="7227467" cy="2057401"/>
+          </a:xfrm>
+          <a:prstGeom prst="rect">
+            <a:avLst/>
+          </a:prstGeom>
+          <a:ln w="12700">
+            <a:miter lim="400000"/>
+          </a:ln>
+          <a:extLst>
+            <a:ext uri="{C572A759-6A51-4108-AA02-DFA0A04FC94B}">
+              <ma14:wrappingTextBoxFlag xmlns:ma14="http://schemas.microsoft.com/office/mac/drawingml/2011/main" val="1"/>
+            </a:ext>
+          </a:extLst>
+        </p:spPr>
+        <p:txBody>
+          <a:bodyPr wrap="none" lIns="50800" tIns="50800" rIns="50800" bIns="50800" anchor="ctr">
+            <a:spAutoFit/>
+          </a:bodyPr>
+          <a:lstStyle>
+            <a:lvl1pPr>
+              <a:defRPr sz="5400">
+                <a:solidFill>
+                  <a:srgbClr val="838787"/>
+                </a:solidFill>
+                <a:latin typeface="Anonymous Pro for Powerline"/>
+                <a:ea typeface="Anonymous Pro for Powerline"/>
+                <a:cs typeface="Anonymous Pro for Powerline"/>
+                <a:sym typeface="Anonymous Pro for Powerline"/>
+              </a:defRPr>
+            </a:lvl1pPr>
+          </a:lstStyle>
+          <a:p>
+            <a:pPr/>
+            <a:r>
+              <a:t>df[“age”].isnull()</a:t>
             </a:r>
           </a:p>
         </p:txBody>
@@ -8822,7 +8435,7 @@
       </p:grpSpPr>
       <p:sp>
         <p:nvSpPr>
-          <p:cNvPr id="276" name="Shape 276"/>
+          <p:cNvPr id="271" name="Shape 271"/>
           <p:cNvSpPr/>
           <p:nvPr>
             <p:ph type="title"/>
@@ -8830,8 +8443,8 @@
         </p:nvSpPr>
         <p:spPr>
           <a:xfrm>
-            <a:off x="880533" y="2988733"/>
-            <a:ext cx="12192001" cy="4521201"/>
+            <a:off x="406400" y="1536700"/>
+            <a:ext cx="12192000" cy="1169261"/>
           </a:xfrm>
           <a:prstGeom prst="rect">
             <a:avLst/>
@@ -8839,11 +8452,66 @@
         </p:spPr>
         <p:txBody>
           <a:bodyPr/>
-          <a:lstStyle/>
+          <a:lstStyle>
+            <a:lvl1pPr defTabSz="403097">
+              <a:spcBef>
+                <a:spcPts val="1900"/>
+              </a:spcBef>
+              <a:defRPr sz="8200"/>
+            </a:lvl1pPr>
+          </a:lstStyle>
           <a:p>
             <a:pPr/>
             <a:r>
-              <a:t>Bias-Variance Tradeoff</a:t>
+              <a:t>Finding Nulls</a:t>
+            </a:r>
+          </a:p>
+        </p:txBody>
+      </p:sp>
+      <p:sp>
+        <p:nvSpPr>
+          <p:cNvPr id="272" name="Shape 272"/>
+          <p:cNvSpPr/>
+          <p:nvPr/>
+        </p:nvSpPr>
+        <p:spPr>
+          <a:xfrm>
+            <a:off x="596105" y="4618719"/>
+            <a:ext cx="6853090" cy="2057401"/>
+          </a:xfrm>
+          <a:prstGeom prst="rect">
+            <a:avLst/>
+          </a:prstGeom>
+          <a:ln w="12700">
+            <a:miter lim="400000"/>
+          </a:ln>
+          <a:extLst>
+            <a:ext uri="{C572A759-6A51-4108-AA02-DFA0A04FC94B}">
+              <ma14:wrappingTextBoxFlag xmlns:ma14="http://schemas.microsoft.com/office/mac/drawingml/2011/main" val="1"/>
+            </a:ext>
+          </a:extLst>
+        </p:spPr>
+        <p:txBody>
+          <a:bodyPr wrap="none" lIns="50800" tIns="50800" rIns="50800" bIns="50800" anchor="ctr">
+            <a:spAutoFit/>
+          </a:bodyPr>
+          <a:lstStyle>
+            <a:lvl1pPr>
+              <a:defRPr sz="5400">
+                <a:solidFill>
+                  <a:srgbClr val="838787"/>
+                </a:solidFill>
+                <a:latin typeface="Anonymous Pro for Powerline"/>
+                <a:ea typeface="Anonymous Pro for Powerline"/>
+                <a:cs typeface="Anonymous Pro for Powerline"/>
+                <a:sym typeface="Anonymous Pro for Powerline"/>
+              </a:defRPr>
+            </a:lvl1pPr>
+          </a:lstStyle>
+          <a:p>
+            <a:pPr/>
+            <a:r>
+              <a:t>df.isnull().sum()</a:t>
             </a:r>
           </a:p>
         </p:txBody>
@@ -8876,46 +8544,49 @@
       </p:grpSpPr>
       <p:sp>
         <p:nvSpPr>
-          <p:cNvPr id="278" name="Shape 278"/>
+          <p:cNvPr id="274" name="Shape 274"/>
           <p:cNvSpPr/>
           <p:nvPr>
-            <p:ph type="subTitle" sz="quarter" idx="1"/>
+            <p:ph type="title"/>
           </p:nvPr>
         </p:nvSpPr>
         <p:spPr>
+          <a:xfrm>
+            <a:off x="406400" y="1536700"/>
+            <a:ext cx="12192000" cy="1169261"/>
+          </a:xfrm>
           <a:prstGeom prst="rect">
             <a:avLst/>
           </a:prstGeom>
         </p:spPr>
         <p:txBody>
           <a:bodyPr/>
-          <a:lstStyle/>
+          <a:lstStyle>
+            <a:lvl1pPr defTabSz="403097">
+              <a:spcBef>
+                <a:spcPts val="1900"/>
+              </a:spcBef>
+              <a:defRPr sz="8200"/>
+            </a:lvl1pPr>
+          </a:lstStyle>
           <a:p>
             <a:pPr/>
-          </a:p>
-        </p:txBody>
-      </p:sp>
-      <p:pic>
-        <p:nvPicPr>
-          <p:cNvPr id="279" name="bias-variance.png"/>
-          <p:cNvPicPr>
-            <a:picLocks noChangeAspect="1"/>
-          </p:cNvPicPr>
+            <a:r>
+              <a:t>Finding Nulls</a:t>
+            </a:r>
+          </a:p>
+        </p:txBody>
+      </p:sp>
+      <p:sp>
+        <p:nvSpPr>
+          <p:cNvPr id="275" name="Shape 275"/>
+          <p:cNvSpPr/>
           <p:nvPr/>
-        </p:nvPicPr>
-        <p:blipFill>
-          <a:blip r:embed="rId2">
-            <a:extLst/>
-          </a:blip>
-          <a:srcRect l="0" t="0" r="47299" b="0"/>
-          <a:stretch>
-            <a:fillRect/>
-          </a:stretch>
-        </p:blipFill>
-        <p:spPr>
-          <a:xfrm>
-            <a:off x="-68486" y="-106108"/>
-            <a:ext cx="13440104" cy="9563596"/>
+        </p:nvSpPr>
+        <p:spPr>
+          <a:xfrm>
+            <a:off x="596105" y="4618719"/>
+            <a:ext cx="7227467" cy="2057401"/>
           </a:xfrm>
           <a:prstGeom prst="rect">
             <a:avLst/>
@@ -8923,8 +8594,37 @@
           <a:ln w="12700">
             <a:miter lim="400000"/>
           </a:ln>
-        </p:spPr>
-      </p:pic>
+          <a:extLst>
+            <a:ext uri="{C572A759-6A51-4108-AA02-DFA0A04FC94B}">
+              <ma14:wrappingTextBoxFlag xmlns:ma14="http://schemas.microsoft.com/office/mac/drawingml/2011/main" val="1"/>
+            </a:ext>
+          </a:extLst>
+        </p:spPr>
+        <p:txBody>
+          <a:bodyPr wrap="none" lIns="50800" tIns="50800" rIns="50800" bIns="50800" anchor="ctr">
+            <a:spAutoFit/>
+          </a:bodyPr>
+          <a:lstStyle>
+            <a:lvl1pPr>
+              <a:defRPr sz="5400">
+                <a:solidFill>
+                  <a:srgbClr val="838787"/>
+                </a:solidFill>
+                <a:latin typeface="Anonymous Pro for Powerline"/>
+                <a:ea typeface="Anonymous Pro for Powerline"/>
+                <a:cs typeface="Anonymous Pro for Powerline"/>
+                <a:sym typeface="Anonymous Pro for Powerline"/>
+              </a:defRPr>
+            </a:lvl1pPr>
+          </a:lstStyle>
+          <a:p>
+            <a:pPr/>
+            <a:r>
+              <a:t>df.isnull().mean()</a:t>
+            </a:r>
+          </a:p>
+        </p:txBody>
+      </p:sp>
     </p:spTree>
   </p:cSld>
   <p:clrMapOvr>
@@ -8956,49 +8656,10 @@
           <p:cNvPr id="196" name="Shape 196"/>
           <p:cNvSpPr/>
           <p:nvPr>
-            <p:ph type="title"/>
+            <p:ph type="ctrTitle"/>
           </p:nvPr>
         </p:nvSpPr>
         <p:spPr>
-          <a:xfrm>
-            <a:off x="406400" y="1536700"/>
-            <a:ext cx="12192000" cy="1169260"/>
-          </a:xfrm>
-          <a:prstGeom prst="rect">
-            <a:avLst/>
-          </a:prstGeom>
-        </p:spPr>
-        <p:txBody>
-          <a:bodyPr/>
-          <a:lstStyle>
-            <a:lvl1pPr defTabSz="403097">
-              <a:spcBef>
-                <a:spcPts val="1900"/>
-              </a:spcBef>
-              <a:defRPr sz="8280"/>
-            </a:lvl1pPr>
-          </a:lstStyle>
-          <a:p>
-            <a:pPr/>
-            <a:r>
-              <a:t>Setting the Table</a:t>
-            </a:r>
-          </a:p>
-        </p:txBody>
-      </p:sp>
-      <p:sp>
-        <p:nvSpPr>
-          <p:cNvPr id="197" name="Shape 197"/>
-          <p:cNvSpPr/>
-          <p:nvPr>
-            <p:ph type="body" idx="1"/>
-          </p:nvPr>
-        </p:nvSpPr>
-        <p:spPr>
-          <a:xfrm>
-            <a:off x="224565" y="3362306"/>
-            <a:ext cx="12555671" cy="5610529"/>
-          </a:xfrm>
           <a:prstGeom prst="rect">
             <a:avLst/>
           </a:prstGeom>
@@ -9007,35 +8668,62 @@
           <a:bodyPr/>
           <a:lstStyle/>
           <a:p>
-            <a:pPr marL="705970" indent="-705970">
-              <a:buClrTx/>
-              <a:buSzPct val="40000"/>
-              <a:buFontTx/>
-              <a:buBlip>
-                <a:blip r:embed="rId2"/>
-              </a:buBlip>
-              <a:defRPr sz="6400"/>
+            <a:pPr defTabSz="455675">
+              <a:defRPr sz="13259"/>
             </a:pPr>
-            <a:r>
-              <a:t>Feature Matrix, Target Vector</a:t>
-            </a:r>
-          </a:p>
-          <a:p>
-            <a:pPr marL="705970" indent="-705970">
-              <a:buClrTx/>
-              <a:buSzPct val="40000"/>
-              <a:buFontTx/>
-              <a:buBlip>
-                <a:blip r:embed="rId2"/>
-              </a:buBlip>
-              <a:defRPr sz="6400"/>
-            </a:pPr>
-            <a:r>
-              <a:t>Training Set, Test Set</a:t>
-            </a:r>
-          </a:p>
-        </p:txBody>
-      </p:sp>
+          </a:p>
+        </p:txBody>
+      </p:sp>
+      <p:sp>
+        <p:nvSpPr>
+          <p:cNvPr id="197" name="Shape 197"/>
+          <p:cNvSpPr/>
+          <p:nvPr>
+            <p:ph type="subTitle" sz="quarter" idx="1"/>
+          </p:nvPr>
+        </p:nvSpPr>
+        <p:spPr>
+          <a:prstGeom prst="rect">
+            <a:avLst/>
+          </a:prstGeom>
+        </p:spPr>
+        <p:txBody>
+          <a:bodyPr/>
+          <a:lstStyle/>
+          <a:p>
+            <a:pPr/>
+          </a:p>
+        </p:txBody>
+      </p:sp>
+      <p:pic>
+        <p:nvPicPr>
+          <p:cNvPr id="198" name="pasted-image.png"/>
+          <p:cNvPicPr>
+            <a:picLocks noChangeAspect="1"/>
+          </p:cNvPicPr>
+          <p:nvPr/>
+        </p:nvPicPr>
+        <p:blipFill>
+          <a:blip r:embed="rId2">
+            <a:extLst/>
+          </a:blip>
+          <a:stretch>
+            <a:fillRect/>
+          </a:stretch>
+        </p:blipFill>
+        <p:spPr>
+          <a:xfrm>
+            <a:off x="8466" y="1017151"/>
+            <a:ext cx="12987868" cy="8085585"/>
+          </a:xfrm>
+          <a:prstGeom prst="rect">
+            <a:avLst/>
+          </a:prstGeom>
+          <a:ln w="12700">
+            <a:miter lim="400000"/>
+          </a:ln>
+        </p:spPr>
+      </p:pic>
     </p:spTree>
   </p:cSld>
   <p:clrMapOvr>
@@ -9064,13 +8752,52 @@
       </p:grpSpPr>
       <p:sp>
         <p:nvSpPr>
-          <p:cNvPr id="281" name="Shape 281"/>
+          <p:cNvPr id="277" name="Shape 277"/>
           <p:cNvSpPr/>
           <p:nvPr>
-            <p:ph type="subTitle" sz="quarter" idx="1"/>
+            <p:ph type="title"/>
           </p:nvPr>
         </p:nvSpPr>
         <p:spPr>
+          <a:xfrm>
+            <a:off x="406400" y="1536700"/>
+            <a:ext cx="12192000" cy="1169260"/>
+          </a:xfrm>
+          <a:prstGeom prst="rect">
+            <a:avLst/>
+          </a:prstGeom>
+        </p:spPr>
+        <p:txBody>
+          <a:bodyPr/>
+          <a:lstStyle>
+            <a:lvl1pPr defTabSz="403097">
+              <a:spcBef>
+                <a:spcPts val="1900"/>
+              </a:spcBef>
+              <a:defRPr sz="8280"/>
+            </a:lvl1pPr>
+          </a:lstStyle>
+          <a:p>
+            <a:pPr/>
+            <a:r>
+              <a:t>Three types of situations</a:t>
+            </a:r>
+          </a:p>
+        </p:txBody>
+      </p:sp>
+      <p:sp>
+        <p:nvSpPr>
+          <p:cNvPr id="278" name="Shape 278"/>
+          <p:cNvSpPr/>
+          <p:nvPr>
+            <p:ph type="body" idx="1"/>
+          </p:nvPr>
+        </p:nvSpPr>
+        <p:spPr>
+          <a:xfrm>
+            <a:off x="224565" y="3362306"/>
+            <a:ext cx="12555671" cy="5610529"/>
+          </a:xfrm>
           <a:prstGeom prst="rect">
             <a:avLst/>
           </a:prstGeom>
@@ -9079,40 +8806,49 @@
           <a:bodyPr/>
           <a:lstStyle/>
           <a:p>
-            <a:pPr/>
-          </a:p>
-        </p:txBody>
-      </p:sp>
-      <p:pic>
-        <p:nvPicPr>
-          <p:cNvPr id="282" name="bias-variance.png"/>
-          <p:cNvPicPr>
-            <a:picLocks noChangeAspect="1"/>
-          </p:cNvPicPr>
-          <p:nvPr/>
-        </p:nvPicPr>
-        <p:blipFill>
-          <a:blip r:embed="rId2">
-            <a:extLst/>
-          </a:blip>
-          <a:srcRect l="47566" t="0" r="0" b="0"/>
-          <a:stretch>
-            <a:fillRect/>
-          </a:stretch>
-        </p:blipFill>
-        <p:spPr>
-          <a:xfrm>
-            <a:off x="-366818" y="-55308"/>
-            <a:ext cx="13372183" cy="9563596"/>
-          </a:xfrm>
-          <a:prstGeom prst="rect">
-            <a:avLst/>
-          </a:prstGeom>
-          <a:ln w="12700">
-            <a:miter lim="400000"/>
-          </a:ln>
-        </p:spPr>
-      </p:pic>
+            <a:pPr marL="705970" indent="-705970">
+              <a:buClrTx/>
+              <a:buSzPct val="40000"/>
+              <a:buFontTx/>
+              <a:buBlip>
+                <a:blip r:embed="rId2"/>
+              </a:buBlip>
+              <a:defRPr sz="6400"/>
+            </a:pPr>
+            <a:r>
+              <a:t>A few nulls (&lt;5%)</a:t>
+            </a:r>
+          </a:p>
+          <a:p>
+            <a:pPr marL="705970" indent="-705970">
+              <a:buClrTx/>
+              <a:buSzPct val="40000"/>
+              <a:buFontTx/>
+              <a:buBlip>
+                <a:blip r:embed="rId2"/>
+              </a:buBlip>
+              <a:defRPr sz="6400"/>
+            </a:pPr>
+            <a:r>
+              <a:t>Significant # of nulls </a:t>
+            </a:r>
+          </a:p>
+          <a:p>
+            <a:pPr marL="705970" indent="-705970">
+              <a:buClrTx/>
+              <a:buSzPct val="40000"/>
+              <a:buFontTx/>
+              <a:buBlip>
+                <a:blip r:embed="rId2"/>
+              </a:buBlip>
+              <a:defRPr sz="6400"/>
+            </a:pPr>
+            <a:r>
+              <a:t>Mostly nulls</a:t>
+            </a:r>
+          </a:p>
+        </p:txBody>
+      </p:sp>
     </p:spTree>
   </p:cSld>
   <p:clrMapOvr>
@@ -9141,7 +8877,7 @@
       </p:grpSpPr>
       <p:sp>
         <p:nvSpPr>
-          <p:cNvPr id="284" name="Shape 284"/>
+          <p:cNvPr id="280" name="Shape 280"/>
           <p:cNvSpPr/>
           <p:nvPr>
             <p:ph type="title"/>
@@ -9169,14 +8905,14 @@
           <a:p>
             <a:pPr/>
             <a:r>
-              <a:t>Overfitting</a:t>
-            </a:r>
-          </a:p>
-        </p:txBody>
-      </p:sp>
-      <p:sp>
-        <p:nvSpPr>
-          <p:cNvPr id="285" name="Shape 285"/>
+              <a:t>A Few Nulls</a:t>
+            </a:r>
+          </a:p>
+        </p:txBody>
+      </p:sp>
+      <p:sp>
+        <p:nvSpPr>
+          <p:cNvPr id="281" name="Shape 281"/>
           <p:cNvSpPr/>
           <p:nvPr>
             <p:ph type="body" idx="1"/>
@@ -9184,8 +8920,8 @@
         </p:nvSpPr>
         <p:spPr>
           <a:xfrm>
-            <a:off x="406400" y="2570901"/>
-            <a:ext cx="12192000" cy="6465998"/>
+            <a:off x="224565" y="3362306"/>
+            <a:ext cx="12555671" cy="5610529"/>
           </a:xfrm>
           <a:prstGeom prst="rect">
             <a:avLst/>
@@ -9204,6 +8940,9 @@
               </a:buBlip>
               <a:defRPr sz="6400"/>
             </a:pPr>
+            <a:r>
+              <a:t>No significant impact</a:t>
+            </a:r>
           </a:p>
           <a:p>
             <a:pPr marL="705970" indent="-705970">
@@ -9216,21 +8955,7 @@
               <a:defRPr sz="6400"/>
             </a:pPr>
             <a:r>
-              <a:t>Model fits training set </a:t>
-            </a:r>
-          </a:p>
-          <a:p>
-            <a:pPr marL="705970" indent="-705970">
-              <a:buClrTx/>
-              <a:buSzPct val="40000"/>
-              <a:buFontTx/>
-              <a:buBlip>
-                <a:blip r:embed="rId2"/>
-              </a:buBlip>
-              <a:defRPr sz="6400"/>
-            </a:pPr>
-            <a:r>
-              <a:t>Complex models overfit data</a:t>
+              <a:t>Drop them</a:t>
             </a:r>
           </a:p>
         </p:txBody>
@@ -9263,7 +8988,7 @@
       </p:grpSpPr>
       <p:sp>
         <p:nvSpPr>
-          <p:cNvPr id="287" name="Shape 287"/>
+          <p:cNvPr id="283" name="Shape 283"/>
           <p:cNvSpPr/>
           <p:nvPr>
             <p:ph type="title"/>
@@ -9291,14 +9016,14 @@
           <a:p>
             <a:pPr/>
             <a:r>
-              <a:t>Validation curve</a:t>
-            </a:r>
-          </a:p>
-        </p:txBody>
-      </p:sp>
-      <p:sp>
-        <p:nvSpPr>
-          <p:cNvPr id="288" name="Shape 288"/>
+              <a:t>Significant Nulls</a:t>
+            </a:r>
+          </a:p>
+        </p:txBody>
+      </p:sp>
+      <p:sp>
+        <p:nvSpPr>
+          <p:cNvPr id="284" name="Shape 284"/>
           <p:cNvSpPr/>
           <p:nvPr>
             <p:ph type="body" idx="1"/>
@@ -9306,8 +9031,8 @@
         </p:nvSpPr>
         <p:spPr>
           <a:xfrm>
-            <a:off x="406400" y="2558069"/>
-            <a:ext cx="12192000" cy="5784563"/>
+            <a:off x="224565" y="3362306"/>
+            <a:ext cx="12555671" cy="5610529"/>
           </a:xfrm>
           <a:prstGeom prst="rect">
             <a:avLst/>
@@ -9326,6 +9051,9 @@
               </a:buBlip>
               <a:defRPr sz="6400"/>
             </a:pPr>
+            <a:r>
+              <a:t>Try to repair</a:t>
+            </a:r>
           </a:p>
           <a:p>
             <a:pPr marL="705970" indent="-705970">
@@ -9338,21 +9066,7 @@
               <a:defRPr sz="6400"/>
             </a:pPr>
             <a:r>
-              <a:t>See if more complex model helps</a:t>
-            </a:r>
-          </a:p>
-          <a:p>
-            <a:pPr marL="705970" indent="-705970">
-              <a:buClrTx/>
-              <a:buSzPct val="40000"/>
-              <a:buFontTx/>
-              <a:buBlip>
-                <a:blip r:embed="rId2"/>
-              </a:buBlip>
-              <a:defRPr sz="6400"/>
-            </a:pPr>
-            <a:r>
-              <a:t>Look for sweet spot in middle</a:t>
+              <a:t>Fill with average value</a:t>
             </a:r>
           </a:p>
         </p:txBody>
@@ -9385,13 +9099,52 @@
       </p:grpSpPr>
       <p:sp>
         <p:nvSpPr>
-          <p:cNvPr id="290" name="Shape 290"/>
+          <p:cNvPr id="286" name="Shape 286"/>
           <p:cNvSpPr/>
           <p:nvPr>
-            <p:ph type="ctrTitle"/>
+            <p:ph type="title"/>
           </p:nvPr>
         </p:nvSpPr>
         <p:spPr>
+          <a:xfrm>
+            <a:off x="406400" y="1536700"/>
+            <a:ext cx="12192000" cy="1169260"/>
+          </a:xfrm>
+          <a:prstGeom prst="rect">
+            <a:avLst/>
+          </a:prstGeom>
+        </p:spPr>
+        <p:txBody>
+          <a:bodyPr/>
+          <a:lstStyle>
+            <a:lvl1pPr defTabSz="403097">
+              <a:spcBef>
+                <a:spcPts val="1900"/>
+              </a:spcBef>
+              <a:defRPr sz="8280"/>
+            </a:lvl1pPr>
+          </a:lstStyle>
+          <a:p>
+            <a:pPr/>
+            <a:r>
+              <a:t>mostly nulls</a:t>
+            </a:r>
+          </a:p>
+        </p:txBody>
+      </p:sp>
+      <p:sp>
+        <p:nvSpPr>
+          <p:cNvPr id="287" name="Shape 287"/>
+          <p:cNvSpPr/>
+          <p:nvPr>
+            <p:ph type="body" idx="1"/>
+          </p:nvPr>
+        </p:nvSpPr>
+        <p:spPr>
+          <a:xfrm>
+            <a:off x="224565" y="3362306"/>
+            <a:ext cx="12555671" cy="5610529"/>
+          </a:xfrm>
           <a:prstGeom prst="rect">
             <a:avLst/>
           </a:prstGeom>
@@ -9400,62 +9153,35 @@
           <a:bodyPr/>
           <a:lstStyle/>
           <a:p>
-            <a:pPr defTabSz="455675">
-              <a:defRPr sz="13259"/>
+            <a:pPr marL="705970" indent="-705970">
+              <a:buClrTx/>
+              <a:buSzPct val="40000"/>
+              <a:buFontTx/>
+              <a:buBlip>
+                <a:blip r:embed="rId2"/>
+              </a:buBlip>
+              <a:defRPr sz="6400"/>
             </a:pPr>
-          </a:p>
-        </p:txBody>
-      </p:sp>
-      <p:sp>
-        <p:nvSpPr>
-          <p:cNvPr id="291" name="Shape 291"/>
-          <p:cNvSpPr/>
-          <p:nvPr>
-            <p:ph type="subTitle" sz="quarter" idx="1"/>
-          </p:nvPr>
-        </p:nvSpPr>
-        <p:spPr>
-          <a:prstGeom prst="rect">
-            <a:avLst/>
-          </a:prstGeom>
-        </p:spPr>
-        <p:txBody>
-          <a:bodyPr/>
-          <a:lstStyle/>
-          <a:p>
-            <a:pPr/>
-          </a:p>
-        </p:txBody>
-      </p:sp>
-      <p:pic>
-        <p:nvPicPr>
-          <p:cNvPr id="292" name="validation-curve.png"/>
-          <p:cNvPicPr>
-            <a:picLocks noChangeAspect="1"/>
-          </p:cNvPicPr>
-          <p:nvPr/>
-        </p:nvPicPr>
-        <p:blipFill>
-          <a:blip r:embed="rId2">
-            <a:extLst/>
-          </a:blip>
-          <a:stretch>
-            <a:fillRect/>
-          </a:stretch>
-        </p:blipFill>
-        <p:spPr>
-          <a:xfrm>
-            <a:off x="0" y="406400"/>
-            <a:ext cx="13004801" cy="8940800"/>
-          </a:xfrm>
-          <a:prstGeom prst="rect">
-            <a:avLst/>
-          </a:prstGeom>
-          <a:ln w="12700">
-            <a:miter lim="400000"/>
-          </a:ln>
-        </p:spPr>
-      </p:pic>
+            <a:r>
+              <a:t>To start, leave them out</a:t>
+            </a:r>
+          </a:p>
+          <a:p>
+            <a:pPr marL="705970" indent="-705970">
+              <a:buClrTx/>
+              <a:buSzPct val="40000"/>
+              <a:buFontTx/>
+              <a:buBlip>
+                <a:blip r:embed="rId2"/>
+              </a:buBlip>
+              <a:defRPr sz="6400"/>
+            </a:pPr>
+            <a:r>
+              <a:t>Likely not very helpful </a:t>
+            </a:r>
+          </a:p>
+        </p:txBody>
+      </p:sp>
     </p:spTree>
   </p:cSld>
   <p:clrMapOvr>
@@ -9484,7 +9210,7 @@
       </p:grpSpPr>
       <p:sp>
         <p:nvSpPr>
-          <p:cNvPr id="294" name="Shape 294"/>
+          <p:cNvPr id="289" name="Shape 289"/>
           <p:cNvSpPr/>
           <p:nvPr>
             <p:ph type="title"/>
@@ -9538,7 +9264,7 @@
       </p:grpSpPr>
       <p:sp>
         <p:nvSpPr>
-          <p:cNvPr id="296" name="Shape 296"/>
+          <p:cNvPr id="291" name="Shape 291"/>
           <p:cNvSpPr/>
           <p:nvPr>
             <p:ph type="title"/>
@@ -9546,8 +9272,8 @@
         </p:nvSpPr>
         <p:spPr>
           <a:xfrm>
-            <a:off x="795866" y="3886200"/>
-            <a:ext cx="12192001" cy="4521200"/>
+            <a:off x="1360652" y="4113807"/>
+            <a:ext cx="10283496" cy="1932386"/>
           </a:xfrm>
           <a:prstGeom prst="rect">
             <a:avLst/>
@@ -9555,11 +9281,15 @@
         </p:spPr>
         <p:txBody>
           <a:bodyPr/>
-          <a:lstStyle/>
+          <a:lstStyle>
+            <a:lvl1pPr defTabSz="514095">
+              <a:defRPr sz="11440"/>
+            </a:lvl1pPr>
+          </a:lstStyle>
           <a:p>
             <a:pPr/>
             <a:r>
-              <a:t>Regularization</a:t>
+              <a:t>Feature Engineering</a:t>
             </a:r>
           </a:p>
         </p:txBody>
@@ -9592,7 +9322,7 @@
       </p:grpSpPr>
       <p:sp>
         <p:nvSpPr>
-          <p:cNvPr id="298" name="Shape 298"/>
+          <p:cNvPr id="293" name="Shape 293"/>
           <p:cNvSpPr/>
           <p:nvPr>
             <p:ph type="title"/>
@@ -9601,7 +9331,7 @@
         <p:spPr>
           <a:xfrm>
             <a:off x="406400" y="1536700"/>
-            <a:ext cx="12192000" cy="1169261"/>
+            <a:ext cx="12192000" cy="1169260"/>
           </a:xfrm>
           <a:prstGeom prst="rect">
             <a:avLst/>
@@ -9614,81 +9344,63 @@
               <a:spcBef>
                 <a:spcPts val="1900"/>
               </a:spcBef>
-              <a:defRPr sz="8200"/>
+              <a:defRPr sz="8280"/>
             </a:lvl1pPr>
           </a:lstStyle>
           <a:p>
             <a:pPr/>
             <a:r>
-              <a:t>regularization</a:t>
-            </a:r>
-          </a:p>
-        </p:txBody>
-      </p:sp>
-      <p:sp>
-        <p:nvSpPr>
-          <p:cNvPr id="299" name="Shape 299"/>
+              <a:t>The Problem</a:t>
+            </a:r>
+          </a:p>
+        </p:txBody>
+      </p:sp>
+      <p:sp>
+        <p:nvSpPr>
+          <p:cNvPr id="294" name="Shape 294"/>
           <p:cNvSpPr/>
           <p:nvPr>
-            <p:ph type="body" sz="half" idx="1"/>
+            <p:ph type="body" idx="1"/>
           </p:nvPr>
         </p:nvSpPr>
         <p:spPr>
           <a:xfrm>
-            <a:off x="406400" y="3953767"/>
-            <a:ext cx="12192000" cy="2531602"/>
-          </a:xfrm>
-          <a:prstGeom prst="rect">
-            <a:avLst/>
-          </a:prstGeom>
-        </p:spPr>
-        <p:txBody>
-          <a:bodyPr anchor="t"/>
+            <a:off x="406400" y="3497772"/>
+            <a:ext cx="12192000" cy="5610529"/>
+          </a:xfrm>
+          <a:prstGeom prst="rect">
+            <a:avLst/>
+          </a:prstGeom>
+        </p:spPr>
+        <p:txBody>
+          <a:bodyPr/>
           <a:lstStyle/>
           <a:p>
-            <a:pPr marL="656975" indent="-656975" defTabSz="543656">
-              <a:lnSpc>
-                <a:spcPct val="100000"/>
-              </a:lnSpc>
-              <a:spcBef>
-                <a:spcPts val="2500"/>
-              </a:spcBef>
+            <a:pPr marL="705970" indent="-705970">
+              <a:buClrTx/>
               <a:buSzPct val="40000"/>
+              <a:buFontTx/>
               <a:buBlip>
                 <a:blip r:embed="rId2"/>
               </a:buBlip>
-              <a:defRPr cap="none" spc="0" sz="5940">
-                <a:latin typeface="Avenir Next Medium"/>
-                <a:ea typeface="Avenir Next Medium"/>
-                <a:cs typeface="Avenir Next Medium"/>
-                <a:sym typeface="Avenir Next Medium"/>
-              </a:defRPr>
+              <a:defRPr sz="6400"/>
             </a:pPr>
             <a:r>
-              <a:t>Fix what “best-fit” means </a:t>
-            </a:r>
-          </a:p>
-          <a:p>
-            <a:pPr marL="656975" indent="-656975" defTabSz="543656">
-              <a:lnSpc>
-                <a:spcPct val="200000"/>
-              </a:lnSpc>
-              <a:spcBef>
-                <a:spcPts val="2500"/>
-              </a:spcBef>
+              <a:t>Distance relies on subtraction</a:t>
+            </a:r>
+          </a:p>
+          <a:p>
+            <a:pPr marL="705970" indent="-705970">
+              <a:buClrTx/>
               <a:buSzPct val="40000"/>
+              <a:buFontTx/>
               <a:buBlip>
                 <a:blip r:embed="rId2"/>
               </a:buBlip>
-              <a:defRPr cap="none" spc="0" sz="5940">
-                <a:latin typeface="Avenir Next Medium"/>
-                <a:ea typeface="Avenir Next Medium"/>
-                <a:cs typeface="Avenir Next Medium"/>
-                <a:sym typeface="Avenir Next Medium"/>
-              </a:defRPr>
+              <a:defRPr sz="6400"/>
             </a:pPr>
             <a:r>
-              <a:t>Add penalty for complex models</a:t>
+              <a:t>We can’t subtract categorical data   :(</a:t>
             </a:r>
           </a:p>
         </p:txBody>
@@ -9721,7 +9433,7 @@
       </p:grpSpPr>
       <p:sp>
         <p:nvSpPr>
-          <p:cNvPr id="301" name="Shape 301"/>
+          <p:cNvPr id="296" name="Shape 296"/>
           <p:cNvSpPr/>
           <p:nvPr>
             <p:ph type="title"/>
@@ -9749,14 +9461,14 @@
           <a:p>
             <a:pPr/>
             <a:r>
-              <a:t>Ridge Regression (L2)</a:t>
-            </a:r>
-          </a:p>
-        </p:txBody>
-      </p:sp>
-      <p:sp>
-        <p:nvSpPr>
-          <p:cNvPr id="302" name="Shape 302"/>
+              <a:t>Simple Encoding Doesn’t work</a:t>
+            </a:r>
+          </a:p>
+        </p:txBody>
+      </p:sp>
+      <p:sp>
+        <p:nvSpPr>
+          <p:cNvPr id="297" name="Shape 297"/>
           <p:cNvSpPr/>
           <p:nvPr>
             <p:ph type="body" idx="1"/>
@@ -9764,8 +9476,8 @@
         </p:nvSpPr>
         <p:spPr>
           <a:xfrm>
-            <a:off x="406400" y="2558069"/>
-            <a:ext cx="12192000" cy="5784563"/>
+            <a:off x="406400" y="3497772"/>
+            <a:ext cx="12192000" cy="5610529"/>
           </a:xfrm>
           <a:prstGeom prst="rect">
             <a:avLst/>
@@ -9775,51 +9487,31 @@
           <a:bodyPr/>
           <a:lstStyle/>
           <a:p>
-            <a:pPr marL="684791" indent="-684791" defTabSz="566674">
-              <a:spcBef>
-                <a:spcPts val="2700"/>
-              </a:spcBef>
+            <a:pPr marL="705970" indent="-705970">
               <a:buClrTx/>
               <a:buSzPct val="40000"/>
               <a:buFontTx/>
               <a:buBlip>
                 <a:blip r:embed="rId2"/>
               </a:buBlip>
-              <a:defRPr sz="6208"/>
+              <a:defRPr sz="6400"/>
             </a:pPr>
-          </a:p>
-          <a:p>
-            <a:pPr marL="684791" indent="-684791" defTabSz="566674">
-              <a:spcBef>
-                <a:spcPts val="2700"/>
-              </a:spcBef>
+            <a:r>
+              <a:t>What if we re-label each category as 0,1, 2, .. etc?</a:t>
+            </a:r>
+          </a:p>
+          <a:p>
+            <a:pPr marL="705970" indent="-705970">
               <a:buClrTx/>
               <a:buSzPct val="40000"/>
               <a:buFontTx/>
               <a:buBlip>
                 <a:blip r:embed="rId2"/>
               </a:buBlip>
-              <a:defRPr sz="6208"/>
+              <a:defRPr sz="6400"/>
             </a:pPr>
             <a:r>
-              <a:t>sum(model.coef_**2)</a:t>
-            </a:r>
-          </a:p>
-          <a:p>
-            <a:pPr marL="684791" indent="-684791" defTabSz="566674">
-              <a:spcBef>
-                <a:spcPts val="2700"/>
-              </a:spcBef>
-              <a:buClrTx/>
-              <a:buSzPct val="40000"/>
-              <a:buFontTx/>
-              <a:buBlip>
-                <a:blip r:embed="rId2"/>
-              </a:buBlip>
-              <a:defRPr sz="6208"/>
-            </a:pPr>
-            <a:r>
-              <a:t>Low-signal features will have smaller and smaller coefficients</a:t>
+              <a:t>Model thinks we’re adding more and more of same thing!</a:t>
             </a:r>
           </a:p>
         </p:txBody>
@@ -9852,7 +9544,7 @@
       </p:grpSpPr>
       <p:sp>
         <p:nvSpPr>
-          <p:cNvPr id="304" name="Shape 304"/>
+          <p:cNvPr id="299" name="Shape 299"/>
           <p:cNvSpPr/>
           <p:nvPr>
             <p:ph type="title"/>
@@ -9880,14 +9572,14 @@
           <a:p>
             <a:pPr/>
             <a:r>
-              <a:t>Lasso Regression (L1)</a:t>
-            </a:r>
-          </a:p>
-        </p:txBody>
-      </p:sp>
-      <p:sp>
-        <p:nvSpPr>
-          <p:cNvPr id="305" name="Shape 305"/>
+              <a:t>One-hot encoding</a:t>
+            </a:r>
+          </a:p>
+        </p:txBody>
+      </p:sp>
+      <p:sp>
+        <p:nvSpPr>
+          <p:cNvPr id="300" name="Shape 300"/>
           <p:cNvSpPr/>
           <p:nvPr>
             <p:ph type="body" idx="1"/>
@@ -9895,8 +9587,8 @@
         </p:nvSpPr>
         <p:spPr>
           <a:xfrm>
-            <a:off x="406400" y="2558069"/>
-            <a:ext cx="12192000" cy="5784563"/>
+            <a:off x="224565" y="3362306"/>
+            <a:ext cx="12555671" cy="5610529"/>
           </a:xfrm>
           <a:prstGeom prst="rect">
             <a:avLst/>
@@ -9906,42 +9598,37 @@
           <a:bodyPr/>
           <a:lstStyle/>
           <a:p>
-            <a:pPr marL="705970" indent="-705970">
+            <a:pPr marL="649492" indent="-649492" defTabSz="537463">
+              <a:spcBef>
+                <a:spcPts val="2500"/>
+              </a:spcBef>
               <a:buClrTx/>
               <a:buSzPct val="40000"/>
               <a:buFontTx/>
               <a:buBlip>
                 <a:blip r:embed="rId2"/>
               </a:buBlip>
-              <a:defRPr sz="6400"/>
+              <a:defRPr sz="5888"/>
             </a:pPr>
-          </a:p>
-          <a:p>
-            <a:pPr marL="705970" indent="-705970">
+            <a:r>
+              <a:t>Creates a 1-or-0 column for each unique value in categorical </a:t>
+            </a:r>
+          </a:p>
+          <a:p>
+            <a:pPr marL="649492" indent="-649492" defTabSz="537463">
+              <a:spcBef>
+                <a:spcPts val="2500"/>
+              </a:spcBef>
               <a:buClrTx/>
               <a:buSzPct val="40000"/>
               <a:buFontTx/>
               <a:buBlip>
                 <a:blip r:embed="rId2"/>
               </a:buBlip>
-              <a:defRPr sz="6400"/>
+              <a:defRPr sz="5888"/>
             </a:pPr>
             <a:r>
-              <a:t>sum(abs(model.coef_))</a:t>
-            </a:r>
-          </a:p>
-          <a:p>
-            <a:pPr marL="705970" indent="-705970">
-              <a:buClrTx/>
-              <a:buSzPct val="40000"/>
-              <a:buFontTx/>
-              <a:buBlip>
-                <a:blip r:embed="rId2"/>
-              </a:buBlip>
-              <a:defRPr sz="6400"/>
-            </a:pPr>
-            <a:r>
-              <a:t>Low-signal features will end up with coefficients of 0</a:t>
+              <a:t>Per row, only one of the new columns will have a 1, hence 1-hot</a:t>
             </a:r>
           </a:p>
         </p:txBody>
@@ -9974,7 +9661,7 @@
       </p:grpSpPr>
       <p:sp>
         <p:nvSpPr>
-          <p:cNvPr id="307" name="Shape 307"/>
+          <p:cNvPr id="302" name="Shape 302"/>
           <p:cNvSpPr/>
           <p:nvPr>
             <p:ph type="title"/>
@@ -9983,7 +9670,7 @@
         <p:spPr>
           <a:xfrm>
             <a:off x="406400" y="1536700"/>
-            <a:ext cx="12192000" cy="1169261"/>
+            <a:ext cx="12192000" cy="1169260"/>
           </a:xfrm>
           <a:prstGeom prst="rect">
             <a:avLst/>
@@ -9996,84 +9683,86 @@
               <a:spcBef>
                 <a:spcPts val="1900"/>
               </a:spcBef>
-              <a:defRPr sz="8200"/>
+              <a:defRPr sz="8280"/>
             </a:lvl1pPr>
           </a:lstStyle>
           <a:p>
             <a:pPr/>
             <a:r>
-              <a:t>Alpha parameter</a:t>
-            </a:r>
-          </a:p>
-        </p:txBody>
-      </p:sp>
-      <p:sp>
-        <p:nvSpPr>
-          <p:cNvPr id="308" name="Shape 308"/>
-          <p:cNvSpPr/>
-          <p:nvPr>
-            <p:ph type="body" idx="1"/>
-          </p:nvPr>
-        </p:nvSpPr>
-        <p:spPr>
-          <a:xfrm>
-            <a:off x="406400" y="3953767"/>
-            <a:ext cx="12192000" cy="4437065"/>
-          </a:xfrm>
-          <a:prstGeom prst="rect">
-            <a:avLst/>
-          </a:prstGeom>
-        </p:spPr>
-        <p:txBody>
-          <a:bodyPr anchor="t"/>
+              <a:t>How the math works:</a:t>
+            </a:r>
+          </a:p>
+        </p:txBody>
+      </p:sp>
+      <p:sp>
+        <p:nvSpPr>
+          <p:cNvPr id="303" name="Shape 303"/>
+          <p:cNvSpPr/>
+          <p:nvPr/>
+        </p:nvSpPr>
+        <p:spPr>
+          <a:xfrm>
+            <a:off x="656526" y="4571724"/>
+            <a:ext cx="12136011" cy="1333501"/>
+          </a:xfrm>
+          <a:prstGeom prst="rect">
+            <a:avLst/>
+          </a:prstGeom>
+          <a:ln w="12700">
+            <a:miter lim="400000"/>
+          </a:ln>
+          <a:extLst>
+            <a:ext uri="{C572A759-6A51-4108-AA02-DFA0A04FC94B}">
+              <ma14:wrappingTextBoxFlag xmlns:ma14="http://schemas.microsoft.com/office/mac/drawingml/2011/main" val="1"/>
+            </a:ext>
+          </a:extLst>
+        </p:spPr>
+        <p:txBody>
+          <a:bodyPr lIns="50800" tIns="50800" rIns="50800" bIns="50800" anchor="ctr">
+            <a:spAutoFit/>
+          </a:bodyPr>
           <a:lstStyle/>
           <a:p>
-            <a:pPr marL="637067" indent="-637067" defTabSz="527182">
-              <a:lnSpc>
-                <a:spcPct val="100000"/>
-              </a:lnSpc>
-              <a:spcBef>
-                <a:spcPts val="2400"/>
-              </a:spcBef>
-              <a:buSzPct val="40000"/>
-              <a:buBlip>
-                <a:blip r:embed="rId2"/>
-              </a:buBlip>
-              <a:defRPr cap="none" spc="0" sz="5760">
-                <a:latin typeface="Avenir Next Medium"/>
-                <a:ea typeface="Avenir Next Medium"/>
-                <a:cs typeface="Avenir Next Medium"/>
-                <a:sym typeface="Avenir Next Medium"/>
+            <a:pPr>
+              <a:defRPr sz="8100">
+                <a:solidFill>
+                  <a:srgbClr val="838787"/>
+                </a:solidFill>
+                <a:latin typeface="Anonymous Pro for Powerline"/>
+                <a:ea typeface="Anonymous Pro for Powerline"/>
+                <a:cs typeface="Anonymous Pro for Powerline"/>
+                <a:sym typeface="Anonymous Pro for Powerline"/>
               </a:defRPr>
             </a:pPr>
             <a:r>
-              <a:t>Changes how heavily we weight regularization</a:t>
-            </a:r>
-          </a:p>
-          <a:p>
-            <a:pPr marL="637067" indent="-637067" defTabSz="527182">
-              <a:lnSpc>
-                <a:spcPct val="100000"/>
-              </a:lnSpc>
-              <a:spcBef>
-                <a:spcPts val="2400"/>
-              </a:spcBef>
-              <a:buSzPct val="40000"/>
-              <a:buBlip>
-                <a:blip r:embed="rId2"/>
-              </a:buBlip>
-              <a:defRPr cap="none" spc="0" sz="5760">
-                <a:latin typeface="Avenir Next Medium"/>
-                <a:ea typeface="Avenir Next Medium"/>
-                <a:cs typeface="Avenir Next Medium"/>
-                <a:sym typeface="Avenir Next Medium"/>
-              </a:defRPr>
-            </a:pPr>
-            <a:r>
-              <a:t>Can test different values </a:t>
-            </a:r>
-            <a:r>
-              <a:t>with validation curve!</a:t>
+              <a:rPr>
+                <a:solidFill>
+                  <a:schemeClr val="accent5"/>
+                </a:solidFill>
+              </a:rPr>
+              <a:t>y</a:t>
+            </a:r>
+            <a:r>
+              <a:t> = … + 3</a:t>
+            </a:r>
+            <a:r>
+              <a:rPr>
+                <a:solidFill>
+                  <a:schemeClr val="accent3"/>
+                </a:solidFill>
+              </a:rPr>
+              <a:t>x</a:t>
+            </a:r>
+            <a:r>
+              <a:rPr baseline="-5999">
+                <a:solidFill>
+                  <a:schemeClr val="accent3"/>
+                </a:solidFill>
+              </a:rPr>
+              <a:t>n </a:t>
+            </a:r>
+            <a:r>
+              <a:t>+ ..</a:t>
             </a:r>
           </a:p>
         </p:txBody>
@@ -10104,51 +9793,26 @@
           <a:chExt cx="0" cy="0"/>
         </a:xfrm>
       </p:grpSpPr>
-      <p:sp>
-        <p:nvSpPr>
-          <p:cNvPr id="199" name="Shape 199"/>
-          <p:cNvSpPr/>
-          <p:nvPr>
-            <p:ph type="title"/>
-          </p:nvPr>
-        </p:nvSpPr>
-        <p:spPr>
-          <a:xfrm>
-            <a:off x="406400" y="1536700"/>
-            <a:ext cx="12192000" cy="1169261"/>
-          </a:xfrm>
-          <a:prstGeom prst="rect">
-            <a:avLst/>
-          </a:prstGeom>
-        </p:spPr>
-        <p:txBody>
-          <a:bodyPr/>
-          <a:lstStyle>
-            <a:lvl1pPr defTabSz="403097">
-              <a:spcBef>
-                <a:spcPts val="1900"/>
-              </a:spcBef>
-              <a:defRPr sz="8200"/>
-            </a:lvl1pPr>
-          </a:lstStyle>
-          <a:p>
-            <a:pPr/>
-            <a:r>
-              <a:t>Feature Matrix, Target Vector</a:t>
-            </a:r>
-          </a:p>
-        </p:txBody>
-      </p:sp>
-      <p:sp>
-        <p:nvSpPr>
-          <p:cNvPr id="200" name="Shape 200"/>
-          <p:cNvSpPr/>
+      <p:pic>
+        <p:nvPicPr>
+          <p:cNvPr id="200" name="pasted-image.jpeg"/>
+          <p:cNvPicPr>
+            <a:picLocks noChangeAspect="1"/>
+          </p:cNvPicPr>
           <p:nvPr/>
-        </p:nvSpPr>
-        <p:spPr>
-          <a:xfrm>
-            <a:off x="596105" y="4053570"/>
-            <a:ext cx="9848107" cy="3187701"/>
+        </p:nvPicPr>
+        <p:blipFill>
+          <a:blip r:embed="rId2">
+            <a:extLst/>
+          </a:blip>
+          <a:stretch>
+            <a:fillRect/>
+          </a:stretch>
+        </p:blipFill>
+        <p:spPr>
+          <a:xfrm>
+            <a:off x="816529" y="68178"/>
+            <a:ext cx="11371742" cy="9617244"/>
           </a:xfrm>
           <a:prstGeom prst="rect">
             <a:avLst/>
@@ -10156,51 +9820,8 @@
           <a:ln w="12700">
             <a:miter lim="400000"/>
           </a:ln>
-          <a:extLst>
-            <a:ext uri="{C572A759-6A51-4108-AA02-DFA0A04FC94B}">
-              <ma14:wrappingTextBoxFlag xmlns:ma14="http://schemas.microsoft.com/office/mac/drawingml/2011/main" val="1"/>
-            </a:ext>
-          </a:extLst>
-        </p:spPr>
-        <p:txBody>
-          <a:bodyPr wrap="none" lIns="50800" tIns="50800" rIns="50800" bIns="50800" anchor="ctr">
-            <a:spAutoFit/>
-          </a:bodyPr>
-          <a:lstStyle/>
-          <a:p>
-            <a:pPr>
-              <a:defRPr sz="5400">
-                <a:solidFill>
-                  <a:srgbClr val="838787"/>
-                </a:solidFill>
-                <a:latin typeface="Anonymous Pro for Powerline"/>
-                <a:ea typeface="Anonymous Pro for Powerline"/>
-                <a:cs typeface="Anonymous Pro for Powerline"/>
-                <a:sym typeface="Anonymous Pro for Powerline"/>
-              </a:defRPr>
-            </a:pPr>
-            <a:r>
-              <a:t>X = df.drop(['price'], 1)</a:t>
-            </a:r>
-          </a:p>
-          <a:p>
-            <a:pPr>
-              <a:defRPr sz="5400">
-                <a:solidFill>
-                  <a:srgbClr val="838787"/>
-                </a:solidFill>
-                <a:latin typeface="Anonymous Pro for Powerline"/>
-                <a:ea typeface="Anonymous Pro for Powerline"/>
-                <a:cs typeface="Anonymous Pro for Powerline"/>
-                <a:sym typeface="Anonymous Pro for Powerline"/>
-              </a:defRPr>
-            </a:pPr>
-            <a:r>
-              <a:t>y = df['price']</a:t>
-            </a:r>
-          </a:p>
-        </p:txBody>
-      </p:sp>
+        </p:spPr>
+      </p:pic>
     </p:spTree>
   </p:cSld>
   <p:clrMapOvr>
@@ -10229,7 +9850,7 @@
       </p:grpSpPr>
       <p:sp>
         <p:nvSpPr>
-          <p:cNvPr id="310" name="Shape 310"/>
+          <p:cNvPr id="305" name="Shape 305"/>
           <p:cNvSpPr/>
           <p:nvPr>
             <p:ph type="title"/>
@@ -10237,8 +9858,495 @@
         </p:nvSpPr>
         <p:spPr>
           <a:xfrm>
-            <a:off x="2802101" y="4038600"/>
-            <a:ext cx="7400598" cy="4521200"/>
+            <a:off x="406400" y="1536700"/>
+            <a:ext cx="12192000" cy="1169260"/>
+          </a:xfrm>
+          <a:prstGeom prst="rect">
+            <a:avLst/>
+          </a:prstGeom>
+        </p:spPr>
+        <p:txBody>
+          <a:bodyPr/>
+          <a:lstStyle>
+            <a:lvl1pPr defTabSz="403097">
+              <a:spcBef>
+                <a:spcPts val="1900"/>
+              </a:spcBef>
+              <a:defRPr sz="8280"/>
+            </a:lvl1pPr>
+          </a:lstStyle>
+          <a:p>
+            <a:pPr/>
+            <a:r>
+              <a:t>How the math works:</a:t>
+            </a:r>
+          </a:p>
+        </p:txBody>
+      </p:sp>
+      <p:sp>
+        <p:nvSpPr>
+          <p:cNvPr id="306" name="Shape 306"/>
+          <p:cNvSpPr/>
+          <p:nvPr/>
+        </p:nvSpPr>
+        <p:spPr>
+          <a:xfrm>
+            <a:off x="656526" y="4571724"/>
+            <a:ext cx="12136011" cy="1333501"/>
+          </a:xfrm>
+          <a:prstGeom prst="rect">
+            <a:avLst/>
+          </a:prstGeom>
+          <a:ln w="12700">
+            <a:miter lim="400000"/>
+          </a:ln>
+          <a:extLst>
+            <a:ext uri="{C572A759-6A51-4108-AA02-DFA0A04FC94B}">
+              <ma14:wrappingTextBoxFlag xmlns:ma14="http://schemas.microsoft.com/office/mac/drawingml/2011/main" val="1"/>
+            </a:ext>
+          </a:extLst>
+        </p:spPr>
+        <p:txBody>
+          <a:bodyPr lIns="50800" tIns="50800" rIns="50800" bIns="50800" anchor="ctr">
+            <a:spAutoFit/>
+          </a:bodyPr>
+          <a:lstStyle/>
+          <a:p>
+            <a:pPr>
+              <a:defRPr sz="8100">
+                <a:solidFill>
+                  <a:srgbClr val="838787"/>
+                </a:solidFill>
+                <a:latin typeface="Anonymous Pro for Powerline"/>
+                <a:ea typeface="Anonymous Pro for Powerline"/>
+                <a:cs typeface="Anonymous Pro for Powerline"/>
+                <a:sym typeface="Anonymous Pro for Powerline"/>
+              </a:defRPr>
+            </a:pPr>
+            <a:r>
+              <a:rPr>
+                <a:solidFill>
+                  <a:schemeClr val="accent5"/>
+                </a:solidFill>
+              </a:rPr>
+              <a:t>y</a:t>
+            </a:r>
+            <a:r>
+              <a:t> = … + 3</a:t>
+            </a:r>
+            <a:r>
+              <a:rPr>
+                <a:solidFill>
+                  <a:schemeClr val="accent3"/>
+                </a:solidFill>
+              </a:rPr>
+              <a:t>(1)</a:t>
+            </a:r>
+            <a:r>
+              <a:rPr baseline="-5999">
+                <a:solidFill>
+                  <a:schemeClr val="accent3"/>
+                </a:solidFill>
+              </a:rPr>
+              <a:t> </a:t>
+            </a:r>
+            <a:r>
+              <a:t>+ ..</a:t>
+            </a:r>
+          </a:p>
+        </p:txBody>
+      </p:sp>
+    </p:spTree>
+  </p:cSld>
+  <p:clrMapOvr>
+    <a:masterClrMapping/>
+  </p:clrMapOvr>
+  <p:transition xmlns:p14="http://schemas.microsoft.com/office/powerpoint/2010/main" spd="med" advClick="1"/>
+</p:sld>
+</file>
+
+<file path=ppt/slides/slide41.xml><?xml version="1.0" encoding="utf-8"?>
+<p:sld xmlns:a="http://schemas.openxmlformats.org/drawingml/2006/main" xmlns:r="http://schemas.openxmlformats.org/officeDocument/2006/relationships" xmlns:p="http://schemas.openxmlformats.org/presentationml/2006/main" showMasterSp="1" showMasterPhAnim="1">
+  <p:cSld>
+    <p:spTree>
+      <p:nvGrpSpPr>
+        <p:cNvPr id="1" name=""/>
+        <p:cNvGrpSpPr/>
+        <p:nvPr/>
+      </p:nvGrpSpPr>
+      <p:grpSpPr>
+        <a:xfrm>
+          <a:off x="0" y="0"/>
+          <a:ext cx="0" cy="0"/>
+          <a:chOff x="0" y="0"/>
+          <a:chExt cx="0" cy="0"/>
+        </a:xfrm>
+      </p:grpSpPr>
+      <p:sp>
+        <p:nvSpPr>
+          <p:cNvPr id="308" name="Shape 308"/>
+          <p:cNvSpPr/>
+          <p:nvPr>
+            <p:ph type="title"/>
+          </p:nvPr>
+        </p:nvSpPr>
+        <p:spPr>
+          <a:xfrm>
+            <a:off x="406400" y="1536700"/>
+            <a:ext cx="12192000" cy="1169260"/>
+          </a:xfrm>
+          <a:prstGeom prst="rect">
+            <a:avLst/>
+          </a:prstGeom>
+        </p:spPr>
+        <p:txBody>
+          <a:bodyPr/>
+          <a:lstStyle>
+            <a:lvl1pPr defTabSz="403097">
+              <a:spcBef>
+                <a:spcPts val="1900"/>
+              </a:spcBef>
+              <a:defRPr sz="8280"/>
+            </a:lvl1pPr>
+          </a:lstStyle>
+          <a:p>
+            <a:pPr/>
+            <a:r>
+              <a:t>How the math works:</a:t>
+            </a:r>
+          </a:p>
+        </p:txBody>
+      </p:sp>
+      <p:sp>
+        <p:nvSpPr>
+          <p:cNvPr id="309" name="Shape 309"/>
+          <p:cNvSpPr/>
+          <p:nvPr/>
+        </p:nvSpPr>
+        <p:spPr>
+          <a:xfrm>
+            <a:off x="656526" y="4571724"/>
+            <a:ext cx="12136011" cy="1333501"/>
+          </a:xfrm>
+          <a:prstGeom prst="rect">
+            <a:avLst/>
+          </a:prstGeom>
+          <a:ln w="12700">
+            <a:miter lim="400000"/>
+          </a:ln>
+          <a:extLst>
+            <a:ext uri="{C572A759-6A51-4108-AA02-DFA0A04FC94B}">
+              <ma14:wrappingTextBoxFlag xmlns:ma14="http://schemas.microsoft.com/office/mac/drawingml/2011/main" val="1"/>
+            </a:ext>
+          </a:extLst>
+        </p:spPr>
+        <p:txBody>
+          <a:bodyPr lIns="50800" tIns="50800" rIns="50800" bIns="50800" anchor="ctr">
+            <a:spAutoFit/>
+          </a:bodyPr>
+          <a:lstStyle/>
+          <a:p>
+            <a:pPr>
+              <a:defRPr sz="8100">
+                <a:solidFill>
+                  <a:srgbClr val="838787"/>
+                </a:solidFill>
+                <a:latin typeface="Anonymous Pro for Powerline"/>
+                <a:ea typeface="Anonymous Pro for Powerline"/>
+                <a:cs typeface="Anonymous Pro for Powerline"/>
+                <a:sym typeface="Anonymous Pro for Powerline"/>
+              </a:defRPr>
+            </a:pPr>
+            <a:r>
+              <a:rPr>
+                <a:solidFill>
+                  <a:schemeClr val="accent5"/>
+                </a:solidFill>
+              </a:rPr>
+              <a:t>y</a:t>
+            </a:r>
+            <a:r>
+              <a:t> = … + 3</a:t>
+            </a:r>
+            <a:r>
+              <a:rPr>
+                <a:solidFill>
+                  <a:schemeClr val="accent3"/>
+                </a:solidFill>
+              </a:rPr>
+              <a:t>(0)</a:t>
+            </a:r>
+            <a:r>
+              <a:rPr baseline="-5999">
+                <a:solidFill>
+                  <a:schemeClr val="accent3"/>
+                </a:solidFill>
+              </a:rPr>
+              <a:t> </a:t>
+            </a:r>
+            <a:r>
+              <a:t>+ ..</a:t>
+            </a:r>
+          </a:p>
+        </p:txBody>
+      </p:sp>
+    </p:spTree>
+  </p:cSld>
+  <p:clrMapOvr>
+    <a:masterClrMapping/>
+  </p:clrMapOvr>
+  <p:transition xmlns:p14="http://schemas.microsoft.com/office/powerpoint/2010/main" spd="med" advClick="1"/>
+</p:sld>
+</file>
+
+<file path=ppt/slides/slide42.xml><?xml version="1.0" encoding="utf-8"?>
+<p:sld xmlns:a="http://schemas.openxmlformats.org/drawingml/2006/main" xmlns:r="http://schemas.openxmlformats.org/officeDocument/2006/relationships" xmlns:p="http://schemas.openxmlformats.org/presentationml/2006/main" showMasterSp="1" showMasterPhAnim="1">
+  <p:cSld>
+    <p:spTree>
+      <p:nvGrpSpPr>
+        <p:cNvPr id="1" name=""/>
+        <p:cNvGrpSpPr/>
+        <p:nvPr/>
+      </p:nvGrpSpPr>
+      <p:grpSpPr>
+        <a:xfrm>
+          <a:off x="0" y="0"/>
+          <a:ext cx="0" cy="0"/>
+          <a:chOff x="0" y="0"/>
+          <a:chExt cx="0" cy="0"/>
+        </a:xfrm>
+      </p:grpSpPr>
+      <p:sp>
+        <p:nvSpPr>
+          <p:cNvPr id="311" name="Shape 311"/>
+          <p:cNvSpPr/>
+          <p:nvPr>
+            <p:ph type="title"/>
+          </p:nvPr>
+        </p:nvSpPr>
+        <p:spPr>
+          <a:xfrm>
+            <a:off x="406400" y="1536700"/>
+            <a:ext cx="12192000" cy="1169260"/>
+          </a:xfrm>
+          <a:prstGeom prst="rect">
+            <a:avLst/>
+          </a:prstGeom>
+        </p:spPr>
+        <p:txBody>
+          <a:bodyPr/>
+          <a:lstStyle>
+            <a:lvl1pPr defTabSz="403097">
+              <a:spcBef>
+                <a:spcPts val="1900"/>
+              </a:spcBef>
+              <a:defRPr sz="8280"/>
+            </a:lvl1pPr>
+          </a:lstStyle>
+          <a:p>
+            <a:pPr/>
+            <a:r>
+              <a:t>How the math works:</a:t>
+            </a:r>
+          </a:p>
+        </p:txBody>
+      </p:sp>
+      <p:sp>
+        <p:nvSpPr>
+          <p:cNvPr id="312" name="Shape 312"/>
+          <p:cNvSpPr/>
+          <p:nvPr/>
+        </p:nvSpPr>
+        <p:spPr>
+          <a:xfrm>
+            <a:off x="656526" y="4571724"/>
+            <a:ext cx="12136011" cy="1333501"/>
+          </a:xfrm>
+          <a:prstGeom prst="rect">
+            <a:avLst/>
+          </a:prstGeom>
+          <a:ln w="12700">
+            <a:miter lim="400000"/>
+          </a:ln>
+          <a:extLst>
+            <a:ext uri="{C572A759-6A51-4108-AA02-DFA0A04FC94B}">
+              <ma14:wrappingTextBoxFlag xmlns:ma14="http://schemas.microsoft.com/office/mac/drawingml/2011/main" val="1"/>
+            </a:ext>
+          </a:extLst>
+        </p:spPr>
+        <p:txBody>
+          <a:bodyPr lIns="50800" tIns="50800" rIns="50800" bIns="50800" anchor="ctr">
+            <a:spAutoFit/>
+          </a:bodyPr>
+          <a:lstStyle/>
+          <a:p>
+            <a:pPr>
+              <a:defRPr sz="8100">
+                <a:solidFill>
+                  <a:srgbClr val="838787"/>
+                </a:solidFill>
+                <a:latin typeface="Anonymous Pro for Powerline"/>
+                <a:ea typeface="Anonymous Pro for Powerline"/>
+                <a:cs typeface="Anonymous Pro for Powerline"/>
+                <a:sym typeface="Anonymous Pro for Powerline"/>
+              </a:defRPr>
+            </a:pPr>
+            <a:r>
+              <a:rPr>
+                <a:solidFill>
+                  <a:schemeClr val="accent5"/>
+                </a:solidFill>
+              </a:rPr>
+              <a:t>y</a:t>
+            </a:r>
+            <a:r>
+              <a:t> = … + 3</a:t>
+            </a:r>
+            <a:r>
+              <a:rPr>
+                <a:solidFill>
+                  <a:schemeClr val="accent3"/>
+                </a:solidFill>
+              </a:rPr>
+              <a:t>(0)</a:t>
+            </a:r>
+            <a:r>
+              <a:rPr baseline="-5999">
+                <a:solidFill>
+                  <a:schemeClr val="accent3"/>
+                </a:solidFill>
+              </a:rPr>
+              <a:t> </a:t>
+            </a:r>
+            <a:r>
+              <a:t>+ ..</a:t>
+            </a:r>
+          </a:p>
+        </p:txBody>
+      </p:sp>
+      <p:sp>
+        <p:nvSpPr>
+          <p:cNvPr id="313" name="Shape 313"/>
+          <p:cNvSpPr/>
+          <p:nvPr/>
+        </p:nvSpPr>
+        <p:spPr>
+          <a:xfrm>
+            <a:off x="509574" y="7119195"/>
+            <a:ext cx="11985652" cy="1170944"/>
+          </a:xfrm>
+          <a:prstGeom prst="rect">
+            <a:avLst/>
+          </a:prstGeom>
+          <a:ln w="12700">
+            <a:miter lim="400000"/>
+          </a:ln>
+          <a:extLst>
+            <a:ext uri="{C572A759-6A51-4108-AA02-DFA0A04FC94B}">
+              <ma14:wrappingTextBoxFlag xmlns:ma14="http://schemas.microsoft.com/office/mac/drawingml/2011/main" val="1"/>
+            </a:ext>
+          </a:extLst>
+        </p:spPr>
+        <p:txBody>
+          <a:bodyPr wrap="none" lIns="50800" tIns="50800" rIns="50800" bIns="50800" anchor="ctr">
+            <a:spAutoFit/>
+          </a:bodyPr>
+          <a:lstStyle>
+            <a:lvl1pPr>
+              <a:lnSpc>
+                <a:spcPct val="80000"/>
+              </a:lnSpc>
+              <a:spcBef>
+                <a:spcPts val="0"/>
+              </a:spcBef>
+              <a:defRPr cap="all" sz="8400">
+                <a:solidFill>
+                  <a:srgbClr val="FFFFFF"/>
+                </a:solidFill>
+              </a:defRPr>
+            </a:lvl1pPr>
+          </a:lstStyle>
+          <a:p>
+            <a:pPr/>
+            <a:r>
+              <a:t>Adds a fixed amount, or doesn’t!</a:t>
+            </a:r>
+          </a:p>
+        </p:txBody>
+      </p:sp>
+    </p:spTree>
+  </p:cSld>
+  <p:clrMapOvr>
+    <a:masterClrMapping/>
+  </p:clrMapOvr>
+  <p:transition xmlns:p14="http://schemas.microsoft.com/office/powerpoint/2010/main" spd="med" advClick="1"/>
+</p:sld>
+</file>
+
+<file path=ppt/slides/slide43.xml><?xml version="1.0" encoding="utf-8"?>
+<p:sld xmlns:a="http://schemas.openxmlformats.org/drawingml/2006/main" xmlns:r="http://schemas.openxmlformats.org/officeDocument/2006/relationships" xmlns:p="http://schemas.openxmlformats.org/presentationml/2006/main" showMasterSp="1" showMasterPhAnim="1">
+  <p:cSld>
+    <p:spTree>
+      <p:nvGrpSpPr>
+        <p:cNvPr id="1" name=""/>
+        <p:cNvGrpSpPr/>
+        <p:nvPr/>
+      </p:nvGrpSpPr>
+      <p:grpSpPr>
+        <a:xfrm>
+          <a:off x="0" y="0"/>
+          <a:ext cx="0" cy="0"/>
+          <a:chOff x="0" y="0"/>
+          <a:chExt cx="0" cy="0"/>
+        </a:xfrm>
+      </p:grpSpPr>
+      <p:sp>
+        <p:nvSpPr>
+          <p:cNvPr id="315" name="Shape 315"/>
+          <p:cNvSpPr/>
+          <p:nvPr>
+            <p:ph type="title"/>
+          </p:nvPr>
+        </p:nvSpPr>
+        <p:spPr>
+          <a:xfrm>
+            <a:off x="406400" y="1536700"/>
+            <a:ext cx="12192000" cy="1169260"/>
+          </a:xfrm>
+          <a:prstGeom prst="rect">
+            <a:avLst/>
+          </a:prstGeom>
+        </p:spPr>
+        <p:txBody>
+          <a:bodyPr/>
+          <a:lstStyle>
+            <a:lvl1pPr defTabSz="403097">
+              <a:spcBef>
+                <a:spcPts val="1900"/>
+              </a:spcBef>
+              <a:defRPr sz="8280"/>
+            </a:lvl1pPr>
+          </a:lstStyle>
+          <a:p>
+            <a:pPr/>
+            <a:r>
+              <a:t>One-hot encoding</a:t>
+            </a:r>
+          </a:p>
+        </p:txBody>
+      </p:sp>
+      <p:sp>
+        <p:nvSpPr>
+          <p:cNvPr id="316" name="Shape 316"/>
+          <p:cNvSpPr/>
+          <p:nvPr>
+            <p:ph type="body" idx="1"/>
+          </p:nvPr>
+        </p:nvSpPr>
+        <p:spPr>
+          <a:xfrm>
+            <a:off x="224565" y="3362306"/>
+            <a:ext cx="12555671" cy="5610529"/>
           </a:xfrm>
           <a:prstGeom prst="rect">
             <a:avLst/>
@@ -10248,9 +10356,1378 @@
           <a:bodyPr/>
           <a:lstStyle/>
           <a:p>
+            <a:pPr marL="649492" indent="-649492" defTabSz="537463">
+              <a:spcBef>
+                <a:spcPts val="2500"/>
+              </a:spcBef>
+              <a:buClrTx/>
+              <a:buSzPct val="40000"/>
+              <a:buFontTx/>
+              <a:buBlip>
+                <a:blip r:embed="rId2"/>
+              </a:buBlip>
+              <a:defRPr sz="5888"/>
+            </a:pPr>
+            <a:r>
+              <a:t>Creates a 1-or-0 column for </a:t>
+            </a:r>
+            <a:r>
+              <a:rPr>
+                <a:solidFill>
+                  <a:schemeClr val="accent3"/>
+                </a:solidFill>
+              </a:rPr>
+              <a:t>each unique value</a:t>
+            </a:r>
+            <a:r>
+              <a:t> in categorical </a:t>
+            </a:r>
+          </a:p>
+          <a:p>
+            <a:pPr marL="649492" indent="-649492" defTabSz="537463">
+              <a:spcBef>
+                <a:spcPts val="2500"/>
+              </a:spcBef>
+              <a:buClrTx/>
+              <a:buSzPct val="40000"/>
+              <a:buFontTx/>
+              <a:buBlip>
+                <a:blip r:embed="rId2"/>
+              </a:buBlip>
+              <a:defRPr sz="5888"/>
+            </a:pPr>
+            <a:r>
+              <a:t>Per row, </a:t>
+            </a:r>
+            <a:r>
+              <a:rPr>
+                <a:solidFill>
+                  <a:schemeClr val="accent3"/>
+                </a:solidFill>
+              </a:rPr>
+              <a:t>only one</a:t>
+            </a:r>
+            <a:r>
+              <a:t> of the new columns will be positive, hence “one-hot”</a:t>
+            </a:r>
+          </a:p>
+        </p:txBody>
+      </p:sp>
+    </p:spTree>
+  </p:cSld>
+  <p:clrMapOvr>
+    <a:masterClrMapping/>
+  </p:clrMapOvr>
+  <p:transition xmlns:p14="http://schemas.microsoft.com/office/powerpoint/2010/main" spd="med" advClick="1"/>
+</p:sld>
+</file>
+
+<file path=ppt/slides/slide44.xml><?xml version="1.0" encoding="utf-8"?>
+<p:sld xmlns:a="http://schemas.openxmlformats.org/drawingml/2006/main" xmlns:r="http://schemas.openxmlformats.org/officeDocument/2006/relationships" xmlns:p="http://schemas.openxmlformats.org/presentationml/2006/main" showMasterSp="1" showMasterPhAnim="1">
+  <p:cSld>
+    <p:spTree>
+      <p:nvGrpSpPr>
+        <p:cNvPr id="1" name=""/>
+        <p:cNvGrpSpPr/>
+        <p:nvPr/>
+      </p:nvGrpSpPr>
+      <p:grpSpPr>
+        <a:xfrm>
+          <a:off x="0" y="0"/>
+          <a:ext cx="0" cy="0"/>
+          <a:chOff x="0" y="0"/>
+          <a:chExt cx="0" cy="0"/>
+        </a:xfrm>
+      </p:grpSpPr>
+      <p:pic>
+        <p:nvPicPr>
+          <p:cNvPr id="318" name="pasted-image.png"/>
+          <p:cNvPicPr>
+            <a:picLocks noChangeAspect="1"/>
+          </p:cNvPicPr>
+          <p:nvPr/>
+        </p:nvPicPr>
+        <p:blipFill>
+          <a:blip r:embed="rId2">
+            <a:extLst/>
+          </a:blip>
+          <a:srcRect l="22078" t="0" r="65287" b="0"/>
+          <a:stretch>
+            <a:fillRect/>
+          </a:stretch>
+        </p:blipFill>
+        <p:spPr>
+          <a:xfrm>
+            <a:off x="734483" y="335170"/>
+            <a:ext cx="1755885" cy="9083314"/>
+          </a:xfrm>
+          <a:prstGeom prst="rect">
+            <a:avLst/>
+          </a:prstGeom>
+          <a:ln w="12700">
+            <a:miter lim="400000"/>
+          </a:ln>
+        </p:spPr>
+      </p:pic>
+      <p:sp>
+        <p:nvSpPr>
+          <p:cNvPr id="319" name="Shape 319"/>
+          <p:cNvSpPr/>
+          <p:nvPr/>
+        </p:nvSpPr>
+        <p:spPr>
+          <a:xfrm>
+            <a:off x="3422108" y="2934630"/>
+            <a:ext cx="7002434" cy="3308607"/>
+          </a:xfrm>
+          <a:prstGeom prst="rect">
+            <a:avLst/>
+          </a:prstGeom>
+          <a:ln w="12700">
+            <a:miter lim="400000"/>
+          </a:ln>
+          <a:extLst>
+            <a:ext uri="{C572A759-6A51-4108-AA02-DFA0A04FC94B}">
+              <ma14:wrappingTextBoxFlag xmlns:ma14="http://schemas.microsoft.com/office/mac/drawingml/2011/main" val="1"/>
+            </a:ext>
+          </a:extLst>
+        </p:spPr>
+        <p:txBody>
+          <a:bodyPr lIns="50800" tIns="50800" rIns="50800" bIns="50800" anchor="ctr">
+            <a:spAutoFit/>
+          </a:bodyPr>
+          <a:lstStyle>
+            <a:lvl1pPr>
+              <a:lnSpc>
+                <a:spcPct val="80000"/>
+              </a:lnSpc>
+              <a:spcBef>
+                <a:spcPts val="0"/>
+              </a:spcBef>
+              <a:defRPr cap="all" sz="8400">
+                <a:solidFill>
+                  <a:srgbClr val="FFFFFF"/>
+                </a:solidFill>
+              </a:defRPr>
+            </a:lvl1pPr>
+          </a:lstStyle>
+          <a:p>
             <a:pPr/>
             <a:r>
-              <a:t>Exercises</a:t>
+              <a:t>What does the one-hot encoded version look like? </a:t>
+            </a:r>
+          </a:p>
+        </p:txBody>
+      </p:sp>
+    </p:spTree>
+  </p:cSld>
+  <p:clrMapOvr>
+    <a:masterClrMapping/>
+  </p:clrMapOvr>
+  <p:transition xmlns:p14="http://schemas.microsoft.com/office/powerpoint/2010/main" spd="med" advClick="1"/>
+</p:sld>
+</file>
+
+<file path=ppt/slides/slide45.xml><?xml version="1.0" encoding="utf-8"?>
+<p:sld xmlns:a="http://schemas.openxmlformats.org/drawingml/2006/main" xmlns:r="http://schemas.openxmlformats.org/officeDocument/2006/relationships" xmlns:p="http://schemas.openxmlformats.org/presentationml/2006/main" showMasterSp="1" showMasterPhAnim="1">
+  <p:cSld>
+    <p:spTree>
+      <p:nvGrpSpPr>
+        <p:cNvPr id="1" name=""/>
+        <p:cNvGrpSpPr/>
+        <p:nvPr/>
+      </p:nvGrpSpPr>
+      <p:grpSpPr>
+        <a:xfrm>
+          <a:off x="0" y="0"/>
+          <a:ext cx="0" cy="0"/>
+          <a:chOff x="0" y="0"/>
+          <a:chExt cx="0" cy="0"/>
+        </a:xfrm>
+      </p:grpSpPr>
+      <p:sp>
+        <p:nvSpPr>
+          <p:cNvPr id="321" name="Shape 321"/>
+          <p:cNvSpPr/>
+          <p:nvPr>
+            <p:ph type="body" sz="quarter" idx="1"/>
+          </p:nvPr>
+        </p:nvSpPr>
+        <p:spPr>
+          <a:prstGeom prst="rect">
+            <a:avLst/>
+          </a:prstGeom>
+        </p:spPr>
+        <p:txBody>
+          <a:bodyPr/>
+          <a:lstStyle/>
+          <a:p>
+            <a:pPr/>
+          </a:p>
+        </p:txBody>
+      </p:sp>
+      <p:sp>
+        <p:nvSpPr>
+          <p:cNvPr id="322" name="Shape 322"/>
+          <p:cNvSpPr/>
+          <p:nvPr>
+            <p:ph type="body" idx="13"/>
+          </p:nvPr>
+        </p:nvSpPr>
+        <p:spPr>
+          <a:prstGeom prst="rect">
+            <a:avLst/>
+          </a:prstGeom>
+        </p:spPr>
+        <p:txBody>
+          <a:bodyPr/>
+          <a:lstStyle/>
+          <a:p>
+            <a:pPr marL="444500" indent="-444500" defTabSz="584200">
+              <a:spcBef>
+                <a:spcPts val="2800"/>
+              </a:spcBef>
+              <a:buClr>
+                <a:schemeClr val="accent1"/>
+              </a:buClr>
+              <a:buSzPct val="104999"/>
+              <a:buFont typeface="Avenir Next"/>
+              <a:buChar char="▸"/>
+              <a:defRPr sz="3400">
+                <a:solidFill>
+                  <a:srgbClr val="838787"/>
+                </a:solidFill>
+                <a:latin typeface="Avenir Next Medium"/>
+                <a:ea typeface="Avenir Next Medium"/>
+                <a:cs typeface="Avenir Next Medium"/>
+                <a:sym typeface="Avenir Next Medium"/>
+              </a:defRPr>
+            </a:pPr>
+          </a:p>
+        </p:txBody>
+      </p:sp>
+      <p:graphicFrame>
+        <p:nvGraphicFramePr>
+          <p:cNvPr id="323" name="Table 323"/>
+          <p:cNvGraphicFramePr/>
+          <p:nvPr/>
+        </p:nvGraphicFramePr>
+        <p:xfrm>
+          <a:off x="949395" y="2401146"/>
+          <a:ext cx="10575260" cy="5635415"/>
+        </p:xfrm>
+        <a:graphic xmlns:a="http://schemas.openxmlformats.org/drawingml/2006/main">
+          <a:graphicData uri="http://schemas.openxmlformats.org/drawingml/2006/table">
+            <a:tbl>
+              <a:tblPr firstCol="0" firstRow="1" lastCol="0" lastRow="0" bandCol="0" bandRow="1" rtl="0">
+                <a:tableStyleId>{4C3C2611-4C71-4FC5-86AE-919BDF0F9419}</a:tableStyleId>
+              </a:tblPr>
+              <a:tblGrid>
+                <a:gridCol w="2640639"/>
+                <a:gridCol w="2640639"/>
+                <a:gridCol w="2640639"/>
+                <a:gridCol w="2640639"/>
+              </a:tblGrid>
+              <a:tr h="1124542">
+                <a:tc>
+                  <a:txBody>
+                    <a:bodyPr/>
+                    <a:lstStyle/>
+                    <a:p>
+                      <a:pPr indent="228600" algn="ctr" defTabSz="584200">
+                        <a:lnSpc>
+                          <a:spcPct val="80000"/>
+                        </a:lnSpc>
+                        <a:defRPr b="0" sz="1800">
+                          <a:solidFill>
+                            <a:srgbClr val="000000"/>
+                          </a:solidFill>
+                        </a:defRPr>
+                      </a:pPr>
+                      <a:r>
+                        <a:rPr sz="4400">
+                          <a:sym typeface="DIN Condensed"/>
+                        </a:rPr>
+                        <a:t>NY</a:t>
+                      </a:r>
+                    </a:p>
+                  </a:txBody>
+                  <a:tcPr marL="0" marR="0" marT="0" marB="0" anchor="ctr" anchorCtr="0" horzOverflow="overflow"/>
+                </a:tc>
+                <a:tc>
+                  <a:txBody>
+                    <a:bodyPr/>
+                    <a:lstStyle/>
+                    <a:p>
+                      <a:pPr indent="228600" algn="ctr" defTabSz="584200">
+                        <a:lnSpc>
+                          <a:spcPct val="80000"/>
+                        </a:lnSpc>
+                        <a:defRPr b="0" sz="1800">
+                          <a:solidFill>
+                            <a:srgbClr val="000000"/>
+                          </a:solidFill>
+                        </a:defRPr>
+                      </a:pPr>
+                      <a:r>
+                        <a:rPr sz="4400">
+                          <a:sym typeface="DIN Condensed"/>
+                        </a:rPr>
+                        <a:t>TX</a:t>
+                      </a:r>
+                    </a:p>
+                  </a:txBody>
+                  <a:tcPr marL="0" marR="0" marT="0" marB="0" anchor="ctr" anchorCtr="0" horzOverflow="overflow"/>
+                </a:tc>
+                <a:tc>
+                  <a:txBody>
+                    <a:bodyPr/>
+                    <a:lstStyle/>
+                    <a:p>
+                      <a:pPr indent="228600" algn="ctr" defTabSz="584200">
+                        <a:lnSpc>
+                          <a:spcPct val="80000"/>
+                        </a:lnSpc>
+                        <a:defRPr b="0" sz="1800">
+                          <a:solidFill>
+                            <a:srgbClr val="000000"/>
+                          </a:solidFill>
+                        </a:defRPr>
+                      </a:pPr>
+                      <a:r>
+                        <a:rPr sz="4400">
+                          <a:sym typeface="DIN Condensed"/>
+                        </a:rPr>
+                        <a:t>AL</a:t>
+                      </a:r>
+                    </a:p>
+                  </a:txBody>
+                  <a:tcPr marL="0" marR="0" marT="0" marB="0" anchor="ctr" anchorCtr="0" horzOverflow="overflow"/>
+                </a:tc>
+                <a:tc>
+                  <a:txBody>
+                    <a:bodyPr/>
+                    <a:lstStyle/>
+                    <a:p>
+                      <a:pPr indent="228600" algn="ctr" defTabSz="584200">
+                        <a:lnSpc>
+                          <a:spcPct val="80000"/>
+                        </a:lnSpc>
+                        <a:defRPr b="0" sz="1800">
+                          <a:solidFill>
+                            <a:srgbClr val="000000"/>
+                          </a:solidFill>
+                        </a:defRPr>
+                      </a:pPr>
+                      <a:r>
+                        <a:rPr sz="4400">
+                          <a:sym typeface="DIN Condensed"/>
+                        </a:rPr>
+                        <a:t>AK</a:t>
+                      </a:r>
+                    </a:p>
+                  </a:txBody>
+                  <a:tcPr marL="0" marR="0" marT="0" marB="0" anchor="ctr" anchorCtr="0" horzOverflow="overflow"/>
+                </a:tc>
+              </a:tr>
+              <a:tr h="1124542">
+                <a:tc>
+                  <a:txBody>
+                    <a:bodyPr/>
+                    <a:lstStyle/>
+                    <a:p>
+                      <a:pPr indent="228600" algn="ctr" defTabSz="584200">
+                        <a:lnSpc>
+                          <a:spcPct val="80000"/>
+                        </a:lnSpc>
+                        <a:defRPr sz="1800">
+                          <a:solidFill>
+                            <a:srgbClr val="000000"/>
+                          </a:solidFill>
+                        </a:defRPr>
+                      </a:pPr>
+                      <a:r>
+                        <a:rPr sz="4400">
+                          <a:solidFill>
+                            <a:srgbClr val="222222"/>
+                          </a:solidFill>
+                          <a:sym typeface="DIN Condensed"/>
+                        </a:rPr>
+                        <a:t>1</a:t>
+                      </a:r>
+                    </a:p>
+                  </a:txBody>
+                  <a:tcPr marL="0" marR="0" marT="0" marB="0" anchor="ctr" anchorCtr="0" horzOverflow="overflow"/>
+                </a:tc>
+                <a:tc>
+                  <a:txBody>
+                    <a:bodyPr/>
+                    <a:lstStyle/>
+                    <a:p>
+                      <a:pPr indent="228600" algn="ctr" defTabSz="584200">
+                        <a:lnSpc>
+                          <a:spcPct val="80000"/>
+                        </a:lnSpc>
+                        <a:defRPr sz="1800">
+                          <a:solidFill>
+                            <a:srgbClr val="000000"/>
+                          </a:solidFill>
+                        </a:defRPr>
+                      </a:pPr>
+                      <a:r>
+                        <a:rPr sz="4400">
+                          <a:solidFill>
+                            <a:srgbClr val="222222"/>
+                          </a:solidFill>
+                          <a:sym typeface="DIN Condensed"/>
+                        </a:rPr>
+                        <a:t>0</a:t>
+                      </a:r>
+                    </a:p>
+                  </a:txBody>
+                  <a:tcPr marL="0" marR="0" marT="0" marB="0" anchor="ctr" anchorCtr="0" horzOverflow="overflow"/>
+                </a:tc>
+                <a:tc>
+                  <a:txBody>
+                    <a:bodyPr/>
+                    <a:lstStyle/>
+                    <a:p>
+                      <a:pPr indent="228600" algn="ctr" defTabSz="584200">
+                        <a:lnSpc>
+                          <a:spcPct val="80000"/>
+                        </a:lnSpc>
+                        <a:defRPr sz="1800">
+                          <a:solidFill>
+                            <a:srgbClr val="000000"/>
+                          </a:solidFill>
+                        </a:defRPr>
+                      </a:pPr>
+                      <a:r>
+                        <a:rPr sz="4400">
+                          <a:solidFill>
+                            <a:srgbClr val="222222"/>
+                          </a:solidFill>
+                          <a:sym typeface="DIN Condensed"/>
+                        </a:rPr>
+                        <a:t>0</a:t>
+                      </a:r>
+                    </a:p>
+                  </a:txBody>
+                  <a:tcPr marL="0" marR="0" marT="0" marB="0" anchor="ctr" anchorCtr="0" horzOverflow="overflow"/>
+                </a:tc>
+                <a:tc>
+                  <a:txBody>
+                    <a:bodyPr/>
+                    <a:lstStyle/>
+                    <a:p>
+                      <a:pPr indent="228600" algn="ctr" defTabSz="584200">
+                        <a:lnSpc>
+                          <a:spcPct val="80000"/>
+                        </a:lnSpc>
+                        <a:defRPr sz="1800">
+                          <a:solidFill>
+                            <a:srgbClr val="000000"/>
+                          </a:solidFill>
+                        </a:defRPr>
+                      </a:pPr>
+                      <a:r>
+                        <a:rPr sz="4400">
+                          <a:solidFill>
+                            <a:srgbClr val="222222"/>
+                          </a:solidFill>
+                          <a:sym typeface="DIN Condensed"/>
+                        </a:rPr>
+                        <a:t>0</a:t>
+                      </a:r>
+                    </a:p>
+                  </a:txBody>
+                  <a:tcPr marL="0" marR="0" marT="0" marB="0" anchor="ctr" anchorCtr="0" horzOverflow="overflow"/>
+                </a:tc>
+              </a:tr>
+              <a:tr h="1124542">
+                <a:tc>
+                  <a:txBody>
+                    <a:bodyPr/>
+                    <a:lstStyle/>
+                    <a:p>
+                      <a:pPr indent="228600" algn="ctr" defTabSz="584200">
+                        <a:lnSpc>
+                          <a:spcPct val="80000"/>
+                        </a:lnSpc>
+                        <a:defRPr sz="1800">
+                          <a:solidFill>
+                            <a:srgbClr val="000000"/>
+                          </a:solidFill>
+                        </a:defRPr>
+                      </a:pPr>
+                      <a:r>
+                        <a:rPr sz="4400">
+                          <a:solidFill>
+                            <a:srgbClr val="222222"/>
+                          </a:solidFill>
+                          <a:sym typeface="DIN Condensed"/>
+                        </a:rPr>
+                        <a:t>0</a:t>
+                      </a:r>
+                    </a:p>
+                  </a:txBody>
+                  <a:tcPr marL="0" marR="0" marT="0" marB="0" anchor="ctr" anchorCtr="0" horzOverflow="overflow"/>
+                </a:tc>
+                <a:tc>
+                  <a:txBody>
+                    <a:bodyPr/>
+                    <a:lstStyle/>
+                    <a:p>
+                      <a:pPr indent="228600" algn="ctr" defTabSz="584200">
+                        <a:lnSpc>
+                          <a:spcPct val="80000"/>
+                        </a:lnSpc>
+                        <a:defRPr sz="1800">
+                          <a:solidFill>
+                            <a:srgbClr val="000000"/>
+                          </a:solidFill>
+                        </a:defRPr>
+                      </a:pPr>
+                      <a:r>
+                        <a:rPr sz="4400">
+                          <a:solidFill>
+                            <a:srgbClr val="222222"/>
+                          </a:solidFill>
+                          <a:sym typeface="DIN Condensed"/>
+                        </a:rPr>
+                        <a:t>1</a:t>
+                      </a:r>
+                    </a:p>
+                  </a:txBody>
+                  <a:tcPr marL="0" marR="0" marT="0" marB="0" anchor="ctr" anchorCtr="0" horzOverflow="overflow"/>
+                </a:tc>
+                <a:tc>
+                  <a:txBody>
+                    <a:bodyPr/>
+                    <a:lstStyle/>
+                    <a:p>
+                      <a:pPr indent="228600" algn="ctr" defTabSz="584200">
+                        <a:lnSpc>
+                          <a:spcPct val="80000"/>
+                        </a:lnSpc>
+                        <a:defRPr sz="1800">
+                          <a:solidFill>
+                            <a:srgbClr val="000000"/>
+                          </a:solidFill>
+                        </a:defRPr>
+                      </a:pPr>
+                      <a:r>
+                        <a:rPr sz="4400">
+                          <a:solidFill>
+                            <a:srgbClr val="222222"/>
+                          </a:solidFill>
+                          <a:sym typeface="DIN Condensed"/>
+                        </a:rPr>
+                        <a:t>0</a:t>
+                      </a:r>
+                    </a:p>
+                  </a:txBody>
+                  <a:tcPr marL="0" marR="0" marT="0" marB="0" anchor="ctr" anchorCtr="0" horzOverflow="overflow"/>
+                </a:tc>
+                <a:tc>
+                  <a:txBody>
+                    <a:bodyPr/>
+                    <a:lstStyle/>
+                    <a:p>
+                      <a:pPr indent="228600" algn="ctr" defTabSz="584200">
+                        <a:lnSpc>
+                          <a:spcPct val="80000"/>
+                        </a:lnSpc>
+                        <a:defRPr sz="1800">
+                          <a:solidFill>
+                            <a:srgbClr val="000000"/>
+                          </a:solidFill>
+                        </a:defRPr>
+                      </a:pPr>
+                      <a:r>
+                        <a:rPr sz="4400">
+                          <a:solidFill>
+                            <a:srgbClr val="222222"/>
+                          </a:solidFill>
+                          <a:sym typeface="DIN Condensed"/>
+                        </a:rPr>
+                        <a:t>0</a:t>
+                      </a:r>
+                    </a:p>
+                  </a:txBody>
+                  <a:tcPr marL="0" marR="0" marT="0" marB="0" anchor="ctr" anchorCtr="0" horzOverflow="overflow"/>
+                </a:tc>
+              </a:tr>
+              <a:tr h="1124542">
+                <a:tc>
+                  <a:txBody>
+                    <a:bodyPr/>
+                    <a:lstStyle/>
+                    <a:p>
+                      <a:pPr indent="228600" algn="ctr" defTabSz="584200">
+                        <a:lnSpc>
+                          <a:spcPct val="80000"/>
+                        </a:lnSpc>
+                        <a:defRPr sz="1800">
+                          <a:solidFill>
+                            <a:srgbClr val="000000"/>
+                          </a:solidFill>
+                        </a:defRPr>
+                      </a:pPr>
+                      <a:r>
+                        <a:rPr sz="4400">
+                          <a:solidFill>
+                            <a:srgbClr val="222222"/>
+                          </a:solidFill>
+                          <a:sym typeface="DIN Condensed"/>
+                        </a:rPr>
+                        <a:t>0</a:t>
+                      </a:r>
+                    </a:p>
+                  </a:txBody>
+                  <a:tcPr marL="0" marR="0" marT="0" marB="0" anchor="ctr" anchorCtr="0" horzOverflow="overflow"/>
+                </a:tc>
+                <a:tc>
+                  <a:txBody>
+                    <a:bodyPr/>
+                    <a:lstStyle/>
+                    <a:p>
+                      <a:pPr indent="228600" algn="ctr" defTabSz="584200">
+                        <a:lnSpc>
+                          <a:spcPct val="80000"/>
+                        </a:lnSpc>
+                        <a:defRPr sz="1800">
+                          <a:solidFill>
+                            <a:srgbClr val="000000"/>
+                          </a:solidFill>
+                        </a:defRPr>
+                      </a:pPr>
+                      <a:r>
+                        <a:rPr sz="4400">
+                          <a:solidFill>
+                            <a:srgbClr val="222222"/>
+                          </a:solidFill>
+                          <a:sym typeface="DIN Condensed"/>
+                        </a:rPr>
+                        <a:t>0</a:t>
+                      </a:r>
+                    </a:p>
+                  </a:txBody>
+                  <a:tcPr marL="0" marR="0" marT="0" marB="0" anchor="ctr" anchorCtr="0" horzOverflow="overflow"/>
+                </a:tc>
+                <a:tc>
+                  <a:txBody>
+                    <a:bodyPr/>
+                    <a:lstStyle/>
+                    <a:p>
+                      <a:pPr indent="228600" algn="ctr" defTabSz="584200">
+                        <a:lnSpc>
+                          <a:spcPct val="80000"/>
+                        </a:lnSpc>
+                        <a:defRPr sz="1800">
+                          <a:solidFill>
+                            <a:srgbClr val="000000"/>
+                          </a:solidFill>
+                        </a:defRPr>
+                      </a:pPr>
+                      <a:r>
+                        <a:rPr sz="4400">
+                          <a:solidFill>
+                            <a:srgbClr val="222222"/>
+                          </a:solidFill>
+                          <a:sym typeface="DIN Condensed"/>
+                        </a:rPr>
+                        <a:t>0</a:t>
+                      </a:r>
+                    </a:p>
+                  </a:txBody>
+                  <a:tcPr marL="0" marR="0" marT="0" marB="0" anchor="ctr" anchorCtr="0" horzOverflow="overflow"/>
+                </a:tc>
+                <a:tc>
+                  <a:txBody>
+                    <a:bodyPr/>
+                    <a:lstStyle/>
+                    <a:p>
+                      <a:pPr indent="228600" algn="ctr" defTabSz="584200">
+                        <a:lnSpc>
+                          <a:spcPct val="80000"/>
+                        </a:lnSpc>
+                        <a:defRPr sz="1800">
+                          <a:solidFill>
+                            <a:srgbClr val="000000"/>
+                          </a:solidFill>
+                        </a:defRPr>
+                      </a:pPr>
+                      <a:r>
+                        <a:rPr sz="4400">
+                          <a:solidFill>
+                            <a:srgbClr val="222222"/>
+                          </a:solidFill>
+                          <a:sym typeface="DIN Condensed"/>
+                        </a:rPr>
+                        <a:t>1</a:t>
+                      </a:r>
+                    </a:p>
+                  </a:txBody>
+                  <a:tcPr marL="0" marR="0" marT="0" marB="0" anchor="ctr" anchorCtr="0" horzOverflow="overflow"/>
+                </a:tc>
+              </a:tr>
+              <a:tr h="1124542">
+                <a:tc>
+                  <a:txBody>
+                    <a:bodyPr/>
+                    <a:lstStyle/>
+                    <a:p>
+                      <a:pPr indent="228600" algn="ctr" defTabSz="584200">
+                        <a:lnSpc>
+                          <a:spcPct val="80000"/>
+                        </a:lnSpc>
+                        <a:defRPr sz="1800">
+                          <a:solidFill>
+                            <a:srgbClr val="000000"/>
+                          </a:solidFill>
+                        </a:defRPr>
+                      </a:pPr>
+                      <a:r>
+                        <a:rPr sz="4400">
+                          <a:solidFill>
+                            <a:srgbClr val="222222"/>
+                          </a:solidFill>
+                          <a:sym typeface="DIN Condensed"/>
+                        </a:rPr>
+                        <a:t>0</a:t>
+                      </a:r>
+                    </a:p>
+                  </a:txBody>
+                  <a:tcPr marL="0" marR="0" marT="0" marB="0" anchor="ctr" anchorCtr="0" horzOverflow="overflow"/>
+                </a:tc>
+                <a:tc>
+                  <a:txBody>
+                    <a:bodyPr/>
+                    <a:lstStyle/>
+                    <a:p>
+                      <a:pPr indent="228600" algn="ctr" defTabSz="584200">
+                        <a:lnSpc>
+                          <a:spcPct val="80000"/>
+                        </a:lnSpc>
+                        <a:defRPr sz="1800">
+                          <a:solidFill>
+                            <a:srgbClr val="000000"/>
+                          </a:solidFill>
+                        </a:defRPr>
+                      </a:pPr>
+                      <a:r>
+                        <a:rPr sz="4400">
+                          <a:solidFill>
+                            <a:srgbClr val="222222"/>
+                          </a:solidFill>
+                          <a:sym typeface="DIN Condensed"/>
+                        </a:rPr>
+                        <a:t>0</a:t>
+                      </a:r>
+                    </a:p>
+                  </a:txBody>
+                  <a:tcPr marL="0" marR="0" marT="0" marB="0" anchor="ctr" anchorCtr="0" horzOverflow="overflow"/>
+                </a:tc>
+                <a:tc>
+                  <a:txBody>
+                    <a:bodyPr/>
+                    <a:lstStyle/>
+                    <a:p>
+                      <a:pPr indent="228600" algn="ctr" defTabSz="584200">
+                        <a:lnSpc>
+                          <a:spcPct val="80000"/>
+                        </a:lnSpc>
+                        <a:defRPr sz="1800">
+                          <a:solidFill>
+                            <a:srgbClr val="000000"/>
+                          </a:solidFill>
+                        </a:defRPr>
+                      </a:pPr>
+                      <a:r>
+                        <a:rPr sz="4400">
+                          <a:solidFill>
+                            <a:srgbClr val="222222"/>
+                          </a:solidFill>
+                          <a:sym typeface="DIN Condensed"/>
+                        </a:rPr>
+                        <a:t>1</a:t>
+                      </a:r>
+                    </a:p>
+                  </a:txBody>
+                  <a:tcPr marL="0" marR="0" marT="0" marB="0" anchor="ctr" anchorCtr="0" horzOverflow="overflow"/>
+                </a:tc>
+                <a:tc>
+                  <a:txBody>
+                    <a:bodyPr/>
+                    <a:lstStyle/>
+                    <a:p>
+                      <a:pPr indent="228600" algn="ctr" defTabSz="584200">
+                        <a:lnSpc>
+                          <a:spcPct val="80000"/>
+                        </a:lnSpc>
+                        <a:defRPr sz="1800">
+                          <a:solidFill>
+                            <a:srgbClr val="000000"/>
+                          </a:solidFill>
+                        </a:defRPr>
+                      </a:pPr>
+                      <a:r>
+                        <a:rPr sz="4400">
+                          <a:solidFill>
+                            <a:srgbClr val="222222"/>
+                          </a:solidFill>
+                          <a:sym typeface="DIN Condensed"/>
+                        </a:rPr>
+                        <a:t>0</a:t>
+                      </a:r>
+                    </a:p>
+                  </a:txBody>
+                  <a:tcPr marL="0" marR="0" marT="0" marB="0" anchor="ctr" anchorCtr="0" horzOverflow="overflow"/>
+                </a:tc>
+              </a:tr>
+            </a:tbl>
+          </a:graphicData>
+        </a:graphic>
+      </p:graphicFrame>
+    </p:spTree>
+  </p:cSld>
+  <p:clrMapOvr>
+    <a:masterClrMapping/>
+  </p:clrMapOvr>
+  <p:transition xmlns:p14="http://schemas.microsoft.com/office/powerpoint/2010/main" spd="med" advClick="1"/>
+</p:sld>
+</file>
+
+<file path=ppt/slides/slide46.xml><?xml version="1.0" encoding="utf-8"?>
+<p:sld xmlns:a="http://schemas.openxmlformats.org/drawingml/2006/main" xmlns:r="http://schemas.openxmlformats.org/officeDocument/2006/relationships" xmlns:p="http://schemas.openxmlformats.org/presentationml/2006/main" showMasterSp="1" showMasterPhAnim="1">
+  <p:cSld>
+    <p:spTree>
+      <p:nvGrpSpPr>
+        <p:cNvPr id="1" name=""/>
+        <p:cNvGrpSpPr/>
+        <p:nvPr/>
+      </p:nvGrpSpPr>
+      <p:grpSpPr>
+        <a:xfrm>
+          <a:off x="0" y="0"/>
+          <a:ext cx="0" cy="0"/>
+          <a:chOff x="0" y="0"/>
+          <a:chExt cx="0" cy="0"/>
+        </a:xfrm>
+      </p:grpSpPr>
+      <p:sp>
+        <p:nvSpPr>
+          <p:cNvPr id="325" name="Shape 325"/>
+          <p:cNvSpPr/>
+          <p:nvPr>
+            <p:ph type="title"/>
+          </p:nvPr>
+        </p:nvSpPr>
+        <p:spPr>
+          <a:xfrm>
+            <a:off x="406400" y="1536700"/>
+            <a:ext cx="12192000" cy="1169260"/>
+          </a:xfrm>
+          <a:prstGeom prst="rect">
+            <a:avLst/>
+          </a:prstGeom>
+        </p:spPr>
+        <p:txBody>
+          <a:bodyPr/>
+          <a:lstStyle>
+            <a:lvl1pPr defTabSz="403097">
+              <a:spcBef>
+                <a:spcPts val="1900"/>
+              </a:spcBef>
+              <a:defRPr sz="8280"/>
+            </a:lvl1pPr>
+          </a:lstStyle>
+          <a:p>
+            <a:pPr/>
+            <a:r>
+              <a:t>How the math works:</a:t>
+            </a:r>
+          </a:p>
+        </p:txBody>
+      </p:sp>
+      <p:sp>
+        <p:nvSpPr>
+          <p:cNvPr id="326" name="Shape 326"/>
+          <p:cNvSpPr/>
+          <p:nvPr/>
+        </p:nvSpPr>
+        <p:spPr>
+          <a:xfrm>
+            <a:off x="656526" y="4571724"/>
+            <a:ext cx="12136011" cy="1333501"/>
+          </a:xfrm>
+          <a:prstGeom prst="rect">
+            <a:avLst/>
+          </a:prstGeom>
+          <a:ln w="12700">
+            <a:miter lim="400000"/>
+          </a:ln>
+          <a:extLst>
+            <a:ext uri="{C572A759-6A51-4108-AA02-DFA0A04FC94B}">
+              <ma14:wrappingTextBoxFlag xmlns:ma14="http://schemas.microsoft.com/office/mac/drawingml/2011/main" val="1"/>
+            </a:ext>
+          </a:extLst>
+        </p:spPr>
+        <p:txBody>
+          <a:bodyPr lIns="50800" tIns="50800" rIns="50800" bIns="50800" anchor="ctr">
+            <a:spAutoFit/>
+          </a:bodyPr>
+          <a:lstStyle/>
+          <a:p>
+            <a:pPr>
+              <a:defRPr sz="8100">
+                <a:solidFill>
+                  <a:srgbClr val="838787"/>
+                </a:solidFill>
+                <a:latin typeface="Anonymous Pro for Powerline"/>
+                <a:ea typeface="Anonymous Pro for Powerline"/>
+                <a:cs typeface="Anonymous Pro for Powerline"/>
+                <a:sym typeface="Anonymous Pro for Powerline"/>
+              </a:defRPr>
+            </a:pPr>
+            <a:r>
+              <a:rPr>
+                <a:solidFill>
+                  <a:schemeClr val="accent5"/>
+                </a:solidFill>
+              </a:rPr>
+              <a:t>y</a:t>
+            </a:r>
+            <a:r>
+              <a:t> = … + 3</a:t>
+            </a:r>
+            <a:r>
+              <a:rPr>
+                <a:solidFill>
+                  <a:schemeClr val="accent3"/>
+                </a:solidFill>
+              </a:rPr>
+              <a:t>(1)</a:t>
+            </a:r>
+            <a:r>
+              <a:rPr baseline="-5999">
+                <a:solidFill>
+                  <a:schemeClr val="accent3"/>
+                </a:solidFill>
+              </a:rPr>
+              <a:t> </a:t>
+            </a:r>
+            <a:r>
+              <a:t>+ ..</a:t>
+            </a:r>
+          </a:p>
+        </p:txBody>
+      </p:sp>
+      <p:sp>
+        <p:nvSpPr>
+          <p:cNvPr id="327" name="Shape 327"/>
+          <p:cNvSpPr/>
+          <p:nvPr/>
+        </p:nvSpPr>
+        <p:spPr>
+          <a:xfrm>
+            <a:off x="1745708" y="6594261"/>
+            <a:ext cx="10399319" cy="1170945"/>
+          </a:xfrm>
+          <a:prstGeom prst="rect">
+            <a:avLst/>
+          </a:prstGeom>
+          <a:ln w="12700">
+            <a:miter lim="400000"/>
+          </a:ln>
+          <a:extLst>
+            <a:ext uri="{C572A759-6A51-4108-AA02-DFA0A04FC94B}">
+              <ma14:wrappingTextBoxFlag xmlns:ma14="http://schemas.microsoft.com/office/mac/drawingml/2011/main" val="1"/>
+            </a:ext>
+          </a:extLst>
+        </p:spPr>
+        <p:txBody>
+          <a:bodyPr wrap="none" lIns="50800" tIns="50800" rIns="50800" bIns="50800" anchor="ctr">
+            <a:spAutoFit/>
+          </a:bodyPr>
+          <a:lstStyle>
+            <a:lvl1pPr>
+              <a:lnSpc>
+                <a:spcPct val="80000"/>
+              </a:lnSpc>
+              <a:spcBef>
+                <a:spcPts val="0"/>
+              </a:spcBef>
+              <a:defRPr cap="all" sz="8400">
+                <a:solidFill>
+                  <a:srgbClr val="FFFFFF"/>
+                </a:solidFill>
+              </a:defRPr>
+            </a:lvl1pPr>
+          </a:lstStyle>
+          <a:p>
+            <a:pPr/>
+            <a:r>
+              <a:t>Each state has a coefficient</a:t>
+            </a:r>
+          </a:p>
+        </p:txBody>
+      </p:sp>
+    </p:spTree>
+  </p:cSld>
+  <p:clrMapOvr>
+    <a:masterClrMapping/>
+  </p:clrMapOvr>
+  <p:transition xmlns:p14="http://schemas.microsoft.com/office/powerpoint/2010/main" spd="med" advClick="1"/>
+</p:sld>
+</file>
+
+<file path=ppt/slides/slide47.xml><?xml version="1.0" encoding="utf-8"?>
+<p:sld xmlns:a="http://schemas.openxmlformats.org/drawingml/2006/main" xmlns:r="http://schemas.openxmlformats.org/officeDocument/2006/relationships" xmlns:p="http://schemas.openxmlformats.org/presentationml/2006/main" showMasterSp="1" showMasterPhAnim="1">
+  <p:cSld>
+    <p:spTree>
+      <p:nvGrpSpPr>
+        <p:cNvPr id="1" name=""/>
+        <p:cNvGrpSpPr/>
+        <p:nvPr/>
+      </p:nvGrpSpPr>
+      <p:grpSpPr>
+        <a:xfrm>
+          <a:off x="0" y="0"/>
+          <a:ext cx="0" cy="0"/>
+          <a:chOff x="0" y="0"/>
+          <a:chExt cx="0" cy="0"/>
+        </a:xfrm>
+      </p:grpSpPr>
+      <p:sp>
+        <p:nvSpPr>
+          <p:cNvPr id="329" name="Shape 329"/>
+          <p:cNvSpPr/>
+          <p:nvPr>
+            <p:ph type="title"/>
+          </p:nvPr>
+        </p:nvSpPr>
+        <p:spPr>
+          <a:xfrm>
+            <a:off x="406400" y="1536700"/>
+            <a:ext cx="12192000" cy="1169260"/>
+          </a:xfrm>
+          <a:prstGeom prst="rect">
+            <a:avLst/>
+          </a:prstGeom>
+        </p:spPr>
+        <p:txBody>
+          <a:bodyPr/>
+          <a:lstStyle>
+            <a:lvl1pPr defTabSz="403097">
+              <a:spcBef>
+                <a:spcPts val="1900"/>
+              </a:spcBef>
+              <a:defRPr sz="8280"/>
+            </a:lvl1pPr>
+          </a:lstStyle>
+          <a:p>
+            <a:pPr/>
+            <a:r>
+              <a:t>sklearn Pipelines</a:t>
+            </a:r>
+          </a:p>
+        </p:txBody>
+      </p:sp>
+      <p:sp>
+        <p:nvSpPr>
+          <p:cNvPr id="330" name="Shape 330"/>
+          <p:cNvSpPr/>
+          <p:nvPr>
+            <p:ph type="body" idx="1"/>
+          </p:nvPr>
+        </p:nvSpPr>
+        <p:spPr>
+          <a:xfrm>
+            <a:off x="406400" y="3497772"/>
+            <a:ext cx="12192000" cy="5610529"/>
+          </a:xfrm>
+          <a:prstGeom prst="rect">
+            <a:avLst/>
+          </a:prstGeom>
+        </p:spPr>
+        <p:txBody>
+          <a:bodyPr/>
+          <a:lstStyle/>
+          <a:p>
+            <a:pPr marL="705970" indent="-705970">
+              <a:buClrTx/>
+              <a:buSzPct val="40000"/>
+              <a:buFontTx/>
+              <a:buBlip>
+                <a:blip r:embed="rId2"/>
+              </a:buBlip>
+              <a:defRPr sz="6400"/>
+            </a:pPr>
+            <a:r>
+              <a:t>Transform data en route to your model</a:t>
+            </a:r>
+          </a:p>
+          <a:p>
+            <a:pPr marL="705970" indent="-705970">
+              <a:buClrTx/>
+              <a:buSzPct val="40000"/>
+              <a:buFontTx/>
+              <a:buBlip>
+                <a:blip r:embed="rId2"/>
+              </a:buBlip>
+              <a:defRPr sz="6400"/>
+            </a:pPr>
+            <a:r>
+              <a:t>Can chain multiple transformations together</a:t>
+            </a:r>
+          </a:p>
+        </p:txBody>
+      </p:sp>
+    </p:spTree>
+  </p:cSld>
+  <p:clrMapOvr>
+    <a:masterClrMapping/>
+  </p:clrMapOvr>
+  <p:transition xmlns:p14="http://schemas.microsoft.com/office/powerpoint/2010/main" spd="med" advClick="1"/>
+</p:sld>
+</file>
+
+<file path=ppt/slides/slide48.xml><?xml version="1.0" encoding="utf-8"?>
+<p:sld xmlns:a="http://schemas.openxmlformats.org/drawingml/2006/main" xmlns:r="http://schemas.openxmlformats.org/officeDocument/2006/relationships" xmlns:p="http://schemas.openxmlformats.org/presentationml/2006/main" showMasterSp="1" showMasterPhAnim="1">
+  <p:cSld>
+    <p:spTree>
+      <p:nvGrpSpPr>
+        <p:cNvPr id="1" name=""/>
+        <p:cNvGrpSpPr/>
+        <p:nvPr/>
+      </p:nvGrpSpPr>
+      <p:grpSpPr>
+        <a:xfrm>
+          <a:off x="0" y="0"/>
+          <a:ext cx="0" cy="0"/>
+          <a:chOff x="0" y="0"/>
+          <a:chExt cx="0" cy="0"/>
+        </a:xfrm>
+      </p:grpSpPr>
+      <p:sp>
+        <p:nvSpPr>
+          <p:cNvPr id="332" name="Shape 332"/>
+          <p:cNvSpPr/>
+          <p:nvPr>
+            <p:ph type="title"/>
+          </p:nvPr>
+        </p:nvSpPr>
+        <p:spPr>
+          <a:xfrm>
+            <a:off x="406400" y="1536700"/>
+            <a:ext cx="12192000" cy="1169260"/>
+          </a:xfrm>
+          <a:prstGeom prst="rect">
+            <a:avLst/>
+          </a:prstGeom>
+        </p:spPr>
+        <p:txBody>
+          <a:bodyPr/>
+          <a:lstStyle>
+            <a:lvl1pPr defTabSz="403097">
+              <a:spcBef>
+                <a:spcPts val="1900"/>
+              </a:spcBef>
+              <a:defRPr sz="8280"/>
+            </a:lvl1pPr>
+          </a:lstStyle>
+          <a:p>
+            <a:pPr/>
+            <a:r>
+              <a:t>sklearn Pipelines</a:t>
+            </a:r>
+          </a:p>
+        </p:txBody>
+      </p:sp>
+      <p:sp>
+        <p:nvSpPr>
+          <p:cNvPr id="333" name="Shape 333"/>
+          <p:cNvSpPr/>
+          <p:nvPr>
+            <p:ph type="body" idx="1"/>
+          </p:nvPr>
+        </p:nvSpPr>
+        <p:spPr>
+          <a:xfrm>
+            <a:off x="406400" y="3497772"/>
+            <a:ext cx="12192000" cy="5610529"/>
+          </a:xfrm>
+          <a:prstGeom prst="rect">
+            <a:avLst/>
+          </a:prstGeom>
+        </p:spPr>
+        <p:txBody>
+          <a:bodyPr/>
+          <a:lstStyle/>
+          <a:p>
+            <a:pPr marL="705970" indent="-705970">
+              <a:buClrTx/>
+              <a:buSzPct val="40000"/>
+              <a:buFontTx/>
+              <a:buBlip>
+                <a:blip r:embed="rId2"/>
+              </a:buBlip>
+              <a:defRPr sz="6400"/>
+            </a:pPr>
+            <a:r>
+              <a:t>Transform data on way to model</a:t>
+            </a:r>
+          </a:p>
+          <a:p>
+            <a:pPr marL="705970" indent="-705970">
+              <a:buClrTx/>
+              <a:buSzPct val="40000"/>
+              <a:buFontTx/>
+              <a:buBlip>
+                <a:blip r:embed="rId2"/>
+              </a:buBlip>
+              <a:defRPr sz="6400"/>
+            </a:pPr>
+            <a:r>
+              <a:t>We can’t subtract categorical data   :(</a:t>
+            </a:r>
+          </a:p>
+        </p:txBody>
+      </p:sp>
+    </p:spTree>
+  </p:cSld>
+  <p:clrMapOvr>
+    <a:masterClrMapping/>
+  </p:clrMapOvr>
+  <p:transition xmlns:p14="http://schemas.microsoft.com/office/powerpoint/2010/main" spd="med" advClick="1"/>
+</p:sld>
+</file>
+
+<file path=ppt/slides/slide49.xml><?xml version="1.0" encoding="utf-8"?>
+<p:sld xmlns:a="http://schemas.openxmlformats.org/drawingml/2006/main" xmlns:r="http://schemas.openxmlformats.org/officeDocument/2006/relationships" xmlns:p="http://schemas.openxmlformats.org/presentationml/2006/main" showMasterSp="1" showMasterPhAnim="1">
+  <p:cSld>
+    <p:spTree>
+      <p:nvGrpSpPr>
+        <p:cNvPr id="1" name=""/>
+        <p:cNvGrpSpPr/>
+        <p:nvPr/>
+      </p:nvGrpSpPr>
+      <p:grpSpPr>
+        <a:xfrm>
+          <a:off x="0" y="0"/>
+          <a:ext cx="0" cy="0"/>
+          <a:chOff x="0" y="0"/>
+          <a:chExt cx="0" cy="0"/>
+        </a:xfrm>
+      </p:grpSpPr>
+      <p:sp>
+        <p:nvSpPr>
+          <p:cNvPr id="335" name="Shape 335"/>
+          <p:cNvSpPr/>
+          <p:nvPr>
+            <p:ph type="title"/>
+          </p:nvPr>
+        </p:nvSpPr>
+        <p:spPr>
+          <a:xfrm>
+            <a:off x="406400" y="1536700"/>
+            <a:ext cx="12192000" cy="1169261"/>
+          </a:xfrm>
+          <a:prstGeom prst="rect">
+            <a:avLst/>
+          </a:prstGeom>
+        </p:spPr>
+        <p:txBody>
+          <a:bodyPr/>
+          <a:lstStyle>
+            <a:lvl1pPr defTabSz="403097">
+              <a:spcBef>
+                <a:spcPts val="1900"/>
+              </a:spcBef>
+              <a:defRPr sz="8200"/>
+            </a:lvl1pPr>
+          </a:lstStyle>
+          <a:p>
+            <a:pPr/>
+            <a:r>
+              <a:t>Pipelines</a:t>
+            </a:r>
+          </a:p>
+        </p:txBody>
+      </p:sp>
+      <p:sp>
+        <p:nvSpPr>
+          <p:cNvPr id="336" name="Shape 336"/>
+          <p:cNvSpPr/>
+          <p:nvPr/>
+        </p:nvSpPr>
+        <p:spPr>
+          <a:xfrm>
+            <a:off x="426772" y="3801687"/>
+            <a:ext cx="12151256" cy="4318001"/>
+          </a:xfrm>
+          <a:prstGeom prst="rect">
+            <a:avLst/>
+          </a:prstGeom>
+          <a:ln w="12700">
+            <a:miter lim="400000"/>
+          </a:ln>
+          <a:extLst>
+            <a:ext uri="{C572A759-6A51-4108-AA02-DFA0A04FC94B}">
+              <ma14:wrappingTextBoxFlag xmlns:ma14="http://schemas.microsoft.com/office/mac/drawingml/2011/main" val="1"/>
+            </a:ext>
+          </a:extLst>
+        </p:spPr>
+        <p:txBody>
+          <a:bodyPr lIns="50800" tIns="50800" rIns="50800" bIns="50800" anchor="ctr">
+            <a:spAutoFit/>
+          </a:bodyPr>
+          <a:lstStyle/>
+          <a:p>
+            <a:pPr>
+              <a:defRPr sz="5400">
+                <a:solidFill>
+                  <a:srgbClr val="838787"/>
+                </a:solidFill>
+                <a:latin typeface="Anonymous Pro for Powerline"/>
+                <a:ea typeface="Anonymous Pro for Powerline"/>
+                <a:cs typeface="Anonymous Pro for Powerline"/>
+                <a:sym typeface="Anonymous Pro for Powerline"/>
+              </a:defRPr>
+            </a:pPr>
+          </a:p>
+          <a:p>
+            <a:pPr>
+              <a:defRPr sz="5400">
+                <a:solidFill>
+                  <a:srgbClr val="838787"/>
+                </a:solidFill>
+                <a:latin typeface="Anonymous Pro for Powerline"/>
+                <a:ea typeface="Anonymous Pro for Powerline"/>
+                <a:cs typeface="Anonymous Pro for Powerline"/>
+                <a:sym typeface="Anonymous Pro for Powerline"/>
+              </a:defRPr>
+            </a:pPr>
+            <a:r>
+              <a:t>encode = OneHotEncoder()</a:t>
+            </a:r>
+          </a:p>
+          <a:p>
+            <a:pPr>
+              <a:defRPr sz="5400">
+                <a:solidFill>
+                  <a:srgbClr val="838787"/>
+                </a:solidFill>
+                <a:latin typeface="Anonymous Pro for Powerline"/>
+                <a:ea typeface="Anonymous Pro for Powerline"/>
+                <a:cs typeface="Anonymous Pro for Powerline"/>
+                <a:sym typeface="Anonymous Pro for Powerline"/>
+              </a:defRPr>
+            </a:pPr>
+            <a:r>
+              <a:t>make_pipeline(encode, model)</a:t>
             </a:r>
           </a:p>
         </p:txBody>
@@ -10281,9 +11758,94 @@
           <a:chExt cx="0" cy="0"/>
         </a:xfrm>
       </p:grpSpPr>
-      <p:sp>
-        <p:nvSpPr>
-          <p:cNvPr id="202" name="Shape 202"/>
+      <p:pic>
+        <p:nvPicPr>
+          <p:cNvPr id="202" name="pasted-image.png"/>
+          <p:cNvPicPr>
+            <a:picLocks noChangeAspect="1"/>
+          </p:cNvPicPr>
+          <p:nvPr/>
+        </p:nvPicPr>
+        <p:blipFill>
+          <a:blip r:embed="rId2">
+            <a:extLst/>
+          </a:blip>
+          <a:srcRect l="61281" t="0" r="0" b="0"/>
+          <a:stretch>
+            <a:fillRect/>
+          </a:stretch>
+        </p:blipFill>
+        <p:spPr>
+          <a:xfrm>
+            <a:off x="23283" y="749300"/>
+            <a:ext cx="4632567" cy="7819682"/>
+          </a:xfrm>
+          <a:prstGeom prst="rect">
+            <a:avLst/>
+          </a:prstGeom>
+          <a:ln w="12700">
+            <a:miter lim="400000"/>
+          </a:ln>
+        </p:spPr>
+      </p:pic>
+      <p:pic>
+        <p:nvPicPr>
+          <p:cNvPr id="203" name="pasted-image.png"/>
+          <p:cNvPicPr>
+            <a:picLocks noChangeAspect="1"/>
+          </p:cNvPicPr>
+          <p:nvPr/>
+        </p:nvPicPr>
+        <p:blipFill>
+          <a:blip r:embed="rId3">
+            <a:extLst/>
+          </a:blip>
+          <a:stretch>
+            <a:fillRect/>
+          </a:stretch>
+        </p:blipFill>
+        <p:spPr>
+          <a:xfrm>
+            <a:off x="4717586" y="733491"/>
+            <a:ext cx="8211632" cy="7851246"/>
+          </a:xfrm>
+          <a:prstGeom prst="rect">
+            <a:avLst/>
+          </a:prstGeom>
+          <a:ln w="12700">
+            <a:miter lim="400000"/>
+          </a:ln>
+        </p:spPr>
+      </p:pic>
+    </p:spTree>
+  </p:cSld>
+  <p:clrMapOvr>
+    <a:masterClrMapping/>
+  </p:clrMapOvr>
+  <p:transition xmlns:p14="http://schemas.microsoft.com/office/powerpoint/2010/main" spd="med" advClick="1"/>
+</p:sld>
+</file>
+
+<file path=ppt/slides/slide50.xml><?xml version="1.0" encoding="utf-8"?>
+<p:sld xmlns:a="http://schemas.openxmlformats.org/drawingml/2006/main" xmlns:r="http://schemas.openxmlformats.org/officeDocument/2006/relationships" xmlns:p="http://schemas.openxmlformats.org/presentationml/2006/main" showMasterSp="1" showMasterPhAnim="1">
+  <p:cSld>
+    <p:spTree>
+      <p:nvGrpSpPr>
+        <p:cNvPr id="1" name=""/>
+        <p:cNvGrpSpPr/>
+        <p:nvPr/>
+      </p:nvGrpSpPr>
+      <p:grpSpPr>
+        <a:xfrm>
+          <a:off x="0" y="0"/>
+          <a:ext cx="0" cy="0"/>
+          <a:chOff x="0" y="0"/>
+          <a:chExt cx="0" cy="0"/>
+        </a:xfrm>
+      </p:grpSpPr>
+      <p:sp>
+        <p:nvSpPr>
+          <p:cNvPr id="338" name="Shape 338"/>
           <p:cNvSpPr/>
           <p:nvPr>
             <p:ph type="title"/>
@@ -10311,21 +11873,21 @@
           <a:p>
             <a:pPr/>
             <a:r>
-              <a:t>Training Set, Test Set</a:t>
-            </a:r>
-          </a:p>
-        </p:txBody>
-      </p:sp>
-      <p:sp>
-        <p:nvSpPr>
-          <p:cNvPr id="203" name="Shape 203"/>
+              <a:t>Columns based on unique values</a:t>
+            </a:r>
+          </a:p>
+        </p:txBody>
+      </p:sp>
+      <p:sp>
+        <p:nvSpPr>
+          <p:cNvPr id="339" name="Shape 339"/>
           <p:cNvSpPr/>
           <p:nvPr/>
         </p:nvSpPr>
         <p:spPr>
           <a:xfrm>
-            <a:off x="596105" y="4771119"/>
-            <a:ext cx="13055601" cy="1752601"/>
+            <a:off x="426772" y="4991253"/>
+            <a:ext cx="5355581" cy="2057401"/>
           </a:xfrm>
           <a:prstGeom prst="rect">
             <a:avLst/>
@@ -10357,7 +11919,7 @@
               </a:defRPr>
             </a:pPr>
             <a:r>
-              <a:t>X_train, X_test, y_train, y_test = = </a:t>
+              <a:t>encode</a:t>
             </a:r>
             <a:r>
               <a:rPr>
@@ -10365,7 +11927,522 @@
                   <a:schemeClr val="accent3"/>
                 </a:solidFill>
               </a:rPr>
-              <a:t>train_test_split(X, y)</a:t>
+              <a:t>.fit(X)</a:t>
+            </a:r>
+          </a:p>
+        </p:txBody>
+      </p:sp>
+    </p:spTree>
+  </p:cSld>
+  <p:clrMapOvr>
+    <a:masterClrMapping/>
+  </p:clrMapOvr>
+  <p:transition xmlns:p14="http://schemas.microsoft.com/office/powerpoint/2010/main" spd="med" advClick="1"/>
+</p:sld>
+</file>
+
+<file path=ppt/slides/slide51.xml><?xml version="1.0" encoding="utf-8"?>
+<p:sld xmlns:a="http://schemas.openxmlformats.org/drawingml/2006/main" xmlns:r="http://schemas.openxmlformats.org/officeDocument/2006/relationships" xmlns:p="http://schemas.openxmlformats.org/presentationml/2006/main" showMasterSp="1" showMasterPhAnim="1">
+  <p:cSld>
+    <p:spTree>
+      <p:nvGrpSpPr>
+        <p:cNvPr id="1" name=""/>
+        <p:cNvGrpSpPr/>
+        <p:nvPr/>
+      </p:nvGrpSpPr>
+      <p:grpSpPr>
+        <a:xfrm>
+          <a:off x="0" y="0"/>
+          <a:ext cx="0" cy="0"/>
+          <a:chOff x="0" y="0"/>
+          <a:chExt cx="0" cy="0"/>
+        </a:xfrm>
+      </p:grpSpPr>
+      <p:sp>
+        <p:nvSpPr>
+          <p:cNvPr id="341" name="Shape 341"/>
+          <p:cNvSpPr/>
+          <p:nvPr>
+            <p:ph type="title"/>
+          </p:nvPr>
+        </p:nvSpPr>
+        <p:spPr>
+          <a:xfrm>
+            <a:off x="406400" y="1536700"/>
+            <a:ext cx="12192000" cy="1169261"/>
+          </a:xfrm>
+          <a:prstGeom prst="rect">
+            <a:avLst/>
+          </a:prstGeom>
+        </p:spPr>
+        <p:txBody>
+          <a:bodyPr/>
+          <a:lstStyle>
+            <a:lvl1pPr defTabSz="403097">
+              <a:spcBef>
+                <a:spcPts val="1900"/>
+              </a:spcBef>
+              <a:defRPr sz="8200"/>
+            </a:lvl1pPr>
+          </a:lstStyle>
+          <a:p>
+            <a:pPr/>
+            <a:r>
+              <a:t>Columns based on unique values</a:t>
+            </a:r>
+          </a:p>
+        </p:txBody>
+      </p:sp>
+      <p:sp>
+        <p:nvSpPr>
+          <p:cNvPr id="342" name="Shape 342"/>
+          <p:cNvSpPr/>
+          <p:nvPr/>
+        </p:nvSpPr>
+        <p:spPr>
+          <a:xfrm>
+            <a:off x="426772" y="4991253"/>
+            <a:ext cx="5355581" cy="2057401"/>
+          </a:xfrm>
+          <a:prstGeom prst="rect">
+            <a:avLst/>
+          </a:prstGeom>
+          <a:ln w="12700">
+            <a:miter lim="400000"/>
+          </a:ln>
+          <a:extLst>
+            <a:ext uri="{C572A759-6A51-4108-AA02-DFA0A04FC94B}">
+              <ma14:wrappingTextBoxFlag xmlns:ma14="http://schemas.microsoft.com/office/mac/drawingml/2011/main" val="1"/>
+            </a:ext>
+          </a:extLst>
+        </p:spPr>
+        <p:txBody>
+          <a:bodyPr wrap="none" lIns="50800" tIns="50800" rIns="50800" bIns="50800" anchor="ctr">
+            <a:spAutoFit/>
+          </a:bodyPr>
+          <a:lstStyle/>
+          <a:p>
+            <a:pPr>
+              <a:defRPr sz="5400">
+                <a:solidFill>
+                  <a:srgbClr val="838787"/>
+                </a:solidFill>
+                <a:latin typeface="Anonymous Pro for Powerline"/>
+                <a:ea typeface="Anonymous Pro for Powerline"/>
+                <a:cs typeface="Anonymous Pro for Powerline"/>
+                <a:sym typeface="Anonymous Pro for Powerline"/>
+              </a:defRPr>
+            </a:pPr>
+            <a:r>
+              <a:t>encode</a:t>
+            </a:r>
+            <a:r>
+              <a:rPr>
+                <a:solidFill>
+                  <a:schemeClr val="accent3"/>
+                </a:solidFill>
+              </a:rPr>
+              <a:t>.fit(X)</a:t>
+            </a:r>
+          </a:p>
+        </p:txBody>
+      </p:sp>
+      <p:sp>
+        <p:nvSpPr>
+          <p:cNvPr id="343" name="Shape 343"/>
+          <p:cNvSpPr/>
+          <p:nvPr/>
+        </p:nvSpPr>
+        <p:spPr>
+          <a:xfrm>
+            <a:off x="509574" y="6915995"/>
+            <a:ext cx="9077555" cy="1170944"/>
+          </a:xfrm>
+          <a:prstGeom prst="rect">
+            <a:avLst/>
+          </a:prstGeom>
+          <a:ln w="12700">
+            <a:miter lim="400000"/>
+          </a:ln>
+          <a:extLst>
+            <a:ext uri="{C572A759-6A51-4108-AA02-DFA0A04FC94B}">
+              <ma14:wrappingTextBoxFlag xmlns:ma14="http://schemas.microsoft.com/office/mac/drawingml/2011/main" val="1"/>
+            </a:ext>
+          </a:extLst>
+        </p:spPr>
+        <p:txBody>
+          <a:bodyPr wrap="none" lIns="50800" tIns="50800" rIns="50800" bIns="50800" anchor="ctr">
+            <a:spAutoFit/>
+          </a:bodyPr>
+          <a:lstStyle>
+            <a:lvl1pPr>
+              <a:lnSpc>
+                <a:spcPct val="80000"/>
+              </a:lnSpc>
+              <a:spcBef>
+                <a:spcPts val="0"/>
+              </a:spcBef>
+              <a:defRPr cap="all" sz="8400">
+                <a:solidFill>
+                  <a:srgbClr val="FFFFFF"/>
+                </a:solidFill>
+              </a:defRPr>
+            </a:lvl1pPr>
+          </a:lstStyle>
+          <a:p>
+            <a:pPr/>
+            <a:r>
+              <a:t>Finds All the categories</a:t>
+            </a:r>
+          </a:p>
+        </p:txBody>
+      </p:sp>
+    </p:spTree>
+  </p:cSld>
+  <p:clrMapOvr>
+    <a:masterClrMapping/>
+  </p:clrMapOvr>
+  <p:transition xmlns:p14="http://schemas.microsoft.com/office/powerpoint/2010/main" spd="med" advClick="1"/>
+</p:sld>
+</file>
+
+<file path=ppt/slides/slide52.xml><?xml version="1.0" encoding="utf-8"?>
+<p:sld xmlns:a="http://schemas.openxmlformats.org/drawingml/2006/main" xmlns:r="http://schemas.openxmlformats.org/officeDocument/2006/relationships" xmlns:p="http://schemas.openxmlformats.org/presentationml/2006/main" showMasterSp="1" showMasterPhAnim="1">
+  <p:cSld>
+    <p:spTree>
+      <p:nvGrpSpPr>
+        <p:cNvPr id="1" name=""/>
+        <p:cNvGrpSpPr/>
+        <p:nvPr/>
+      </p:nvGrpSpPr>
+      <p:grpSpPr>
+        <a:xfrm>
+          <a:off x="0" y="0"/>
+          <a:ext cx="0" cy="0"/>
+          <a:chOff x="0" y="0"/>
+          <a:chExt cx="0" cy="0"/>
+        </a:xfrm>
+      </p:grpSpPr>
+      <p:sp>
+        <p:nvSpPr>
+          <p:cNvPr id="345" name="Shape 345"/>
+          <p:cNvSpPr/>
+          <p:nvPr>
+            <p:ph type="title"/>
+          </p:nvPr>
+        </p:nvSpPr>
+        <p:spPr>
+          <a:xfrm>
+            <a:off x="406400" y="1536700"/>
+            <a:ext cx="12192000" cy="1169261"/>
+          </a:xfrm>
+          <a:prstGeom prst="rect">
+            <a:avLst/>
+          </a:prstGeom>
+        </p:spPr>
+        <p:txBody>
+          <a:bodyPr/>
+          <a:lstStyle>
+            <a:lvl1pPr defTabSz="403097">
+              <a:spcBef>
+                <a:spcPts val="1900"/>
+              </a:spcBef>
+              <a:defRPr sz="8200"/>
+            </a:lvl1pPr>
+          </a:lstStyle>
+          <a:p>
+            <a:pPr/>
+            <a:r>
+              <a:t>Map rows into new encoding</a:t>
+            </a:r>
+          </a:p>
+        </p:txBody>
+      </p:sp>
+      <p:sp>
+        <p:nvSpPr>
+          <p:cNvPr id="346" name="Shape 346"/>
+          <p:cNvSpPr/>
+          <p:nvPr/>
+        </p:nvSpPr>
+        <p:spPr>
+          <a:xfrm>
+            <a:off x="426772" y="4991253"/>
+            <a:ext cx="7601844" cy="2057401"/>
+          </a:xfrm>
+          <a:prstGeom prst="rect">
+            <a:avLst/>
+          </a:prstGeom>
+          <a:ln w="12700">
+            <a:miter lim="400000"/>
+          </a:ln>
+          <a:extLst>
+            <a:ext uri="{C572A759-6A51-4108-AA02-DFA0A04FC94B}">
+              <ma14:wrappingTextBoxFlag xmlns:ma14="http://schemas.microsoft.com/office/mac/drawingml/2011/main" val="1"/>
+            </a:ext>
+          </a:extLst>
+        </p:spPr>
+        <p:txBody>
+          <a:bodyPr wrap="none" lIns="50800" tIns="50800" rIns="50800" bIns="50800" anchor="ctr">
+            <a:spAutoFit/>
+          </a:bodyPr>
+          <a:lstStyle/>
+          <a:p>
+            <a:pPr>
+              <a:defRPr sz="5400">
+                <a:solidFill>
+                  <a:srgbClr val="838787"/>
+                </a:solidFill>
+                <a:latin typeface="Anonymous Pro for Powerline"/>
+                <a:ea typeface="Anonymous Pro for Powerline"/>
+                <a:cs typeface="Anonymous Pro for Powerline"/>
+                <a:sym typeface="Anonymous Pro for Powerline"/>
+              </a:defRPr>
+            </a:pPr>
+            <a:r>
+              <a:t>encode</a:t>
+            </a:r>
+            <a:r>
+              <a:rPr>
+                <a:solidFill>
+                  <a:schemeClr val="accent3"/>
+                </a:solidFill>
+              </a:rPr>
+              <a:t>.transform(X)</a:t>
+            </a:r>
+          </a:p>
+        </p:txBody>
+      </p:sp>
+    </p:spTree>
+  </p:cSld>
+  <p:clrMapOvr>
+    <a:masterClrMapping/>
+  </p:clrMapOvr>
+  <p:transition xmlns:p14="http://schemas.microsoft.com/office/powerpoint/2010/main" spd="med" advClick="1"/>
+</p:sld>
+</file>
+
+<file path=ppt/slides/slide53.xml><?xml version="1.0" encoding="utf-8"?>
+<p:sld xmlns:a="http://schemas.openxmlformats.org/drawingml/2006/main" xmlns:r="http://schemas.openxmlformats.org/officeDocument/2006/relationships" xmlns:p="http://schemas.openxmlformats.org/presentationml/2006/main" showMasterSp="1" showMasterPhAnim="1">
+  <p:cSld>
+    <p:spTree>
+      <p:nvGrpSpPr>
+        <p:cNvPr id="1" name=""/>
+        <p:cNvGrpSpPr/>
+        <p:nvPr/>
+      </p:nvGrpSpPr>
+      <p:grpSpPr>
+        <a:xfrm>
+          <a:off x="0" y="0"/>
+          <a:ext cx="0" cy="0"/>
+          <a:chOff x="0" y="0"/>
+          <a:chExt cx="0" cy="0"/>
+        </a:xfrm>
+      </p:grpSpPr>
+      <p:sp>
+        <p:nvSpPr>
+          <p:cNvPr id="348" name="Shape 348"/>
+          <p:cNvSpPr/>
+          <p:nvPr>
+            <p:ph type="title"/>
+          </p:nvPr>
+        </p:nvSpPr>
+        <p:spPr>
+          <a:xfrm>
+            <a:off x="406400" y="1536700"/>
+            <a:ext cx="12192000" cy="1169261"/>
+          </a:xfrm>
+          <a:prstGeom prst="rect">
+            <a:avLst/>
+          </a:prstGeom>
+        </p:spPr>
+        <p:txBody>
+          <a:bodyPr/>
+          <a:lstStyle>
+            <a:lvl1pPr defTabSz="403097">
+              <a:spcBef>
+                <a:spcPts val="1900"/>
+              </a:spcBef>
+              <a:defRPr sz="8200"/>
+            </a:lvl1pPr>
+          </a:lstStyle>
+          <a:p>
+            <a:pPr/>
+            <a:r>
+              <a:t>Map rows into new encoding</a:t>
+            </a:r>
+          </a:p>
+        </p:txBody>
+      </p:sp>
+      <p:sp>
+        <p:nvSpPr>
+          <p:cNvPr id="349" name="Shape 349"/>
+          <p:cNvSpPr/>
+          <p:nvPr/>
+        </p:nvSpPr>
+        <p:spPr>
+          <a:xfrm>
+            <a:off x="426772" y="4991253"/>
+            <a:ext cx="7601844" cy="2057401"/>
+          </a:xfrm>
+          <a:prstGeom prst="rect">
+            <a:avLst/>
+          </a:prstGeom>
+          <a:ln w="12700">
+            <a:miter lim="400000"/>
+          </a:ln>
+          <a:extLst>
+            <a:ext uri="{C572A759-6A51-4108-AA02-DFA0A04FC94B}">
+              <ma14:wrappingTextBoxFlag xmlns:ma14="http://schemas.microsoft.com/office/mac/drawingml/2011/main" val="1"/>
+            </a:ext>
+          </a:extLst>
+        </p:spPr>
+        <p:txBody>
+          <a:bodyPr wrap="none" lIns="50800" tIns="50800" rIns="50800" bIns="50800" anchor="ctr">
+            <a:spAutoFit/>
+          </a:bodyPr>
+          <a:lstStyle/>
+          <a:p>
+            <a:pPr>
+              <a:defRPr sz="5400">
+                <a:solidFill>
+                  <a:srgbClr val="838787"/>
+                </a:solidFill>
+                <a:latin typeface="Anonymous Pro for Powerline"/>
+                <a:ea typeface="Anonymous Pro for Powerline"/>
+                <a:cs typeface="Anonymous Pro for Powerline"/>
+                <a:sym typeface="Anonymous Pro for Powerline"/>
+              </a:defRPr>
+            </a:pPr>
+            <a:r>
+              <a:t>encode</a:t>
+            </a:r>
+            <a:r>
+              <a:rPr>
+                <a:solidFill>
+                  <a:schemeClr val="accent3"/>
+                </a:solidFill>
+              </a:rPr>
+              <a:t>.transform(X)</a:t>
+            </a:r>
+          </a:p>
+        </p:txBody>
+      </p:sp>
+      <p:sp>
+        <p:nvSpPr>
+          <p:cNvPr id="350" name="Shape 350"/>
+          <p:cNvSpPr/>
+          <p:nvPr/>
+        </p:nvSpPr>
+        <p:spPr>
+          <a:xfrm>
+            <a:off x="582600" y="6550912"/>
+            <a:ext cx="6849009" cy="2239776"/>
+          </a:xfrm>
+          <a:prstGeom prst="rect">
+            <a:avLst/>
+          </a:prstGeom>
+          <a:ln w="12700">
+            <a:miter lim="400000"/>
+          </a:ln>
+          <a:extLst>
+            <a:ext uri="{C572A759-6A51-4108-AA02-DFA0A04FC94B}">
+              <ma14:wrappingTextBoxFlag xmlns:ma14="http://schemas.microsoft.com/office/mac/drawingml/2011/main" val="1"/>
+            </a:ext>
+          </a:extLst>
+        </p:spPr>
+        <p:txBody>
+          <a:bodyPr wrap="none" lIns="50800" tIns="50800" rIns="50800" bIns="50800" anchor="ctr">
+            <a:spAutoFit/>
+          </a:bodyPr>
+          <a:lstStyle/>
+          <a:p>
+            <a:pPr>
+              <a:lnSpc>
+                <a:spcPct val="80000"/>
+              </a:lnSpc>
+              <a:spcBef>
+                <a:spcPts val="0"/>
+              </a:spcBef>
+              <a:defRPr cap="all" sz="8400">
+                <a:solidFill>
+                  <a:srgbClr val="FFFFFF"/>
+                </a:solidFill>
+              </a:defRPr>
+            </a:pPr>
+            <a:r>
+              <a:t>Creates column </a:t>
+            </a:r>
+          </a:p>
+          <a:p>
+            <a:pPr>
+              <a:lnSpc>
+                <a:spcPct val="80000"/>
+              </a:lnSpc>
+              <a:spcBef>
+                <a:spcPts val="0"/>
+              </a:spcBef>
+              <a:defRPr cap="all" sz="8400">
+                <a:solidFill>
+                  <a:srgbClr val="FFFFFF"/>
+                </a:solidFill>
+              </a:defRPr>
+            </a:pPr>
+            <a:r>
+              <a:t>for each category</a:t>
+            </a:r>
+          </a:p>
+        </p:txBody>
+      </p:sp>
+    </p:spTree>
+  </p:cSld>
+  <p:clrMapOvr>
+    <a:masterClrMapping/>
+  </p:clrMapOvr>
+  <p:transition xmlns:p14="http://schemas.microsoft.com/office/powerpoint/2010/main" spd="med" advClick="1"/>
+</p:sld>
+</file>
+
+<file path=ppt/slides/slide54.xml><?xml version="1.0" encoding="utf-8"?>
+<p:sld xmlns:a="http://schemas.openxmlformats.org/drawingml/2006/main" xmlns:r="http://schemas.openxmlformats.org/officeDocument/2006/relationships" xmlns:p="http://schemas.openxmlformats.org/presentationml/2006/main" showMasterSp="1" showMasterPhAnim="1">
+  <p:cSld>
+    <p:spTree>
+      <p:nvGrpSpPr>
+        <p:cNvPr id="1" name=""/>
+        <p:cNvGrpSpPr/>
+        <p:nvPr/>
+      </p:nvGrpSpPr>
+      <p:grpSpPr>
+        <a:xfrm>
+          <a:off x="0" y="0"/>
+          <a:ext cx="0" cy="0"/>
+          <a:chOff x="0" y="0"/>
+          <a:chExt cx="0" cy="0"/>
+        </a:xfrm>
+      </p:grpSpPr>
+      <p:sp>
+        <p:nvSpPr>
+          <p:cNvPr id="352" name="Shape 352"/>
+          <p:cNvSpPr/>
+          <p:nvPr>
+            <p:ph type="title"/>
+          </p:nvPr>
+        </p:nvSpPr>
+        <p:spPr>
+          <a:xfrm>
+            <a:off x="2802101" y="4038600"/>
+            <a:ext cx="7400598" cy="4521200"/>
+          </a:xfrm>
+          <a:prstGeom prst="rect">
+            <a:avLst/>
+          </a:prstGeom>
+        </p:spPr>
+        <p:txBody>
+          <a:bodyPr/>
+          <a:lstStyle/>
+          <a:p>
+            <a:pPr/>
+            <a:r>
+              <a:t>Exercises</a:t>
             </a:r>
           </a:p>
         </p:txBody>
@@ -10396,115 +12473,93 @@
           <a:chExt cx="0" cy="0"/>
         </a:xfrm>
       </p:grpSpPr>
-      <p:sp>
-        <p:nvSpPr>
-          <p:cNvPr id="205" name="Shape 205"/>
-          <p:cNvSpPr/>
-          <p:nvPr>
-            <p:ph type="title"/>
-          </p:nvPr>
-        </p:nvSpPr>
-        <p:spPr>
-          <a:xfrm>
-            <a:off x="406400" y="1536700"/>
-            <a:ext cx="12192000" cy="1169260"/>
-          </a:xfrm>
-          <a:prstGeom prst="rect">
-            <a:avLst/>
-          </a:prstGeom>
-        </p:spPr>
-        <p:txBody>
-          <a:bodyPr/>
+      <p:pic>
+        <p:nvPicPr>
+          <p:cNvPr id="205" name="pasted-image.png"/>
+          <p:cNvPicPr>
+            <a:picLocks noChangeAspect="1"/>
+          </p:cNvPicPr>
+          <p:nvPr/>
+        </p:nvPicPr>
+        <p:blipFill>
+          <a:blip r:embed="rId2">
+            <a:extLst/>
+          </a:blip>
+          <a:srcRect l="22078" t="0" r="0" b="0"/>
+          <a:stretch>
+            <a:fillRect/>
+          </a:stretch>
+        </p:blipFill>
+        <p:spPr>
+          <a:xfrm>
+            <a:off x="158749" y="966985"/>
+            <a:ext cx="9323101" cy="7819683"/>
+          </a:xfrm>
+          <a:prstGeom prst="rect">
+            <a:avLst/>
+          </a:prstGeom>
+          <a:ln w="12700">
+            <a:miter lim="400000"/>
+          </a:ln>
+        </p:spPr>
+      </p:pic>
+      <p:sp>
+        <p:nvSpPr>
+          <p:cNvPr id="206" name="Shape 206"/>
+          <p:cNvSpPr/>
+          <p:nvPr/>
+        </p:nvSpPr>
+        <p:spPr>
+          <a:xfrm>
+            <a:off x="10817097" y="3314167"/>
+            <a:ext cx="1063626" cy="2651133"/>
+          </a:xfrm>
+          <a:prstGeom prst="rect">
+            <a:avLst/>
+          </a:prstGeom>
+          <a:gradFill>
+            <a:gsLst>
+              <a:gs pos="0">
+                <a:srgbClr val="FF0D1A"/>
+              </a:gs>
+              <a:gs pos="100000">
+                <a:schemeClr val="accent5">
+                  <a:hueOff val="131986"/>
+                  <a:satOff val="22314"/>
+                  <a:lumOff val="31660"/>
+                </a:schemeClr>
+              </a:gs>
+            </a:gsLst>
+            <a:lin ang="16200000"/>
+          </a:gradFill>
+          <a:ln>
+            <a:solidFill>
+              <a:srgbClr val="E3222D"/>
+            </a:solidFill>
+          </a:ln>
+          <a:extLst>
+            <a:ext uri="{C572A759-6A51-4108-AA02-DFA0A04FC94B}">
+              <ma14:wrappingTextBoxFlag xmlns:ma14="http://schemas.microsoft.com/office/mac/drawingml/2011/main" val="1"/>
+            </a:ext>
+          </a:extLst>
+        </p:spPr>
+        <p:txBody>
+          <a:bodyPr wrap="none" lIns="50800" tIns="50800" rIns="50800" bIns="50800" anchor="ctr">
+            <a:spAutoFit/>
+          </a:bodyPr>
           <a:lstStyle>
-            <a:lvl1pPr defTabSz="403097">
-              <a:spcBef>
-                <a:spcPts val="1900"/>
-              </a:spcBef>
-              <a:defRPr sz="8280"/>
+            <a:lvl1pPr>
+              <a:defRPr sz="20000">
+                <a:solidFill>
+                  <a:srgbClr val="FFFFFF"/>
+                </a:solidFill>
+              </a:defRPr>
             </a:lvl1pPr>
           </a:lstStyle>
           <a:p>
             <a:pPr/>
             <a:r>
-              <a:t>One-hot encoding</a:t>
-            </a:r>
-          </a:p>
-        </p:txBody>
-      </p:sp>
-      <p:sp>
-        <p:nvSpPr>
-          <p:cNvPr id="206" name="Shape 206"/>
-          <p:cNvSpPr/>
-          <p:nvPr>
-            <p:ph type="body" idx="1"/>
-          </p:nvPr>
-        </p:nvSpPr>
-        <p:spPr>
-          <a:xfrm>
-            <a:off x="224565" y="3362306"/>
-            <a:ext cx="12555671" cy="5610529"/>
-          </a:xfrm>
-          <a:prstGeom prst="rect">
-            <a:avLst/>
-          </a:prstGeom>
-        </p:spPr>
-        <p:txBody>
-          <a:bodyPr/>
-          <a:lstStyle/>
-          <a:p>
-            <a:pPr marL="649492" indent="-649492" defTabSz="537463">
-              <a:spcBef>
-                <a:spcPts val="2500"/>
-              </a:spcBef>
-              <a:buClrTx/>
-              <a:buSzPct val="40000"/>
-              <a:buFontTx/>
-              <a:buBlip>
-                <a:blip r:embed="rId2"/>
-              </a:buBlip>
-              <a:defRPr sz="5888"/>
-            </a:pPr>
-            <a:r>
-              <a:t>Creates a 1-or-0 column for </a:t>
-            </a:r>
-            <a:r>
-              <a:rPr>
-                <a:solidFill>
-                  <a:schemeClr val="accent3"/>
-                </a:solidFill>
-              </a:rPr>
-              <a:t>each unique value</a:t>
-            </a:r>
-            <a:r>
-              <a:t> in categorical </a:t>
-            </a:r>
-          </a:p>
-          <a:p>
-            <a:pPr marL="649492" indent="-649492" defTabSz="537463">
-              <a:spcBef>
-                <a:spcPts val="2500"/>
-              </a:spcBef>
-              <a:buClrTx/>
-              <a:buSzPct val="40000"/>
-              <a:buFontTx/>
-              <a:buBlip>
-                <a:blip r:embed="rId2"/>
-              </a:buBlip>
-              <a:defRPr sz="5888"/>
-            </a:pPr>
-            <a:r>
-              <a:t>Per row, </a:t>
-            </a:r>
-            <a:r>
-              <a:rPr>
-                <a:solidFill>
-                  <a:schemeClr val="accent3"/>
-                </a:solidFill>
-              </a:rPr>
-              <a:t>only one</a:t>
-            </a:r>
-            <a:r>
-              <a:t> of the new columns will be positive, hence “one-hot”</a:t>
+              <a:t>?</a:t>
             </a:r>
           </a:p>
         </p:txBody>
@@ -10546,7 +12601,7 @@
         <p:spPr>
           <a:xfrm>
             <a:off x="406400" y="1536700"/>
-            <a:ext cx="12192000" cy="1169261"/>
+            <a:ext cx="12192000" cy="1169260"/>
           </a:xfrm>
           <a:prstGeom prst="rect">
             <a:avLst/>
@@ -10559,13 +12614,13 @@
               <a:spcBef>
                 <a:spcPts val="1900"/>
               </a:spcBef>
-              <a:defRPr sz="8200"/>
+              <a:defRPr sz="8280"/>
             </a:lvl1pPr>
           </a:lstStyle>
           <a:p>
             <a:pPr/>
             <a:r>
-              <a:t>Columns based on unique values</a:t>
+              <a:t>Setting the Table</a:t>
             </a:r>
           </a:p>
         </p:txBody>
@@ -10574,52 +12629,48 @@
         <p:nvSpPr>
           <p:cNvPr id="209" name="Shape 209"/>
           <p:cNvSpPr/>
-          <p:nvPr/>
-        </p:nvSpPr>
-        <p:spPr>
-          <a:xfrm>
-            <a:off x="426772" y="4991253"/>
-            <a:ext cx="7227467" cy="2057401"/>
-          </a:xfrm>
-          <a:prstGeom prst="rect">
-            <a:avLst/>
-          </a:prstGeom>
-          <a:ln w="12700">
-            <a:miter lim="400000"/>
-          </a:ln>
-          <a:extLst>
-            <a:ext uri="{C572A759-6A51-4108-AA02-DFA0A04FC94B}">
-              <ma14:wrappingTextBoxFlag xmlns:ma14="http://schemas.microsoft.com/office/mac/drawingml/2011/main" val="1"/>
-            </a:ext>
-          </a:extLst>
-        </p:spPr>
-        <p:txBody>
-          <a:bodyPr wrap="none" lIns="50800" tIns="50800" rIns="50800" bIns="50800" anchor="ctr">
-            <a:spAutoFit/>
-          </a:bodyPr>
+          <p:nvPr>
+            <p:ph type="body" idx="1"/>
+          </p:nvPr>
+        </p:nvSpPr>
+        <p:spPr>
+          <a:xfrm>
+            <a:off x="224565" y="3362306"/>
+            <a:ext cx="12555671" cy="5610529"/>
+          </a:xfrm>
+          <a:prstGeom prst="rect">
+            <a:avLst/>
+          </a:prstGeom>
+        </p:spPr>
+        <p:txBody>
+          <a:bodyPr/>
           <a:lstStyle/>
           <a:p>
-            <a:pPr>
-              <a:defRPr sz="5400">
-                <a:solidFill>
-                  <a:srgbClr val="838787"/>
-                </a:solidFill>
-                <a:latin typeface="Anonymous Pro for Powerline"/>
-                <a:ea typeface="Anonymous Pro for Powerline"/>
-                <a:cs typeface="Anonymous Pro for Powerline"/>
-                <a:sym typeface="Anonymous Pro for Powerline"/>
-              </a:defRPr>
+            <a:pPr marL="705970" indent="-705970">
+              <a:buClrTx/>
+              <a:buSzPct val="40000"/>
+              <a:buFontTx/>
+              <a:buBlip>
+                <a:blip r:embed="rId2"/>
+              </a:buBlip>
+              <a:defRPr sz="6400"/>
             </a:pPr>
             <a:r>
-              <a:t>transformer</a:t>
-            </a:r>
-            <a:r>
-              <a:rPr>
-                <a:solidFill>
-                  <a:schemeClr val="accent3"/>
-                </a:solidFill>
-              </a:rPr>
-              <a:t>.fit(X)</a:t>
+              <a:t>Feature Matrix, Target Vector</a:t>
+            </a:r>
+          </a:p>
+          <a:p>
+            <a:pPr marL="705970" indent="-705970">
+              <a:buClrTx/>
+              <a:buSzPct val="40000"/>
+              <a:buFontTx/>
+              <a:buBlip>
+                <a:blip r:embed="rId2"/>
+              </a:buBlip>
+              <a:defRPr sz="6400"/>
+            </a:pPr>
+            <a:r>
+              <a:t>Training Set, Test Set</a:t>
             </a:r>
           </a:p>
         </p:txBody>
@@ -10661,7 +12712,7 @@
         <p:spPr>
           <a:xfrm>
             <a:off x="406400" y="1536700"/>
-            <a:ext cx="12192000" cy="1169261"/>
+            <a:ext cx="12192000" cy="1169260"/>
           </a:xfrm>
           <a:prstGeom prst="rect">
             <a:avLst/>
@@ -10674,13 +12725,13 @@
               <a:spcBef>
                 <a:spcPts val="1900"/>
               </a:spcBef>
-              <a:defRPr sz="8200"/>
+              <a:defRPr sz="8280"/>
             </a:lvl1pPr>
           </a:lstStyle>
           <a:p>
             <a:pPr/>
             <a:r>
-              <a:t>Map rows into new encoding</a:t>
+              <a:t>Setting the Table</a:t>
             </a:r>
           </a:p>
         </p:txBody>
@@ -10689,52 +12740,48 @@
         <p:nvSpPr>
           <p:cNvPr id="212" name="Shape 212"/>
           <p:cNvSpPr/>
-          <p:nvPr/>
-        </p:nvSpPr>
-        <p:spPr>
-          <a:xfrm>
-            <a:off x="426772" y="4991253"/>
-            <a:ext cx="9473730" cy="2057401"/>
-          </a:xfrm>
-          <a:prstGeom prst="rect">
-            <a:avLst/>
-          </a:prstGeom>
-          <a:ln w="12700">
-            <a:miter lim="400000"/>
-          </a:ln>
-          <a:extLst>
-            <a:ext uri="{C572A759-6A51-4108-AA02-DFA0A04FC94B}">
-              <ma14:wrappingTextBoxFlag xmlns:ma14="http://schemas.microsoft.com/office/mac/drawingml/2011/main" val="1"/>
-            </a:ext>
-          </a:extLst>
-        </p:spPr>
-        <p:txBody>
-          <a:bodyPr wrap="none" lIns="50800" tIns="50800" rIns="50800" bIns="50800" anchor="ctr">
-            <a:spAutoFit/>
-          </a:bodyPr>
+          <p:nvPr>
+            <p:ph type="body" idx="1"/>
+          </p:nvPr>
+        </p:nvSpPr>
+        <p:spPr>
+          <a:xfrm>
+            <a:off x="224565" y="3362306"/>
+            <a:ext cx="12555671" cy="5610529"/>
+          </a:xfrm>
+          <a:prstGeom prst="rect">
+            <a:avLst/>
+          </a:prstGeom>
+        </p:spPr>
+        <p:txBody>
+          <a:bodyPr/>
           <a:lstStyle/>
           <a:p>
-            <a:pPr>
-              <a:defRPr sz="5400">
-                <a:solidFill>
-                  <a:srgbClr val="838787"/>
-                </a:solidFill>
-                <a:latin typeface="Anonymous Pro for Powerline"/>
-                <a:ea typeface="Anonymous Pro for Powerline"/>
-                <a:cs typeface="Anonymous Pro for Powerline"/>
-                <a:sym typeface="Anonymous Pro for Powerline"/>
-              </a:defRPr>
+            <a:pPr marL="705970" indent="-705970">
+              <a:buClrTx/>
+              <a:buSzPct val="40000"/>
+              <a:buFontTx/>
+              <a:buBlip>
+                <a:blip r:embed="rId2"/>
+              </a:buBlip>
+              <a:defRPr sz="6400"/>
             </a:pPr>
             <a:r>
-              <a:t>transformer</a:t>
-            </a:r>
-            <a:r>
-              <a:rPr>
-                <a:solidFill>
-                  <a:schemeClr val="accent3"/>
-                </a:solidFill>
-              </a:rPr>
-              <a:t>.transform(X)</a:t>
+              <a:t>Feature Matrix, Target Vector</a:t>
+            </a:r>
+          </a:p>
+          <a:p>
+            <a:pPr marL="705970" indent="-705970">
+              <a:buClrTx/>
+              <a:buSzPct val="40000"/>
+              <a:buFontTx/>
+              <a:buBlip>
+                <a:blip r:embed="rId2"/>
+              </a:buBlip>
+              <a:defRPr sz="6400"/>
+            </a:pPr>
+            <a:r>
+              <a:t>Training Set, Test Set</a:t>
             </a:r>
           </a:p>
         </p:txBody>
@@ -10749,7 +12796,7 @@
 </file>
 
 <file path=ppt/slides/slide9.xml><?xml version="1.0" encoding="utf-8"?>
-<p:sld xmlns:a="http://schemas.openxmlformats.org/drawingml/2006/main" xmlns:r="http://schemas.openxmlformats.org/officeDocument/2006/relationships" xmlns:p="http://schemas.openxmlformats.org/presentationml/2006/main" show="0" showMasterSp="1" showMasterPhAnim="1">
+<p:sld xmlns:a="http://schemas.openxmlformats.org/drawingml/2006/main" xmlns:r="http://schemas.openxmlformats.org/officeDocument/2006/relationships" xmlns:p="http://schemas.openxmlformats.org/presentationml/2006/main" showMasterSp="1" showMasterPhAnim="1">
   <p:cSld>
     <p:spTree>
       <p:nvGrpSpPr>
@@ -10775,8 +12822,8 @@
         </p:nvSpPr>
         <p:spPr>
           <a:xfrm>
-            <a:off x="3845326" y="4244673"/>
-            <a:ext cx="5314148" cy="3602707"/>
+            <a:off x="406400" y="1536700"/>
+            <a:ext cx="12192000" cy="1169261"/>
           </a:xfrm>
           <a:prstGeom prst="rect">
             <a:avLst/>
@@ -10784,11 +12831,80 @@
         </p:spPr>
         <p:txBody>
           <a:bodyPr/>
+          <a:lstStyle>
+            <a:lvl1pPr defTabSz="403097">
+              <a:spcBef>
+                <a:spcPts val="1900"/>
+              </a:spcBef>
+              <a:defRPr sz="8200"/>
+            </a:lvl1pPr>
+          </a:lstStyle>
+          <a:p>
+            <a:pPr/>
+            <a:r>
+              <a:t>Feature Matrix, Target Vector</a:t>
+            </a:r>
+          </a:p>
+        </p:txBody>
+      </p:sp>
+      <p:sp>
+        <p:nvSpPr>
+          <p:cNvPr id="215" name="Shape 215"/>
+          <p:cNvSpPr/>
+          <p:nvPr/>
+        </p:nvSpPr>
+        <p:spPr>
+          <a:xfrm>
+            <a:off x="596105" y="4053569"/>
+            <a:ext cx="11719993" cy="3187701"/>
+          </a:xfrm>
+          <a:prstGeom prst="rect">
+            <a:avLst/>
+          </a:prstGeom>
+          <a:ln w="12700">
+            <a:miter lim="400000"/>
+          </a:ln>
+          <a:extLst>
+            <a:ext uri="{C572A759-6A51-4108-AA02-DFA0A04FC94B}">
+              <ma14:wrappingTextBoxFlag xmlns:ma14="http://schemas.microsoft.com/office/mac/drawingml/2011/main" val="1"/>
+            </a:ext>
+          </a:extLst>
+        </p:spPr>
+        <p:txBody>
+          <a:bodyPr wrap="none" lIns="50800" tIns="50800" rIns="50800" bIns="50800" anchor="ctr">
+            <a:spAutoFit/>
+          </a:bodyPr>
           <a:lstStyle/>
           <a:p>
-            <a:pPr/>
-            <a:r>
-              <a:t>Review</a:t>
+            <a:pPr>
+              <a:defRPr sz="5400">
+                <a:solidFill>
+                  <a:srgbClr val="838787"/>
+                </a:solidFill>
+                <a:latin typeface="Anonymous Pro for Powerline"/>
+                <a:ea typeface="Anonymous Pro for Powerline"/>
+                <a:cs typeface="Anonymous Pro for Powerline"/>
+                <a:sym typeface="Anonymous Pro for Powerline"/>
+              </a:defRPr>
+            </a:pPr>
+            <a:r>
+              <a:t>X = df.drop(columns=['price'])</a:t>
+            </a:r>
+          </a:p>
+          <a:p>
+            <a:pPr>
+              <a:defRPr sz="5400">
+                <a:solidFill>
+                  <a:srgbClr val="838787"/>
+                </a:solidFill>
+                <a:latin typeface="Anonymous Pro for Powerline"/>
+                <a:ea typeface="Anonymous Pro for Powerline"/>
+                <a:cs typeface="Anonymous Pro for Powerline"/>
+                <a:sym typeface="Anonymous Pro for Powerline"/>
+              </a:defRPr>
+            </a:pPr>
+            <a:r>
+              <a:t>y = df['price']</a:t>
             </a:r>
           </a:p>
         </p:txBody>
